--- a/Document/보스 기획서.pptx
+++ b/Document/보스 기획서.pptx
@@ -1,23 +1,23 @@
 
 <file path=ppt/presentation.xml><?xml version="1.0" encoding="utf-8"?>
-<p:presentation xmlns:a="http://schemas.openxmlformats.org/drawingml/2006/main" xmlns:r="http://schemas.openxmlformats.org/officeDocument/2006/relationships" xmlns:mc="http://schemas.openxmlformats.org/markup-compatibility/2006" xmlns:mv="urn:schemas-microsoft-com:mac:vml" xmlns:p="http://schemas.openxmlformats.org/presentationml/2006/main" xmlns:c="http://schemas.openxmlformats.org/drawingml/2006/chart" xmlns:dgm="http://schemas.openxmlformats.org/drawingml/2006/diagram" xmlns:o="urn:schemas-microsoft-com:office:office" xmlns:v="urn:schemas-microsoft-com:vml" xmlns:pvml="urn:schemas-microsoft-com:office:powerpoint" xmlns:com="http://schemas.openxmlformats.org/drawingml/2006/compatibility" xmlns:p14="http://schemas.microsoft.com/office/powerpoint/2010/main" xmlns:p15="http://schemas.microsoft.com/office/powerpoint/2012/main" xmlns:ahyp="http://schemas.microsoft.com/office/drawing/2018/hyperlinkcolor" autoCompressPictures="0" strictFirstAndLastChars="0" saveSubsetFonts="1">
+<p:presentation xmlns:a="http://schemas.openxmlformats.org/drawingml/2006/main" xmlns:r="http://schemas.openxmlformats.org/officeDocument/2006/relationships" xmlns:p="http://schemas.openxmlformats.org/presentationml/2006/main" strictFirstAndLastChars="0" saveSubsetFonts="1" autoCompressPictures="0">
   <p:sldMasterIdLst>
-    <p:sldMasterId id="2147483659" r:id="rId4"/>
+    <p:sldMasterId id="2147483659" r:id="rId1"/>
   </p:sldMasterIdLst>
   <p:notesMasterIdLst>
-    <p:notesMasterId r:id="rId5"/>
+    <p:notesMasterId r:id="rId7"/>
   </p:notesMasterIdLst>
   <p:sldIdLst>
-    <p:sldId id="256" r:id="rId6"/>
-    <p:sldId id="257" r:id="rId7"/>
-    <p:sldId id="258" r:id="rId8"/>
-    <p:sldId id="259" r:id="rId9"/>
-    <p:sldId id="260" r:id="rId10"/>
+    <p:sldId id="256" r:id="rId2"/>
+    <p:sldId id="257" r:id="rId3"/>
+    <p:sldId id="258" r:id="rId4"/>
+    <p:sldId id="259" r:id="rId5"/>
+    <p:sldId id="260" r:id="rId6"/>
   </p:sldIdLst>
-  <p:sldSz cy="5143500" cx="9144000"/>
+  <p:sldSz cx="9144000" cy="5143500" type="screen16x9"/>
   <p:notesSz cx="6858000" cy="9144000"/>
   <p:defaultTextStyle>
-    <a:defPPr lvl="0" marR="0" rtl="0" algn="l">
+    <a:defPPr marR="0" lvl="0" algn="l" rtl="0">
       <a:lnSpc>
         <a:spcPct val="100000"/>
       </a:lnSpc>
@@ -28,7 +28,7 @@
         <a:spcPts val="0"/>
       </a:spcAft>
     </a:defPPr>
-    <a:lvl1pPr lvl="0" marR="0" rtl="0" algn="l">
+    <a:lvl1pPr marR="0" lvl="0" algn="l" rtl="0">
       <a:lnSpc>
         <a:spcPct val="100000"/>
       </a:lnSpc>
@@ -42,7 +42,7 @@
         <a:srgbClr val="000000"/>
       </a:buClr>
       <a:buFont typeface="Arial"/>
-      <a:defRPr b="0" i="0" sz="1400" u="none" cap="none" strike="noStrike">
+      <a:defRPr sz="1400" b="0" i="0" u="none" strike="noStrike" cap="none">
         <a:solidFill>
           <a:srgbClr val="000000"/>
         </a:solidFill>
@@ -52,7 +52,7 @@
         <a:sym typeface="Arial"/>
       </a:defRPr>
     </a:lvl1pPr>
-    <a:lvl2pPr lvl="1" marR="0" rtl="0" algn="l">
+    <a:lvl2pPr marR="0" lvl="1" algn="l" rtl="0">
       <a:lnSpc>
         <a:spcPct val="100000"/>
       </a:lnSpc>
@@ -66,7 +66,7 @@
         <a:srgbClr val="000000"/>
       </a:buClr>
       <a:buFont typeface="Arial"/>
-      <a:defRPr b="0" i="0" sz="1400" u="none" cap="none" strike="noStrike">
+      <a:defRPr sz="1400" b="0" i="0" u="none" strike="noStrike" cap="none">
         <a:solidFill>
           <a:srgbClr val="000000"/>
         </a:solidFill>
@@ -76,7 +76,7 @@
         <a:sym typeface="Arial"/>
       </a:defRPr>
     </a:lvl2pPr>
-    <a:lvl3pPr lvl="2" marR="0" rtl="0" algn="l">
+    <a:lvl3pPr marR="0" lvl="2" algn="l" rtl="0">
       <a:lnSpc>
         <a:spcPct val="100000"/>
       </a:lnSpc>
@@ -90,7 +90,7 @@
         <a:srgbClr val="000000"/>
       </a:buClr>
       <a:buFont typeface="Arial"/>
-      <a:defRPr b="0" i="0" sz="1400" u="none" cap="none" strike="noStrike">
+      <a:defRPr sz="1400" b="0" i="0" u="none" strike="noStrike" cap="none">
         <a:solidFill>
           <a:srgbClr val="000000"/>
         </a:solidFill>
@@ -100,7 +100,7 @@
         <a:sym typeface="Arial"/>
       </a:defRPr>
     </a:lvl3pPr>
-    <a:lvl4pPr lvl="3" marR="0" rtl="0" algn="l">
+    <a:lvl4pPr marR="0" lvl="3" algn="l" rtl="0">
       <a:lnSpc>
         <a:spcPct val="100000"/>
       </a:lnSpc>
@@ -114,7 +114,7 @@
         <a:srgbClr val="000000"/>
       </a:buClr>
       <a:buFont typeface="Arial"/>
-      <a:defRPr b="0" i="0" sz="1400" u="none" cap="none" strike="noStrike">
+      <a:defRPr sz="1400" b="0" i="0" u="none" strike="noStrike" cap="none">
         <a:solidFill>
           <a:srgbClr val="000000"/>
         </a:solidFill>
@@ -124,7 +124,7 @@
         <a:sym typeface="Arial"/>
       </a:defRPr>
     </a:lvl4pPr>
-    <a:lvl5pPr lvl="4" marR="0" rtl="0" algn="l">
+    <a:lvl5pPr marR="0" lvl="4" algn="l" rtl="0">
       <a:lnSpc>
         <a:spcPct val="100000"/>
       </a:lnSpc>
@@ -138,7 +138,7 @@
         <a:srgbClr val="000000"/>
       </a:buClr>
       <a:buFont typeface="Arial"/>
-      <a:defRPr b="0" i="0" sz="1400" u="none" cap="none" strike="noStrike">
+      <a:defRPr sz="1400" b="0" i="0" u="none" strike="noStrike" cap="none">
         <a:solidFill>
           <a:srgbClr val="000000"/>
         </a:solidFill>
@@ -148,7 +148,7 @@
         <a:sym typeface="Arial"/>
       </a:defRPr>
     </a:lvl5pPr>
-    <a:lvl6pPr lvl="5" marR="0" rtl="0" algn="l">
+    <a:lvl6pPr marR="0" lvl="5" algn="l" rtl="0">
       <a:lnSpc>
         <a:spcPct val="100000"/>
       </a:lnSpc>
@@ -162,7 +162,7 @@
         <a:srgbClr val="000000"/>
       </a:buClr>
       <a:buFont typeface="Arial"/>
-      <a:defRPr b="0" i="0" sz="1400" u="none" cap="none" strike="noStrike">
+      <a:defRPr sz="1400" b="0" i="0" u="none" strike="noStrike" cap="none">
         <a:solidFill>
           <a:srgbClr val="000000"/>
         </a:solidFill>
@@ -172,7 +172,7 @@
         <a:sym typeface="Arial"/>
       </a:defRPr>
     </a:lvl6pPr>
-    <a:lvl7pPr lvl="6" marR="0" rtl="0" algn="l">
+    <a:lvl7pPr marR="0" lvl="6" algn="l" rtl="0">
       <a:lnSpc>
         <a:spcPct val="100000"/>
       </a:lnSpc>
@@ -186,7 +186,7 @@
         <a:srgbClr val="000000"/>
       </a:buClr>
       <a:buFont typeface="Arial"/>
-      <a:defRPr b="0" i="0" sz="1400" u="none" cap="none" strike="noStrike">
+      <a:defRPr sz="1400" b="0" i="0" u="none" strike="noStrike" cap="none">
         <a:solidFill>
           <a:srgbClr val="000000"/>
         </a:solidFill>
@@ -196,7 +196,7 @@
         <a:sym typeface="Arial"/>
       </a:defRPr>
     </a:lvl7pPr>
-    <a:lvl8pPr lvl="7" marR="0" rtl="0" algn="l">
+    <a:lvl8pPr marR="0" lvl="7" algn="l" rtl="0">
       <a:lnSpc>
         <a:spcPct val="100000"/>
       </a:lnSpc>
@@ -210,7 +210,7 @@
         <a:srgbClr val="000000"/>
       </a:buClr>
       <a:buFont typeface="Arial"/>
-      <a:defRPr b="0" i="0" sz="1400" u="none" cap="none" strike="noStrike">
+      <a:defRPr sz="1400" b="0" i="0" u="none" strike="noStrike" cap="none">
         <a:solidFill>
           <a:srgbClr val="000000"/>
         </a:solidFill>
@@ -220,7 +220,7 @@
         <a:sym typeface="Arial"/>
       </a:defRPr>
     </a:lvl8pPr>
-    <a:lvl9pPr lvl="8" marR="0" rtl="0" algn="l">
+    <a:lvl9pPr marR="0" lvl="8" algn="l" rtl="0">
       <a:lnSpc>
         <a:spcPct val="100000"/>
       </a:lnSpc>
@@ -234,7 +234,7 @@
         <a:srgbClr val="000000"/>
       </a:buClr>
       <a:buFont typeface="Arial"/>
-      <a:defRPr b="0" i="0" sz="1400" u="none" cap="none" strike="noStrike">
+      <a:defRPr sz="1400" b="0" i="0" u="none" strike="noStrike" cap="none">
         <a:solidFill>
           <a:srgbClr val="000000"/>
         </a:solidFill>
@@ -247,7 +247,7 @@
   </p:defaultTextStyle>
   <p:extLst>
     <p:ext uri="{EFAFB233-063F-42B5-8137-9DF3F51BA10A}">
-      <p15:sldGuideLst>
+      <p15:sldGuideLst xmlns:p15="http://schemas.microsoft.com/office/powerpoint/2012/main">
         <p15:guide id="1" orient="horz" pos="1620">
           <p15:clr>
             <a:srgbClr val="A4A3A4"/>
@@ -265,11 +265,16 @@
 </file>
 
 <file path=ppt/notesMasters/notesMaster1.xml><?xml version="1.0" encoding="utf-8"?>
-<p:notesMaster xmlns:a="http://schemas.openxmlformats.org/drawingml/2006/main" xmlns:r="http://schemas.openxmlformats.org/officeDocument/2006/relationships" xmlns:mc="http://schemas.openxmlformats.org/markup-compatibility/2006" xmlns:mv="urn:schemas-microsoft-com:mac:vml" xmlns:p="http://schemas.openxmlformats.org/presentationml/2006/main" xmlns:c="http://schemas.openxmlformats.org/drawingml/2006/chart" xmlns:dgm="http://schemas.openxmlformats.org/drawingml/2006/diagram" xmlns:o="urn:schemas-microsoft-com:office:office" xmlns:v="urn:schemas-microsoft-com:vml" xmlns:pvml="urn:schemas-microsoft-com:office:powerpoint" xmlns:com="http://schemas.openxmlformats.org/drawingml/2006/compatibility" xmlns:p14="http://schemas.microsoft.com/office/powerpoint/2010/main" xmlns:p15="http://schemas.microsoft.com/office/powerpoint/2012/main" xmlns:ahyp="http://schemas.microsoft.com/office/drawing/2018/hyperlinkcolor">
+<p:notesMaster xmlns:a="http://schemas.openxmlformats.org/drawingml/2006/main" xmlns:r="http://schemas.openxmlformats.org/officeDocument/2006/relationships" xmlns:p="http://schemas.openxmlformats.org/presentationml/2006/main">
   <p:cSld>
+    <p:bg>
+      <p:bgRef idx="1001">
+        <a:schemeClr val="bg1"/>
+      </p:bgRef>
+    </p:bg>
     <p:spTree>
       <p:nvGrpSpPr>
-        <p:cNvPr id="2" name="Shape 2"/>
+        <p:cNvPr id="1" name="Shape 2"/>
         <p:cNvGrpSpPr/>
         <p:nvPr/>
       </p:nvGrpSpPr>
@@ -284,9 +289,11 @@
       <p:sp>
         <p:nvSpPr>
           <p:cNvPr id="3" name="Google Shape;3;n"/>
-          <p:cNvSpPr/>
+          <p:cNvSpPr>
+            <a:spLocks noGrp="1" noRot="1" noChangeAspect="1"/>
+          </p:cNvSpPr>
           <p:nvPr>
-            <p:ph idx="2" type="sldImg"/>
+            <p:ph type="sldImg" idx="2"/>
           </p:nvPr>
         </p:nvSpPr>
         <p:spPr>
@@ -295,9 +302,13 @@
             <a:ext cx="6096075" cy="3429000"/>
           </a:xfrm>
           <a:custGeom>
-            <a:rect b="b" l="l" r="r" t="t"/>
+            <a:avLst/>
+            <a:gdLst/>
+            <a:ahLst/>
+            <a:cxnLst/>
+            <a:rect l="l" t="t" r="r" b="b"/>
             <a:pathLst>
-              <a:path extrusionOk="0" h="120000" w="120000">
+              <a:path w="120000" h="120000" extrusionOk="0">
                 <a:moveTo>
                   <a:pt x="0" y="0"/>
                 </a:moveTo>
@@ -315,23 +326,25 @@
             </a:pathLst>
           </a:custGeom>
           <a:noFill/>
-          <a:ln cap="flat" cmpd="sng" w="9525">
+          <a:ln w="9525" cap="flat" cmpd="sng">
             <a:solidFill>
               <a:srgbClr val="000000"/>
             </a:solidFill>
             <a:prstDash val="solid"/>
             <a:round/>
-            <a:headEnd len="sm" w="sm" type="none"/>
-            <a:tailEnd len="sm" w="sm" type="none"/>
+            <a:headEnd type="none" w="sm" len="sm"/>
+            <a:tailEnd type="none" w="sm" len="sm"/>
           </a:ln>
         </p:spPr>
       </p:sp>
       <p:sp>
         <p:nvSpPr>
           <p:cNvPr id="4" name="Google Shape;4;n"/>
-          <p:cNvSpPr txBox="1"/>
+          <p:cNvSpPr txBox="1">
+            <a:spLocks noGrp="1"/>
+          </p:cNvSpPr>
           <p:nvPr>
-            <p:ph idx="1" type="body"/>
+            <p:ph type="body" idx="1"/>
           </p:nvPr>
         </p:nvSpPr>
         <p:spPr>
@@ -348,11 +361,11 @@
           </a:ln>
         </p:spPr>
         <p:txBody>
-          <a:bodyPr anchorCtr="0" anchor="t" bIns="91425" lIns="91425" spcFirstLastPara="1" rIns="91425" wrap="square" tIns="91425">
+          <a:bodyPr spcFirstLastPara="1" wrap="square" lIns="91425" tIns="91425" rIns="91425" bIns="91425" anchor="t" anchorCtr="0">
             <a:noAutofit/>
           </a:bodyPr>
           <a:lstStyle>
-            <a:lvl1pPr indent="-298450" lvl="0" marL="457200">
+            <a:lvl1pPr marL="457200" lvl="0" indent="-298450">
               <a:spcBef>
                 <a:spcPts val="0"/>
               </a:spcBef>
@@ -363,7 +376,7 @@
               <a:buChar char="●"/>
               <a:defRPr sz="1100"/>
             </a:lvl1pPr>
-            <a:lvl2pPr indent="-298450" lvl="1" marL="914400">
+            <a:lvl2pPr marL="914400" lvl="1" indent="-298450">
               <a:spcBef>
                 <a:spcPts val="0"/>
               </a:spcBef>
@@ -374,7 +387,7 @@
               <a:buChar char="○"/>
               <a:defRPr sz="1100"/>
             </a:lvl2pPr>
-            <a:lvl3pPr indent="-298450" lvl="2" marL="1371600">
+            <a:lvl3pPr marL="1371600" lvl="2" indent="-298450">
               <a:spcBef>
                 <a:spcPts val="0"/>
               </a:spcBef>
@@ -385,7 +398,7 @@
               <a:buChar char="■"/>
               <a:defRPr sz="1100"/>
             </a:lvl3pPr>
-            <a:lvl4pPr indent="-298450" lvl="3" marL="1828800">
+            <a:lvl4pPr marL="1828800" lvl="3" indent="-298450">
               <a:spcBef>
                 <a:spcPts val="0"/>
               </a:spcBef>
@@ -396,7 +409,7 @@
               <a:buChar char="●"/>
               <a:defRPr sz="1100"/>
             </a:lvl4pPr>
-            <a:lvl5pPr indent="-298450" lvl="4" marL="2286000">
+            <a:lvl5pPr marL="2286000" lvl="4" indent="-298450">
               <a:spcBef>
                 <a:spcPts val="0"/>
               </a:spcBef>
@@ -407,7 +420,7 @@
               <a:buChar char="○"/>
               <a:defRPr sz="1100"/>
             </a:lvl5pPr>
-            <a:lvl6pPr indent="-298450" lvl="5" marL="2743200">
+            <a:lvl6pPr marL="2743200" lvl="5" indent="-298450">
               <a:spcBef>
                 <a:spcPts val="0"/>
               </a:spcBef>
@@ -418,7 +431,7 @@
               <a:buChar char="■"/>
               <a:defRPr sz="1100"/>
             </a:lvl6pPr>
-            <a:lvl7pPr indent="-298450" lvl="6" marL="3200400">
+            <a:lvl7pPr marL="3200400" lvl="6" indent="-298450">
               <a:spcBef>
                 <a:spcPts val="0"/>
               </a:spcBef>
@@ -429,7 +442,7 @@
               <a:buChar char="●"/>
               <a:defRPr sz="1100"/>
             </a:lvl7pPr>
-            <a:lvl8pPr indent="-298450" lvl="7" marL="3657600">
+            <a:lvl8pPr marL="3657600" lvl="7" indent="-298450">
               <a:spcBef>
                 <a:spcPts val="0"/>
               </a:spcBef>
@@ -440,7 +453,7 @@
               <a:buChar char="○"/>
               <a:defRPr sz="1100"/>
             </a:lvl8pPr>
-            <a:lvl9pPr indent="-298450" lvl="8" marL="4114800">
+            <a:lvl9pPr marL="4114800" lvl="8" indent="-298450">
               <a:spcBef>
                 <a:spcPts val="0"/>
               </a:spcBef>
@@ -452,14 +465,16 @@
               <a:defRPr sz="1100"/>
             </a:lvl9pPr>
           </a:lstStyle>
-          <a:p/>
+          <a:p>
+            <a:endParaRPr/>
+          </a:p>
         </p:txBody>
       </p:sp>
     </p:spTree>
   </p:cSld>
-  <p:clrMap accent1="accent1" accent2="accent2" accent3="accent3" accent4="accent4" accent5="accent5" accent6="accent6" bg1="lt1" bg2="dk2" tx1="dk1" tx2="lt2" folHlink="folHlink" hlink="hlink"/>
+  <p:clrMap bg1="lt1" tx1="dk1" bg2="dk2" tx2="lt2" accent1="accent1" accent2="accent2" accent3="accent3" accent4="accent4" accent5="accent5" accent6="accent6" hlink="hlink" folHlink="folHlink"/>
   <p:notesStyle>
-    <a:defPPr lvl="0" marR="0" rtl="0" algn="l">
+    <a:defPPr marR="0" lvl="0" algn="l" rtl="0">
       <a:lnSpc>
         <a:spcPct val="100000"/>
       </a:lnSpc>
@@ -470,7 +485,7 @@
         <a:spcPts val="0"/>
       </a:spcAft>
     </a:defPPr>
-    <a:lvl1pPr lvl="0" marR="0" rtl="0" algn="l">
+    <a:lvl1pPr marR="0" lvl="0" algn="l" rtl="0">
       <a:lnSpc>
         <a:spcPct val="100000"/>
       </a:lnSpc>
@@ -484,7 +499,7 @@
         <a:srgbClr val="000000"/>
       </a:buClr>
       <a:buFont typeface="Arial"/>
-      <a:defRPr b="0" i="0" sz="1400" u="none" cap="none" strike="noStrike">
+      <a:defRPr sz="1400" b="0" i="0" u="none" strike="noStrike" cap="none">
         <a:solidFill>
           <a:srgbClr val="000000"/>
         </a:solidFill>
@@ -494,7 +509,7 @@
         <a:sym typeface="Arial"/>
       </a:defRPr>
     </a:lvl1pPr>
-    <a:lvl2pPr lvl="1" marR="0" rtl="0" algn="l">
+    <a:lvl2pPr marR="0" lvl="1" algn="l" rtl="0">
       <a:lnSpc>
         <a:spcPct val="100000"/>
       </a:lnSpc>
@@ -508,7 +523,7 @@
         <a:srgbClr val="000000"/>
       </a:buClr>
       <a:buFont typeface="Arial"/>
-      <a:defRPr b="0" i="0" sz="1400" u="none" cap="none" strike="noStrike">
+      <a:defRPr sz="1400" b="0" i="0" u="none" strike="noStrike" cap="none">
         <a:solidFill>
           <a:srgbClr val="000000"/>
         </a:solidFill>
@@ -518,7 +533,7 @@
         <a:sym typeface="Arial"/>
       </a:defRPr>
     </a:lvl2pPr>
-    <a:lvl3pPr lvl="2" marR="0" rtl="0" algn="l">
+    <a:lvl3pPr marR="0" lvl="2" algn="l" rtl="0">
       <a:lnSpc>
         <a:spcPct val="100000"/>
       </a:lnSpc>
@@ -532,7 +547,7 @@
         <a:srgbClr val="000000"/>
       </a:buClr>
       <a:buFont typeface="Arial"/>
-      <a:defRPr b="0" i="0" sz="1400" u="none" cap="none" strike="noStrike">
+      <a:defRPr sz="1400" b="0" i="0" u="none" strike="noStrike" cap="none">
         <a:solidFill>
           <a:srgbClr val="000000"/>
         </a:solidFill>
@@ -542,7 +557,7 @@
         <a:sym typeface="Arial"/>
       </a:defRPr>
     </a:lvl3pPr>
-    <a:lvl4pPr lvl="3" marR="0" rtl="0" algn="l">
+    <a:lvl4pPr marR="0" lvl="3" algn="l" rtl="0">
       <a:lnSpc>
         <a:spcPct val="100000"/>
       </a:lnSpc>
@@ -556,7 +571,7 @@
         <a:srgbClr val="000000"/>
       </a:buClr>
       <a:buFont typeface="Arial"/>
-      <a:defRPr b="0" i="0" sz="1400" u="none" cap="none" strike="noStrike">
+      <a:defRPr sz="1400" b="0" i="0" u="none" strike="noStrike" cap="none">
         <a:solidFill>
           <a:srgbClr val="000000"/>
         </a:solidFill>
@@ -566,7 +581,7 @@
         <a:sym typeface="Arial"/>
       </a:defRPr>
     </a:lvl4pPr>
-    <a:lvl5pPr lvl="4" marR="0" rtl="0" algn="l">
+    <a:lvl5pPr marR="0" lvl="4" algn="l" rtl="0">
       <a:lnSpc>
         <a:spcPct val="100000"/>
       </a:lnSpc>
@@ -580,7 +595,7 @@
         <a:srgbClr val="000000"/>
       </a:buClr>
       <a:buFont typeface="Arial"/>
-      <a:defRPr b="0" i="0" sz="1400" u="none" cap="none" strike="noStrike">
+      <a:defRPr sz="1400" b="0" i="0" u="none" strike="noStrike" cap="none">
         <a:solidFill>
           <a:srgbClr val="000000"/>
         </a:solidFill>
@@ -590,7 +605,7 @@
         <a:sym typeface="Arial"/>
       </a:defRPr>
     </a:lvl5pPr>
-    <a:lvl6pPr lvl="5" marR="0" rtl="0" algn="l">
+    <a:lvl6pPr marR="0" lvl="5" algn="l" rtl="0">
       <a:lnSpc>
         <a:spcPct val="100000"/>
       </a:lnSpc>
@@ -604,7 +619,7 @@
         <a:srgbClr val="000000"/>
       </a:buClr>
       <a:buFont typeface="Arial"/>
-      <a:defRPr b="0" i="0" sz="1400" u="none" cap="none" strike="noStrike">
+      <a:defRPr sz="1400" b="0" i="0" u="none" strike="noStrike" cap="none">
         <a:solidFill>
           <a:srgbClr val="000000"/>
         </a:solidFill>
@@ -614,7 +629,7 @@
         <a:sym typeface="Arial"/>
       </a:defRPr>
     </a:lvl6pPr>
-    <a:lvl7pPr lvl="6" marR="0" rtl="0" algn="l">
+    <a:lvl7pPr marR="0" lvl="6" algn="l" rtl="0">
       <a:lnSpc>
         <a:spcPct val="100000"/>
       </a:lnSpc>
@@ -628,7 +643,7 @@
         <a:srgbClr val="000000"/>
       </a:buClr>
       <a:buFont typeface="Arial"/>
-      <a:defRPr b="0" i="0" sz="1400" u="none" cap="none" strike="noStrike">
+      <a:defRPr sz="1400" b="0" i="0" u="none" strike="noStrike" cap="none">
         <a:solidFill>
           <a:srgbClr val="000000"/>
         </a:solidFill>
@@ -638,7 +653,7 @@
         <a:sym typeface="Arial"/>
       </a:defRPr>
     </a:lvl7pPr>
-    <a:lvl8pPr lvl="7" marR="0" rtl="0" algn="l">
+    <a:lvl8pPr marR="0" lvl="7" algn="l" rtl="0">
       <a:lnSpc>
         <a:spcPct val="100000"/>
       </a:lnSpc>
@@ -652,7 +667,7 @@
         <a:srgbClr val="000000"/>
       </a:buClr>
       <a:buFont typeface="Arial"/>
-      <a:defRPr b="0" i="0" sz="1400" u="none" cap="none" strike="noStrike">
+      <a:defRPr sz="1400" b="0" i="0" u="none" strike="noStrike" cap="none">
         <a:solidFill>
           <a:srgbClr val="000000"/>
         </a:solidFill>
@@ -662,7 +677,7 @@
         <a:sym typeface="Arial"/>
       </a:defRPr>
     </a:lvl8pPr>
-    <a:lvl9pPr lvl="8" marR="0" rtl="0" algn="l">
+    <a:lvl9pPr marR="0" lvl="8" algn="l" rtl="0">
       <a:lnSpc>
         <a:spcPct val="100000"/>
       </a:lnSpc>
@@ -676,7 +691,7 @@
         <a:srgbClr val="000000"/>
       </a:buClr>
       <a:buFont typeface="Arial"/>
-      <a:defRPr b="0" i="0" sz="1400" u="none" cap="none" strike="noStrike">
+      <a:defRPr sz="1400" b="0" i="0" u="none" strike="noStrike" cap="none">
         <a:solidFill>
           <a:srgbClr val="000000"/>
         </a:solidFill>
@@ -691,11 +706,11 @@
 </file>
 
 <file path=ppt/notesSlides/notesSlide1.xml><?xml version="1.0" encoding="utf-8"?>
-<p:notes xmlns:a="http://schemas.openxmlformats.org/drawingml/2006/main" xmlns:r="http://schemas.openxmlformats.org/officeDocument/2006/relationships" xmlns:mc="http://schemas.openxmlformats.org/markup-compatibility/2006" xmlns:mv="urn:schemas-microsoft-com:mac:vml" xmlns:p="http://schemas.openxmlformats.org/presentationml/2006/main" xmlns:c="http://schemas.openxmlformats.org/drawingml/2006/chart" xmlns:dgm="http://schemas.openxmlformats.org/drawingml/2006/diagram" xmlns:o="urn:schemas-microsoft-com:office:office" xmlns:v="urn:schemas-microsoft-com:vml" xmlns:pvml="urn:schemas-microsoft-com:office:powerpoint" xmlns:com="http://schemas.openxmlformats.org/drawingml/2006/compatibility" xmlns:p14="http://schemas.microsoft.com/office/powerpoint/2010/main" xmlns:p15="http://schemas.microsoft.com/office/powerpoint/2012/main" xmlns:ahyp="http://schemas.microsoft.com/office/drawing/2018/hyperlinkcolor" showMasterPhAnim="0" showMasterSp="0">
+<p:notes xmlns:a="http://schemas.openxmlformats.org/drawingml/2006/main" xmlns:r="http://schemas.openxmlformats.org/officeDocument/2006/relationships" xmlns:p="http://schemas.openxmlformats.org/presentationml/2006/main" showMasterSp="0" showMasterPhAnim="0">
   <p:cSld>
     <p:spTree>
       <p:nvGrpSpPr>
-        <p:cNvPr id="50" name="Shape 50"/>
+        <p:cNvPr id="1" name="Shape 50"/>
         <p:cNvGrpSpPr/>
         <p:nvPr/>
       </p:nvGrpSpPr>
@@ -710,20 +725,26 @@
       <p:sp>
         <p:nvSpPr>
           <p:cNvPr id="51" name="Google Shape;51;p:notes"/>
-          <p:cNvSpPr/>
+          <p:cNvSpPr>
+            <a:spLocks noGrp="1" noRot="1" noChangeAspect="1"/>
+          </p:cNvSpPr>
           <p:nvPr>
-            <p:ph idx="2" type="sldImg"/>
+            <p:ph type="sldImg" idx="2"/>
           </p:nvPr>
         </p:nvSpPr>
         <p:spPr>
           <a:xfrm>
-            <a:off x="381300" y="685800"/>
-            <a:ext cx="6096075" cy="3429000"/>
+            <a:off x="381000" y="685800"/>
+            <a:ext cx="6096000" cy="3429000"/>
           </a:xfrm>
           <a:custGeom>
-            <a:rect b="b" l="l" r="r" t="t"/>
+            <a:avLst/>
+            <a:gdLst/>
+            <a:ahLst/>
+            <a:cxnLst/>
+            <a:rect l="l" t="t" r="r" b="b"/>
             <a:pathLst>
-              <a:path extrusionOk="0" h="120000" w="120000">
+              <a:path w="120000" h="120000" extrusionOk="0">
                 <a:moveTo>
                   <a:pt x="0" y="0"/>
                 </a:moveTo>
@@ -745,9 +766,11 @@
       <p:sp>
         <p:nvSpPr>
           <p:cNvPr id="52" name="Google Shape;52;p:notes"/>
-          <p:cNvSpPr txBox="1"/>
+          <p:cNvSpPr txBox="1">
+            <a:spLocks noGrp="1"/>
+          </p:cNvSpPr>
           <p:nvPr>
-            <p:ph idx="1" type="body"/>
+            <p:ph type="body" idx="1"/>
           </p:nvPr>
         </p:nvSpPr>
         <p:spPr>
@@ -760,23 +783,20 @@
           </a:prstGeom>
         </p:spPr>
         <p:txBody>
-          <a:bodyPr anchorCtr="0" anchor="t" bIns="91425" lIns="91425" spcFirstLastPara="1" rIns="91425" wrap="square" tIns="91425">
+          <a:bodyPr spcFirstLastPara="1" wrap="square" lIns="91425" tIns="91425" rIns="91425" bIns="91425" anchor="t" anchorCtr="0">
             <a:noAutofit/>
           </a:bodyPr>
           <a:lstStyle/>
           <a:p>
-            <a:pPr indent="0" lvl="0" marL="0" rtl="0" algn="l">
-              <a:spcBef>
-                <a:spcPts val="0"/>
-              </a:spcBef>
-              <a:spcAft>
-                <a:spcPts val="0"/>
-              </a:spcAft>
-              <a:buNone/>
-            </a:pPr>
-            <a:r>
-              <a:t/>
-            </a:r>
+            <a:pPr marL="0" lvl="0" indent="0" algn="l" rtl="0">
+              <a:spcBef>
+                <a:spcPts val="0"/>
+              </a:spcBef>
+              <a:spcAft>
+                <a:spcPts val="0"/>
+              </a:spcAft>
+              <a:buNone/>
+            </a:pPr>
             <a:endParaRPr/>
           </a:p>
         </p:txBody>
@@ -790,11 +810,11 @@
 </file>
 
 <file path=ppt/notesSlides/notesSlide2.xml><?xml version="1.0" encoding="utf-8"?>
-<p:notes xmlns:a="http://schemas.openxmlformats.org/drawingml/2006/main" xmlns:r="http://schemas.openxmlformats.org/officeDocument/2006/relationships" xmlns:mc="http://schemas.openxmlformats.org/markup-compatibility/2006" xmlns:mv="urn:schemas-microsoft-com:mac:vml" xmlns:p="http://schemas.openxmlformats.org/presentationml/2006/main" xmlns:c="http://schemas.openxmlformats.org/drawingml/2006/chart" xmlns:dgm="http://schemas.openxmlformats.org/drawingml/2006/diagram" xmlns:o="urn:schemas-microsoft-com:office:office" xmlns:v="urn:schemas-microsoft-com:vml" xmlns:pvml="urn:schemas-microsoft-com:office:powerpoint" xmlns:com="http://schemas.openxmlformats.org/drawingml/2006/compatibility" xmlns:p14="http://schemas.microsoft.com/office/powerpoint/2010/main" xmlns:p15="http://schemas.microsoft.com/office/powerpoint/2012/main" xmlns:ahyp="http://schemas.microsoft.com/office/drawing/2018/hyperlinkcolor" showMasterPhAnim="0" showMasterSp="0">
+<p:notes xmlns:a="http://schemas.openxmlformats.org/drawingml/2006/main" xmlns:r="http://schemas.openxmlformats.org/officeDocument/2006/relationships" xmlns:p="http://schemas.openxmlformats.org/presentationml/2006/main" showMasterSp="0" showMasterPhAnim="0">
   <p:cSld>
     <p:spTree>
       <p:nvGrpSpPr>
-        <p:cNvPr id="56" name="Shape 56"/>
+        <p:cNvPr id="1" name="Shape 56"/>
         <p:cNvGrpSpPr/>
         <p:nvPr/>
       </p:nvGrpSpPr>
@@ -809,9 +829,11 @@
       <p:sp>
         <p:nvSpPr>
           <p:cNvPr id="57" name="Google Shape;57;g1a83f60cb5b_0_2:notes"/>
-          <p:cNvSpPr/>
+          <p:cNvSpPr>
+            <a:spLocks noGrp="1" noRot="1" noChangeAspect="1"/>
+          </p:cNvSpPr>
           <p:nvPr>
-            <p:ph idx="2" type="sldImg"/>
+            <p:ph type="sldImg" idx="2"/>
           </p:nvPr>
         </p:nvSpPr>
         <p:spPr>
@@ -820,9 +842,13 @@
             <a:ext cx="6096000" cy="3429000"/>
           </a:xfrm>
           <a:custGeom>
-            <a:rect b="b" l="l" r="r" t="t"/>
+            <a:avLst/>
+            <a:gdLst/>
+            <a:ahLst/>
+            <a:cxnLst/>
+            <a:rect l="l" t="t" r="r" b="b"/>
             <a:pathLst>
-              <a:path extrusionOk="0" h="120000" w="120000">
+              <a:path w="120000" h="120000" extrusionOk="0">
                 <a:moveTo>
                   <a:pt x="0" y="0"/>
                 </a:moveTo>
@@ -844,9 +870,11 @@
       <p:sp>
         <p:nvSpPr>
           <p:cNvPr id="58" name="Google Shape;58;g1a83f60cb5b_0_2:notes"/>
-          <p:cNvSpPr txBox="1"/>
+          <p:cNvSpPr txBox="1">
+            <a:spLocks noGrp="1"/>
+          </p:cNvSpPr>
           <p:nvPr>
-            <p:ph idx="1" type="body"/>
+            <p:ph type="body" idx="1"/>
           </p:nvPr>
         </p:nvSpPr>
         <p:spPr>
@@ -859,23 +887,20 @@
           </a:prstGeom>
         </p:spPr>
         <p:txBody>
-          <a:bodyPr anchorCtr="0" anchor="t" bIns="91425" lIns="91425" spcFirstLastPara="1" rIns="91425" wrap="square" tIns="91425">
+          <a:bodyPr spcFirstLastPara="1" wrap="square" lIns="91425" tIns="91425" rIns="91425" bIns="91425" anchor="t" anchorCtr="0">
             <a:noAutofit/>
           </a:bodyPr>
           <a:lstStyle/>
           <a:p>
-            <a:pPr indent="0" lvl="0" marL="0" rtl="0" algn="l">
-              <a:spcBef>
-                <a:spcPts val="0"/>
-              </a:spcBef>
-              <a:spcAft>
-                <a:spcPts val="0"/>
-              </a:spcAft>
-              <a:buNone/>
-            </a:pPr>
-            <a:r>
-              <a:t/>
-            </a:r>
+            <a:pPr marL="0" lvl="0" indent="0" algn="l" rtl="0">
+              <a:spcBef>
+                <a:spcPts val="0"/>
+              </a:spcBef>
+              <a:spcAft>
+                <a:spcPts val="0"/>
+              </a:spcAft>
+              <a:buNone/>
+            </a:pPr>
             <a:endParaRPr/>
           </a:p>
         </p:txBody>
@@ -889,11 +914,11 @@
 </file>
 
 <file path=ppt/notesSlides/notesSlide3.xml><?xml version="1.0" encoding="utf-8"?>
-<p:notes xmlns:a="http://schemas.openxmlformats.org/drawingml/2006/main" xmlns:r="http://schemas.openxmlformats.org/officeDocument/2006/relationships" xmlns:mc="http://schemas.openxmlformats.org/markup-compatibility/2006" xmlns:mv="urn:schemas-microsoft-com:mac:vml" xmlns:p="http://schemas.openxmlformats.org/presentationml/2006/main" xmlns:c="http://schemas.openxmlformats.org/drawingml/2006/chart" xmlns:dgm="http://schemas.openxmlformats.org/drawingml/2006/diagram" xmlns:o="urn:schemas-microsoft-com:office:office" xmlns:v="urn:schemas-microsoft-com:vml" xmlns:pvml="urn:schemas-microsoft-com:office:powerpoint" xmlns:com="http://schemas.openxmlformats.org/drawingml/2006/compatibility" xmlns:p14="http://schemas.microsoft.com/office/powerpoint/2010/main" xmlns:p15="http://schemas.microsoft.com/office/powerpoint/2012/main" xmlns:ahyp="http://schemas.microsoft.com/office/drawing/2018/hyperlinkcolor" showMasterPhAnim="0" showMasterSp="0">
+<p:notes xmlns:a="http://schemas.openxmlformats.org/drawingml/2006/main" xmlns:r="http://schemas.openxmlformats.org/officeDocument/2006/relationships" xmlns:p="http://schemas.openxmlformats.org/presentationml/2006/main" showMasterSp="0" showMasterPhAnim="0">
   <p:cSld>
     <p:spTree>
       <p:nvGrpSpPr>
-        <p:cNvPr id="77" name="Shape 77"/>
+        <p:cNvPr id="1" name="Shape 77"/>
         <p:cNvGrpSpPr/>
         <p:nvPr/>
       </p:nvGrpSpPr>
@@ -908,9 +933,11 @@
       <p:sp>
         <p:nvSpPr>
           <p:cNvPr id="78" name="Google Shape;78;g1a83f60cb5b_0_23:notes"/>
-          <p:cNvSpPr/>
+          <p:cNvSpPr>
+            <a:spLocks noGrp="1" noRot="1" noChangeAspect="1"/>
+          </p:cNvSpPr>
           <p:nvPr>
-            <p:ph idx="2" type="sldImg"/>
+            <p:ph type="sldImg" idx="2"/>
           </p:nvPr>
         </p:nvSpPr>
         <p:spPr>
@@ -919,9 +946,13 @@
             <a:ext cx="6096000" cy="3429000"/>
           </a:xfrm>
           <a:custGeom>
-            <a:rect b="b" l="l" r="r" t="t"/>
+            <a:avLst/>
+            <a:gdLst/>
+            <a:ahLst/>
+            <a:cxnLst/>
+            <a:rect l="l" t="t" r="r" b="b"/>
             <a:pathLst>
-              <a:path extrusionOk="0" h="120000" w="120000">
+              <a:path w="120000" h="120000" extrusionOk="0">
                 <a:moveTo>
                   <a:pt x="0" y="0"/>
                 </a:moveTo>
@@ -943,9 +974,11 @@
       <p:sp>
         <p:nvSpPr>
           <p:cNvPr id="79" name="Google Shape;79;g1a83f60cb5b_0_23:notes"/>
-          <p:cNvSpPr txBox="1"/>
+          <p:cNvSpPr txBox="1">
+            <a:spLocks noGrp="1"/>
+          </p:cNvSpPr>
           <p:nvPr>
-            <p:ph idx="1" type="body"/>
+            <p:ph type="body" idx="1"/>
           </p:nvPr>
         </p:nvSpPr>
         <p:spPr>
@@ -958,23 +991,20 @@
           </a:prstGeom>
         </p:spPr>
         <p:txBody>
-          <a:bodyPr anchorCtr="0" anchor="t" bIns="91425" lIns="91425" spcFirstLastPara="1" rIns="91425" wrap="square" tIns="91425">
+          <a:bodyPr spcFirstLastPara="1" wrap="square" lIns="91425" tIns="91425" rIns="91425" bIns="91425" anchor="t" anchorCtr="0">
             <a:noAutofit/>
           </a:bodyPr>
           <a:lstStyle/>
           <a:p>
-            <a:pPr indent="0" lvl="0" marL="0" rtl="0" algn="l">
-              <a:spcBef>
-                <a:spcPts val="0"/>
-              </a:spcBef>
-              <a:spcAft>
-                <a:spcPts val="0"/>
-              </a:spcAft>
-              <a:buNone/>
-            </a:pPr>
-            <a:r>
-              <a:t/>
-            </a:r>
+            <a:pPr marL="0" lvl="0" indent="0" algn="l" rtl="0">
+              <a:spcBef>
+                <a:spcPts val="0"/>
+              </a:spcBef>
+              <a:spcAft>
+                <a:spcPts val="0"/>
+              </a:spcAft>
+              <a:buNone/>
+            </a:pPr>
             <a:endParaRPr/>
           </a:p>
         </p:txBody>
@@ -988,11 +1018,11 @@
 </file>
 
 <file path=ppt/notesSlides/notesSlide4.xml><?xml version="1.0" encoding="utf-8"?>
-<p:notes xmlns:a="http://schemas.openxmlformats.org/drawingml/2006/main" xmlns:r="http://schemas.openxmlformats.org/officeDocument/2006/relationships" xmlns:mc="http://schemas.openxmlformats.org/markup-compatibility/2006" xmlns:mv="urn:schemas-microsoft-com:mac:vml" xmlns:p="http://schemas.openxmlformats.org/presentationml/2006/main" xmlns:c="http://schemas.openxmlformats.org/drawingml/2006/chart" xmlns:dgm="http://schemas.openxmlformats.org/drawingml/2006/diagram" xmlns:o="urn:schemas-microsoft-com:office:office" xmlns:v="urn:schemas-microsoft-com:vml" xmlns:pvml="urn:schemas-microsoft-com:office:powerpoint" xmlns:com="http://schemas.openxmlformats.org/drawingml/2006/compatibility" xmlns:p14="http://schemas.microsoft.com/office/powerpoint/2010/main" xmlns:p15="http://schemas.microsoft.com/office/powerpoint/2012/main" xmlns:ahyp="http://schemas.microsoft.com/office/drawing/2018/hyperlinkcolor" showMasterPhAnim="0" showMasterSp="0">
+<p:notes xmlns:a="http://schemas.openxmlformats.org/drawingml/2006/main" xmlns:r="http://schemas.openxmlformats.org/officeDocument/2006/relationships" xmlns:p="http://schemas.openxmlformats.org/presentationml/2006/main" showMasterSp="0" showMasterPhAnim="0">
   <p:cSld>
     <p:spTree>
       <p:nvGrpSpPr>
-        <p:cNvPr id="96" name="Shape 96"/>
+        <p:cNvPr id="1" name="Shape 96"/>
         <p:cNvGrpSpPr/>
         <p:nvPr/>
       </p:nvGrpSpPr>
@@ -1007,9 +1037,11 @@
       <p:sp>
         <p:nvSpPr>
           <p:cNvPr id="97" name="Google Shape;97;g1a83f60cb5b_0_51:notes"/>
-          <p:cNvSpPr/>
+          <p:cNvSpPr>
+            <a:spLocks noGrp="1" noRot="1" noChangeAspect="1"/>
+          </p:cNvSpPr>
           <p:nvPr>
-            <p:ph idx="2" type="sldImg"/>
+            <p:ph type="sldImg" idx="2"/>
           </p:nvPr>
         </p:nvSpPr>
         <p:spPr>
@@ -1018,9 +1050,13 @@
             <a:ext cx="6096000" cy="3429000"/>
           </a:xfrm>
           <a:custGeom>
-            <a:rect b="b" l="l" r="r" t="t"/>
+            <a:avLst/>
+            <a:gdLst/>
+            <a:ahLst/>
+            <a:cxnLst/>
+            <a:rect l="l" t="t" r="r" b="b"/>
             <a:pathLst>
-              <a:path extrusionOk="0" h="120000" w="120000">
+              <a:path w="120000" h="120000" extrusionOk="0">
                 <a:moveTo>
                   <a:pt x="0" y="0"/>
                 </a:moveTo>
@@ -1042,9 +1078,11 @@
       <p:sp>
         <p:nvSpPr>
           <p:cNvPr id="98" name="Google Shape;98;g1a83f60cb5b_0_51:notes"/>
-          <p:cNvSpPr txBox="1"/>
+          <p:cNvSpPr txBox="1">
+            <a:spLocks noGrp="1"/>
+          </p:cNvSpPr>
           <p:nvPr>
-            <p:ph idx="1" type="body"/>
+            <p:ph type="body" idx="1"/>
           </p:nvPr>
         </p:nvSpPr>
         <p:spPr>
@@ -1057,23 +1095,20 @@
           </a:prstGeom>
         </p:spPr>
         <p:txBody>
-          <a:bodyPr anchorCtr="0" anchor="t" bIns="91425" lIns="91425" spcFirstLastPara="1" rIns="91425" wrap="square" tIns="91425">
+          <a:bodyPr spcFirstLastPara="1" wrap="square" lIns="91425" tIns="91425" rIns="91425" bIns="91425" anchor="t" anchorCtr="0">
             <a:noAutofit/>
           </a:bodyPr>
           <a:lstStyle/>
           <a:p>
-            <a:pPr indent="0" lvl="0" marL="0" rtl="0" algn="l">
-              <a:spcBef>
-                <a:spcPts val="0"/>
-              </a:spcBef>
-              <a:spcAft>
-                <a:spcPts val="0"/>
-              </a:spcAft>
-              <a:buNone/>
-            </a:pPr>
-            <a:r>
-              <a:t/>
-            </a:r>
+            <a:pPr marL="0" lvl="0" indent="0" algn="l" rtl="0">
+              <a:spcBef>
+                <a:spcPts val="0"/>
+              </a:spcBef>
+              <a:spcAft>
+                <a:spcPts val="0"/>
+              </a:spcAft>
+              <a:buNone/>
+            </a:pPr>
             <a:endParaRPr/>
           </a:p>
         </p:txBody>
@@ -1087,11 +1122,11 @@
 </file>
 
 <file path=ppt/notesSlides/notesSlide5.xml><?xml version="1.0" encoding="utf-8"?>
-<p:notes xmlns:a="http://schemas.openxmlformats.org/drawingml/2006/main" xmlns:r="http://schemas.openxmlformats.org/officeDocument/2006/relationships" xmlns:mc="http://schemas.openxmlformats.org/markup-compatibility/2006" xmlns:mv="urn:schemas-microsoft-com:mac:vml" xmlns:p="http://schemas.openxmlformats.org/presentationml/2006/main" xmlns:c="http://schemas.openxmlformats.org/drawingml/2006/chart" xmlns:dgm="http://schemas.openxmlformats.org/drawingml/2006/diagram" xmlns:o="urn:schemas-microsoft-com:office:office" xmlns:v="urn:schemas-microsoft-com:vml" xmlns:pvml="urn:schemas-microsoft-com:office:powerpoint" xmlns:com="http://schemas.openxmlformats.org/drawingml/2006/compatibility" xmlns:p14="http://schemas.microsoft.com/office/powerpoint/2010/main" xmlns:p15="http://schemas.microsoft.com/office/powerpoint/2012/main" xmlns:ahyp="http://schemas.microsoft.com/office/drawing/2018/hyperlinkcolor" showMasterPhAnim="0" showMasterSp="0">
+<p:notes xmlns:a="http://schemas.openxmlformats.org/drawingml/2006/main" xmlns:r="http://schemas.openxmlformats.org/officeDocument/2006/relationships" xmlns:p="http://schemas.openxmlformats.org/presentationml/2006/main" showMasterSp="0" showMasterPhAnim="0">
   <p:cSld>
     <p:spTree>
       <p:nvGrpSpPr>
-        <p:cNvPr id="146" name="Shape 146"/>
+        <p:cNvPr id="1" name="Shape 146"/>
         <p:cNvGrpSpPr/>
         <p:nvPr/>
       </p:nvGrpSpPr>
@@ -1106,9 +1141,11 @@
       <p:sp>
         <p:nvSpPr>
           <p:cNvPr id="147" name="Google Shape;147;g1a83f60cb5b_0_174:notes"/>
-          <p:cNvSpPr/>
+          <p:cNvSpPr>
+            <a:spLocks noGrp="1" noRot="1" noChangeAspect="1"/>
+          </p:cNvSpPr>
           <p:nvPr>
-            <p:ph idx="2" type="sldImg"/>
+            <p:ph type="sldImg" idx="2"/>
           </p:nvPr>
         </p:nvSpPr>
         <p:spPr>
@@ -1117,9 +1154,13 @@
             <a:ext cx="6096000" cy="3429000"/>
           </a:xfrm>
           <a:custGeom>
-            <a:rect b="b" l="l" r="r" t="t"/>
+            <a:avLst/>
+            <a:gdLst/>
+            <a:ahLst/>
+            <a:cxnLst/>
+            <a:rect l="l" t="t" r="r" b="b"/>
             <a:pathLst>
-              <a:path extrusionOk="0" h="120000" w="120000">
+              <a:path w="120000" h="120000" extrusionOk="0">
                 <a:moveTo>
                   <a:pt x="0" y="0"/>
                 </a:moveTo>
@@ -1141,9 +1182,11 @@
       <p:sp>
         <p:nvSpPr>
           <p:cNvPr id="148" name="Google Shape;148;g1a83f60cb5b_0_174:notes"/>
-          <p:cNvSpPr txBox="1"/>
+          <p:cNvSpPr txBox="1">
+            <a:spLocks noGrp="1"/>
+          </p:cNvSpPr>
           <p:nvPr>
-            <p:ph idx="1" type="body"/>
+            <p:ph type="body" idx="1"/>
           </p:nvPr>
         </p:nvSpPr>
         <p:spPr>
@@ -1156,23 +1199,20 @@
           </a:prstGeom>
         </p:spPr>
         <p:txBody>
-          <a:bodyPr anchorCtr="0" anchor="t" bIns="91425" lIns="91425" spcFirstLastPara="1" rIns="91425" wrap="square" tIns="91425">
+          <a:bodyPr spcFirstLastPara="1" wrap="square" lIns="91425" tIns="91425" rIns="91425" bIns="91425" anchor="t" anchorCtr="0">
             <a:noAutofit/>
           </a:bodyPr>
           <a:lstStyle/>
           <a:p>
-            <a:pPr indent="0" lvl="0" marL="0" rtl="0" algn="l">
-              <a:spcBef>
-                <a:spcPts val="0"/>
-              </a:spcBef>
-              <a:spcAft>
-                <a:spcPts val="0"/>
-              </a:spcAft>
-              <a:buNone/>
-            </a:pPr>
-            <a:r>
-              <a:t/>
-            </a:r>
+            <a:pPr marL="0" lvl="0" indent="0" algn="l" rtl="0">
+              <a:spcBef>
+                <a:spcPts val="0"/>
+              </a:spcBef>
+              <a:spcAft>
+                <a:spcPts val="0"/>
+              </a:spcAft>
+              <a:buNone/>
+            </a:pPr>
             <a:endParaRPr/>
           </a:p>
         </p:txBody>
@@ -1186,11 +1226,11 @@
 </file>
 
 <file path=ppt/slideLayouts/slideLayout1.xml><?xml version="1.0" encoding="utf-8"?>
-<p:sldLayout xmlns:a="http://schemas.openxmlformats.org/drawingml/2006/main" xmlns:r="http://schemas.openxmlformats.org/officeDocument/2006/relationships" xmlns:mc="http://schemas.openxmlformats.org/markup-compatibility/2006" xmlns:mv="urn:schemas-microsoft-com:mac:vml" xmlns:p="http://schemas.openxmlformats.org/presentationml/2006/main" xmlns:c="http://schemas.openxmlformats.org/drawingml/2006/chart" xmlns:dgm="http://schemas.openxmlformats.org/drawingml/2006/diagram" xmlns:o="urn:schemas-microsoft-com:office:office" xmlns:v="urn:schemas-microsoft-com:vml" xmlns:pvml="urn:schemas-microsoft-com:office:powerpoint" xmlns:com="http://schemas.openxmlformats.org/drawingml/2006/compatibility" xmlns:p14="http://schemas.microsoft.com/office/powerpoint/2010/main" xmlns:p15="http://schemas.microsoft.com/office/powerpoint/2012/main" xmlns:ahyp="http://schemas.microsoft.com/office/drawing/2018/hyperlinkcolor" matchingName="Title slide" type="title">
+<p:sldLayout xmlns:a="http://schemas.openxmlformats.org/drawingml/2006/main" xmlns:r="http://schemas.openxmlformats.org/officeDocument/2006/relationships" xmlns:p="http://schemas.openxmlformats.org/presentationml/2006/main" matchingName="Title slide" type="title">
   <p:cSld name="TITLE">
     <p:spTree>
       <p:nvGrpSpPr>
-        <p:cNvPr id="9" name="Shape 9"/>
+        <p:cNvPr id="1" name="Shape 9"/>
         <p:cNvGrpSpPr/>
         <p:nvPr/>
       </p:nvGrpSpPr>
@@ -1205,7 +1245,9 @@
       <p:sp>
         <p:nvSpPr>
           <p:cNvPr id="10" name="Google Shape;10;p2"/>
-          <p:cNvSpPr txBox="1"/>
+          <p:cNvSpPr txBox="1">
+            <a:spLocks noGrp="1"/>
+          </p:cNvSpPr>
           <p:nvPr>
             <p:ph type="ctrTitle"/>
           </p:nvPr>
@@ -1220,7 +1262,7 @@
           </a:prstGeom>
         </p:spPr>
         <p:txBody>
-          <a:bodyPr anchorCtr="0" anchor="b" bIns="91425" lIns="91425" spcFirstLastPara="1" rIns="91425" wrap="square" tIns="91425">
+          <a:bodyPr spcFirstLastPara="1" wrap="square" lIns="91425" tIns="91425" rIns="91425" bIns="91425" anchor="b" anchorCtr="0">
             <a:normAutofit/>
           </a:bodyPr>
           <a:lstStyle>
@@ -1324,15 +1366,19 @@
               <a:defRPr sz="5200"/>
             </a:lvl9pPr>
           </a:lstStyle>
-          <a:p/>
+          <a:p>
+            <a:endParaRPr/>
+          </a:p>
         </p:txBody>
       </p:sp>
       <p:sp>
         <p:nvSpPr>
           <p:cNvPr id="11" name="Google Shape;11;p2"/>
-          <p:cNvSpPr txBox="1"/>
+          <p:cNvSpPr txBox="1">
+            <a:spLocks noGrp="1"/>
+          </p:cNvSpPr>
           <p:nvPr>
-            <p:ph idx="1" type="subTitle"/>
+            <p:ph type="subTitle" idx="1"/>
           </p:nvPr>
         </p:nvSpPr>
         <p:spPr>
@@ -1345,7 +1391,7 @@
           </a:prstGeom>
         </p:spPr>
         <p:txBody>
-          <a:bodyPr anchorCtr="0" anchor="t" bIns="91425" lIns="91425" spcFirstLastPara="1" rIns="91425" wrap="square" tIns="91425">
+          <a:bodyPr spcFirstLastPara="1" wrap="square" lIns="91425" tIns="91425" rIns="91425" bIns="91425" anchor="t" anchorCtr="0">
             <a:normAutofit/>
           </a:bodyPr>
           <a:lstStyle>
@@ -1476,15 +1522,19 @@
               <a:defRPr sz="2800"/>
             </a:lvl9pPr>
           </a:lstStyle>
-          <a:p/>
+          <a:p>
+            <a:endParaRPr/>
+          </a:p>
         </p:txBody>
       </p:sp>
       <p:sp>
         <p:nvSpPr>
           <p:cNvPr id="12" name="Google Shape;12;p2"/>
-          <p:cNvSpPr txBox="1"/>
+          <p:cNvSpPr txBox="1">
+            <a:spLocks noGrp="1"/>
+          </p:cNvSpPr>
           <p:nvPr>
-            <p:ph idx="12" type="sldNum"/>
+            <p:ph type="sldNum" idx="12"/>
           </p:nvPr>
         </p:nvSpPr>
         <p:spPr>
@@ -1497,7 +1547,7 @@
           </a:prstGeom>
         </p:spPr>
         <p:txBody>
-          <a:bodyPr anchorCtr="0" anchor="ctr" bIns="91425" lIns="91425" spcFirstLastPara="1" rIns="91425" wrap="square" tIns="91425">
+          <a:bodyPr spcFirstLastPara="1" wrap="square" lIns="91425" tIns="91425" rIns="91425" bIns="91425" anchor="ctr" anchorCtr="0">
             <a:normAutofit/>
           </a:bodyPr>
           <a:lstStyle>
@@ -1539,7 +1589,7 @@
             </a:lvl9pPr>
           </a:lstStyle>
           <a:p>
-            <a:pPr indent="0" lvl="0" marL="0" rtl="0" algn="r">
+            <a:pPr marL="0" lvl="0" indent="0" algn="r" rtl="0">
               <a:spcBef>
                 <a:spcPts val="0"/>
               </a:spcBef>
@@ -1565,11 +1615,11 @@
 </file>
 
 <file path=ppt/slideLayouts/slideLayout10.xml><?xml version="1.0" encoding="utf-8"?>
-<p:sldLayout xmlns:a="http://schemas.openxmlformats.org/drawingml/2006/main" xmlns:r="http://schemas.openxmlformats.org/officeDocument/2006/relationships" xmlns:mc="http://schemas.openxmlformats.org/markup-compatibility/2006" xmlns:mv="urn:schemas-microsoft-com:mac:vml" xmlns:p="http://schemas.openxmlformats.org/presentationml/2006/main" xmlns:c="http://schemas.openxmlformats.org/drawingml/2006/chart" xmlns:dgm="http://schemas.openxmlformats.org/drawingml/2006/diagram" xmlns:o="urn:schemas-microsoft-com:office:office" xmlns:v="urn:schemas-microsoft-com:vml" xmlns:pvml="urn:schemas-microsoft-com:office:powerpoint" xmlns:com="http://schemas.openxmlformats.org/drawingml/2006/compatibility" xmlns:p14="http://schemas.microsoft.com/office/powerpoint/2010/main" xmlns:p15="http://schemas.microsoft.com/office/powerpoint/2012/main" xmlns:ahyp="http://schemas.microsoft.com/office/drawing/2018/hyperlinkcolor" matchingName="Big number">
+<p:sldLayout xmlns:a="http://schemas.openxmlformats.org/drawingml/2006/main" xmlns:r="http://schemas.openxmlformats.org/officeDocument/2006/relationships" xmlns:p="http://schemas.openxmlformats.org/presentationml/2006/main" matchingName="Big number">
   <p:cSld name="BIG_NUMBER">
     <p:spTree>
       <p:nvGrpSpPr>
-        <p:cNvPr id="44" name="Shape 44"/>
+        <p:cNvPr id="1" name="Shape 44"/>
         <p:cNvGrpSpPr/>
         <p:nvPr/>
       </p:nvGrpSpPr>
@@ -1584,9 +1634,11 @@
       <p:sp>
         <p:nvSpPr>
           <p:cNvPr id="45" name="Google Shape;45;p11"/>
-          <p:cNvSpPr txBox="1"/>
+          <p:cNvSpPr txBox="1">
+            <a:spLocks noGrp="1"/>
+          </p:cNvSpPr>
           <p:nvPr>
-            <p:ph hasCustomPrompt="1" type="title"/>
+            <p:ph type="title" hasCustomPrompt="1"/>
           </p:nvPr>
         </p:nvSpPr>
         <p:spPr>
@@ -1599,7 +1651,7 @@
           </a:prstGeom>
         </p:spPr>
         <p:txBody>
-          <a:bodyPr anchorCtr="0" anchor="b" bIns="91425" lIns="91425" spcFirstLastPara="1" rIns="91425" wrap="square" tIns="91425">
+          <a:bodyPr spcFirstLastPara="1" wrap="square" lIns="91425" tIns="91425" rIns="91425" bIns="91425" anchor="b" anchorCtr="0">
             <a:normAutofit/>
           </a:bodyPr>
           <a:lstStyle>
@@ -1713,9 +1765,11 @@
       <p:sp>
         <p:nvSpPr>
           <p:cNvPr id="46" name="Google Shape;46;p11"/>
-          <p:cNvSpPr txBox="1"/>
+          <p:cNvSpPr txBox="1">
+            <a:spLocks noGrp="1"/>
+          </p:cNvSpPr>
           <p:nvPr>
-            <p:ph idx="1" type="body"/>
+            <p:ph type="body" idx="1"/>
           </p:nvPr>
         </p:nvSpPr>
         <p:spPr>
@@ -1728,11 +1782,11 @@
           </a:prstGeom>
         </p:spPr>
         <p:txBody>
-          <a:bodyPr anchorCtr="0" anchor="t" bIns="91425" lIns="91425" spcFirstLastPara="1" rIns="91425" wrap="square" tIns="91425">
+          <a:bodyPr spcFirstLastPara="1" wrap="square" lIns="91425" tIns="91425" rIns="91425" bIns="91425" anchor="t" anchorCtr="0">
             <a:normAutofit/>
           </a:bodyPr>
           <a:lstStyle>
-            <a:lvl1pPr indent="-342900" lvl="0" marL="457200" algn="ctr">
+            <a:lvl1pPr marL="457200" lvl="0" indent="-342900" algn="ctr">
               <a:spcBef>
                 <a:spcPts val="0"/>
               </a:spcBef>
@@ -1743,7 +1797,7 @@
               <a:buChar char="●"/>
               <a:defRPr/>
             </a:lvl1pPr>
-            <a:lvl2pPr indent="-317500" lvl="1" marL="914400" algn="ctr">
+            <a:lvl2pPr marL="914400" lvl="1" indent="-317500" algn="ctr">
               <a:spcBef>
                 <a:spcPts val="0"/>
               </a:spcBef>
@@ -1754,7 +1808,7 @@
               <a:buChar char="○"/>
               <a:defRPr/>
             </a:lvl2pPr>
-            <a:lvl3pPr indent="-317500" lvl="2" marL="1371600" algn="ctr">
+            <a:lvl3pPr marL="1371600" lvl="2" indent="-317500" algn="ctr">
               <a:spcBef>
                 <a:spcPts val="0"/>
               </a:spcBef>
@@ -1765,7 +1819,7 @@
               <a:buChar char="■"/>
               <a:defRPr/>
             </a:lvl3pPr>
-            <a:lvl4pPr indent="-317500" lvl="3" marL="1828800" algn="ctr">
+            <a:lvl4pPr marL="1828800" lvl="3" indent="-317500" algn="ctr">
               <a:spcBef>
                 <a:spcPts val="0"/>
               </a:spcBef>
@@ -1776,7 +1830,7 @@
               <a:buChar char="●"/>
               <a:defRPr/>
             </a:lvl4pPr>
-            <a:lvl5pPr indent="-317500" lvl="4" marL="2286000" algn="ctr">
+            <a:lvl5pPr marL="2286000" lvl="4" indent="-317500" algn="ctr">
               <a:spcBef>
                 <a:spcPts val="0"/>
               </a:spcBef>
@@ -1787,7 +1841,7 @@
               <a:buChar char="○"/>
               <a:defRPr/>
             </a:lvl5pPr>
-            <a:lvl6pPr indent="-317500" lvl="5" marL="2743200" algn="ctr">
+            <a:lvl6pPr marL="2743200" lvl="5" indent="-317500" algn="ctr">
               <a:spcBef>
                 <a:spcPts val="0"/>
               </a:spcBef>
@@ -1798,7 +1852,7 @@
               <a:buChar char="■"/>
               <a:defRPr/>
             </a:lvl6pPr>
-            <a:lvl7pPr indent="-317500" lvl="6" marL="3200400" algn="ctr">
+            <a:lvl7pPr marL="3200400" lvl="6" indent="-317500" algn="ctr">
               <a:spcBef>
                 <a:spcPts val="0"/>
               </a:spcBef>
@@ -1809,7 +1863,7 @@
               <a:buChar char="●"/>
               <a:defRPr/>
             </a:lvl7pPr>
-            <a:lvl8pPr indent="-317500" lvl="7" marL="3657600" algn="ctr">
+            <a:lvl8pPr marL="3657600" lvl="7" indent="-317500" algn="ctr">
               <a:spcBef>
                 <a:spcPts val="0"/>
               </a:spcBef>
@@ -1820,7 +1874,7 @@
               <a:buChar char="○"/>
               <a:defRPr/>
             </a:lvl8pPr>
-            <a:lvl9pPr indent="-317500" lvl="8" marL="4114800" algn="ctr">
+            <a:lvl9pPr marL="4114800" lvl="8" indent="-317500" algn="ctr">
               <a:spcBef>
                 <a:spcPts val="0"/>
               </a:spcBef>
@@ -1832,15 +1886,19 @@
               <a:defRPr/>
             </a:lvl9pPr>
           </a:lstStyle>
-          <a:p/>
+          <a:p>
+            <a:endParaRPr/>
+          </a:p>
         </p:txBody>
       </p:sp>
       <p:sp>
         <p:nvSpPr>
           <p:cNvPr id="47" name="Google Shape;47;p11"/>
-          <p:cNvSpPr txBox="1"/>
+          <p:cNvSpPr txBox="1">
+            <a:spLocks noGrp="1"/>
+          </p:cNvSpPr>
           <p:nvPr>
-            <p:ph idx="12" type="sldNum"/>
+            <p:ph type="sldNum" idx="12"/>
           </p:nvPr>
         </p:nvSpPr>
         <p:spPr>
@@ -1853,7 +1911,7 @@
           </a:prstGeom>
         </p:spPr>
         <p:txBody>
-          <a:bodyPr anchorCtr="0" anchor="ctr" bIns="91425" lIns="91425" spcFirstLastPara="1" rIns="91425" wrap="square" tIns="91425">
+          <a:bodyPr spcFirstLastPara="1" wrap="square" lIns="91425" tIns="91425" rIns="91425" bIns="91425" anchor="ctr" anchorCtr="0">
             <a:normAutofit/>
           </a:bodyPr>
           <a:lstStyle>
@@ -1895,7 +1953,7 @@
             </a:lvl9pPr>
           </a:lstStyle>
           <a:p>
-            <a:pPr indent="0" lvl="0" marL="0" rtl="0" algn="r">
+            <a:pPr marL="0" lvl="0" indent="0" algn="r" rtl="0">
               <a:spcBef>
                 <a:spcPts val="0"/>
               </a:spcBef>
@@ -1921,11 +1979,11 @@
 </file>
 
 <file path=ppt/slideLayouts/slideLayout11.xml><?xml version="1.0" encoding="utf-8"?>
-<p:sldLayout xmlns:a="http://schemas.openxmlformats.org/drawingml/2006/main" xmlns:r="http://schemas.openxmlformats.org/officeDocument/2006/relationships" xmlns:mc="http://schemas.openxmlformats.org/markup-compatibility/2006" xmlns:mv="urn:schemas-microsoft-com:mac:vml" xmlns:p="http://schemas.openxmlformats.org/presentationml/2006/main" xmlns:c="http://schemas.openxmlformats.org/drawingml/2006/chart" xmlns:dgm="http://schemas.openxmlformats.org/drawingml/2006/diagram" xmlns:o="urn:schemas-microsoft-com:office:office" xmlns:v="urn:schemas-microsoft-com:vml" xmlns:pvml="urn:schemas-microsoft-com:office:powerpoint" xmlns:com="http://schemas.openxmlformats.org/drawingml/2006/compatibility" xmlns:p14="http://schemas.microsoft.com/office/powerpoint/2010/main" xmlns:p15="http://schemas.microsoft.com/office/powerpoint/2012/main" xmlns:ahyp="http://schemas.microsoft.com/office/drawing/2018/hyperlinkcolor" matchingName="Blank" type="blank">
+<p:sldLayout xmlns:a="http://schemas.openxmlformats.org/drawingml/2006/main" xmlns:r="http://schemas.openxmlformats.org/officeDocument/2006/relationships" xmlns:p="http://schemas.openxmlformats.org/presentationml/2006/main" matchingName="Blank" type="blank">
   <p:cSld name="BLANK">
     <p:spTree>
       <p:nvGrpSpPr>
-        <p:cNvPr id="48" name="Shape 48"/>
+        <p:cNvPr id="1" name="Shape 48"/>
         <p:cNvGrpSpPr/>
         <p:nvPr/>
       </p:nvGrpSpPr>
@@ -1940,9 +1998,11 @@
       <p:sp>
         <p:nvSpPr>
           <p:cNvPr id="49" name="Google Shape;49;p12"/>
-          <p:cNvSpPr txBox="1"/>
+          <p:cNvSpPr txBox="1">
+            <a:spLocks noGrp="1"/>
+          </p:cNvSpPr>
           <p:nvPr>
-            <p:ph idx="12" type="sldNum"/>
+            <p:ph type="sldNum" idx="12"/>
           </p:nvPr>
         </p:nvSpPr>
         <p:spPr>
@@ -1955,7 +2015,7 @@
           </a:prstGeom>
         </p:spPr>
         <p:txBody>
-          <a:bodyPr anchorCtr="0" anchor="ctr" bIns="91425" lIns="91425" spcFirstLastPara="1" rIns="91425" wrap="square" tIns="91425">
+          <a:bodyPr spcFirstLastPara="1" wrap="square" lIns="91425" tIns="91425" rIns="91425" bIns="91425" anchor="ctr" anchorCtr="0">
             <a:normAutofit/>
           </a:bodyPr>
           <a:lstStyle>
@@ -1997,7 +2057,7 @@
             </a:lvl9pPr>
           </a:lstStyle>
           <a:p>
-            <a:pPr indent="0" lvl="0" marL="0" rtl="0" algn="r">
+            <a:pPr marL="0" lvl="0" indent="0" algn="r" rtl="0">
               <a:spcBef>
                 <a:spcPts val="0"/>
               </a:spcBef>
@@ -2023,11 +2083,11 @@
 </file>
 
 <file path=ppt/slideLayouts/slideLayout2.xml><?xml version="1.0" encoding="utf-8"?>
-<p:sldLayout xmlns:a="http://schemas.openxmlformats.org/drawingml/2006/main" xmlns:r="http://schemas.openxmlformats.org/officeDocument/2006/relationships" xmlns:mc="http://schemas.openxmlformats.org/markup-compatibility/2006" xmlns:mv="urn:schemas-microsoft-com:mac:vml" xmlns:p="http://schemas.openxmlformats.org/presentationml/2006/main" xmlns:c="http://schemas.openxmlformats.org/drawingml/2006/chart" xmlns:dgm="http://schemas.openxmlformats.org/drawingml/2006/diagram" xmlns:o="urn:schemas-microsoft-com:office:office" xmlns:v="urn:schemas-microsoft-com:vml" xmlns:pvml="urn:schemas-microsoft-com:office:powerpoint" xmlns:com="http://schemas.openxmlformats.org/drawingml/2006/compatibility" xmlns:p14="http://schemas.microsoft.com/office/powerpoint/2010/main" xmlns:p15="http://schemas.microsoft.com/office/powerpoint/2012/main" xmlns:ahyp="http://schemas.microsoft.com/office/drawing/2018/hyperlinkcolor" matchingName="Section header" type="secHead">
+<p:sldLayout xmlns:a="http://schemas.openxmlformats.org/drawingml/2006/main" xmlns:r="http://schemas.openxmlformats.org/officeDocument/2006/relationships" xmlns:p="http://schemas.openxmlformats.org/presentationml/2006/main" matchingName="Section header" type="secHead">
   <p:cSld name="SECTION_HEADER">
     <p:spTree>
       <p:nvGrpSpPr>
-        <p:cNvPr id="13" name="Shape 13"/>
+        <p:cNvPr id="1" name="Shape 13"/>
         <p:cNvGrpSpPr/>
         <p:nvPr/>
       </p:nvGrpSpPr>
@@ -2042,7 +2102,9 @@
       <p:sp>
         <p:nvSpPr>
           <p:cNvPr id="14" name="Google Shape;14;p3"/>
-          <p:cNvSpPr txBox="1"/>
+          <p:cNvSpPr txBox="1">
+            <a:spLocks noGrp="1"/>
+          </p:cNvSpPr>
           <p:nvPr>
             <p:ph type="title"/>
           </p:nvPr>
@@ -2057,7 +2119,7 @@
           </a:prstGeom>
         </p:spPr>
         <p:txBody>
-          <a:bodyPr anchorCtr="0" anchor="ctr" bIns="91425" lIns="91425" spcFirstLastPara="1" rIns="91425" wrap="square" tIns="91425">
+          <a:bodyPr spcFirstLastPara="1" wrap="square" lIns="91425" tIns="91425" rIns="91425" bIns="91425" anchor="ctr" anchorCtr="0">
             <a:normAutofit/>
           </a:bodyPr>
           <a:lstStyle>
@@ -2161,15 +2223,19 @@
               <a:defRPr sz="3600"/>
             </a:lvl9pPr>
           </a:lstStyle>
-          <a:p/>
+          <a:p>
+            <a:endParaRPr/>
+          </a:p>
         </p:txBody>
       </p:sp>
       <p:sp>
         <p:nvSpPr>
           <p:cNvPr id="15" name="Google Shape;15;p3"/>
-          <p:cNvSpPr txBox="1"/>
+          <p:cNvSpPr txBox="1">
+            <a:spLocks noGrp="1"/>
+          </p:cNvSpPr>
           <p:nvPr>
-            <p:ph idx="12" type="sldNum"/>
+            <p:ph type="sldNum" idx="12"/>
           </p:nvPr>
         </p:nvSpPr>
         <p:spPr>
@@ -2182,7 +2248,7 @@
           </a:prstGeom>
         </p:spPr>
         <p:txBody>
-          <a:bodyPr anchorCtr="0" anchor="ctr" bIns="91425" lIns="91425" spcFirstLastPara="1" rIns="91425" wrap="square" tIns="91425">
+          <a:bodyPr spcFirstLastPara="1" wrap="square" lIns="91425" tIns="91425" rIns="91425" bIns="91425" anchor="ctr" anchorCtr="0">
             <a:normAutofit/>
           </a:bodyPr>
           <a:lstStyle>
@@ -2224,7 +2290,7 @@
             </a:lvl9pPr>
           </a:lstStyle>
           <a:p>
-            <a:pPr indent="0" lvl="0" marL="0" rtl="0" algn="r">
+            <a:pPr marL="0" lvl="0" indent="0" algn="r" rtl="0">
               <a:spcBef>
                 <a:spcPts val="0"/>
               </a:spcBef>
@@ -2250,11 +2316,11 @@
 </file>
 
 <file path=ppt/slideLayouts/slideLayout3.xml><?xml version="1.0" encoding="utf-8"?>
-<p:sldLayout xmlns:a="http://schemas.openxmlformats.org/drawingml/2006/main" xmlns:r="http://schemas.openxmlformats.org/officeDocument/2006/relationships" xmlns:mc="http://schemas.openxmlformats.org/markup-compatibility/2006" xmlns:mv="urn:schemas-microsoft-com:mac:vml" xmlns:p="http://schemas.openxmlformats.org/presentationml/2006/main" xmlns:c="http://schemas.openxmlformats.org/drawingml/2006/chart" xmlns:dgm="http://schemas.openxmlformats.org/drawingml/2006/diagram" xmlns:o="urn:schemas-microsoft-com:office:office" xmlns:v="urn:schemas-microsoft-com:vml" xmlns:pvml="urn:schemas-microsoft-com:office:powerpoint" xmlns:com="http://schemas.openxmlformats.org/drawingml/2006/compatibility" xmlns:p14="http://schemas.microsoft.com/office/powerpoint/2010/main" xmlns:p15="http://schemas.microsoft.com/office/powerpoint/2012/main" xmlns:ahyp="http://schemas.microsoft.com/office/drawing/2018/hyperlinkcolor" matchingName="Title and body" type="tx">
+<p:sldLayout xmlns:a="http://schemas.openxmlformats.org/drawingml/2006/main" xmlns:r="http://schemas.openxmlformats.org/officeDocument/2006/relationships" xmlns:p="http://schemas.openxmlformats.org/presentationml/2006/main" matchingName="Title and body" type="tx">
   <p:cSld name="TITLE_AND_BODY">
     <p:spTree>
       <p:nvGrpSpPr>
-        <p:cNvPr id="16" name="Shape 16"/>
+        <p:cNvPr id="1" name="Shape 16"/>
         <p:cNvGrpSpPr/>
         <p:nvPr/>
       </p:nvGrpSpPr>
@@ -2269,7 +2335,9 @@
       <p:sp>
         <p:nvSpPr>
           <p:cNvPr id="17" name="Google Shape;17;p4"/>
-          <p:cNvSpPr txBox="1"/>
+          <p:cNvSpPr txBox="1">
+            <a:spLocks noGrp="1"/>
+          </p:cNvSpPr>
           <p:nvPr>
             <p:ph type="title"/>
           </p:nvPr>
@@ -2284,7 +2352,7 @@
           </a:prstGeom>
         </p:spPr>
         <p:txBody>
-          <a:bodyPr anchorCtr="0" anchor="t" bIns="91425" lIns="91425" spcFirstLastPara="1" rIns="91425" wrap="square" tIns="91425">
+          <a:bodyPr spcFirstLastPara="1" wrap="square" lIns="91425" tIns="91425" rIns="91425" bIns="91425" anchor="t" anchorCtr="0">
             <a:normAutofit/>
           </a:bodyPr>
           <a:lstStyle>
@@ -2388,15 +2456,19 @@
               <a:defRPr/>
             </a:lvl9pPr>
           </a:lstStyle>
-          <a:p/>
+          <a:p>
+            <a:endParaRPr/>
+          </a:p>
         </p:txBody>
       </p:sp>
       <p:sp>
         <p:nvSpPr>
           <p:cNvPr id="18" name="Google Shape;18;p4"/>
-          <p:cNvSpPr txBox="1"/>
+          <p:cNvSpPr txBox="1">
+            <a:spLocks noGrp="1"/>
+          </p:cNvSpPr>
           <p:nvPr>
-            <p:ph idx="1" type="body"/>
+            <p:ph type="body" idx="1"/>
           </p:nvPr>
         </p:nvSpPr>
         <p:spPr>
@@ -2409,11 +2481,11 @@
           </a:prstGeom>
         </p:spPr>
         <p:txBody>
-          <a:bodyPr anchorCtr="0" anchor="t" bIns="91425" lIns="91425" spcFirstLastPara="1" rIns="91425" wrap="square" tIns="91425">
+          <a:bodyPr spcFirstLastPara="1" wrap="square" lIns="91425" tIns="91425" rIns="91425" bIns="91425" anchor="t" anchorCtr="0">
             <a:normAutofit/>
           </a:bodyPr>
           <a:lstStyle>
-            <a:lvl1pPr indent="-342900" lvl="0" marL="457200">
+            <a:lvl1pPr marL="457200" lvl="0" indent="-342900">
               <a:spcBef>
                 <a:spcPts val="0"/>
               </a:spcBef>
@@ -2424,7 +2496,7 @@
               <a:buChar char="●"/>
               <a:defRPr/>
             </a:lvl1pPr>
-            <a:lvl2pPr indent="-317500" lvl="1" marL="914400">
+            <a:lvl2pPr marL="914400" lvl="1" indent="-317500">
               <a:spcBef>
                 <a:spcPts val="0"/>
               </a:spcBef>
@@ -2435,7 +2507,7 @@
               <a:buChar char="○"/>
               <a:defRPr/>
             </a:lvl2pPr>
-            <a:lvl3pPr indent="-317500" lvl="2" marL="1371600">
+            <a:lvl3pPr marL="1371600" lvl="2" indent="-317500">
               <a:spcBef>
                 <a:spcPts val="0"/>
               </a:spcBef>
@@ -2446,7 +2518,7 @@
               <a:buChar char="■"/>
               <a:defRPr/>
             </a:lvl3pPr>
-            <a:lvl4pPr indent="-317500" lvl="3" marL="1828800">
+            <a:lvl4pPr marL="1828800" lvl="3" indent="-317500">
               <a:spcBef>
                 <a:spcPts val="0"/>
               </a:spcBef>
@@ -2457,7 +2529,7 @@
               <a:buChar char="●"/>
               <a:defRPr/>
             </a:lvl4pPr>
-            <a:lvl5pPr indent="-317500" lvl="4" marL="2286000">
+            <a:lvl5pPr marL="2286000" lvl="4" indent="-317500">
               <a:spcBef>
                 <a:spcPts val="0"/>
               </a:spcBef>
@@ -2468,7 +2540,7 @@
               <a:buChar char="○"/>
               <a:defRPr/>
             </a:lvl5pPr>
-            <a:lvl6pPr indent="-317500" lvl="5" marL="2743200">
+            <a:lvl6pPr marL="2743200" lvl="5" indent="-317500">
               <a:spcBef>
                 <a:spcPts val="0"/>
               </a:spcBef>
@@ -2479,7 +2551,7 @@
               <a:buChar char="■"/>
               <a:defRPr/>
             </a:lvl6pPr>
-            <a:lvl7pPr indent="-317500" lvl="6" marL="3200400">
+            <a:lvl7pPr marL="3200400" lvl="6" indent="-317500">
               <a:spcBef>
                 <a:spcPts val="0"/>
               </a:spcBef>
@@ -2490,7 +2562,7 @@
               <a:buChar char="●"/>
               <a:defRPr/>
             </a:lvl7pPr>
-            <a:lvl8pPr indent="-317500" lvl="7" marL="3657600">
+            <a:lvl8pPr marL="3657600" lvl="7" indent="-317500">
               <a:spcBef>
                 <a:spcPts val="0"/>
               </a:spcBef>
@@ -2501,7 +2573,7 @@
               <a:buChar char="○"/>
               <a:defRPr/>
             </a:lvl8pPr>
-            <a:lvl9pPr indent="-317500" lvl="8" marL="4114800">
+            <a:lvl9pPr marL="4114800" lvl="8" indent="-317500">
               <a:spcBef>
                 <a:spcPts val="0"/>
               </a:spcBef>
@@ -2513,15 +2585,19 @@
               <a:defRPr/>
             </a:lvl9pPr>
           </a:lstStyle>
-          <a:p/>
+          <a:p>
+            <a:endParaRPr/>
+          </a:p>
         </p:txBody>
       </p:sp>
       <p:sp>
         <p:nvSpPr>
           <p:cNvPr id="19" name="Google Shape;19;p4"/>
-          <p:cNvSpPr txBox="1"/>
+          <p:cNvSpPr txBox="1">
+            <a:spLocks noGrp="1"/>
+          </p:cNvSpPr>
           <p:nvPr>
-            <p:ph idx="12" type="sldNum"/>
+            <p:ph type="sldNum" idx="12"/>
           </p:nvPr>
         </p:nvSpPr>
         <p:spPr>
@@ -2534,7 +2610,7 @@
           </a:prstGeom>
         </p:spPr>
         <p:txBody>
-          <a:bodyPr anchorCtr="0" anchor="ctr" bIns="91425" lIns="91425" spcFirstLastPara="1" rIns="91425" wrap="square" tIns="91425">
+          <a:bodyPr spcFirstLastPara="1" wrap="square" lIns="91425" tIns="91425" rIns="91425" bIns="91425" anchor="ctr" anchorCtr="0">
             <a:normAutofit/>
           </a:bodyPr>
           <a:lstStyle>
@@ -2576,7 +2652,7 @@
             </a:lvl9pPr>
           </a:lstStyle>
           <a:p>
-            <a:pPr indent="0" lvl="0" marL="0" rtl="0" algn="r">
+            <a:pPr marL="0" lvl="0" indent="0" algn="r" rtl="0">
               <a:spcBef>
                 <a:spcPts val="0"/>
               </a:spcBef>
@@ -2602,11 +2678,11 @@
 </file>
 
 <file path=ppt/slideLayouts/slideLayout4.xml><?xml version="1.0" encoding="utf-8"?>
-<p:sldLayout xmlns:a="http://schemas.openxmlformats.org/drawingml/2006/main" xmlns:r="http://schemas.openxmlformats.org/officeDocument/2006/relationships" xmlns:mc="http://schemas.openxmlformats.org/markup-compatibility/2006" xmlns:mv="urn:schemas-microsoft-com:mac:vml" xmlns:p="http://schemas.openxmlformats.org/presentationml/2006/main" xmlns:c="http://schemas.openxmlformats.org/drawingml/2006/chart" xmlns:dgm="http://schemas.openxmlformats.org/drawingml/2006/diagram" xmlns:o="urn:schemas-microsoft-com:office:office" xmlns:v="urn:schemas-microsoft-com:vml" xmlns:pvml="urn:schemas-microsoft-com:office:powerpoint" xmlns:com="http://schemas.openxmlformats.org/drawingml/2006/compatibility" xmlns:p14="http://schemas.microsoft.com/office/powerpoint/2010/main" xmlns:p15="http://schemas.microsoft.com/office/powerpoint/2012/main" xmlns:ahyp="http://schemas.microsoft.com/office/drawing/2018/hyperlinkcolor" matchingName="Title and two columns" type="twoColTx">
+<p:sldLayout xmlns:a="http://schemas.openxmlformats.org/drawingml/2006/main" xmlns:r="http://schemas.openxmlformats.org/officeDocument/2006/relationships" xmlns:p="http://schemas.openxmlformats.org/presentationml/2006/main" matchingName="Title and two columns" type="twoColTx">
   <p:cSld name="TITLE_AND_TWO_COLUMNS">
     <p:spTree>
       <p:nvGrpSpPr>
-        <p:cNvPr id="20" name="Shape 20"/>
+        <p:cNvPr id="1" name="Shape 20"/>
         <p:cNvGrpSpPr/>
         <p:nvPr/>
       </p:nvGrpSpPr>
@@ -2621,7 +2697,9 @@
       <p:sp>
         <p:nvSpPr>
           <p:cNvPr id="21" name="Google Shape;21;p5"/>
-          <p:cNvSpPr txBox="1"/>
+          <p:cNvSpPr txBox="1">
+            <a:spLocks noGrp="1"/>
+          </p:cNvSpPr>
           <p:nvPr>
             <p:ph type="title"/>
           </p:nvPr>
@@ -2636,7 +2714,7 @@
           </a:prstGeom>
         </p:spPr>
         <p:txBody>
-          <a:bodyPr anchorCtr="0" anchor="t" bIns="91425" lIns="91425" spcFirstLastPara="1" rIns="91425" wrap="square" tIns="91425">
+          <a:bodyPr spcFirstLastPara="1" wrap="square" lIns="91425" tIns="91425" rIns="91425" bIns="91425" anchor="t" anchorCtr="0">
             <a:normAutofit/>
           </a:bodyPr>
           <a:lstStyle>
@@ -2740,15 +2818,19 @@
               <a:defRPr/>
             </a:lvl9pPr>
           </a:lstStyle>
-          <a:p/>
+          <a:p>
+            <a:endParaRPr/>
+          </a:p>
         </p:txBody>
       </p:sp>
       <p:sp>
         <p:nvSpPr>
           <p:cNvPr id="22" name="Google Shape;22;p5"/>
-          <p:cNvSpPr txBox="1"/>
+          <p:cNvSpPr txBox="1">
+            <a:spLocks noGrp="1"/>
+          </p:cNvSpPr>
           <p:nvPr>
-            <p:ph idx="1" type="body"/>
+            <p:ph type="body" idx="1"/>
           </p:nvPr>
         </p:nvSpPr>
         <p:spPr>
@@ -2761,11 +2843,11 @@
           </a:prstGeom>
         </p:spPr>
         <p:txBody>
-          <a:bodyPr anchorCtr="0" anchor="t" bIns="91425" lIns="91425" spcFirstLastPara="1" rIns="91425" wrap="square" tIns="91425">
+          <a:bodyPr spcFirstLastPara="1" wrap="square" lIns="91425" tIns="91425" rIns="91425" bIns="91425" anchor="t" anchorCtr="0">
             <a:normAutofit/>
           </a:bodyPr>
           <a:lstStyle>
-            <a:lvl1pPr indent="-317500" lvl="0" marL="457200">
+            <a:lvl1pPr marL="457200" lvl="0" indent="-317500">
               <a:spcBef>
                 <a:spcPts val="0"/>
               </a:spcBef>
@@ -2776,7 +2858,7 @@
               <a:buChar char="●"/>
               <a:defRPr sz="1400"/>
             </a:lvl1pPr>
-            <a:lvl2pPr indent="-304800" lvl="1" marL="914400">
+            <a:lvl2pPr marL="914400" lvl="1" indent="-304800">
               <a:spcBef>
                 <a:spcPts val="0"/>
               </a:spcBef>
@@ -2787,7 +2869,7 @@
               <a:buChar char="○"/>
               <a:defRPr sz="1200"/>
             </a:lvl2pPr>
-            <a:lvl3pPr indent="-304800" lvl="2" marL="1371600">
+            <a:lvl3pPr marL="1371600" lvl="2" indent="-304800">
               <a:spcBef>
                 <a:spcPts val="0"/>
               </a:spcBef>
@@ -2798,7 +2880,7 @@
               <a:buChar char="■"/>
               <a:defRPr sz="1200"/>
             </a:lvl3pPr>
-            <a:lvl4pPr indent="-304800" lvl="3" marL="1828800">
+            <a:lvl4pPr marL="1828800" lvl="3" indent="-304800">
               <a:spcBef>
                 <a:spcPts val="0"/>
               </a:spcBef>
@@ -2809,7 +2891,7 @@
               <a:buChar char="●"/>
               <a:defRPr sz="1200"/>
             </a:lvl4pPr>
-            <a:lvl5pPr indent="-304800" lvl="4" marL="2286000">
+            <a:lvl5pPr marL="2286000" lvl="4" indent="-304800">
               <a:spcBef>
                 <a:spcPts val="0"/>
               </a:spcBef>
@@ -2820,7 +2902,7 @@
               <a:buChar char="○"/>
               <a:defRPr sz="1200"/>
             </a:lvl5pPr>
-            <a:lvl6pPr indent="-304800" lvl="5" marL="2743200">
+            <a:lvl6pPr marL="2743200" lvl="5" indent="-304800">
               <a:spcBef>
                 <a:spcPts val="0"/>
               </a:spcBef>
@@ -2831,7 +2913,7 @@
               <a:buChar char="■"/>
               <a:defRPr sz="1200"/>
             </a:lvl6pPr>
-            <a:lvl7pPr indent="-304800" lvl="6" marL="3200400">
+            <a:lvl7pPr marL="3200400" lvl="6" indent="-304800">
               <a:spcBef>
                 <a:spcPts val="0"/>
               </a:spcBef>
@@ -2842,7 +2924,7 @@
               <a:buChar char="●"/>
               <a:defRPr sz="1200"/>
             </a:lvl7pPr>
-            <a:lvl8pPr indent="-304800" lvl="7" marL="3657600">
+            <a:lvl8pPr marL="3657600" lvl="7" indent="-304800">
               <a:spcBef>
                 <a:spcPts val="0"/>
               </a:spcBef>
@@ -2853,7 +2935,7 @@
               <a:buChar char="○"/>
               <a:defRPr sz="1200"/>
             </a:lvl8pPr>
-            <a:lvl9pPr indent="-304800" lvl="8" marL="4114800">
+            <a:lvl9pPr marL="4114800" lvl="8" indent="-304800">
               <a:spcBef>
                 <a:spcPts val="0"/>
               </a:spcBef>
@@ -2865,15 +2947,19 @@
               <a:defRPr sz="1200"/>
             </a:lvl9pPr>
           </a:lstStyle>
-          <a:p/>
+          <a:p>
+            <a:endParaRPr/>
+          </a:p>
         </p:txBody>
       </p:sp>
       <p:sp>
         <p:nvSpPr>
           <p:cNvPr id="23" name="Google Shape;23;p5"/>
-          <p:cNvSpPr txBox="1"/>
+          <p:cNvSpPr txBox="1">
+            <a:spLocks noGrp="1"/>
+          </p:cNvSpPr>
           <p:nvPr>
-            <p:ph idx="2" type="body"/>
+            <p:ph type="body" idx="2"/>
           </p:nvPr>
         </p:nvSpPr>
         <p:spPr>
@@ -2886,11 +2972,11 @@
           </a:prstGeom>
         </p:spPr>
         <p:txBody>
-          <a:bodyPr anchorCtr="0" anchor="t" bIns="91425" lIns="91425" spcFirstLastPara="1" rIns="91425" wrap="square" tIns="91425">
+          <a:bodyPr spcFirstLastPara="1" wrap="square" lIns="91425" tIns="91425" rIns="91425" bIns="91425" anchor="t" anchorCtr="0">
             <a:normAutofit/>
           </a:bodyPr>
           <a:lstStyle>
-            <a:lvl1pPr indent="-317500" lvl="0" marL="457200">
+            <a:lvl1pPr marL="457200" lvl="0" indent="-317500">
               <a:spcBef>
                 <a:spcPts val="0"/>
               </a:spcBef>
@@ -2901,7 +2987,7 @@
               <a:buChar char="●"/>
               <a:defRPr sz="1400"/>
             </a:lvl1pPr>
-            <a:lvl2pPr indent="-304800" lvl="1" marL="914400">
+            <a:lvl2pPr marL="914400" lvl="1" indent="-304800">
               <a:spcBef>
                 <a:spcPts val="0"/>
               </a:spcBef>
@@ -2912,7 +2998,7 @@
               <a:buChar char="○"/>
               <a:defRPr sz="1200"/>
             </a:lvl2pPr>
-            <a:lvl3pPr indent="-304800" lvl="2" marL="1371600">
+            <a:lvl3pPr marL="1371600" lvl="2" indent="-304800">
               <a:spcBef>
                 <a:spcPts val="0"/>
               </a:spcBef>
@@ -2923,7 +3009,7 @@
               <a:buChar char="■"/>
               <a:defRPr sz="1200"/>
             </a:lvl3pPr>
-            <a:lvl4pPr indent="-304800" lvl="3" marL="1828800">
+            <a:lvl4pPr marL="1828800" lvl="3" indent="-304800">
               <a:spcBef>
                 <a:spcPts val="0"/>
               </a:spcBef>
@@ -2934,7 +3020,7 @@
               <a:buChar char="●"/>
               <a:defRPr sz="1200"/>
             </a:lvl4pPr>
-            <a:lvl5pPr indent="-304800" lvl="4" marL="2286000">
+            <a:lvl5pPr marL="2286000" lvl="4" indent="-304800">
               <a:spcBef>
                 <a:spcPts val="0"/>
               </a:spcBef>
@@ -2945,7 +3031,7 @@
               <a:buChar char="○"/>
               <a:defRPr sz="1200"/>
             </a:lvl5pPr>
-            <a:lvl6pPr indent="-304800" lvl="5" marL="2743200">
+            <a:lvl6pPr marL="2743200" lvl="5" indent="-304800">
               <a:spcBef>
                 <a:spcPts val="0"/>
               </a:spcBef>
@@ -2956,7 +3042,7 @@
               <a:buChar char="■"/>
               <a:defRPr sz="1200"/>
             </a:lvl6pPr>
-            <a:lvl7pPr indent="-304800" lvl="6" marL="3200400">
+            <a:lvl7pPr marL="3200400" lvl="6" indent="-304800">
               <a:spcBef>
                 <a:spcPts val="0"/>
               </a:spcBef>
@@ -2967,7 +3053,7 @@
               <a:buChar char="●"/>
               <a:defRPr sz="1200"/>
             </a:lvl7pPr>
-            <a:lvl8pPr indent="-304800" lvl="7" marL="3657600">
+            <a:lvl8pPr marL="3657600" lvl="7" indent="-304800">
               <a:spcBef>
                 <a:spcPts val="0"/>
               </a:spcBef>
@@ -2978,7 +3064,7 @@
               <a:buChar char="○"/>
               <a:defRPr sz="1200"/>
             </a:lvl8pPr>
-            <a:lvl9pPr indent="-304800" lvl="8" marL="4114800">
+            <a:lvl9pPr marL="4114800" lvl="8" indent="-304800">
               <a:spcBef>
                 <a:spcPts val="0"/>
               </a:spcBef>
@@ -2990,15 +3076,19 @@
               <a:defRPr sz="1200"/>
             </a:lvl9pPr>
           </a:lstStyle>
-          <a:p/>
+          <a:p>
+            <a:endParaRPr/>
+          </a:p>
         </p:txBody>
       </p:sp>
       <p:sp>
         <p:nvSpPr>
           <p:cNvPr id="24" name="Google Shape;24;p5"/>
-          <p:cNvSpPr txBox="1"/>
+          <p:cNvSpPr txBox="1">
+            <a:spLocks noGrp="1"/>
+          </p:cNvSpPr>
           <p:nvPr>
-            <p:ph idx="12" type="sldNum"/>
+            <p:ph type="sldNum" idx="12"/>
           </p:nvPr>
         </p:nvSpPr>
         <p:spPr>
@@ -3011,7 +3101,7 @@
           </a:prstGeom>
         </p:spPr>
         <p:txBody>
-          <a:bodyPr anchorCtr="0" anchor="ctr" bIns="91425" lIns="91425" spcFirstLastPara="1" rIns="91425" wrap="square" tIns="91425">
+          <a:bodyPr spcFirstLastPara="1" wrap="square" lIns="91425" tIns="91425" rIns="91425" bIns="91425" anchor="ctr" anchorCtr="0">
             <a:normAutofit/>
           </a:bodyPr>
           <a:lstStyle>
@@ -3053,7 +3143,7 @@
             </a:lvl9pPr>
           </a:lstStyle>
           <a:p>
-            <a:pPr indent="0" lvl="0" marL="0" rtl="0" algn="r">
+            <a:pPr marL="0" lvl="0" indent="0" algn="r" rtl="0">
               <a:spcBef>
                 <a:spcPts val="0"/>
               </a:spcBef>
@@ -3079,11 +3169,11 @@
 </file>
 
 <file path=ppt/slideLayouts/slideLayout5.xml><?xml version="1.0" encoding="utf-8"?>
-<p:sldLayout xmlns:a="http://schemas.openxmlformats.org/drawingml/2006/main" xmlns:r="http://schemas.openxmlformats.org/officeDocument/2006/relationships" xmlns:mc="http://schemas.openxmlformats.org/markup-compatibility/2006" xmlns:mv="urn:schemas-microsoft-com:mac:vml" xmlns:p="http://schemas.openxmlformats.org/presentationml/2006/main" xmlns:c="http://schemas.openxmlformats.org/drawingml/2006/chart" xmlns:dgm="http://schemas.openxmlformats.org/drawingml/2006/diagram" xmlns:o="urn:schemas-microsoft-com:office:office" xmlns:v="urn:schemas-microsoft-com:vml" xmlns:pvml="urn:schemas-microsoft-com:office:powerpoint" xmlns:com="http://schemas.openxmlformats.org/drawingml/2006/compatibility" xmlns:p14="http://schemas.microsoft.com/office/powerpoint/2010/main" xmlns:p15="http://schemas.microsoft.com/office/powerpoint/2012/main" xmlns:ahyp="http://schemas.microsoft.com/office/drawing/2018/hyperlinkcolor" matchingName="Title only" type="titleOnly">
+<p:sldLayout xmlns:a="http://schemas.openxmlformats.org/drawingml/2006/main" xmlns:r="http://schemas.openxmlformats.org/officeDocument/2006/relationships" xmlns:p="http://schemas.openxmlformats.org/presentationml/2006/main" matchingName="Title only" type="titleOnly">
   <p:cSld name="TITLE_ONLY">
     <p:spTree>
       <p:nvGrpSpPr>
-        <p:cNvPr id="25" name="Shape 25"/>
+        <p:cNvPr id="1" name="Shape 25"/>
         <p:cNvGrpSpPr/>
         <p:nvPr/>
       </p:nvGrpSpPr>
@@ -3098,7 +3188,9 @@
       <p:sp>
         <p:nvSpPr>
           <p:cNvPr id="26" name="Google Shape;26;p6"/>
-          <p:cNvSpPr txBox="1"/>
+          <p:cNvSpPr txBox="1">
+            <a:spLocks noGrp="1"/>
+          </p:cNvSpPr>
           <p:nvPr>
             <p:ph type="title"/>
           </p:nvPr>
@@ -3113,7 +3205,7 @@
           </a:prstGeom>
         </p:spPr>
         <p:txBody>
-          <a:bodyPr anchorCtr="0" anchor="t" bIns="91425" lIns="91425" spcFirstLastPara="1" rIns="91425" wrap="square" tIns="91425">
+          <a:bodyPr spcFirstLastPara="1" wrap="square" lIns="91425" tIns="91425" rIns="91425" bIns="91425" anchor="t" anchorCtr="0">
             <a:normAutofit/>
           </a:bodyPr>
           <a:lstStyle>
@@ -3217,15 +3309,19 @@
               <a:defRPr/>
             </a:lvl9pPr>
           </a:lstStyle>
-          <a:p/>
+          <a:p>
+            <a:endParaRPr/>
+          </a:p>
         </p:txBody>
       </p:sp>
       <p:sp>
         <p:nvSpPr>
           <p:cNvPr id="27" name="Google Shape;27;p6"/>
-          <p:cNvSpPr txBox="1"/>
+          <p:cNvSpPr txBox="1">
+            <a:spLocks noGrp="1"/>
+          </p:cNvSpPr>
           <p:nvPr>
-            <p:ph idx="12" type="sldNum"/>
+            <p:ph type="sldNum" idx="12"/>
           </p:nvPr>
         </p:nvSpPr>
         <p:spPr>
@@ -3238,7 +3334,7 @@
           </a:prstGeom>
         </p:spPr>
         <p:txBody>
-          <a:bodyPr anchorCtr="0" anchor="ctr" bIns="91425" lIns="91425" spcFirstLastPara="1" rIns="91425" wrap="square" tIns="91425">
+          <a:bodyPr spcFirstLastPara="1" wrap="square" lIns="91425" tIns="91425" rIns="91425" bIns="91425" anchor="ctr" anchorCtr="0">
             <a:normAutofit/>
           </a:bodyPr>
           <a:lstStyle>
@@ -3280,7 +3376,7 @@
             </a:lvl9pPr>
           </a:lstStyle>
           <a:p>
-            <a:pPr indent="0" lvl="0" marL="0" rtl="0" algn="r">
+            <a:pPr marL="0" lvl="0" indent="0" algn="r" rtl="0">
               <a:spcBef>
                 <a:spcPts val="0"/>
               </a:spcBef>
@@ -3306,11 +3402,11 @@
 </file>
 
 <file path=ppt/slideLayouts/slideLayout6.xml><?xml version="1.0" encoding="utf-8"?>
-<p:sldLayout xmlns:a="http://schemas.openxmlformats.org/drawingml/2006/main" xmlns:r="http://schemas.openxmlformats.org/officeDocument/2006/relationships" xmlns:mc="http://schemas.openxmlformats.org/markup-compatibility/2006" xmlns:mv="urn:schemas-microsoft-com:mac:vml" xmlns:p="http://schemas.openxmlformats.org/presentationml/2006/main" xmlns:c="http://schemas.openxmlformats.org/drawingml/2006/chart" xmlns:dgm="http://schemas.openxmlformats.org/drawingml/2006/diagram" xmlns:o="urn:schemas-microsoft-com:office:office" xmlns:v="urn:schemas-microsoft-com:vml" xmlns:pvml="urn:schemas-microsoft-com:office:powerpoint" xmlns:com="http://schemas.openxmlformats.org/drawingml/2006/compatibility" xmlns:p14="http://schemas.microsoft.com/office/powerpoint/2010/main" xmlns:p15="http://schemas.microsoft.com/office/powerpoint/2012/main" xmlns:ahyp="http://schemas.microsoft.com/office/drawing/2018/hyperlinkcolor" matchingName="One column text">
+<p:sldLayout xmlns:a="http://schemas.openxmlformats.org/drawingml/2006/main" xmlns:r="http://schemas.openxmlformats.org/officeDocument/2006/relationships" xmlns:p="http://schemas.openxmlformats.org/presentationml/2006/main" matchingName="One column text">
   <p:cSld name="ONE_COLUMN_TEXT">
     <p:spTree>
       <p:nvGrpSpPr>
-        <p:cNvPr id="28" name="Shape 28"/>
+        <p:cNvPr id="1" name="Shape 28"/>
         <p:cNvGrpSpPr/>
         <p:nvPr/>
       </p:nvGrpSpPr>
@@ -3325,7 +3421,9 @@
       <p:sp>
         <p:nvSpPr>
           <p:cNvPr id="29" name="Google Shape;29;p7"/>
-          <p:cNvSpPr txBox="1"/>
+          <p:cNvSpPr txBox="1">
+            <a:spLocks noGrp="1"/>
+          </p:cNvSpPr>
           <p:nvPr>
             <p:ph type="title"/>
           </p:nvPr>
@@ -3340,7 +3438,7 @@
           </a:prstGeom>
         </p:spPr>
         <p:txBody>
-          <a:bodyPr anchorCtr="0" anchor="b" bIns="91425" lIns="91425" spcFirstLastPara="1" rIns="91425" wrap="square" tIns="91425">
+          <a:bodyPr spcFirstLastPara="1" wrap="square" lIns="91425" tIns="91425" rIns="91425" bIns="91425" anchor="b" anchorCtr="0">
             <a:normAutofit/>
           </a:bodyPr>
           <a:lstStyle>
@@ -3444,15 +3542,19 @@
               <a:defRPr sz="2400"/>
             </a:lvl9pPr>
           </a:lstStyle>
-          <a:p/>
+          <a:p>
+            <a:endParaRPr/>
+          </a:p>
         </p:txBody>
       </p:sp>
       <p:sp>
         <p:nvSpPr>
           <p:cNvPr id="30" name="Google Shape;30;p7"/>
-          <p:cNvSpPr txBox="1"/>
+          <p:cNvSpPr txBox="1">
+            <a:spLocks noGrp="1"/>
+          </p:cNvSpPr>
           <p:nvPr>
-            <p:ph idx="1" type="body"/>
+            <p:ph type="body" idx="1"/>
           </p:nvPr>
         </p:nvSpPr>
         <p:spPr>
@@ -3465,11 +3567,11 @@
           </a:prstGeom>
         </p:spPr>
         <p:txBody>
-          <a:bodyPr anchorCtr="0" anchor="t" bIns="91425" lIns="91425" spcFirstLastPara="1" rIns="91425" wrap="square" tIns="91425">
+          <a:bodyPr spcFirstLastPara="1" wrap="square" lIns="91425" tIns="91425" rIns="91425" bIns="91425" anchor="t" anchorCtr="0">
             <a:normAutofit/>
           </a:bodyPr>
           <a:lstStyle>
-            <a:lvl1pPr indent="-304800" lvl="0" marL="457200">
+            <a:lvl1pPr marL="457200" lvl="0" indent="-304800">
               <a:spcBef>
                 <a:spcPts val="0"/>
               </a:spcBef>
@@ -3480,7 +3582,7 @@
               <a:buChar char="●"/>
               <a:defRPr sz="1200"/>
             </a:lvl1pPr>
-            <a:lvl2pPr indent="-304800" lvl="1" marL="914400">
+            <a:lvl2pPr marL="914400" lvl="1" indent="-304800">
               <a:spcBef>
                 <a:spcPts val="0"/>
               </a:spcBef>
@@ -3491,7 +3593,7 @@
               <a:buChar char="○"/>
               <a:defRPr sz="1200"/>
             </a:lvl2pPr>
-            <a:lvl3pPr indent="-304800" lvl="2" marL="1371600">
+            <a:lvl3pPr marL="1371600" lvl="2" indent="-304800">
               <a:spcBef>
                 <a:spcPts val="0"/>
               </a:spcBef>
@@ -3502,7 +3604,7 @@
               <a:buChar char="■"/>
               <a:defRPr sz="1200"/>
             </a:lvl3pPr>
-            <a:lvl4pPr indent="-304800" lvl="3" marL="1828800">
+            <a:lvl4pPr marL="1828800" lvl="3" indent="-304800">
               <a:spcBef>
                 <a:spcPts val="0"/>
               </a:spcBef>
@@ -3513,7 +3615,7 @@
               <a:buChar char="●"/>
               <a:defRPr sz="1200"/>
             </a:lvl4pPr>
-            <a:lvl5pPr indent="-304800" lvl="4" marL="2286000">
+            <a:lvl5pPr marL="2286000" lvl="4" indent="-304800">
               <a:spcBef>
                 <a:spcPts val="0"/>
               </a:spcBef>
@@ -3524,7 +3626,7 @@
               <a:buChar char="○"/>
               <a:defRPr sz="1200"/>
             </a:lvl5pPr>
-            <a:lvl6pPr indent="-304800" lvl="5" marL="2743200">
+            <a:lvl6pPr marL="2743200" lvl="5" indent="-304800">
               <a:spcBef>
                 <a:spcPts val="0"/>
               </a:spcBef>
@@ -3535,7 +3637,7 @@
               <a:buChar char="■"/>
               <a:defRPr sz="1200"/>
             </a:lvl6pPr>
-            <a:lvl7pPr indent="-304800" lvl="6" marL="3200400">
+            <a:lvl7pPr marL="3200400" lvl="6" indent="-304800">
               <a:spcBef>
                 <a:spcPts val="0"/>
               </a:spcBef>
@@ -3546,7 +3648,7 @@
               <a:buChar char="●"/>
               <a:defRPr sz="1200"/>
             </a:lvl7pPr>
-            <a:lvl8pPr indent="-304800" lvl="7" marL="3657600">
+            <a:lvl8pPr marL="3657600" lvl="7" indent="-304800">
               <a:spcBef>
                 <a:spcPts val="0"/>
               </a:spcBef>
@@ -3557,7 +3659,7 @@
               <a:buChar char="○"/>
               <a:defRPr sz="1200"/>
             </a:lvl8pPr>
-            <a:lvl9pPr indent="-304800" lvl="8" marL="4114800">
+            <a:lvl9pPr marL="4114800" lvl="8" indent="-304800">
               <a:spcBef>
                 <a:spcPts val="0"/>
               </a:spcBef>
@@ -3569,15 +3671,19 @@
               <a:defRPr sz="1200"/>
             </a:lvl9pPr>
           </a:lstStyle>
-          <a:p/>
+          <a:p>
+            <a:endParaRPr/>
+          </a:p>
         </p:txBody>
       </p:sp>
       <p:sp>
         <p:nvSpPr>
           <p:cNvPr id="31" name="Google Shape;31;p7"/>
-          <p:cNvSpPr txBox="1"/>
+          <p:cNvSpPr txBox="1">
+            <a:spLocks noGrp="1"/>
+          </p:cNvSpPr>
           <p:nvPr>
-            <p:ph idx="12" type="sldNum"/>
+            <p:ph type="sldNum" idx="12"/>
           </p:nvPr>
         </p:nvSpPr>
         <p:spPr>
@@ -3590,7 +3696,7 @@
           </a:prstGeom>
         </p:spPr>
         <p:txBody>
-          <a:bodyPr anchorCtr="0" anchor="ctr" bIns="91425" lIns="91425" spcFirstLastPara="1" rIns="91425" wrap="square" tIns="91425">
+          <a:bodyPr spcFirstLastPara="1" wrap="square" lIns="91425" tIns="91425" rIns="91425" bIns="91425" anchor="ctr" anchorCtr="0">
             <a:normAutofit/>
           </a:bodyPr>
           <a:lstStyle>
@@ -3632,7 +3738,7 @@
             </a:lvl9pPr>
           </a:lstStyle>
           <a:p>
-            <a:pPr indent="0" lvl="0" marL="0" rtl="0" algn="r">
+            <a:pPr marL="0" lvl="0" indent="0" algn="r" rtl="0">
               <a:spcBef>
                 <a:spcPts val="0"/>
               </a:spcBef>
@@ -3658,11 +3764,11 @@
 </file>
 
 <file path=ppt/slideLayouts/slideLayout7.xml><?xml version="1.0" encoding="utf-8"?>
-<p:sldLayout xmlns:a="http://schemas.openxmlformats.org/drawingml/2006/main" xmlns:r="http://schemas.openxmlformats.org/officeDocument/2006/relationships" xmlns:mc="http://schemas.openxmlformats.org/markup-compatibility/2006" xmlns:mv="urn:schemas-microsoft-com:mac:vml" xmlns:p="http://schemas.openxmlformats.org/presentationml/2006/main" xmlns:c="http://schemas.openxmlformats.org/drawingml/2006/chart" xmlns:dgm="http://schemas.openxmlformats.org/drawingml/2006/diagram" xmlns:o="urn:schemas-microsoft-com:office:office" xmlns:v="urn:schemas-microsoft-com:vml" xmlns:pvml="urn:schemas-microsoft-com:office:powerpoint" xmlns:com="http://schemas.openxmlformats.org/drawingml/2006/compatibility" xmlns:p14="http://schemas.microsoft.com/office/powerpoint/2010/main" xmlns:p15="http://schemas.microsoft.com/office/powerpoint/2012/main" xmlns:ahyp="http://schemas.microsoft.com/office/drawing/2018/hyperlinkcolor" matchingName="Main point">
+<p:sldLayout xmlns:a="http://schemas.openxmlformats.org/drawingml/2006/main" xmlns:r="http://schemas.openxmlformats.org/officeDocument/2006/relationships" xmlns:p="http://schemas.openxmlformats.org/presentationml/2006/main" matchingName="Main point">
   <p:cSld name="MAIN_POINT">
     <p:spTree>
       <p:nvGrpSpPr>
-        <p:cNvPr id="32" name="Shape 32"/>
+        <p:cNvPr id="1" name="Shape 32"/>
         <p:cNvGrpSpPr/>
         <p:nvPr/>
       </p:nvGrpSpPr>
@@ -3677,7 +3783,9 @@
       <p:sp>
         <p:nvSpPr>
           <p:cNvPr id="33" name="Google Shape;33;p8"/>
-          <p:cNvSpPr txBox="1"/>
+          <p:cNvSpPr txBox="1">
+            <a:spLocks noGrp="1"/>
+          </p:cNvSpPr>
           <p:nvPr>
             <p:ph type="title"/>
           </p:nvPr>
@@ -3692,7 +3800,7 @@
           </a:prstGeom>
         </p:spPr>
         <p:txBody>
-          <a:bodyPr anchorCtr="0" anchor="ctr" bIns="91425" lIns="91425" spcFirstLastPara="1" rIns="91425" wrap="square" tIns="91425">
+          <a:bodyPr spcFirstLastPara="1" wrap="square" lIns="91425" tIns="91425" rIns="91425" bIns="91425" anchor="ctr" anchorCtr="0">
             <a:normAutofit/>
           </a:bodyPr>
           <a:lstStyle>
@@ -3796,15 +3904,19 @@
               <a:defRPr sz="4800"/>
             </a:lvl9pPr>
           </a:lstStyle>
-          <a:p/>
+          <a:p>
+            <a:endParaRPr/>
+          </a:p>
         </p:txBody>
       </p:sp>
       <p:sp>
         <p:nvSpPr>
           <p:cNvPr id="34" name="Google Shape;34;p8"/>
-          <p:cNvSpPr txBox="1"/>
+          <p:cNvSpPr txBox="1">
+            <a:spLocks noGrp="1"/>
+          </p:cNvSpPr>
           <p:nvPr>
-            <p:ph idx="12" type="sldNum"/>
+            <p:ph type="sldNum" idx="12"/>
           </p:nvPr>
         </p:nvSpPr>
         <p:spPr>
@@ -3817,7 +3929,7 @@
           </a:prstGeom>
         </p:spPr>
         <p:txBody>
-          <a:bodyPr anchorCtr="0" anchor="ctr" bIns="91425" lIns="91425" spcFirstLastPara="1" rIns="91425" wrap="square" tIns="91425">
+          <a:bodyPr spcFirstLastPara="1" wrap="square" lIns="91425" tIns="91425" rIns="91425" bIns="91425" anchor="ctr" anchorCtr="0">
             <a:normAutofit/>
           </a:bodyPr>
           <a:lstStyle>
@@ -3859,7 +3971,7 @@
             </a:lvl9pPr>
           </a:lstStyle>
           <a:p>
-            <a:pPr indent="0" lvl="0" marL="0" rtl="0" algn="r">
+            <a:pPr marL="0" lvl="0" indent="0" algn="r" rtl="0">
               <a:spcBef>
                 <a:spcPts val="0"/>
               </a:spcBef>
@@ -3885,11 +3997,11 @@
 </file>
 
 <file path=ppt/slideLayouts/slideLayout8.xml><?xml version="1.0" encoding="utf-8"?>
-<p:sldLayout xmlns:a="http://schemas.openxmlformats.org/drawingml/2006/main" xmlns:r="http://schemas.openxmlformats.org/officeDocument/2006/relationships" xmlns:mc="http://schemas.openxmlformats.org/markup-compatibility/2006" xmlns:mv="urn:schemas-microsoft-com:mac:vml" xmlns:p="http://schemas.openxmlformats.org/presentationml/2006/main" xmlns:c="http://schemas.openxmlformats.org/drawingml/2006/chart" xmlns:dgm="http://schemas.openxmlformats.org/drawingml/2006/diagram" xmlns:o="urn:schemas-microsoft-com:office:office" xmlns:v="urn:schemas-microsoft-com:vml" xmlns:pvml="urn:schemas-microsoft-com:office:powerpoint" xmlns:com="http://schemas.openxmlformats.org/drawingml/2006/compatibility" xmlns:p14="http://schemas.microsoft.com/office/powerpoint/2010/main" xmlns:p15="http://schemas.microsoft.com/office/powerpoint/2012/main" xmlns:ahyp="http://schemas.microsoft.com/office/drawing/2018/hyperlinkcolor" matchingName="Section title and description">
+<p:sldLayout xmlns:a="http://schemas.openxmlformats.org/drawingml/2006/main" xmlns:r="http://schemas.openxmlformats.org/officeDocument/2006/relationships" xmlns:p="http://schemas.openxmlformats.org/presentationml/2006/main" matchingName="Section title and description">
   <p:cSld name="SECTION_TITLE_AND_DESCRIPTION">
     <p:spTree>
       <p:nvGrpSpPr>
-        <p:cNvPr id="35" name="Shape 35"/>
+        <p:cNvPr id="1" name="Shape 35"/>
         <p:cNvGrpSpPr/>
         <p:nvPr/>
       </p:nvGrpSpPr>
@@ -3923,23 +4035,20 @@
           </a:ln>
         </p:spPr>
         <p:txBody>
-          <a:bodyPr anchorCtr="0" anchor="ctr" bIns="91425" lIns="91425" spcFirstLastPara="1" rIns="91425" wrap="square" tIns="91425">
+          <a:bodyPr spcFirstLastPara="1" wrap="square" lIns="91425" tIns="91425" rIns="91425" bIns="91425" anchor="ctr" anchorCtr="0">
             <a:noAutofit/>
           </a:bodyPr>
           <a:lstStyle/>
           <a:p>
-            <a:pPr indent="0" lvl="0" marL="0" rtl="0" algn="l">
-              <a:spcBef>
-                <a:spcPts val="0"/>
-              </a:spcBef>
-              <a:spcAft>
-                <a:spcPts val="0"/>
-              </a:spcAft>
-              <a:buNone/>
-            </a:pPr>
-            <a:r>
-              <a:t/>
-            </a:r>
+            <a:pPr marL="0" lvl="0" indent="0" algn="l" rtl="0">
+              <a:spcBef>
+                <a:spcPts val="0"/>
+              </a:spcBef>
+              <a:spcAft>
+                <a:spcPts val="0"/>
+              </a:spcAft>
+              <a:buNone/>
+            </a:pPr>
             <a:endParaRPr/>
           </a:p>
         </p:txBody>
@@ -3947,7 +4056,9 @@
       <p:sp>
         <p:nvSpPr>
           <p:cNvPr id="37" name="Google Shape;37;p9"/>
-          <p:cNvSpPr txBox="1"/>
+          <p:cNvSpPr txBox="1">
+            <a:spLocks noGrp="1"/>
+          </p:cNvSpPr>
           <p:nvPr>
             <p:ph type="title"/>
           </p:nvPr>
@@ -3962,7 +4073,7 @@
           </a:prstGeom>
         </p:spPr>
         <p:txBody>
-          <a:bodyPr anchorCtr="0" anchor="b" bIns="91425" lIns="91425" spcFirstLastPara="1" rIns="91425" wrap="square" tIns="91425">
+          <a:bodyPr spcFirstLastPara="1" wrap="square" lIns="91425" tIns="91425" rIns="91425" bIns="91425" anchor="b" anchorCtr="0">
             <a:normAutofit/>
           </a:bodyPr>
           <a:lstStyle>
@@ -4066,15 +4177,19 @@
               <a:defRPr sz="4200"/>
             </a:lvl9pPr>
           </a:lstStyle>
-          <a:p/>
+          <a:p>
+            <a:endParaRPr/>
+          </a:p>
         </p:txBody>
       </p:sp>
       <p:sp>
         <p:nvSpPr>
           <p:cNvPr id="38" name="Google Shape;38;p9"/>
-          <p:cNvSpPr txBox="1"/>
+          <p:cNvSpPr txBox="1">
+            <a:spLocks noGrp="1"/>
+          </p:cNvSpPr>
           <p:nvPr>
-            <p:ph idx="1" type="subTitle"/>
+            <p:ph type="subTitle" idx="1"/>
           </p:nvPr>
         </p:nvSpPr>
         <p:spPr>
@@ -4087,7 +4202,7 @@
           </a:prstGeom>
         </p:spPr>
         <p:txBody>
-          <a:bodyPr anchorCtr="0" anchor="t" bIns="91425" lIns="91425" spcFirstLastPara="1" rIns="91425" wrap="square" tIns="91425">
+          <a:bodyPr spcFirstLastPara="1" wrap="square" lIns="91425" tIns="91425" rIns="91425" bIns="91425" anchor="t" anchorCtr="0">
             <a:normAutofit/>
           </a:bodyPr>
           <a:lstStyle>
@@ -4218,15 +4333,19 @@
               <a:defRPr sz="2100"/>
             </a:lvl9pPr>
           </a:lstStyle>
-          <a:p/>
+          <a:p>
+            <a:endParaRPr/>
+          </a:p>
         </p:txBody>
       </p:sp>
       <p:sp>
         <p:nvSpPr>
           <p:cNvPr id="39" name="Google Shape;39;p9"/>
-          <p:cNvSpPr txBox="1"/>
+          <p:cNvSpPr txBox="1">
+            <a:spLocks noGrp="1"/>
+          </p:cNvSpPr>
           <p:nvPr>
-            <p:ph idx="2" type="body"/>
+            <p:ph type="body" idx="2"/>
           </p:nvPr>
         </p:nvSpPr>
         <p:spPr>
@@ -4239,11 +4358,11 @@
           </a:prstGeom>
         </p:spPr>
         <p:txBody>
-          <a:bodyPr anchorCtr="0" anchor="ctr" bIns="91425" lIns="91425" spcFirstLastPara="1" rIns="91425" wrap="square" tIns="91425">
+          <a:bodyPr spcFirstLastPara="1" wrap="square" lIns="91425" tIns="91425" rIns="91425" bIns="91425" anchor="ctr" anchorCtr="0">
             <a:normAutofit/>
           </a:bodyPr>
           <a:lstStyle>
-            <a:lvl1pPr indent="-342900" lvl="0" marL="457200">
+            <a:lvl1pPr marL="457200" lvl="0" indent="-342900">
               <a:spcBef>
                 <a:spcPts val="0"/>
               </a:spcBef>
@@ -4254,7 +4373,7 @@
               <a:buChar char="●"/>
               <a:defRPr/>
             </a:lvl1pPr>
-            <a:lvl2pPr indent="-317500" lvl="1" marL="914400">
+            <a:lvl2pPr marL="914400" lvl="1" indent="-317500">
               <a:spcBef>
                 <a:spcPts val="0"/>
               </a:spcBef>
@@ -4265,7 +4384,7 @@
               <a:buChar char="○"/>
               <a:defRPr/>
             </a:lvl2pPr>
-            <a:lvl3pPr indent="-317500" lvl="2" marL="1371600">
+            <a:lvl3pPr marL="1371600" lvl="2" indent="-317500">
               <a:spcBef>
                 <a:spcPts val="0"/>
               </a:spcBef>
@@ -4276,7 +4395,7 @@
               <a:buChar char="■"/>
               <a:defRPr/>
             </a:lvl3pPr>
-            <a:lvl4pPr indent="-317500" lvl="3" marL="1828800">
+            <a:lvl4pPr marL="1828800" lvl="3" indent="-317500">
               <a:spcBef>
                 <a:spcPts val="0"/>
               </a:spcBef>
@@ -4287,7 +4406,7 @@
               <a:buChar char="●"/>
               <a:defRPr/>
             </a:lvl4pPr>
-            <a:lvl5pPr indent="-317500" lvl="4" marL="2286000">
+            <a:lvl5pPr marL="2286000" lvl="4" indent="-317500">
               <a:spcBef>
                 <a:spcPts val="0"/>
               </a:spcBef>
@@ -4298,7 +4417,7 @@
               <a:buChar char="○"/>
               <a:defRPr/>
             </a:lvl5pPr>
-            <a:lvl6pPr indent="-317500" lvl="5" marL="2743200">
+            <a:lvl6pPr marL="2743200" lvl="5" indent="-317500">
               <a:spcBef>
                 <a:spcPts val="0"/>
               </a:spcBef>
@@ -4309,7 +4428,7 @@
               <a:buChar char="■"/>
               <a:defRPr/>
             </a:lvl6pPr>
-            <a:lvl7pPr indent="-317500" lvl="6" marL="3200400">
+            <a:lvl7pPr marL="3200400" lvl="6" indent="-317500">
               <a:spcBef>
                 <a:spcPts val="0"/>
               </a:spcBef>
@@ -4320,7 +4439,7 @@
               <a:buChar char="●"/>
               <a:defRPr/>
             </a:lvl7pPr>
-            <a:lvl8pPr indent="-317500" lvl="7" marL="3657600">
+            <a:lvl8pPr marL="3657600" lvl="7" indent="-317500">
               <a:spcBef>
                 <a:spcPts val="0"/>
               </a:spcBef>
@@ -4331,7 +4450,7 @@
               <a:buChar char="○"/>
               <a:defRPr/>
             </a:lvl8pPr>
-            <a:lvl9pPr indent="-317500" lvl="8" marL="4114800">
+            <a:lvl9pPr marL="4114800" lvl="8" indent="-317500">
               <a:spcBef>
                 <a:spcPts val="0"/>
               </a:spcBef>
@@ -4343,15 +4462,19 @@
               <a:defRPr/>
             </a:lvl9pPr>
           </a:lstStyle>
-          <a:p/>
+          <a:p>
+            <a:endParaRPr/>
+          </a:p>
         </p:txBody>
       </p:sp>
       <p:sp>
         <p:nvSpPr>
           <p:cNvPr id="40" name="Google Shape;40;p9"/>
-          <p:cNvSpPr txBox="1"/>
+          <p:cNvSpPr txBox="1">
+            <a:spLocks noGrp="1"/>
+          </p:cNvSpPr>
           <p:nvPr>
-            <p:ph idx="12" type="sldNum"/>
+            <p:ph type="sldNum" idx="12"/>
           </p:nvPr>
         </p:nvSpPr>
         <p:spPr>
@@ -4364,7 +4487,7 @@
           </a:prstGeom>
         </p:spPr>
         <p:txBody>
-          <a:bodyPr anchorCtr="0" anchor="ctr" bIns="91425" lIns="91425" spcFirstLastPara="1" rIns="91425" wrap="square" tIns="91425">
+          <a:bodyPr spcFirstLastPara="1" wrap="square" lIns="91425" tIns="91425" rIns="91425" bIns="91425" anchor="ctr" anchorCtr="0">
             <a:normAutofit/>
           </a:bodyPr>
           <a:lstStyle>
@@ -4406,7 +4529,7 @@
             </a:lvl9pPr>
           </a:lstStyle>
           <a:p>
-            <a:pPr indent="0" lvl="0" marL="0" rtl="0" algn="r">
+            <a:pPr marL="0" lvl="0" indent="0" algn="r" rtl="0">
               <a:spcBef>
                 <a:spcPts val="0"/>
               </a:spcBef>
@@ -4432,11 +4555,11 @@
 </file>
 
 <file path=ppt/slideLayouts/slideLayout9.xml><?xml version="1.0" encoding="utf-8"?>
-<p:sldLayout xmlns:a="http://schemas.openxmlformats.org/drawingml/2006/main" xmlns:r="http://schemas.openxmlformats.org/officeDocument/2006/relationships" xmlns:mc="http://schemas.openxmlformats.org/markup-compatibility/2006" xmlns:mv="urn:schemas-microsoft-com:mac:vml" xmlns:p="http://schemas.openxmlformats.org/presentationml/2006/main" xmlns:c="http://schemas.openxmlformats.org/drawingml/2006/chart" xmlns:dgm="http://schemas.openxmlformats.org/drawingml/2006/diagram" xmlns:o="urn:schemas-microsoft-com:office:office" xmlns:v="urn:schemas-microsoft-com:vml" xmlns:pvml="urn:schemas-microsoft-com:office:powerpoint" xmlns:com="http://schemas.openxmlformats.org/drawingml/2006/compatibility" xmlns:p14="http://schemas.microsoft.com/office/powerpoint/2010/main" xmlns:p15="http://schemas.microsoft.com/office/powerpoint/2012/main" xmlns:ahyp="http://schemas.microsoft.com/office/drawing/2018/hyperlinkcolor" matchingName="Caption">
+<p:sldLayout xmlns:a="http://schemas.openxmlformats.org/drawingml/2006/main" xmlns:r="http://schemas.openxmlformats.org/officeDocument/2006/relationships" xmlns:p="http://schemas.openxmlformats.org/presentationml/2006/main" matchingName="Caption">
   <p:cSld name="CAPTION_ONLY">
     <p:spTree>
       <p:nvGrpSpPr>
-        <p:cNvPr id="41" name="Shape 41"/>
+        <p:cNvPr id="1" name="Shape 41"/>
         <p:cNvGrpSpPr/>
         <p:nvPr/>
       </p:nvGrpSpPr>
@@ -4451,9 +4574,11 @@
       <p:sp>
         <p:nvSpPr>
           <p:cNvPr id="42" name="Google Shape;42;p10"/>
-          <p:cNvSpPr txBox="1"/>
+          <p:cNvSpPr txBox="1">
+            <a:spLocks noGrp="1"/>
+          </p:cNvSpPr>
           <p:nvPr>
-            <p:ph idx="1" type="body"/>
+            <p:ph type="body" idx="1"/>
           </p:nvPr>
         </p:nvSpPr>
         <p:spPr>
@@ -4466,11 +4591,11 @@
           </a:prstGeom>
         </p:spPr>
         <p:txBody>
-          <a:bodyPr anchorCtr="0" anchor="ctr" bIns="91425" lIns="91425" spcFirstLastPara="1" rIns="91425" wrap="square" tIns="91425">
+          <a:bodyPr spcFirstLastPara="1" wrap="square" lIns="91425" tIns="91425" rIns="91425" bIns="91425" anchor="ctr" anchorCtr="0">
             <a:normAutofit/>
           </a:bodyPr>
           <a:lstStyle>
-            <a:lvl1pPr indent="-228600" lvl="0" marL="457200">
+            <a:lvl1pPr marL="457200" lvl="0" indent="-228600">
               <a:lnSpc>
                 <a:spcPct val="100000"/>
               </a:lnSpc>
@@ -4485,15 +4610,19 @@
               <a:defRPr/>
             </a:lvl1pPr>
           </a:lstStyle>
-          <a:p/>
+          <a:p>
+            <a:endParaRPr/>
+          </a:p>
         </p:txBody>
       </p:sp>
       <p:sp>
         <p:nvSpPr>
           <p:cNvPr id="43" name="Google Shape;43;p10"/>
-          <p:cNvSpPr txBox="1"/>
+          <p:cNvSpPr txBox="1">
+            <a:spLocks noGrp="1"/>
+          </p:cNvSpPr>
           <p:nvPr>
-            <p:ph idx="12" type="sldNum"/>
+            <p:ph type="sldNum" idx="12"/>
           </p:nvPr>
         </p:nvSpPr>
         <p:spPr>
@@ -4506,7 +4635,7 @@
           </a:prstGeom>
         </p:spPr>
         <p:txBody>
-          <a:bodyPr anchorCtr="0" anchor="ctr" bIns="91425" lIns="91425" spcFirstLastPara="1" rIns="91425" wrap="square" tIns="91425">
+          <a:bodyPr spcFirstLastPara="1" wrap="square" lIns="91425" tIns="91425" rIns="91425" bIns="91425" anchor="ctr" anchorCtr="0">
             <a:normAutofit/>
           </a:bodyPr>
           <a:lstStyle>
@@ -4548,7 +4677,7 @@
             </a:lvl9pPr>
           </a:lstStyle>
           <a:p>
-            <a:pPr indent="0" lvl="0" marL="0" rtl="0" algn="r">
+            <a:pPr marL="0" lvl="0" indent="0" algn="r" rtl="0">
               <a:spcBef>
                 <a:spcPts val="0"/>
               </a:spcBef>
@@ -4574,18 +4703,19 @@
 </file>
 
 <file path=ppt/slideMasters/slideMaster1.xml><?xml version="1.0" encoding="utf-8"?>
-<p:sldMaster xmlns:a="http://schemas.openxmlformats.org/drawingml/2006/main" xmlns:r="http://schemas.openxmlformats.org/officeDocument/2006/relationships" xmlns:mc="http://schemas.openxmlformats.org/markup-compatibility/2006" xmlns:mv="urn:schemas-microsoft-com:mac:vml" xmlns:p="http://schemas.openxmlformats.org/presentationml/2006/main" xmlns:c="http://schemas.openxmlformats.org/drawingml/2006/chart" xmlns:dgm="http://schemas.openxmlformats.org/drawingml/2006/diagram" xmlns:o="urn:schemas-microsoft-com:office:office" xmlns:v="urn:schemas-microsoft-com:vml" xmlns:pvml="urn:schemas-microsoft-com:office:powerpoint" xmlns:com="http://schemas.openxmlformats.org/drawingml/2006/compatibility" xmlns:p14="http://schemas.microsoft.com/office/powerpoint/2010/main" xmlns:p15="http://schemas.microsoft.com/office/powerpoint/2012/main" xmlns:ahyp="http://schemas.microsoft.com/office/drawing/2018/hyperlinkcolor">
+<p:sldMaster xmlns:a="http://schemas.openxmlformats.org/drawingml/2006/main" xmlns:r="http://schemas.openxmlformats.org/officeDocument/2006/relationships" xmlns:p="http://schemas.openxmlformats.org/presentationml/2006/main">
   <p:cSld name="simple-light-2">
     <p:bg>
       <p:bgPr>
         <a:solidFill>
           <a:schemeClr val="lt1"/>
         </a:solidFill>
+        <a:effectLst/>
       </p:bgPr>
     </p:bg>
     <p:spTree>
       <p:nvGrpSpPr>
-        <p:cNvPr id="5" name="Shape 5"/>
+        <p:cNvPr id="1" name="Shape 5"/>
         <p:cNvGrpSpPr/>
         <p:nvPr/>
       </p:nvGrpSpPr>
@@ -4600,7 +4730,9 @@
       <p:sp>
         <p:nvSpPr>
           <p:cNvPr id="6" name="Google Shape;6;p1"/>
-          <p:cNvSpPr txBox="1"/>
+          <p:cNvSpPr txBox="1">
+            <a:spLocks noGrp="1"/>
+          </p:cNvSpPr>
           <p:nvPr>
             <p:ph type="title"/>
           </p:nvPr>
@@ -4619,7 +4751,7 @@
           </a:ln>
         </p:spPr>
         <p:txBody>
-          <a:bodyPr anchorCtr="0" anchor="t" bIns="91425" lIns="91425" spcFirstLastPara="1" rIns="91425" wrap="square" tIns="91425">
+          <a:bodyPr spcFirstLastPara="1" wrap="square" lIns="91425" tIns="91425" rIns="91425" bIns="91425" anchor="t" anchorCtr="0">
             <a:normAutofit/>
           </a:bodyPr>
           <a:lstStyle>
@@ -4786,15 +4918,19 @@
               </a:defRPr>
             </a:lvl9pPr>
           </a:lstStyle>
-          <a:p/>
+          <a:p>
+            <a:endParaRPr/>
+          </a:p>
         </p:txBody>
       </p:sp>
       <p:sp>
         <p:nvSpPr>
           <p:cNvPr id="7" name="Google Shape;7;p1"/>
-          <p:cNvSpPr txBox="1"/>
+          <p:cNvSpPr txBox="1">
+            <a:spLocks noGrp="1"/>
+          </p:cNvSpPr>
           <p:nvPr>
-            <p:ph idx="1" type="body"/>
+            <p:ph type="body" idx="1"/>
           </p:nvPr>
         </p:nvSpPr>
         <p:spPr>
@@ -4811,11 +4947,11 @@
           </a:ln>
         </p:spPr>
         <p:txBody>
-          <a:bodyPr anchorCtr="0" anchor="t" bIns="91425" lIns="91425" spcFirstLastPara="1" rIns="91425" wrap="square" tIns="91425">
+          <a:bodyPr spcFirstLastPara="1" wrap="square" lIns="91425" tIns="91425" rIns="91425" bIns="91425" anchor="t" anchorCtr="0">
             <a:normAutofit/>
           </a:bodyPr>
           <a:lstStyle>
-            <a:lvl1pPr indent="-342900" lvl="0" marL="457200">
+            <a:lvl1pPr marL="457200" lvl="0" indent="-342900">
               <a:lnSpc>
                 <a:spcPct val="115000"/>
               </a:lnSpc>
@@ -4836,7 +4972,7 @@
                 </a:solidFill>
               </a:defRPr>
             </a:lvl1pPr>
-            <a:lvl2pPr indent="-317500" lvl="1" marL="914400">
+            <a:lvl2pPr marL="914400" lvl="1" indent="-317500">
               <a:lnSpc>
                 <a:spcPct val="115000"/>
               </a:lnSpc>
@@ -4857,7 +4993,7 @@
                 </a:solidFill>
               </a:defRPr>
             </a:lvl2pPr>
-            <a:lvl3pPr indent="-317500" lvl="2" marL="1371600">
+            <a:lvl3pPr marL="1371600" lvl="2" indent="-317500">
               <a:lnSpc>
                 <a:spcPct val="115000"/>
               </a:lnSpc>
@@ -4878,7 +5014,7 @@
                 </a:solidFill>
               </a:defRPr>
             </a:lvl3pPr>
-            <a:lvl4pPr indent="-317500" lvl="3" marL="1828800">
+            <a:lvl4pPr marL="1828800" lvl="3" indent="-317500">
               <a:lnSpc>
                 <a:spcPct val="115000"/>
               </a:lnSpc>
@@ -4899,7 +5035,7 @@
                 </a:solidFill>
               </a:defRPr>
             </a:lvl4pPr>
-            <a:lvl5pPr indent="-317500" lvl="4" marL="2286000">
+            <a:lvl5pPr marL="2286000" lvl="4" indent="-317500">
               <a:lnSpc>
                 <a:spcPct val="115000"/>
               </a:lnSpc>
@@ -4920,7 +5056,7 @@
                 </a:solidFill>
               </a:defRPr>
             </a:lvl5pPr>
-            <a:lvl6pPr indent="-317500" lvl="5" marL="2743200">
+            <a:lvl6pPr marL="2743200" lvl="5" indent="-317500">
               <a:lnSpc>
                 <a:spcPct val="115000"/>
               </a:lnSpc>
@@ -4941,7 +5077,7 @@
                 </a:solidFill>
               </a:defRPr>
             </a:lvl6pPr>
-            <a:lvl7pPr indent="-317500" lvl="6" marL="3200400">
+            <a:lvl7pPr marL="3200400" lvl="6" indent="-317500">
               <a:lnSpc>
                 <a:spcPct val="115000"/>
               </a:lnSpc>
@@ -4962,7 +5098,7 @@
                 </a:solidFill>
               </a:defRPr>
             </a:lvl7pPr>
-            <a:lvl8pPr indent="-317500" lvl="7" marL="3657600">
+            <a:lvl8pPr marL="3657600" lvl="7" indent="-317500">
               <a:lnSpc>
                 <a:spcPct val="115000"/>
               </a:lnSpc>
@@ -4983,7 +5119,7 @@
                 </a:solidFill>
               </a:defRPr>
             </a:lvl8pPr>
-            <a:lvl9pPr indent="-317500" lvl="8" marL="4114800">
+            <a:lvl9pPr marL="4114800" lvl="8" indent="-317500">
               <a:lnSpc>
                 <a:spcPct val="115000"/>
               </a:lnSpc>
@@ -5005,15 +5141,19 @@
               </a:defRPr>
             </a:lvl9pPr>
           </a:lstStyle>
-          <a:p/>
+          <a:p>
+            <a:endParaRPr/>
+          </a:p>
         </p:txBody>
       </p:sp>
       <p:sp>
         <p:nvSpPr>
           <p:cNvPr id="8" name="Google Shape;8;p1"/>
-          <p:cNvSpPr txBox="1"/>
+          <p:cNvSpPr txBox="1">
+            <a:spLocks noGrp="1"/>
+          </p:cNvSpPr>
           <p:nvPr>
-            <p:ph idx="12" type="sldNum"/>
+            <p:ph type="sldNum" idx="12"/>
           </p:nvPr>
         </p:nvSpPr>
         <p:spPr>
@@ -5030,7 +5170,7 @@
           </a:ln>
         </p:spPr>
         <p:txBody>
-          <a:bodyPr anchorCtr="0" anchor="ctr" bIns="91425" lIns="91425" spcFirstLastPara="1" rIns="91425" wrap="square" tIns="91425">
+          <a:bodyPr spcFirstLastPara="1" wrap="square" lIns="91425" tIns="91425" rIns="91425" bIns="91425" anchor="ctr" anchorCtr="0">
             <a:normAutofit/>
           </a:bodyPr>
           <a:lstStyle>
@@ -5108,7 +5248,7 @@
             </a:lvl9pPr>
           </a:lstStyle>
           <a:p>
-            <a:pPr indent="0" lvl="0" marL="0" rtl="0" algn="r">
+            <a:pPr marL="0" lvl="0" indent="0" algn="r" rtl="0">
               <a:spcBef>
                 <a:spcPts val="0"/>
               </a:spcBef>
@@ -5127,7 +5267,7 @@
       </p:sp>
     </p:spTree>
   </p:cSld>
-  <p:clrMap accent1="accent1" accent2="accent2" accent3="accent3" accent4="accent4" accent5="accent5" accent6="accent6" bg1="lt1" bg2="dk2" tx1="dk1" tx2="lt2" folHlink="folHlink" hlink="hlink"/>
+  <p:clrMap bg1="lt1" tx1="dk1" bg2="dk2" tx2="lt2" accent1="accent1" accent2="accent2" accent3="accent3" accent4="accent4" accent5="accent5" accent6="accent6" hlink="hlink" folHlink="folHlink"/>
   <p:sldLayoutIdLst>
     <p:sldLayoutId id="2147483648" r:id="rId1"/>
     <p:sldLayoutId id="2147483649" r:id="rId2"/>
@@ -5141,10 +5281,10 @@
     <p:sldLayoutId id="2147483657" r:id="rId10"/>
     <p:sldLayoutId id="2147483658" r:id="rId11"/>
   </p:sldLayoutIdLst>
-  <p:hf dt="0" ftr="0" hdr="0" sldNum="0"/>
+  <p:hf sldNum="0" hdr="0" ftr="0" dt="0"/>
   <p:txStyles>
     <p:titleStyle>
-      <a:defPPr lvl="0" marR="0" rtl="0" algn="l">
+      <a:defPPr marR="0" lvl="0" algn="l" rtl="0">
         <a:lnSpc>
           <a:spcPct val="100000"/>
         </a:lnSpc>
@@ -5155,7 +5295,7 @@
           <a:spcPts val="0"/>
         </a:spcAft>
       </a:defPPr>
-      <a:lvl1pPr lvl="0" marR="0" rtl="0" algn="l">
+      <a:lvl1pPr marR="0" lvl="0" algn="l" rtl="0">
         <a:lnSpc>
           <a:spcPct val="100000"/>
         </a:lnSpc>
@@ -5169,7 +5309,7 @@
           <a:srgbClr val="000000"/>
         </a:buClr>
         <a:buFont typeface="Arial"/>
-        <a:defRPr b="0" i="0" sz="1400" u="none" cap="none" strike="noStrike">
+        <a:defRPr sz="1400" b="0" i="0" u="none" strike="noStrike" cap="none">
           <a:solidFill>
             <a:srgbClr val="000000"/>
           </a:solidFill>
@@ -5179,7 +5319,7 @@
           <a:sym typeface="Arial"/>
         </a:defRPr>
       </a:lvl1pPr>
-      <a:lvl2pPr lvl="1" marR="0" rtl="0" algn="l">
+      <a:lvl2pPr marR="0" lvl="1" algn="l" rtl="0">
         <a:lnSpc>
           <a:spcPct val="100000"/>
         </a:lnSpc>
@@ -5193,7 +5333,7 @@
           <a:srgbClr val="000000"/>
         </a:buClr>
         <a:buFont typeface="Arial"/>
-        <a:defRPr b="0" i="0" sz="1400" u="none" cap="none" strike="noStrike">
+        <a:defRPr sz="1400" b="0" i="0" u="none" strike="noStrike" cap="none">
           <a:solidFill>
             <a:srgbClr val="000000"/>
           </a:solidFill>
@@ -5203,7 +5343,7 @@
           <a:sym typeface="Arial"/>
         </a:defRPr>
       </a:lvl2pPr>
-      <a:lvl3pPr lvl="2" marR="0" rtl="0" algn="l">
+      <a:lvl3pPr marR="0" lvl="2" algn="l" rtl="0">
         <a:lnSpc>
           <a:spcPct val="100000"/>
         </a:lnSpc>
@@ -5217,7 +5357,7 @@
           <a:srgbClr val="000000"/>
         </a:buClr>
         <a:buFont typeface="Arial"/>
-        <a:defRPr b="0" i="0" sz="1400" u="none" cap="none" strike="noStrike">
+        <a:defRPr sz="1400" b="0" i="0" u="none" strike="noStrike" cap="none">
           <a:solidFill>
             <a:srgbClr val="000000"/>
           </a:solidFill>
@@ -5227,7 +5367,7 @@
           <a:sym typeface="Arial"/>
         </a:defRPr>
       </a:lvl3pPr>
-      <a:lvl4pPr lvl="3" marR="0" rtl="0" algn="l">
+      <a:lvl4pPr marR="0" lvl="3" algn="l" rtl="0">
         <a:lnSpc>
           <a:spcPct val="100000"/>
         </a:lnSpc>
@@ -5241,7 +5381,7 @@
           <a:srgbClr val="000000"/>
         </a:buClr>
         <a:buFont typeface="Arial"/>
-        <a:defRPr b="0" i="0" sz="1400" u="none" cap="none" strike="noStrike">
+        <a:defRPr sz="1400" b="0" i="0" u="none" strike="noStrike" cap="none">
           <a:solidFill>
             <a:srgbClr val="000000"/>
           </a:solidFill>
@@ -5251,7 +5391,7 @@
           <a:sym typeface="Arial"/>
         </a:defRPr>
       </a:lvl4pPr>
-      <a:lvl5pPr lvl="4" marR="0" rtl="0" algn="l">
+      <a:lvl5pPr marR="0" lvl="4" algn="l" rtl="0">
         <a:lnSpc>
           <a:spcPct val="100000"/>
         </a:lnSpc>
@@ -5265,7 +5405,7 @@
           <a:srgbClr val="000000"/>
         </a:buClr>
         <a:buFont typeface="Arial"/>
-        <a:defRPr b="0" i="0" sz="1400" u="none" cap="none" strike="noStrike">
+        <a:defRPr sz="1400" b="0" i="0" u="none" strike="noStrike" cap="none">
           <a:solidFill>
             <a:srgbClr val="000000"/>
           </a:solidFill>
@@ -5275,7 +5415,7 @@
           <a:sym typeface="Arial"/>
         </a:defRPr>
       </a:lvl5pPr>
-      <a:lvl6pPr lvl="5" marR="0" rtl="0" algn="l">
+      <a:lvl6pPr marR="0" lvl="5" algn="l" rtl="0">
         <a:lnSpc>
           <a:spcPct val="100000"/>
         </a:lnSpc>
@@ -5289,7 +5429,7 @@
           <a:srgbClr val="000000"/>
         </a:buClr>
         <a:buFont typeface="Arial"/>
-        <a:defRPr b="0" i="0" sz="1400" u="none" cap="none" strike="noStrike">
+        <a:defRPr sz="1400" b="0" i="0" u="none" strike="noStrike" cap="none">
           <a:solidFill>
             <a:srgbClr val="000000"/>
           </a:solidFill>
@@ -5299,7 +5439,7 @@
           <a:sym typeface="Arial"/>
         </a:defRPr>
       </a:lvl6pPr>
-      <a:lvl7pPr lvl="6" marR="0" rtl="0" algn="l">
+      <a:lvl7pPr marR="0" lvl="6" algn="l" rtl="0">
         <a:lnSpc>
           <a:spcPct val="100000"/>
         </a:lnSpc>
@@ -5313,7 +5453,7 @@
           <a:srgbClr val="000000"/>
         </a:buClr>
         <a:buFont typeface="Arial"/>
-        <a:defRPr b="0" i="0" sz="1400" u="none" cap="none" strike="noStrike">
+        <a:defRPr sz="1400" b="0" i="0" u="none" strike="noStrike" cap="none">
           <a:solidFill>
             <a:srgbClr val="000000"/>
           </a:solidFill>
@@ -5323,7 +5463,7 @@
           <a:sym typeface="Arial"/>
         </a:defRPr>
       </a:lvl7pPr>
-      <a:lvl8pPr lvl="7" marR="0" rtl="0" algn="l">
+      <a:lvl8pPr marR="0" lvl="7" algn="l" rtl="0">
         <a:lnSpc>
           <a:spcPct val="100000"/>
         </a:lnSpc>
@@ -5337,7 +5477,7 @@
           <a:srgbClr val="000000"/>
         </a:buClr>
         <a:buFont typeface="Arial"/>
-        <a:defRPr b="0" i="0" sz="1400" u="none" cap="none" strike="noStrike">
+        <a:defRPr sz="1400" b="0" i="0" u="none" strike="noStrike" cap="none">
           <a:solidFill>
             <a:srgbClr val="000000"/>
           </a:solidFill>
@@ -5347,7 +5487,7 @@
           <a:sym typeface="Arial"/>
         </a:defRPr>
       </a:lvl8pPr>
-      <a:lvl9pPr lvl="8" marR="0" rtl="0" algn="l">
+      <a:lvl9pPr marR="0" lvl="8" algn="l" rtl="0">
         <a:lnSpc>
           <a:spcPct val="100000"/>
         </a:lnSpc>
@@ -5361,7 +5501,7 @@
           <a:srgbClr val="000000"/>
         </a:buClr>
         <a:buFont typeface="Arial"/>
-        <a:defRPr b="0" i="0" sz="1400" u="none" cap="none" strike="noStrike">
+        <a:defRPr sz="1400" b="0" i="0" u="none" strike="noStrike" cap="none">
           <a:solidFill>
             <a:srgbClr val="000000"/>
           </a:solidFill>
@@ -5373,7 +5513,7 @@
       </a:lvl9pPr>
     </p:titleStyle>
     <p:bodyStyle>
-      <a:defPPr lvl="0" marR="0" rtl="0" algn="l">
+      <a:defPPr marR="0" lvl="0" algn="l" rtl="0">
         <a:lnSpc>
           <a:spcPct val="100000"/>
         </a:lnSpc>
@@ -5384,7 +5524,7 @@
           <a:spcPts val="0"/>
         </a:spcAft>
       </a:defPPr>
-      <a:lvl1pPr lvl="0" marR="0" rtl="0" algn="l">
+      <a:lvl1pPr marR="0" lvl="0" algn="l" rtl="0">
         <a:lnSpc>
           <a:spcPct val="100000"/>
         </a:lnSpc>
@@ -5398,7 +5538,7 @@
           <a:srgbClr val="000000"/>
         </a:buClr>
         <a:buFont typeface="Arial"/>
-        <a:defRPr b="0" i="0" sz="1400" u="none" cap="none" strike="noStrike">
+        <a:defRPr sz="1400" b="0" i="0" u="none" strike="noStrike" cap="none">
           <a:solidFill>
             <a:srgbClr val="000000"/>
           </a:solidFill>
@@ -5408,7 +5548,7 @@
           <a:sym typeface="Arial"/>
         </a:defRPr>
       </a:lvl1pPr>
-      <a:lvl2pPr lvl="1" marR="0" rtl="0" algn="l">
+      <a:lvl2pPr marR="0" lvl="1" algn="l" rtl="0">
         <a:lnSpc>
           <a:spcPct val="100000"/>
         </a:lnSpc>
@@ -5422,7 +5562,7 @@
           <a:srgbClr val="000000"/>
         </a:buClr>
         <a:buFont typeface="Arial"/>
-        <a:defRPr b="0" i="0" sz="1400" u="none" cap="none" strike="noStrike">
+        <a:defRPr sz="1400" b="0" i="0" u="none" strike="noStrike" cap="none">
           <a:solidFill>
             <a:srgbClr val="000000"/>
           </a:solidFill>
@@ -5432,7 +5572,7 @@
           <a:sym typeface="Arial"/>
         </a:defRPr>
       </a:lvl2pPr>
-      <a:lvl3pPr lvl="2" marR="0" rtl="0" algn="l">
+      <a:lvl3pPr marR="0" lvl="2" algn="l" rtl="0">
         <a:lnSpc>
           <a:spcPct val="100000"/>
         </a:lnSpc>
@@ -5446,7 +5586,7 @@
           <a:srgbClr val="000000"/>
         </a:buClr>
         <a:buFont typeface="Arial"/>
-        <a:defRPr b="0" i="0" sz="1400" u="none" cap="none" strike="noStrike">
+        <a:defRPr sz="1400" b="0" i="0" u="none" strike="noStrike" cap="none">
           <a:solidFill>
             <a:srgbClr val="000000"/>
           </a:solidFill>
@@ -5456,7 +5596,7 @@
           <a:sym typeface="Arial"/>
         </a:defRPr>
       </a:lvl3pPr>
-      <a:lvl4pPr lvl="3" marR="0" rtl="0" algn="l">
+      <a:lvl4pPr marR="0" lvl="3" algn="l" rtl="0">
         <a:lnSpc>
           <a:spcPct val="100000"/>
         </a:lnSpc>
@@ -5470,7 +5610,7 @@
           <a:srgbClr val="000000"/>
         </a:buClr>
         <a:buFont typeface="Arial"/>
-        <a:defRPr b="0" i="0" sz="1400" u="none" cap="none" strike="noStrike">
+        <a:defRPr sz="1400" b="0" i="0" u="none" strike="noStrike" cap="none">
           <a:solidFill>
             <a:srgbClr val="000000"/>
           </a:solidFill>
@@ -5480,7 +5620,7 @@
           <a:sym typeface="Arial"/>
         </a:defRPr>
       </a:lvl4pPr>
-      <a:lvl5pPr lvl="4" marR="0" rtl="0" algn="l">
+      <a:lvl5pPr marR="0" lvl="4" algn="l" rtl="0">
         <a:lnSpc>
           <a:spcPct val="100000"/>
         </a:lnSpc>
@@ -5494,7 +5634,7 @@
           <a:srgbClr val="000000"/>
         </a:buClr>
         <a:buFont typeface="Arial"/>
-        <a:defRPr b="0" i="0" sz="1400" u="none" cap="none" strike="noStrike">
+        <a:defRPr sz="1400" b="0" i="0" u="none" strike="noStrike" cap="none">
           <a:solidFill>
             <a:srgbClr val="000000"/>
           </a:solidFill>
@@ -5504,7 +5644,7 @@
           <a:sym typeface="Arial"/>
         </a:defRPr>
       </a:lvl5pPr>
-      <a:lvl6pPr lvl="5" marR="0" rtl="0" algn="l">
+      <a:lvl6pPr marR="0" lvl="5" algn="l" rtl="0">
         <a:lnSpc>
           <a:spcPct val="100000"/>
         </a:lnSpc>
@@ -5518,7 +5658,7 @@
           <a:srgbClr val="000000"/>
         </a:buClr>
         <a:buFont typeface="Arial"/>
-        <a:defRPr b="0" i="0" sz="1400" u="none" cap="none" strike="noStrike">
+        <a:defRPr sz="1400" b="0" i="0" u="none" strike="noStrike" cap="none">
           <a:solidFill>
             <a:srgbClr val="000000"/>
           </a:solidFill>
@@ -5528,7 +5668,7 @@
           <a:sym typeface="Arial"/>
         </a:defRPr>
       </a:lvl6pPr>
-      <a:lvl7pPr lvl="6" marR="0" rtl="0" algn="l">
+      <a:lvl7pPr marR="0" lvl="6" algn="l" rtl="0">
         <a:lnSpc>
           <a:spcPct val="100000"/>
         </a:lnSpc>
@@ -5542,7 +5682,7 @@
           <a:srgbClr val="000000"/>
         </a:buClr>
         <a:buFont typeface="Arial"/>
-        <a:defRPr b="0" i="0" sz="1400" u="none" cap="none" strike="noStrike">
+        <a:defRPr sz="1400" b="0" i="0" u="none" strike="noStrike" cap="none">
           <a:solidFill>
             <a:srgbClr val="000000"/>
           </a:solidFill>
@@ -5552,7 +5692,7 @@
           <a:sym typeface="Arial"/>
         </a:defRPr>
       </a:lvl7pPr>
-      <a:lvl8pPr lvl="7" marR="0" rtl="0" algn="l">
+      <a:lvl8pPr marR="0" lvl="7" algn="l" rtl="0">
         <a:lnSpc>
           <a:spcPct val="100000"/>
         </a:lnSpc>
@@ -5566,7 +5706,7 @@
           <a:srgbClr val="000000"/>
         </a:buClr>
         <a:buFont typeface="Arial"/>
-        <a:defRPr b="0" i="0" sz="1400" u="none" cap="none" strike="noStrike">
+        <a:defRPr sz="1400" b="0" i="0" u="none" strike="noStrike" cap="none">
           <a:solidFill>
             <a:srgbClr val="000000"/>
           </a:solidFill>
@@ -5576,7 +5716,7 @@
           <a:sym typeface="Arial"/>
         </a:defRPr>
       </a:lvl8pPr>
-      <a:lvl9pPr lvl="8" marR="0" rtl="0" algn="l">
+      <a:lvl9pPr marR="0" lvl="8" algn="l" rtl="0">
         <a:lnSpc>
           <a:spcPct val="100000"/>
         </a:lnSpc>
@@ -5590,7 +5730,7 @@
           <a:srgbClr val="000000"/>
         </a:buClr>
         <a:buFont typeface="Arial"/>
-        <a:defRPr b="0" i="0" sz="1400" u="none" cap="none" strike="noStrike">
+        <a:defRPr sz="1400" b="0" i="0" u="none" strike="noStrike" cap="none">
           <a:solidFill>
             <a:srgbClr val="000000"/>
           </a:solidFill>
@@ -5602,7 +5742,7 @@
       </a:lvl9pPr>
     </p:bodyStyle>
     <p:otherStyle>
-      <a:defPPr lvl="0" marR="0" rtl="0" algn="l">
+      <a:defPPr marR="0" lvl="0" algn="l" rtl="0">
         <a:lnSpc>
           <a:spcPct val="100000"/>
         </a:lnSpc>
@@ -5613,7 +5753,7 @@
           <a:spcPts val="0"/>
         </a:spcAft>
       </a:defPPr>
-      <a:lvl1pPr lvl="0" marR="0" rtl="0" algn="l">
+      <a:lvl1pPr marR="0" lvl="0" algn="l" rtl="0">
         <a:lnSpc>
           <a:spcPct val="100000"/>
         </a:lnSpc>
@@ -5627,7 +5767,7 @@
           <a:srgbClr val="000000"/>
         </a:buClr>
         <a:buFont typeface="Arial"/>
-        <a:defRPr b="0" i="0" sz="1400" u="none" cap="none" strike="noStrike">
+        <a:defRPr sz="1400" b="0" i="0" u="none" strike="noStrike" cap="none">
           <a:solidFill>
             <a:srgbClr val="000000"/>
           </a:solidFill>
@@ -5637,7 +5777,7 @@
           <a:sym typeface="Arial"/>
         </a:defRPr>
       </a:lvl1pPr>
-      <a:lvl2pPr lvl="1" marR="0" rtl="0" algn="l">
+      <a:lvl2pPr marR="0" lvl="1" algn="l" rtl="0">
         <a:lnSpc>
           <a:spcPct val="100000"/>
         </a:lnSpc>
@@ -5651,7 +5791,7 @@
           <a:srgbClr val="000000"/>
         </a:buClr>
         <a:buFont typeface="Arial"/>
-        <a:defRPr b="0" i="0" sz="1400" u="none" cap="none" strike="noStrike">
+        <a:defRPr sz="1400" b="0" i="0" u="none" strike="noStrike" cap="none">
           <a:solidFill>
             <a:srgbClr val="000000"/>
           </a:solidFill>
@@ -5661,7 +5801,7 @@
           <a:sym typeface="Arial"/>
         </a:defRPr>
       </a:lvl2pPr>
-      <a:lvl3pPr lvl="2" marR="0" rtl="0" algn="l">
+      <a:lvl3pPr marR="0" lvl="2" algn="l" rtl="0">
         <a:lnSpc>
           <a:spcPct val="100000"/>
         </a:lnSpc>
@@ -5675,7 +5815,7 @@
           <a:srgbClr val="000000"/>
         </a:buClr>
         <a:buFont typeface="Arial"/>
-        <a:defRPr b="0" i="0" sz="1400" u="none" cap="none" strike="noStrike">
+        <a:defRPr sz="1400" b="0" i="0" u="none" strike="noStrike" cap="none">
           <a:solidFill>
             <a:srgbClr val="000000"/>
           </a:solidFill>
@@ -5685,7 +5825,7 @@
           <a:sym typeface="Arial"/>
         </a:defRPr>
       </a:lvl3pPr>
-      <a:lvl4pPr lvl="3" marR="0" rtl="0" algn="l">
+      <a:lvl4pPr marR="0" lvl="3" algn="l" rtl="0">
         <a:lnSpc>
           <a:spcPct val="100000"/>
         </a:lnSpc>
@@ -5699,7 +5839,7 @@
           <a:srgbClr val="000000"/>
         </a:buClr>
         <a:buFont typeface="Arial"/>
-        <a:defRPr b="0" i="0" sz="1400" u="none" cap="none" strike="noStrike">
+        <a:defRPr sz="1400" b="0" i="0" u="none" strike="noStrike" cap="none">
           <a:solidFill>
             <a:srgbClr val="000000"/>
           </a:solidFill>
@@ -5709,7 +5849,7 @@
           <a:sym typeface="Arial"/>
         </a:defRPr>
       </a:lvl4pPr>
-      <a:lvl5pPr lvl="4" marR="0" rtl="0" algn="l">
+      <a:lvl5pPr marR="0" lvl="4" algn="l" rtl="0">
         <a:lnSpc>
           <a:spcPct val="100000"/>
         </a:lnSpc>
@@ -5723,7 +5863,7 @@
           <a:srgbClr val="000000"/>
         </a:buClr>
         <a:buFont typeface="Arial"/>
-        <a:defRPr b="0" i="0" sz="1400" u="none" cap="none" strike="noStrike">
+        <a:defRPr sz="1400" b="0" i="0" u="none" strike="noStrike" cap="none">
           <a:solidFill>
             <a:srgbClr val="000000"/>
           </a:solidFill>
@@ -5733,7 +5873,7 @@
           <a:sym typeface="Arial"/>
         </a:defRPr>
       </a:lvl5pPr>
-      <a:lvl6pPr lvl="5" marR="0" rtl="0" algn="l">
+      <a:lvl6pPr marR="0" lvl="5" algn="l" rtl="0">
         <a:lnSpc>
           <a:spcPct val="100000"/>
         </a:lnSpc>
@@ -5747,7 +5887,7 @@
           <a:srgbClr val="000000"/>
         </a:buClr>
         <a:buFont typeface="Arial"/>
-        <a:defRPr b="0" i="0" sz="1400" u="none" cap="none" strike="noStrike">
+        <a:defRPr sz="1400" b="0" i="0" u="none" strike="noStrike" cap="none">
           <a:solidFill>
             <a:srgbClr val="000000"/>
           </a:solidFill>
@@ -5757,7 +5897,7 @@
           <a:sym typeface="Arial"/>
         </a:defRPr>
       </a:lvl6pPr>
-      <a:lvl7pPr lvl="6" marR="0" rtl="0" algn="l">
+      <a:lvl7pPr marR="0" lvl="6" algn="l" rtl="0">
         <a:lnSpc>
           <a:spcPct val="100000"/>
         </a:lnSpc>
@@ -5771,7 +5911,7 @@
           <a:srgbClr val="000000"/>
         </a:buClr>
         <a:buFont typeface="Arial"/>
-        <a:defRPr b="0" i="0" sz="1400" u="none" cap="none" strike="noStrike">
+        <a:defRPr sz="1400" b="0" i="0" u="none" strike="noStrike" cap="none">
           <a:solidFill>
             <a:srgbClr val="000000"/>
           </a:solidFill>
@@ -5781,7 +5921,7 @@
           <a:sym typeface="Arial"/>
         </a:defRPr>
       </a:lvl7pPr>
-      <a:lvl8pPr lvl="7" marR="0" rtl="0" algn="l">
+      <a:lvl8pPr marR="0" lvl="7" algn="l" rtl="0">
         <a:lnSpc>
           <a:spcPct val="100000"/>
         </a:lnSpc>
@@ -5795,7 +5935,7 @@
           <a:srgbClr val="000000"/>
         </a:buClr>
         <a:buFont typeface="Arial"/>
-        <a:defRPr b="0" i="0" sz="1400" u="none" cap="none" strike="noStrike">
+        <a:defRPr sz="1400" b="0" i="0" u="none" strike="noStrike" cap="none">
           <a:solidFill>
             <a:srgbClr val="000000"/>
           </a:solidFill>
@@ -5805,7 +5945,7 @@
           <a:sym typeface="Arial"/>
         </a:defRPr>
       </a:lvl8pPr>
-      <a:lvl9pPr lvl="8" marR="0" rtl="0" algn="l">
+      <a:lvl9pPr marR="0" lvl="8" algn="l" rtl="0">
         <a:lnSpc>
           <a:spcPct val="100000"/>
         </a:lnSpc>
@@ -5819,7 +5959,7 @@
           <a:srgbClr val="000000"/>
         </a:buClr>
         <a:buFont typeface="Arial"/>
-        <a:defRPr b="0" i="0" sz="1400" u="none" cap="none" strike="noStrike">
+        <a:defRPr sz="1400" b="0" i="0" u="none" strike="noStrike" cap="none">
           <a:solidFill>
             <a:srgbClr val="000000"/>
           </a:solidFill>
@@ -5835,11 +5975,11 @@
 </file>
 
 <file path=ppt/slides/slide1.xml><?xml version="1.0" encoding="utf-8"?>
-<p:sld xmlns:a="http://schemas.openxmlformats.org/drawingml/2006/main" xmlns:r="http://schemas.openxmlformats.org/officeDocument/2006/relationships" xmlns:mc="http://schemas.openxmlformats.org/markup-compatibility/2006" xmlns:mv="urn:schemas-microsoft-com:mac:vml" xmlns:p="http://schemas.openxmlformats.org/presentationml/2006/main" xmlns:c="http://schemas.openxmlformats.org/drawingml/2006/chart" xmlns:dgm="http://schemas.openxmlformats.org/drawingml/2006/diagram" xmlns:o="urn:schemas-microsoft-com:office:office" xmlns:v="urn:schemas-microsoft-com:vml" xmlns:pvml="urn:schemas-microsoft-com:office:powerpoint" xmlns:com="http://schemas.openxmlformats.org/drawingml/2006/compatibility" xmlns:p14="http://schemas.microsoft.com/office/powerpoint/2010/main" xmlns:p15="http://schemas.microsoft.com/office/powerpoint/2012/main" xmlns:ahyp="http://schemas.microsoft.com/office/drawing/2018/hyperlinkcolor">
+<p:sld xmlns:a="http://schemas.openxmlformats.org/drawingml/2006/main" xmlns:r="http://schemas.openxmlformats.org/officeDocument/2006/relationships" xmlns:p="http://schemas.openxmlformats.org/presentationml/2006/main">
   <p:cSld>
     <p:spTree>
       <p:nvGrpSpPr>
-        <p:cNvPr id="53" name="Shape 53"/>
+        <p:cNvPr id="1" name="Shape 53"/>
         <p:cNvGrpSpPr/>
         <p:nvPr/>
       </p:nvGrpSpPr>
@@ -5871,12 +6011,12 @@
           </a:ln>
         </p:spPr>
         <p:txBody>
-          <a:bodyPr anchorCtr="0" anchor="t" bIns="91425" lIns="91425" spcFirstLastPara="1" rIns="91425" wrap="square" tIns="91425">
+          <a:bodyPr spcFirstLastPara="1" wrap="square" lIns="91425" tIns="91425" rIns="91425" bIns="91425" anchor="t" anchorCtr="0">
             <a:spAutoFit/>
           </a:bodyPr>
           <a:lstStyle/>
           <a:p>
-            <a:pPr indent="0" lvl="0" marL="0" rtl="0" algn="l">
+            <a:pPr marL="0" lvl="0" indent="0" algn="l" rtl="0">
               <a:spcBef>
                 <a:spcPts val="0"/>
               </a:spcBef>
@@ -5886,44 +6026,61 @@
               <a:buNone/>
             </a:pPr>
             <a:r>
-              <a:rPr lang="ko"/>
+              <a:rPr lang="ko" dirty="0"/>
               <a:t>2번째 보스 기획</a:t>
             </a:r>
-            <a:endParaRPr/>
-          </a:p>
-          <a:p>
-            <a:pPr indent="0" lvl="0" marL="0" rtl="0" algn="l">
-              <a:spcBef>
-                <a:spcPts val="0"/>
-              </a:spcBef>
-              <a:spcAft>
-                <a:spcPts val="0"/>
-              </a:spcAft>
-              <a:buNone/>
-            </a:pPr>
             <a:r>
-              <a:t/>
+              <a:rPr lang="en-US" altLang="ko" dirty="0"/>
+              <a:t> -&gt; 3</a:t>
             </a:r>
-            <a:endParaRPr/>
-          </a:p>
-          <a:p>
-            <a:pPr indent="0" lvl="0" marL="0" rtl="0" algn="l">
-              <a:spcBef>
-                <a:spcPts val="0"/>
-              </a:spcBef>
-              <a:spcAft>
-                <a:spcPts val="0"/>
-              </a:spcAft>
-              <a:buNone/>
-            </a:pPr>
             <a:r>
-              <a:rPr lang="ko"/>
+              <a:rPr lang="ko-KR" altLang="en-US" dirty="0"/>
+              <a:t>번째</a:t>
+            </a:r>
+            <a:endParaRPr dirty="0"/>
+          </a:p>
+          <a:p>
+            <a:pPr marL="0" lvl="0" indent="0" algn="l" rtl="0">
+              <a:spcBef>
+                <a:spcPts val="0"/>
+              </a:spcBef>
+              <a:spcAft>
+                <a:spcPts val="0"/>
+              </a:spcAft>
+              <a:buNone/>
+            </a:pPr>
+            <a:endParaRPr dirty="0"/>
+          </a:p>
+          <a:p>
+            <a:pPr marL="0" lvl="0" indent="0" algn="l" rtl="0">
+              <a:spcBef>
+                <a:spcPts val="0"/>
+              </a:spcBef>
+              <a:spcAft>
+                <a:spcPts val="0"/>
+              </a:spcAft>
+              <a:buNone/>
+            </a:pPr>
+            <a:r>
+              <a:rPr lang="ko" dirty="0"/>
               <a:t>주요 기믹 컨셉 : 해킹</a:t>
             </a:r>
-            <a:endParaRPr/>
-          </a:p>
-          <a:p>
-            <a:pPr indent="0" lvl="0" marL="0" rtl="0" algn="l">
+            <a:endParaRPr dirty="0"/>
+          </a:p>
+          <a:p>
+            <a:pPr marL="0" lvl="0" indent="0" algn="l" rtl="0">
+              <a:spcBef>
+                <a:spcPts val="0"/>
+              </a:spcBef>
+              <a:spcAft>
+                <a:spcPts val="0"/>
+              </a:spcAft>
+              <a:buNone/>
+            </a:pPr>
+            <a:endParaRPr dirty="0"/>
+          </a:p>
+          <a:p>
+            <a:pPr marL="0" lvl="0" indent="0" algn="l" rtl="0">
               <a:spcBef>
                 <a:spcPts val="0"/>
               </a:spcBef>
@@ -5933,28 +6090,25 @@
               <a:buNone/>
             </a:pPr>
             <a:r>
-              <a:t/>
-            </a:r>
-            <a:endParaRPr/>
-          </a:p>
-          <a:p>
-            <a:pPr indent="0" lvl="0" marL="0" rtl="0" algn="l">
-              <a:spcBef>
-                <a:spcPts val="0"/>
-              </a:spcBef>
-              <a:spcAft>
-                <a:spcPts val="0"/>
-              </a:spcAft>
-              <a:buNone/>
-            </a:pPr>
-            <a:r>
-              <a:rPr lang="ko"/>
+              <a:rPr lang="ko" dirty="0"/>
               <a:t>1차 전멸기 : 지역 탈출</a:t>
             </a:r>
-            <a:endParaRPr/>
-          </a:p>
-          <a:p>
-            <a:pPr indent="0" lvl="0" marL="0" rtl="0" algn="l">
+            <a:endParaRPr dirty="0"/>
+          </a:p>
+          <a:p>
+            <a:pPr marL="0" lvl="0" indent="0" algn="l" rtl="0">
+              <a:spcBef>
+                <a:spcPts val="0"/>
+              </a:spcBef>
+              <a:spcAft>
+                <a:spcPts val="0"/>
+              </a:spcAft>
+              <a:buNone/>
+            </a:pPr>
+            <a:endParaRPr dirty="0"/>
+          </a:p>
+          <a:p>
+            <a:pPr marL="0" lvl="0" indent="0" algn="l" rtl="0">
               <a:spcBef>
                 <a:spcPts val="0"/>
               </a:spcBef>
@@ -5964,25 +6118,10 @@
               <a:buNone/>
             </a:pPr>
             <a:r>
-              <a:t/>
-            </a:r>
-            <a:endParaRPr/>
-          </a:p>
-          <a:p>
-            <a:pPr indent="0" lvl="0" marL="0" rtl="0" algn="l">
-              <a:spcBef>
-                <a:spcPts val="0"/>
-              </a:spcBef>
-              <a:spcAft>
-                <a:spcPts val="0"/>
-              </a:spcAft>
-              <a:buNone/>
-            </a:pPr>
-            <a:r>
-              <a:rPr lang="ko"/>
+              <a:rPr lang="ko" dirty="0"/>
               <a:t>2차 전멸기 : 역 해킹 시도</a:t>
             </a:r>
-            <a:endParaRPr/>
+            <a:endParaRPr dirty="0"/>
           </a:p>
         </p:txBody>
       </p:sp>
@@ -6006,12 +6145,12 @@
           </a:ln>
         </p:spPr>
         <p:txBody>
-          <a:bodyPr anchorCtr="0" anchor="t" bIns="91425" lIns="91425" spcFirstLastPara="1" rIns="91425" wrap="square" tIns="91425">
+          <a:bodyPr spcFirstLastPara="1" wrap="square" lIns="91425" tIns="91425" rIns="91425" bIns="91425" anchor="t" anchorCtr="0">
             <a:spAutoFit/>
           </a:bodyPr>
           <a:lstStyle/>
           <a:p>
-            <a:pPr indent="0" lvl="0" marL="0" rtl="0" algn="l">
+            <a:pPr marL="0" lvl="0" indent="0" algn="l" rtl="0">
               <a:spcBef>
                 <a:spcPts val="0"/>
               </a:spcBef>
@@ -6021,32 +6160,33 @@
               <a:buNone/>
             </a:pPr>
             <a:r>
-              <a:rPr lang="ko"/>
-              <a:t>3</a:t>
+              <a:rPr lang="ko" dirty="0"/>
+              <a:t>3번째 보스 기획</a:t>
             </a:r>
             <a:r>
-              <a:rPr lang="ko"/>
-              <a:t>번째 보스 기획</a:t>
+              <a:rPr lang="en-US" altLang="ko" dirty="0"/>
+              <a:t> -&gt; 2</a:t>
             </a:r>
-            <a:endParaRPr/>
-          </a:p>
-          <a:p>
-            <a:pPr indent="0" lvl="0" marL="0" rtl="0" algn="l">
-              <a:spcBef>
-                <a:spcPts val="0"/>
-              </a:spcBef>
-              <a:spcAft>
-                <a:spcPts val="0"/>
-              </a:spcAft>
-              <a:buNone/>
-            </a:pPr>
             <a:r>
-              <a:t/>
+              <a:rPr lang="ko-KR" altLang="en-US" dirty="0" err="1"/>
+              <a:t>번쨰</a:t>
             </a:r>
-            <a:endParaRPr/>
-          </a:p>
-          <a:p>
-            <a:pPr indent="0" lvl="0" marL="0" rtl="0" algn="l">
+            <a:endParaRPr dirty="0"/>
+          </a:p>
+          <a:p>
+            <a:pPr marL="0" lvl="0" indent="0" algn="l" rtl="0">
+              <a:spcBef>
+                <a:spcPts val="0"/>
+              </a:spcBef>
+              <a:spcAft>
+                <a:spcPts val="0"/>
+              </a:spcAft>
+              <a:buNone/>
+            </a:pPr>
+            <a:endParaRPr dirty="0"/>
+          </a:p>
+          <a:p>
+            <a:pPr marL="0" lvl="0" indent="0" algn="l" rtl="0">
               <a:spcBef>
                 <a:spcPts val="0"/>
               </a:spcBef>
@@ -6056,13 +6196,25 @@
               <a:buNone/>
             </a:pPr>
             <a:r>
-              <a:rPr lang="ko"/>
+              <a:rPr lang="ko" dirty="0"/>
               <a:t>주요 기믹 컨셉 : 오염 게이지</a:t>
             </a:r>
-            <a:endParaRPr/>
-          </a:p>
-          <a:p>
-            <a:pPr indent="0" lvl="0" marL="0" rtl="0" algn="l">
+            <a:endParaRPr dirty="0"/>
+          </a:p>
+          <a:p>
+            <a:pPr marL="0" lvl="0" indent="0" algn="l" rtl="0">
+              <a:spcBef>
+                <a:spcPts val="0"/>
+              </a:spcBef>
+              <a:spcAft>
+                <a:spcPts val="0"/>
+              </a:spcAft>
+              <a:buNone/>
+            </a:pPr>
+            <a:endParaRPr dirty="0"/>
+          </a:p>
+          <a:p>
+            <a:pPr marL="0" lvl="0" indent="0" algn="l" rtl="0">
               <a:spcBef>
                 <a:spcPts val="0"/>
               </a:spcBef>
@@ -6072,28 +6224,25 @@
               <a:buNone/>
             </a:pPr>
             <a:r>
-              <a:t/>
-            </a:r>
-            <a:endParaRPr/>
-          </a:p>
-          <a:p>
-            <a:pPr indent="0" lvl="0" marL="0" rtl="0" algn="l">
-              <a:spcBef>
-                <a:spcPts val="0"/>
-              </a:spcBef>
-              <a:spcAft>
-                <a:spcPts val="0"/>
-              </a:spcAft>
-              <a:buNone/>
-            </a:pPr>
-            <a:r>
-              <a:rPr lang="ko"/>
+              <a:rPr lang="ko" dirty="0"/>
               <a:t>1차 전멸기 : 게이지 다운</a:t>
             </a:r>
-            <a:endParaRPr/>
-          </a:p>
-          <a:p>
-            <a:pPr indent="0" lvl="0" marL="0" rtl="0" algn="l">
+            <a:endParaRPr dirty="0"/>
+          </a:p>
+          <a:p>
+            <a:pPr marL="0" lvl="0" indent="0" algn="l" rtl="0">
+              <a:spcBef>
+                <a:spcPts val="0"/>
+              </a:spcBef>
+              <a:spcAft>
+                <a:spcPts val="0"/>
+              </a:spcAft>
+              <a:buNone/>
+            </a:pPr>
+            <a:endParaRPr dirty="0"/>
+          </a:p>
+          <a:p>
+            <a:pPr marL="0" lvl="0" indent="0" algn="l" rtl="0">
               <a:spcBef>
                 <a:spcPts val="0"/>
               </a:spcBef>
@@ -6103,25 +6252,10 @@
               <a:buNone/>
             </a:pPr>
             <a:r>
-              <a:t/>
-            </a:r>
-            <a:endParaRPr/>
-          </a:p>
-          <a:p>
-            <a:pPr indent="0" lvl="0" marL="0" rtl="0" algn="l">
-              <a:spcBef>
-                <a:spcPts val="0"/>
-              </a:spcBef>
-              <a:spcAft>
-                <a:spcPts val="0"/>
-              </a:spcAft>
-              <a:buNone/>
-            </a:pPr>
-            <a:r>
-              <a:rPr lang="ko"/>
+              <a:rPr lang="ko" dirty="0"/>
               <a:t>2차 전멸기 : 게이지 컨트롤</a:t>
             </a:r>
-            <a:endParaRPr/>
+            <a:endParaRPr dirty="0"/>
           </a:p>
         </p:txBody>
       </p:sp>
@@ -6134,11 +6268,11 @@
 </file>
 
 <file path=ppt/slides/slide2.xml><?xml version="1.0" encoding="utf-8"?>
-<p:sld xmlns:a="http://schemas.openxmlformats.org/drawingml/2006/main" xmlns:r="http://schemas.openxmlformats.org/officeDocument/2006/relationships" xmlns:mc="http://schemas.openxmlformats.org/markup-compatibility/2006" xmlns:mv="urn:schemas-microsoft-com:mac:vml" xmlns:p="http://schemas.openxmlformats.org/presentationml/2006/main" xmlns:c="http://schemas.openxmlformats.org/drawingml/2006/chart" xmlns:dgm="http://schemas.openxmlformats.org/drawingml/2006/diagram" xmlns:o="urn:schemas-microsoft-com:office:office" xmlns:v="urn:schemas-microsoft-com:vml" xmlns:pvml="urn:schemas-microsoft-com:office:powerpoint" xmlns:com="http://schemas.openxmlformats.org/drawingml/2006/compatibility" xmlns:p14="http://schemas.microsoft.com/office/powerpoint/2010/main" xmlns:p15="http://schemas.microsoft.com/office/powerpoint/2012/main" xmlns:ahyp="http://schemas.microsoft.com/office/drawing/2018/hyperlinkcolor">
+<p:sld xmlns:a="http://schemas.openxmlformats.org/drawingml/2006/main" xmlns:r="http://schemas.openxmlformats.org/officeDocument/2006/relationships" xmlns:p="http://schemas.openxmlformats.org/presentationml/2006/main">
   <p:cSld>
     <p:spTree>
       <p:nvGrpSpPr>
-        <p:cNvPr id="59" name="Shape 59"/>
+        <p:cNvPr id="1" name="Shape 59"/>
         <p:cNvGrpSpPr/>
         <p:nvPr/>
       </p:nvGrpSpPr>
@@ -6167,34 +6301,31 @@
           <a:solidFill>
             <a:schemeClr val="lt2"/>
           </a:solidFill>
-          <a:ln cap="flat" cmpd="sng" w="9525">
+          <a:ln w="9525" cap="flat" cmpd="sng">
             <a:solidFill>
               <a:schemeClr val="dk2"/>
             </a:solidFill>
             <a:prstDash val="solid"/>
             <a:round/>
-            <a:headEnd len="sm" w="sm" type="none"/>
-            <a:tailEnd len="sm" w="sm" type="none"/>
+            <a:headEnd type="none" w="sm" len="sm"/>
+            <a:tailEnd type="none" w="sm" len="sm"/>
           </a:ln>
         </p:spPr>
         <p:txBody>
-          <a:bodyPr anchorCtr="0" anchor="ctr" bIns="91425" lIns="91425" spcFirstLastPara="1" rIns="91425" wrap="square" tIns="91425">
+          <a:bodyPr spcFirstLastPara="1" wrap="square" lIns="91425" tIns="91425" rIns="91425" bIns="91425" anchor="ctr" anchorCtr="0">
             <a:noAutofit/>
           </a:bodyPr>
           <a:lstStyle/>
           <a:p>
-            <a:pPr indent="0" lvl="0" marL="0" rtl="0" algn="l">
-              <a:spcBef>
-                <a:spcPts val="0"/>
-              </a:spcBef>
-              <a:spcAft>
-                <a:spcPts val="0"/>
-              </a:spcAft>
-              <a:buNone/>
-            </a:pPr>
-            <a:r>
-              <a:t/>
-            </a:r>
+            <a:pPr marL="0" lvl="0" indent="0" algn="l" rtl="0">
+              <a:spcBef>
+                <a:spcPts val="0"/>
+              </a:spcBef>
+              <a:spcAft>
+                <a:spcPts val="0"/>
+              </a:spcAft>
+              <a:buNone/>
+            </a:pPr>
             <a:endParaRPr/>
           </a:p>
         </p:txBody>
@@ -6202,7 +6333,9 @@
       <p:sp>
         <p:nvSpPr>
           <p:cNvPr id="61" name="Google Shape;61;p14"/>
-          <p:cNvSpPr txBox="1"/>
+          <p:cNvSpPr txBox="1">
+            <a:spLocks noGrp="1"/>
+          </p:cNvSpPr>
           <p:nvPr>
             <p:ph type="title"/>
           </p:nvPr>
@@ -6217,12 +6350,12 @@
           </a:prstGeom>
         </p:spPr>
         <p:txBody>
-          <a:bodyPr anchorCtr="0" anchor="t" bIns="91425" lIns="91425" spcFirstLastPara="1" rIns="91425" wrap="square" tIns="91425">
+          <a:bodyPr spcFirstLastPara="1" wrap="square" lIns="91425" tIns="91425" rIns="91425" bIns="91425" anchor="t" anchorCtr="0">
             <a:normAutofit fontScale="90000"/>
           </a:bodyPr>
           <a:lstStyle/>
           <a:p>
-            <a:pPr indent="0" lvl="0" marL="0" rtl="0" algn="l">
+            <a:pPr marL="0" lvl="0" indent="0" algn="l" rtl="0">
               <a:spcBef>
                 <a:spcPts val="0"/>
               </a:spcBef>
@@ -6262,12 +6395,12 @@
           </a:ln>
         </p:spPr>
         <p:txBody>
-          <a:bodyPr anchorCtr="0" anchor="ctr" bIns="91425" lIns="91425" spcFirstLastPara="1" rIns="91425" wrap="square" tIns="91425">
+          <a:bodyPr spcFirstLastPara="1" wrap="square" lIns="91425" tIns="91425" rIns="91425" bIns="91425" anchor="ctr" anchorCtr="0">
             <a:noAutofit/>
           </a:bodyPr>
           <a:lstStyle/>
           <a:p>
-            <a:pPr indent="0" lvl="0" marL="0" rtl="0" algn="l">
+            <a:pPr marL="0" lvl="0" indent="0" algn="l" rtl="0">
               <a:spcBef>
                 <a:spcPts val="0"/>
               </a:spcBef>
@@ -6304,12 +6437,12 @@
           </a:ln>
         </p:spPr>
         <p:txBody>
-          <a:bodyPr anchorCtr="0" anchor="t" bIns="91425" lIns="91425" spcFirstLastPara="1" rIns="91425" wrap="square" tIns="91425">
+          <a:bodyPr spcFirstLastPara="1" wrap="square" lIns="91425" tIns="91425" rIns="91425" bIns="91425" anchor="t" anchorCtr="0">
             <a:spAutoFit/>
           </a:bodyPr>
           <a:lstStyle/>
           <a:p>
-            <a:pPr indent="0" lvl="0" marL="0" rtl="0" algn="l">
+            <a:pPr marL="0" lvl="0" indent="0" algn="l" rtl="0">
               <a:spcBef>
                 <a:spcPts val="0"/>
               </a:spcBef>
@@ -6348,12 +6481,12 @@
           </a:ln>
         </p:spPr>
         <p:txBody>
-          <a:bodyPr anchorCtr="0" anchor="ctr" bIns="91425" lIns="91425" spcFirstLastPara="1" rIns="91425" wrap="square" tIns="91425">
+          <a:bodyPr spcFirstLastPara="1" wrap="square" lIns="91425" tIns="91425" rIns="91425" bIns="91425" anchor="ctr" anchorCtr="0">
             <a:noAutofit/>
           </a:bodyPr>
           <a:lstStyle/>
           <a:p>
-            <a:pPr indent="0" lvl="0" marL="0" rtl="0" algn="ctr">
+            <a:pPr marL="0" lvl="0" indent="0" algn="ctr" rtl="0">
               <a:spcBef>
                 <a:spcPts val="0"/>
               </a:spcBef>
@@ -6392,12 +6525,12 @@
           </a:ln>
         </p:spPr>
         <p:txBody>
-          <a:bodyPr anchorCtr="0" anchor="ctr" bIns="91425" lIns="91425" spcFirstLastPara="1" rIns="91425" wrap="square" tIns="91425">
+          <a:bodyPr spcFirstLastPara="1" wrap="square" lIns="91425" tIns="91425" rIns="91425" bIns="91425" anchor="ctr" anchorCtr="0">
             <a:noAutofit/>
           </a:bodyPr>
           <a:lstStyle/>
           <a:p>
-            <a:pPr indent="0" lvl="0" marL="0" rtl="0" algn="ctr">
+            <a:pPr marL="0" lvl="0" indent="0" algn="ctr" rtl="0">
               <a:spcBef>
                 <a:spcPts val="0"/>
               </a:spcBef>
@@ -6444,12 +6577,12 @@
           </a:ln>
         </p:spPr>
         <p:txBody>
-          <a:bodyPr anchorCtr="0" anchor="ctr" bIns="91425" lIns="91425" spcFirstLastPara="1" rIns="91425" wrap="square" tIns="91425">
+          <a:bodyPr spcFirstLastPara="1" wrap="square" lIns="91425" tIns="91425" rIns="91425" bIns="91425" anchor="ctr" anchorCtr="0">
             <a:noAutofit/>
           </a:bodyPr>
           <a:lstStyle/>
           <a:p>
-            <a:pPr indent="0" lvl="0" marL="0" rtl="0" algn="ctr">
+            <a:pPr marL="0" lvl="0" indent="0" algn="ctr" rtl="0">
               <a:spcBef>
                 <a:spcPts val="0"/>
               </a:spcBef>
@@ -6496,12 +6629,12 @@
           </a:ln>
         </p:spPr>
         <p:txBody>
-          <a:bodyPr anchorCtr="0" anchor="ctr" bIns="91425" lIns="91425" spcFirstLastPara="1" rIns="91425" wrap="square" tIns="91425">
+          <a:bodyPr spcFirstLastPara="1" wrap="square" lIns="91425" tIns="91425" rIns="91425" bIns="91425" anchor="ctr" anchorCtr="0">
             <a:noAutofit/>
           </a:bodyPr>
           <a:lstStyle/>
           <a:p>
-            <a:pPr indent="0" lvl="0" marL="0" rtl="0" algn="ctr">
+            <a:pPr marL="0" lvl="0" indent="0" algn="ctr" rtl="0">
               <a:spcBef>
                 <a:spcPts val="0"/>
               </a:spcBef>
@@ -6548,12 +6681,12 @@
           </a:ln>
         </p:spPr>
         <p:txBody>
-          <a:bodyPr anchorCtr="0" anchor="ctr" bIns="91425" lIns="91425" spcFirstLastPara="1" rIns="91425" wrap="square" tIns="91425">
+          <a:bodyPr spcFirstLastPara="1" wrap="square" lIns="91425" tIns="91425" rIns="91425" bIns="91425" anchor="ctr" anchorCtr="0">
             <a:noAutofit/>
           </a:bodyPr>
           <a:lstStyle/>
           <a:p>
-            <a:pPr indent="0" lvl="0" marL="0" rtl="0" algn="ctr">
+            <a:pPr marL="0" lvl="0" indent="0" algn="ctr" rtl="0">
               <a:spcBef>
                 <a:spcPts val="0"/>
               </a:spcBef>
@@ -6600,12 +6733,12 @@
           </a:ln>
         </p:spPr>
         <p:txBody>
-          <a:bodyPr anchorCtr="0" anchor="ctr" bIns="91425" lIns="91425" spcFirstLastPara="1" rIns="91425" wrap="square" tIns="91425">
+          <a:bodyPr spcFirstLastPara="1" wrap="square" lIns="91425" tIns="91425" rIns="91425" bIns="91425" anchor="ctr" anchorCtr="0">
             <a:noAutofit/>
           </a:bodyPr>
           <a:lstStyle/>
           <a:p>
-            <a:pPr indent="0" lvl="0" marL="0" rtl="0" algn="ctr">
+            <a:pPr marL="0" lvl="0" indent="0" algn="ctr" rtl="0">
               <a:spcBef>
                 <a:spcPts val="0"/>
               </a:spcBef>
@@ -6650,12 +6783,12 @@
           </a:ln>
         </p:spPr>
         <p:txBody>
-          <a:bodyPr anchorCtr="0" anchor="t" bIns="91425" lIns="91425" spcFirstLastPara="1" rIns="91425" wrap="square" tIns="91425">
+          <a:bodyPr spcFirstLastPara="1" wrap="square" lIns="91425" tIns="91425" rIns="91425" bIns="91425" anchor="t" anchorCtr="0">
             <a:spAutoFit/>
           </a:bodyPr>
           <a:lstStyle/>
           <a:p>
-            <a:pPr indent="0" lvl="0" marL="0" rtl="0" algn="l">
+            <a:pPr marL="0" lvl="0" indent="0" algn="l" rtl="0">
               <a:spcBef>
                 <a:spcPts val="0"/>
               </a:spcBef>
@@ -6671,22 +6804,19 @@
             <a:endParaRPr/>
           </a:p>
           <a:p>
-            <a:pPr indent="0" lvl="0" marL="0" rtl="0" algn="l">
-              <a:spcBef>
-                <a:spcPts val="0"/>
-              </a:spcBef>
-              <a:spcAft>
-                <a:spcPts val="0"/>
-              </a:spcAft>
-              <a:buNone/>
-            </a:pPr>
-            <a:r>
-              <a:t/>
-            </a:r>
-            <a:endParaRPr/>
-          </a:p>
-          <a:p>
-            <a:pPr indent="-317500" lvl="0" marL="457200" rtl="0" algn="l">
+            <a:pPr marL="0" lvl="0" indent="0" algn="l" rtl="0">
+              <a:spcBef>
+                <a:spcPts val="0"/>
+              </a:spcBef>
+              <a:spcAft>
+                <a:spcPts val="0"/>
+              </a:spcAft>
+              <a:buNone/>
+            </a:pPr>
+            <a:endParaRPr/>
+          </a:p>
+          <a:p>
+            <a:pPr marL="457200" lvl="0" indent="-317500" algn="l" rtl="0">
               <a:spcBef>
                 <a:spcPts val="0"/>
               </a:spcBef>
@@ -6703,22 +6833,19 @@
             <a:endParaRPr/>
           </a:p>
           <a:p>
-            <a:pPr indent="0" lvl="0" marL="0" rtl="0" algn="l">
-              <a:spcBef>
-                <a:spcPts val="0"/>
-              </a:spcBef>
-              <a:spcAft>
-                <a:spcPts val="0"/>
-              </a:spcAft>
-              <a:buNone/>
-            </a:pPr>
-            <a:r>
-              <a:t/>
-            </a:r>
-            <a:endParaRPr/>
-          </a:p>
-          <a:p>
-            <a:pPr indent="-317500" lvl="0" marL="457200" rtl="0" algn="l">
+            <a:pPr marL="0" lvl="0" indent="0" algn="l" rtl="0">
+              <a:spcBef>
+                <a:spcPts val="0"/>
+              </a:spcBef>
+              <a:spcAft>
+                <a:spcPts val="0"/>
+              </a:spcAft>
+              <a:buNone/>
+            </a:pPr>
+            <a:endParaRPr/>
+          </a:p>
+          <a:p>
+            <a:pPr marL="457200" lvl="0" indent="-317500" algn="l" rtl="0">
               <a:spcBef>
                 <a:spcPts val="0"/>
               </a:spcBef>
@@ -6735,22 +6862,19 @@
             <a:endParaRPr/>
           </a:p>
           <a:p>
-            <a:pPr indent="0" lvl="0" marL="0" rtl="0" algn="l">
-              <a:spcBef>
-                <a:spcPts val="0"/>
-              </a:spcBef>
-              <a:spcAft>
-                <a:spcPts val="0"/>
-              </a:spcAft>
-              <a:buNone/>
-            </a:pPr>
-            <a:r>
-              <a:t/>
-            </a:r>
-            <a:endParaRPr/>
-          </a:p>
-          <a:p>
-            <a:pPr indent="-317500" lvl="0" marL="457200" rtl="0" algn="l">
+            <a:pPr marL="0" lvl="0" indent="0" algn="l" rtl="0">
+              <a:spcBef>
+                <a:spcPts val="0"/>
+              </a:spcBef>
+              <a:spcAft>
+                <a:spcPts val="0"/>
+              </a:spcAft>
+              <a:buNone/>
+            </a:pPr>
+            <a:endParaRPr/>
+          </a:p>
+          <a:p>
+            <a:pPr marL="457200" lvl="0" indent="-317500" algn="l" rtl="0">
               <a:spcBef>
                 <a:spcPts val="0"/>
               </a:spcBef>
@@ -6767,22 +6891,19 @@
             <a:endParaRPr/>
           </a:p>
           <a:p>
-            <a:pPr indent="0" lvl="0" marL="0" rtl="0" algn="l">
-              <a:spcBef>
-                <a:spcPts val="0"/>
-              </a:spcBef>
-              <a:spcAft>
-                <a:spcPts val="0"/>
-              </a:spcAft>
-              <a:buNone/>
-            </a:pPr>
-            <a:r>
-              <a:t/>
-            </a:r>
-            <a:endParaRPr/>
-          </a:p>
-          <a:p>
-            <a:pPr indent="-317500" lvl="0" marL="457200" rtl="0" algn="l">
+            <a:pPr marL="0" lvl="0" indent="0" algn="l" rtl="0">
+              <a:spcBef>
+                <a:spcPts val="0"/>
+              </a:spcBef>
+              <a:spcAft>
+                <a:spcPts val="0"/>
+              </a:spcAft>
+              <a:buNone/>
+            </a:pPr>
+            <a:endParaRPr/>
+          </a:p>
+          <a:p>
+            <a:pPr marL="457200" lvl="0" indent="-317500" algn="l" rtl="0">
               <a:spcBef>
                 <a:spcPts val="0"/>
               </a:spcBef>
@@ -6799,22 +6920,19 @@
             <a:endParaRPr/>
           </a:p>
           <a:p>
-            <a:pPr indent="0" lvl="0" marL="0" rtl="0" algn="l">
-              <a:spcBef>
-                <a:spcPts val="0"/>
-              </a:spcBef>
-              <a:spcAft>
-                <a:spcPts val="0"/>
-              </a:spcAft>
-              <a:buNone/>
-            </a:pPr>
-            <a:r>
-              <a:t/>
-            </a:r>
-            <a:endParaRPr/>
-          </a:p>
-          <a:p>
-            <a:pPr indent="-317500" lvl="0" marL="457200" rtl="0" algn="l">
+            <a:pPr marL="0" lvl="0" indent="0" algn="l" rtl="0">
+              <a:spcBef>
+                <a:spcPts val="0"/>
+              </a:spcBef>
+              <a:spcAft>
+                <a:spcPts val="0"/>
+              </a:spcAft>
+              <a:buNone/>
+            </a:pPr>
+            <a:endParaRPr/>
+          </a:p>
+          <a:p>
+            <a:pPr marL="457200" lvl="0" indent="-317500" algn="l" rtl="0">
               <a:spcBef>
                 <a:spcPts val="0"/>
               </a:spcBef>
@@ -6831,22 +6949,19 @@
             <a:endParaRPr/>
           </a:p>
           <a:p>
-            <a:pPr indent="0" lvl="0" marL="0" rtl="0" algn="l">
-              <a:spcBef>
-                <a:spcPts val="0"/>
-              </a:spcBef>
-              <a:spcAft>
-                <a:spcPts val="0"/>
-              </a:spcAft>
-              <a:buNone/>
-            </a:pPr>
-            <a:r>
-              <a:t/>
-            </a:r>
-            <a:endParaRPr/>
-          </a:p>
-          <a:p>
-            <a:pPr indent="-317500" lvl="0" marL="457200" rtl="0" algn="l">
+            <a:pPr marL="0" lvl="0" indent="0" algn="l" rtl="0">
+              <a:spcBef>
+                <a:spcPts val="0"/>
+              </a:spcBef>
+              <a:spcAft>
+                <a:spcPts val="0"/>
+              </a:spcAft>
+              <a:buNone/>
+            </a:pPr>
+            <a:endParaRPr/>
+          </a:p>
+          <a:p>
+            <a:pPr marL="457200" lvl="0" indent="-317500" algn="l" rtl="0">
               <a:spcBef>
                 <a:spcPts val="0"/>
               </a:spcBef>
@@ -6863,22 +6978,19 @@
             <a:endParaRPr/>
           </a:p>
           <a:p>
-            <a:pPr indent="0" lvl="0" marL="0" rtl="0" algn="l">
-              <a:spcBef>
-                <a:spcPts val="0"/>
-              </a:spcBef>
-              <a:spcAft>
-                <a:spcPts val="0"/>
-              </a:spcAft>
-              <a:buNone/>
-            </a:pPr>
-            <a:r>
-              <a:t/>
-            </a:r>
-            <a:endParaRPr/>
-          </a:p>
-          <a:p>
-            <a:pPr indent="-317500" lvl="0" marL="457200" rtl="0" algn="l">
+            <a:pPr marL="0" lvl="0" indent="0" algn="l" rtl="0">
+              <a:spcBef>
+                <a:spcPts val="0"/>
+              </a:spcBef>
+              <a:spcAft>
+                <a:spcPts val="0"/>
+              </a:spcAft>
+              <a:buNone/>
+            </a:pPr>
+            <a:endParaRPr/>
+          </a:p>
+          <a:p>
+            <a:pPr marL="457200" lvl="0" indent="-317500" algn="l" rtl="0">
               <a:spcBef>
                 <a:spcPts val="0"/>
               </a:spcBef>
@@ -6918,23 +7030,20 @@
           </a:ln>
         </p:spPr>
         <p:txBody>
-          <a:bodyPr anchorCtr="0" anchor="ctr" bIns="91425" lIns="91425" spcFirstLastPara="1" rIns="91425" wrap="square" tIns="91425">
+          <a:bodyPr spcFirstLastPara="1" wrap="square" lIns="91425" tIns="91425" rIns="91425" bIns="91425" anchor="ctr" anchorCtr="0">
             <a:noAutofit/>
           </a:bodyPr>
           <a:lstStyle/>
           <a:p>
-            <a:pPr indent="0" lvl="0" marL="0" rtl="0" algn="ctr">
-              <a:spcBef>
-                <a:spcPts val="0"/>
-              </a:spcBef>
-              <a:spcAft>
-                <a:spcPts val="0"/>
-              </a:spcAft>
-              <a:buNone/>
-            </a:pPr>
-            <a:r>
-              <a:t/>
-            </a:r>
+            <a:pPr marL="0" lvl="0" indent="0" algn="ctr" rtl="0">
+              <a:spcBef>
+                <a:spcPts val="0"/>
+              </a:spcBef>
+              <a:spcAft>
+                <a:spcPts val="0"/>
+              </a:spcAft>
+              <a:buNone/>
+            </a:pPr>
             <a:endParaRPr sz="700"/>
           </a:p>
         </p:txBody>
@@ -6961,23 +7070,20 @@
           </a:ln>
         </p:spPr>
         <p:txBody>
-          <a:bodyPr anchorCtr="0" anchor="ctr" bIns="91425" lIns="91425" spcFirstLastPara="1" rIns="91425" wrap="square" tIns="91425">
+          <a:bodyPr spcFirstLastPara="1" wrap="square" lIns="91425" tIns="91425" rIns="91425" bIns="91425" anchor="ctr" anchorCtr="0">
             <a:noAutofit/>
           </a:bodyPr>
           <a:lstStyle/>
           <a:p>
-            <a:pPr indent="0" lvl="0" marL="0" rtl="0" algn="ctr">
-              <a:spcBef>
-                <a:spcPts val="0"/>
-              </a:spcBef>
-              <a:spcAft>
-                <a:spcPts val="0"/>
-              </a:spcAft>
-              <a:buNone/>
-            </a:pPr>
-            <a:r>
-              <a:t/>
-            </a:r>
+            <a:pPr marL="0" lvl="0" indent="0" algn="ctr" rtl="0">
+              <a:spcBef>
+                <a:spcPts val="0"/>
+              </a:spcBef>
+              <a:spcAft>
+                <a:spcPts val="0"/>
+              </a:spcAft>
+              <a:buNone/>
+            </a:pPr>
             <a:endParaRPr sz="700"/>
           </a:p>
         </p:txBody>
@@ -7004,23 +7110,20 @@
           </a:ln>
         </p:spPr>
         <p:txBody>
-          <a:bodyPr anchorCtr="0" anchor="ctr" bIns="91425" lIns="91425" spcFirstLastPara="1" rIns="91425" wrap="square" tIns="91425">
+          <a:bodyPr spcFirstLastPara="1" wrap="square" lIns="91425" tIns="91425" rIns="91425" bIns="91425" anchor="ctr" anchorCtr="0">
             <a:noAutofit/>
           </a:bodyPr>
           <a:lstStyle/>
           <a:p>
-            <a:pPr indent="0" lvl="0" marL="0" rtl="0" algn="ctr">
-              <a:spcBef>
-                <a:spcPts val="0"/>
-              </a:spcBef>
-              <a:spcAft>
-                <a:spcPts val="0"/>
-              </a:spcAft>
-              <a:buNone/>
-            </a:pPr>
-            <a:r>
-              <a:t/>
-            </a:r>
+            <a:pPr marL="0" lvl="0" indent="0" algn="ctr" rtl="0">
+              <a:spcBef>
+                <a:spcPts val="0"/>
+              </a:spcBef>
+              <a:spcAft>
+                <a:spcPts val="0"/>
+              </a:spcAft>
+              <a:buNone/>
+            </a:pPr>
             <a:endParaRPr sz="700"/>
           </a:p>
         </p:txBody>
@@ -7047,23 +7150,20 @@
           </a:ln>
         </p:spPr>
         <p:txBody>
-          <a:bodyPr anchorCtr="0" anchor="ctr" bIns="91425" lIns="91425" spcFirstLastPara="1" rIns="91425" wrap="square" tIns="91425">
+          <a:bodyPr spcFirstLastPara="1" wrap="square" lIns="91425" tIns="91425" rIns="91425" bIns="91425" anchor="ctr" anchorCtr="0">
             <a:noAutofit/>
           </a:bodyPr>
           <a:lstStyle/>
           <a:p>
-            <a:pPr indent="0" lvl="0" marL="0" rtl="0" algn="ctr">
-              <a:spcBef>
-                <a:spcPts val="0"/>
-              </a:spcBef>
-              <a:spcAft>
-                <a:spcPts val="0"/>
-              </a:spcAft>
-              <a:buNone/>
-            </a:pPr>
-            <a:r>
-              <a:t/>
-            </a:r>
+            <a:pPr marL="0" lvl="0" indent="0" algn="ctr" rtl="0">
+              <a:spcBef>
+                <a:spcPts val="0"/>
+              </a:spcBef>
+              <a:spcAft>
+                <a:spcPts val="0"/>
+              </a:spcAft>
+              <a:buNone/>
+            </a:pPr>
             <a:endParaRPr sz="700"/>
           </a:p>
         </p:txBody>
@@ -7077,7 +7177,7 @@
           <p:nvPr/>
         </p:nvCxnSpPr>
         <p:spPr>
-          <a:xfrm flipH="1" rot="10800000">
+          <a:xfrm rot="10800000" flipH="1">
             <a:off x="2792740" y="850410"/>
             <a:ext cx="179100" cy="540300"/>
           </a:xfrm>
@@ -7085,14 +7185,14 @@
             <a:avLst/>
           </a:prstGeom>
           <a:noFill/>
-          <a:ln cap="flat" cmpd="sng" w="9525">
+          <a:ln w="9525" cap="flat" cmpd="sng">
             <a:solidFill>
               <a:schemeClr val="dk2"/>
             </a:solidFill>
             <a:prstDash val="solid"/>
             <a:round/>
-            <a:headEnd len="med" w="med" type="none"/>
-            <a:tailEnd len="med" w="med" type="triangle"/>
+            <a:headEnd type="none" w="med" len="med"/>
+            <a:tailEnd type="triangle" w="med" len="med"/>
           </a:ln>
         </p:spPr>
       </p:cxnSp>
@@ -7116,12 +7216,12 @@
           </a:ln>
         </p:spPr>
         <p:txBody>
-          <a:bodyPr anchorCtr="0" anchor="t" bIns="91425" lIns="91425" spcFirstLastPara="1" rIns="91425" wrap="square" tIns="91425">
+          <a:bodyPr spcFirstLastPara="1" wrap="square" lIns="91425" tIns="91425" rIns="91425" bIns="91425" anchor="t" anchorCtr="0">
             <a:spAutoFit/>
           </a:bodyPr>
           <a:lstStyle/>
           <a:p>
-            <a:pPr indent="0" lvl="0" marL="0" rtl="0" algn="ctr">
+            <a:pPr marL="0" lvl="0" indent="0" algn="ctr" rtl="0">
               <a:spcBef>
                 <a:spcPts val="0"/>
               </a:spcBef>
@@ -7147,11 +7247,11 @@
 </file>
 
 <file path=ppt/slides/slide3.xml><?xml version="1.0" encoding="utf-8"?>
-<p:sld xmlns:a="http://schemas.openxmlformats.org/drawingml/2006/main" xmlns:r="http://schemas.openxmlformats.org/officeDocument/2006/relationships" xmlns:mc="http://schemas.openxmlformats.org/markup-compatibility/2006" xmlns:mv="urn:schemas-microsoft-com:mac:vml" xmlns:p="http://schemas.openxmlformats.org/presentationml/2006/main" xmlns:c="http://schemas.openxmlformats.org/drawingml/2006/chart" xmlns:dgm="http://schemas.openxmlformats.org/drawingml/2006/diagram" xmlns:o="urn:schemas-microsoft-com:office:office" xmlns:v="urn:schemas-microsoft-com:vml" xmlns:pvml="urn:schemas-microsoft-com:office:powerpoint" xmlns:com="http://schemas.openxmlformats.org/drawingml/2006/compatibility" xmlns:p14="http://schemas.microsoft.com/office/powerpoint/2010/main" xmlns:p15="http://schemas.microsoft.com/office/powerpoint/2012/main" xmlns:ahyp="http://schemas.microsoft.com/office/drawing/2018/hyperlinkcolor">
+<p:sld xmlns:a="http://schemas.openxmlformats.org/drawingml/2006/main" xmlns:r="http://schemas.openxmlformats.org/officeDocument/2006/relationships" xmlns:p="http://schemas.openxmlformats.org/presentationml/2006/main">
   <p:cSld>
     <p:spTree>
       <p:nvGrpSpPr>
-        <p:cNvPr id="80" name="Shape 80"/>
+        <p:cNvPr id="1" name="Shape 80"/>
         <p:cNvGrpSpPr/>
         <p:nvPr/>
       </p:nvGrpSpPr>
@@ -7180,34 +7280,31 @@
           <a:solidFill>
             <a:schemeClr val="lt2"/>
           </a:solidFill>
-          <a:ln cap="flat" cmpd="sng" w="9525">
+          <a:ln w="9525" cap="flat" cmpd="sng">
             <a:solidFill>
               <a:schemeClr val="dk2"/>
             </a:solidFill>
             <a:prstDash val="solid"/>
             <a:round/>
-            <a:headEnd len="sm" w="sm" type="none"/>
-            <a:tailEnd len="sm" w="sm" type="none"/>
+            <a:headEnd type="none" w="sm" len="sm"/>
+            <a:tailEnd type="none" w="sm" len="sm"/>
           </a:ln>
         </p:spPr>
         <p:txBody>
-          <a:bodyPr anchorCtr="0" anchor="ctr" bIns="91425" lIns="91425" spcFirstLastPara="1" rIns="91425" wrap="square" tIns="91425">
+          <a:bodyPr spcFirstLastPara="1" wrap="square" lIns="91425" tIns="91425" rIns="91425" bIns="91425" anchor="ctr" anchorCtr="0">
             <a:noAutofit/>
           </a:bodyPr>
           <a:lstStyle/>
           <a:p>
-            <a:pPr indent="0" lvl="0" marL="0" rtl="0" algn="l">
-              <a:spcBef>
-                <a:spcPts val="0"/>
-              </a:spcBef>
-              <a:spcAft>
-                <a:spcPts val="0"/>
-              </a:spcAft>
-              <a:buNone/>
-            </a:pPr>
-            <a:r>
-              <a:t/>
-            </a:r>
+            <a:pPr marL="0" lvl="0" indent="0" algn="l" rtl="0">
+              <a:spcBef>
+                <a:spcPts val="0"/>
+              </a:spcBef>
+              <a:spcAft>
+                <a:spcPts val="0"/>
+              </a:spcAft>
+              <a:buNone/>
+            </a:pPr>
             <a:endParaRPr/>
           </a:p>
         </p:txBody>
@@ -7215,7 +7312,9 @@
       <p:sp>
         <p:nvSpPr>
           <p:cNvPr id="82" name="Google Shape;82;p15"/>
-          <p:cNvSpPr txBox="1"/>
+          <p:cNvSpPr txBox="1">
+            <a:spLocks noGrp="1"/>
+          </p:cNvSpPr>
           <p:nvPr>
             <p:ph type="title"/>
           </p:nvPr>
@@ -7230,12 +7329,12 @@
           </a:prstGeom>
         </p:spPr>
         <p:txBody>
-          <a:bodyPr anchorCtr="0" anchor="t" bIns="91425" lIns="91425" spcFirstLastPara="1" rIns="91425" wrap="square" tIns="91425">
+          <a:bodyPr spcFirstLastPara="1" wrap="square" lIns="91425" tIns="91425" rIns="91425" bIns="91425" anchor="t" anchorCtr="0">
             <a:normAutofit fontScale="90000"/>
           </a:bodyPr>
           <a:lstStyle/>
           <a:p>
-            <a:pPr indent="0" lvl="0" marL="0" rtl="0" algn="l">
+            <a:pPr marL="0" lvl="0" indent="0" algn="l" rtl="0">
               <a:spcBef>
                 <a:spcPts val="0"/>
               </a:spcBef>
@@ -7275,12 +7374,12 @@
           </a:ln>
         </p:spPr>
         <p:txBody>
-          <a:bodyPr anchorCtr="0" anchor="ctr" bIns="91425" lIns="91425" spcFirstLastPara="1" rIns="91425" wrap="square" tIns="91425">
+          <a:bodyPr spcFirstLastPara="1" wrap="square" lIns="91425" tIns="91425" rIns="91425" bIns="91425" anchor="ctr" anchorCtr="0">
             <a:noAutofit/>
           </a:bodyPr>
           <a:lstStyle/>
           <a:p>
-            <a:pPr indent="0" lvl="0" marL="0" rtl="0" algn="l">
+            <a:pPr marL="0" lvl="0" indent="0" algn="l" rtl="0">
               <a:spcBef>
                 <a:spcPts val="0"/>
               </a:spcBef>
@@ -7317,12 +7416,12 @@
           </a:ln>
         </p:spPr>
         <p:txBody>
-          <a:bodyPr anchorCtr="0" anchor="t" bIns="91425" lIns="91425" spcFirstLastPara="1" rIns="91425" wrap="square" tIns="91425">
+          <a:bodyPr spcFirstLastPara="1" wrap="square" lIns="91425" tIns="91425" rIns="91425" bIns="91425" anchor="t" anchorCtr="0">
             <a:spAutoFit/>
           </a:bodyPr>
           <a:lstStyle/>
           <a:p>
-            <a:pPr indent="0" lvl="0" marL="0" rtl="0" algn="l">
+            <a:pPr marL="0" lvl="0" indent="0" algn="l" rtl="0">
               <a:spcBef>
                 <a:spcPts val="0"/>
               </a:spcBef>
@@ -7361,12 +7460,12 @@
           </a:ln>
         </p:spPr>
         <p:txBody>
-          <a:bodyPr anchorCtr="0" anchor="ctr" bIns="91425" lIns="91425" spcFirstLastPara="1" rIns="91425" wrap="square" tIns="91425">
+          <a:bodyPr spcFirstLastPara="1" wrap="square" lIns="91425" tIns="91425" rIns="91425" bIns="91425" anchor="ctr" anchorCtr="0">
             <a:noAutofit/>
           </a:bodyPr>
           <a:lstStyle/>
           <a:p>
-            <a:pPr indent="0" lvl="0" marL="0" rtl="0" algn="ctr">
+            <a:pPr marL="0" lvl="0" indent="0" algn="ctr" rtl="0">
               <a:spcBef>
                 <a:spcPts val="0"/>
               </a:spcBef>
@@ -7411,12 +7510,12 @@
           </a:ln>
         </p:spPr>
         <p:txBody>
-          <a:bodyPr anchorCtr="0" anchor="t" bIns="91425" lIns="91425" spcFirstLastPara="1" rIns="91425" wrap="square" tIns="91425">
+          <a:bodyPr spcFirstLastPara="1" wrap="square" lIns="91425" tIns="91425" rIns="91425" bIns="91425" anchor="t" anchorCtr="0">
             <a:spAutoFit/>
           </a:bodyPr>
           <a:lstStyle/>
           <a:p>
-            <a:pPr indent="0" lvl="0" marL="0" rtl="0" algn="l">
+            <a:pPr marL="0" lvl="0" indent="0" algn="l" rtl="0">
               <a:spcBef>
                 <a:spcPts val="0"/>
               </a:spcBef>
@@ -7432,22 +7531,19 @@
             <a:endParaRPr/>
           </a:p>
           <a:p>
-            <a:pPr indent="0" lvl="0" marL="0" rtl="0" algn="l">
-              <a:spcBef>
-                <a:spcPts val="0"/>
-              </a:spcBef>
-              <a:spcAft>
-                <a:spcPts val="0"/>
-              </a:spcAft>
-              <a:buNone/>
-            </a:pPr>
-            <a:r>
-              <a:t/>
-            </a:r>
-            <a:endParaRPr/>
-          </a:p>
-          <a:p>
-            <a:pPr indent="-317500" lvl="0" marL="457200" rtl="0" algn="l">
+            <a:pPr marL="0" lvl="0" indent="0" algn="l" rtl="0">
+              <a:spcBef>
+                <a:spcPts val="0"/>
+              </a:spcBef>
+              <a:spcAft>
+                <a:spcPts val="0"/>
+              </a:spcAft>
+              <a:buNone/>
+            </a:pPr>
+            <a:endParaRPr/>
+          </a:p>
+          <a:p>
+            <a:pPr marL="457200" lvl="0" indent="-317500" algn="l" rtl="0">
               <a:spcBef>
                 <a:spcPts val="0"/>
               </a:spcBef>
@@ -7464,22 +7560,19 @@
             <a:endParaRPr/>
           </a:p>
           <a:p>
-            <a:pPr indent="0" lvl="0" marL="0" rtl="0" algn="l">
-              <a:spcBef>
-                <a:spcPts val="0"/>
-              </a:spcBef>
-              <a:spcAft>
-                <a:spcPts val="0"/>
-              </a:spcAft>
-              <a:buNone/>
-            </a:pPr>
-            <a:r>
-              <a:t/>
-            </a:r>
-            <a:endParaRPr/>
-          </a:p>
-          <a:p>
-            <a:pPr indent="-317500" lvl="0" marL="457200" rtl="0" algn="l">
+            <a:pPr marL="0" lvl="0" indent="0" algn="l" rtl="0">
+              <a:spcBef>
+                <a:spcPts val="0"/>
+              </a:spcBef>
+              <a:spcAft>
+                <a:spcPts val="0"/>
+              </a:spcAft>
+              <a:buNone/>
+            </a:pPr>
+            <a:endParaRPr/>
+          </a:p>
+          <a:p>
+            <a:pPr marL="457200" lvl="0" indent="-317500" algn="l" rtl="0">
               <a:spcBef>
                 <a:spcPts val="0"/>
               </a:spcBef>
@@ -7496,22 +7589,19 @@
             <a:endParaRPr/>
           </a:p>
           <a:p>
-            <a:pPr indent="0" lvl="0" marL="0" rtl="0" algn="l">
-              <a:spcBef>
-                <a:spcPts val="0"/>
-              </a:spcBef>
-              <a:spcAft>
-                <a:spcPts val="0"/>
-              </a:spcAft>
-              <a:buNone/>
-            </a:pPr>
-            <a:r>
-              <a:t/>
-            </a:r>
-            <a:endParaRPr/>
-          </a:p>
-          <a:p>
-            <a:pPr indent="-317500" lvl="0" marL="457200" rtl="0" algn="l">
+            <a:pPr marL="0" lvl="0" indent="0" algn="l" rtl="0">
+              <a:spcBef>
+                <a:spcPts val="0"/>
+              </a:spcBef>
+              <a:spcAft>
+                <a:spcPts val="0"/>
+              </a:spcAft>
+              <a:buNone/>
+            </a:pPr>
+            <a:endParaRPr/>
+          </a:p>
+          <a:p>
+            <a:pPr marL="457200" lvl="0" indent="-317500" algn="l" rtl="0">
               <a:spcBef>
                 <a:spcPts val="0"/>
               </a:spcBef>
@@ -7528,22 +7618,19 @@
             <a:endParaRPr/>
           </a:p>
           <a:p>
-            <a:pPr indent="0" lvl="0" marL="0" rtl="0" algn="l">
-              <a:spcBef>
-                <a:spcPts val="0"/>
-              </a:spcBef>
-              <a:spcAft>
-                <a:spcPts val="0"/>
-              </a:spcAft>
-              <a:buNone/>
-            </a:pPr>
-            <a:r>
-              <a:t/>
-            </a:r>
-            <a:endParaRPr/>
-          </a:p>
-          <a:p>
-            <a:pPr indent="-317500" lvl="0" marL="457200" rtl="0" algn="l">
+            <a:pPr marL="0" lvl="0" indent="0" algn="l" rtl="0">
+              <a:spcBef>
+                <a:spcPts val="0"/>
+              </a:spcBef>
+              <a:spcAft>
+                <a:spcPts val="0"/>
+              </a:spcAft>
+              <a:buNone/>
+            </a:pPr>
+            <a:endParaRPr/>
+          </a:p>
+          <a:p>
+            <a:pPr marL="457200" lvl="0" indent="-317500" algn="l" rtl="0">
               <a:spcBef>
                 <a:spcPts val="0"/>
               </a:spcBef>
@@ -7560,22 +7647,19 @@
             <a:endParaRPr/>
           </a:p>
           <a:p>
-            <a:pPr indent="0" lvl="0" marL="0" rtl="0" algn="l">
-              <a:spcBef>
-                <a:spcPts val="0"/>
-              </a:spcBef>
-              <a:spcAft>
-                <a:spcPts val="0"/>
-              </a:spcAft>
-              <a:buNone/>
-            </a:pPr>
-            <a:r>
-              <a:t/>
-            </a:r>
-            <a:endParaRPr/>
-          </a:p>
-          <a:p>
-            <a:pPr indent="-317500" lvl="0" marL="457200" rtl="0" algn="l">
+            <a:pPr marL="0" lvl="0" indent="0" algn="l" rtl="0">
+              <a:spcBef>
+                <a:spcPts val="0"/>
+              </a:spcBef>
+              <a:spcAft>
+                <a:spcPts val="0"/>
+              </a:spcAft>
+              <a:buNone/>
+            </a:pPr>
+            <a:endParaRPr/>
+          </a:p>
+          <a:p>
+            <a:pPr marL="457200" lvl="0" indent="-317500" algn="l" rtl="0">
               <a:spcBef>
                 <a:spcPts val="0"/>
               </a:spcBef>
@@ -7592,22 +7676,19 @@
             <a:endParaRPr/>
           </a:p>
           <a:p>
-            <a:pPr indent="0" lvl="0" marL="0" rtl="0" algn="l">
-              <a:spcBef>
-                <a:spcPts val="0"/>
-              </a:spcBef>
-              <a:spcAft>
-                <a:spcPts val="0"/>
-              </a:spcAft>
-              <a:buNone/>
-            </a:pPr>
-            <a:r>
-              <a:t/>
-            </a:r>
-            <a:endParaRPr/>
-          </a:p>
-          <a:p>
-            <a:pPr indent="-317500" lvl="0" marL="457200" rtl="0" algn="l">
+            <a:pPr marL="0" lvl="0" indent="0" algn="l" rtl="0">
+              <a:spcBef>
+                <a:spcPts val="0"/>
+              </a:spcBef>
+              <a:spcAft>
+                <a:spcPts val="0"/>
+              </a:spcAft>
+              <a:buNone/>
+            </a:pPr>
+            <a:endParaRPr/>
+          </a:p>
+          <a:p>
+            <a:pPr marL="457200" lvl="0" indent="-317500" algn="l" rtl="0">
               <a:spcBef>
                 <a:spcPts val="0"/>
               </a:spcBef>
@@ -7624,22 +7705,19 @@
             <a:endParaRPr/>
           </a:p>
           <a:p>
-            <a:pPr indent="0" lvl="0" marL="0" rtl="0" algn="l">
-              <a:spcBef>
-                <a:spcPts val="0"/>
-              </a:spcBef>
-              <a:spcAft>
-                <a:spcPts val="0"/>
-              </a:spcAft>
-              <a:buNone/>
-            </a:pPr>
-            <a:r>
-              <a:t/>
-            </a:r>
-            <a:endParaRPr/>
-          </a:p>
-          <a:p>
-            <a:pPr indent="-317500" lvl="0" marL="457200" rtl="0" algn="l">
+            <a:pPr marL="0" lvl="0" indent="0" algn="l" rtl="0">
+              <a:spcBef>
+                <a:spcPts val="0"/>
+              </a:spcBef>
+              <a:spcAft>
+                <a:spcPts val="0"/>
+              </a:spcAft>
+              <a:buNone/>
+            </a:pPr>
+            <a:endParaRPr/>
+          </a:p>
+          <a:p>
+            <a:pPr marL="457200" lvl="0" indent="-317500" algn="l" rtl="0">
               <a:spcBef>
                 <a:spcPts val="0"/>
               </a:spcBef>
@@ -7679,23 +7757,20 @@
           </a:ln>
         </p:spPr>
         <p:txBody>
-          <a:bodyPr anchorCtr="0" anchor="ctr" bIns="91425" lIns="91425" spcFirstLastPara="1" rIns="91425" wrap="square" tIns="91425">
+          <a:bodyPr spcFirstLastPara="1" wrap="square" lIns="91425" tIns="91425" rIns="91425" bIns="91425" anchor="ctr" anchorCtr="0">
             <a:noAutofit/>
           </a:bodyPr>
           <a:lstStyle/>
           <a:p>
-            <a:pPr indent="0" lvl="0" marL="0" rtl="0" algn="ctr">
-              <a:spcBef>
-                <a:spcPts val="0"/>
-              </a:spcBef>
-              <a:spcAft>
-                <a:spcPts val="0"/>
-              </a:spcAft>
-              <a:buNone/>
-            </a:pPr>
-            <a:r>
-              <a:t/>
-            </a:r>
+            <a:pPr marL="0" lvl="0" indent="0" algn="ctr" rtl="0">
+              <a:spcBef>
+                <a:spcPts val="0"/>
+              </a:spcBef>
+              <a:spcAft>
+                <a:spcPts val="0"/>
+              </a:spcAft>
+              <a:buNone/>
+            </a:pPr>
             <a:endParaRPr sz="700"/>
           </a:p>
         </p:txBody>
@@ -7722,23 +7797,20 @@
           </a:ln>
         </p:spPr>
         <p:txBody>
-          <a:bodyPr anchorCtr="0" anchor="ctr" bIns="91425" lIns="91425" spcFirstLastPara="1" rIns="91425" wrap="square" tIns="91425">
+          <a:bodyPr spcFirstLastPara="1" wrap="square" lIns="91425" tIns="91425" rIns="91425" bIns="91425" anchor="ctr" anchorCtr="0">
             <a:noAutofit/>
           </a:bodyPr>
           <a:lstStyle/>
           <a:p>
-            <a:pPr indent="0" lvl="0" marL="0" rtl="0" algn="ctr">
-              <a:spcBef>
-                <a:spcPts val="0"/>
-              </a:spcBef>
-              <a:spcAft>
-                <a:spcPts val="0"/>
-              </a:spcAft>
-              <a:buNone/>
-            </a:pPr>
-            <a:r>
-              <a:t/>
-            </a:r>
+            <a:pPr marL="0" lvl="0" indent="0" algn="ctr" rtl="0">
+              <a:spcBef>
+                <a:spcPts val="0"/>
+              </a:spcBef>
+              <a:spcAft>
+                <a:spcPts val="0"/>
+              </a:spcAft>
+              <a:buNone/>
+            </a:pPr>
             <a:endParaRPr sz="700"/>
           </a:p>
         </p:txBody>
@@ -7765,23 +7837,20 @@
           </a:ln>
         </p:spPr>
         <p:txBody>
-          <a:bodyPr anchorCtr="0" anchor="ctr" bIns="91425" lIns="91425" spcFirstLastPara="1" rIns="91425" wrap="square" tIns="91425">
+          <a:bodyPr spcFirstLastPara="1" wrap="square" lIns="91425" tIns="91425" rIns="91425" bIns="91425" anchor="ctr" anchorCtr="0">
             <a:noAutofit/>
           </a:bodyPr>
           <a:lstStyle/>
           <a:p>
-            <a:pPr indent="0" lvl="0" marL="0" rtl="0" algn="ctr">
-              <a:spcBef>
-                <a:spcPts val="0"/>
-              </a:spcBef>
-              <a:spcAft>
-                <a:spcPts val="0"/>
-              </a:spcAft>
-              <a:buNone/>
-            </a:pPr>
-            <a:r>
-              <a:t/>
-            </a:r>
+            <a:pPr marL="0" lvl="0" indent="0" algn="ctr" rtl="0">
+              <a:spcBef>
+                <a:spcPts val="0"/>
+              </a:spcBef>
+              <a:spcAft>
+                <a:spcPts val="0"/>
+              </a:spcAft>
+              <a:buNone/>
+            </a:pPr>
             <a:endParaRPr sz="700"/>
           </a:p>
         </p:txBody>
@@ -7808,23 +7877,20 @@
           </a:ln>
         </p:spPr>
         <p:txBody>
-          <a:bodyPr anchorCtr="0" anchor="ctr" bIns="91425" lIns="91425" spcFirstLastPara="1" rIns="91425" wrap="square" tIns="91425">
+          <a:bodyPr spcFirstLastPara="1" wrap="square" lIns="91425" tIns="91425" rIns="91425" bIns="91425" anchor="ctr" anchorCtr="0">
             <a:noAutofit/>
           </a:bodyPr>
           <a:lstStyle/>
           <a:p>
-            <a:pPr indent="0" lvl="0" marL="0" rtl="0" algn="ctr">
-              <a:spcBef>
-                <a:spcPts val="0"/>
-              </a:spcBef>
-              <a:spcAft>
-                <a:spcPts val="0"/>
-              </a:spcAft>
-              <a:buNone/>
-            </a:pPr>
-            <a:r>
-              <a:t/>
-            </a:r>
+            <a:pPr marL="0" lvl="0" indent="0" algn="ctr" rtl="0">
+              <a:spcBef>
+                <a:spcPts val="0"/>
+              </a:spcBef>
+              <a:spcAft>
+                <a:spcPts val="0"/>
+              </a:spcAft>
+              <a:buNone/>
+            </a:pPr>
             <a:endParaRPr sz="700"/>
           </a:p>
         </p:txBody>
@@ -7846,14 +7912,14 @@
             <a:avLst/>
           </a:prstGeom>
           <a:noFill/>
-          <a:ln cap="flat" cmpd="sng" w="9525">
+          <a:ln w="9525" cap="flat" cmpd="sng">
             <a:solidFill>
               <a:schemeClr val="dk2"/>
             </a:solidFill>
             <a:prstDash val="solid"/>
             <a:round/>
-            <a:headEnd len="med" w="med" type="none"/>
-            <a:tailEnd len="med" w="med" type="triangle"/>
+            <a:headEnd type="none" w="med" len="med"/>
+            <a:tailEnd type="triangle" w="med" len="med"/>
           </a:ln>
         </p:spPr>
       </p:cxnSp>
@@ -7877,12 +7943,12 @@
           </a:ln>
         </p:spPr>
         <p:txBody>
-          <a:bodyPr anchorCtr="0" anchor="t" bIns="91425" lIns="91425" spcFirstLastPara="1" rIns="91425" wrap="square" tIns="91425">
+          <a:bodyPr spcFirstLastPara="1" wrap="square" lIns="91425" tIns="91425" rIns="91425" bIns="91425" anchor="t" anchorCtr="0">
             <a:spAutoFit/>
           </a:bodyPr>
           <a:lstStyle/>
           <a:p>
-            <a:pPr indent="0" lvl="0" marL="0" rtl="0" algn="ctr">
+            <a:pPr marL="0" lvl="0" indent="0" algn="ctr" rtl="0">
               <a:spcBef>
                 <a:spcPts val="0"/>
               </a:spcBef>
@@ -7921,12 +7987,12 @@
           </a:ln>
         </p:spPr>
         <p:txBody>
-          <a:bodyPr anchorCtr="0" anchor="ctr" bIns="91425" lIns="91425" spcFirstLastPara="1" rIns="91425" wrap="square" tIns="91425">
+          <a:bodyPr spcFirstLastPara="1" wrap="square" lIns="91425" tIns="91425" rIns="91425" bIns="91425" anchor="ctr" anchorCtr="0">
             <a:noAutofit/>
           </a:bodyPr>
           <a:lstStyle/>
           <a:p>
-            <a:pPr indent="0" lvl="0" marL="0" rtl="0" algn="ctr">
+            <a:pPr marL="0" lvl="0" indent="0" algn="ctr" rtl="0">
               <a:spcBef>
                 <a:spcPts val="0"/>
               </a:spcBef>
@@ -7973,12 +8039,12 @@
           </a:ln>
         </p:spPr>
         <p:txBody>
-          <a:bodyPr anchorCtr="0" anchor="ctr" bIns="91425" lIns="91425" spcFirstLastPara="1" rIns="91425" wrap="square" tIns="91425">
+          <a:bodyPr spcFirstLastPara="1" wrap="square" lIns="91425" tIns="91425" rIns="91425" bIns="91425" anchor="ctr" anchorCtr="0">
             <a:noAutofit/>
           </a:bodyPr>
           <a:lstStyle/>
           <a:p>
-            <a:pPr indent="0" lvl="0" marL="0" rtl="0" algn="ctr">
+            <a:pPr marL="0" lvl="0" indent="0" algn="ctr" rtl="0">
               <a:spcBef>
                 <a:spcPts val="0"/>
               </a:spcBef>
@@ -8025,12 +8091,12 @@
           </a:ln>
         </p:spPr>
         <p:txBody>
-          <a:bodyPr anchorCtr="0" anchor="ctr" bIns="91425" lIns="91425" spcFirstLastPara="1" rIns="91425" wrap="square" tIns="91425">
+          <a:bodyPr spcFirstLastPara="1" wrap="square" lIns="91425" tIns="91425" rIns="91425" bIns="91425" anchor="ctr" anchorCtr="0">
             <a:noAutofit/>
           </a:bodyPr>
           <a:lstStyle/>
           <a:p>
-            <a:pPr indent="0" lvl="0" marL="0" rtl="0" algn="ctr">
+            <a:pPr marL="0" lvl="0" indent="0" algn="ctr" rtl="0">
               <a:spcBef>
                 <a:spcPts val="0"/>
               </a:spcBef>
@@ -8064,11 +8130,11 @@
 </file>
 
 <file path=ppt/slides/slide4.xml><?xml version="1.0" encoding="utf-8"?>
-<p:sld xmlns:a="http://schemas.openxmlformats.org/drawingml/2006/main" xmlns:r="http://schemas.openxmlformats.org/officeDocument/2006/relationships" xmlns:mc="http://schemas.openxmlformats.org/markup-compatibility/2006" xmlns:mv="urn:schemas-microsoft-com:mac:vml" xmlns:p="http://schemas.openxmlformats.org/presentationml/2006/main" xmlns:c="http://schemas.openxmlformats.org/drawingml/2006/chart" xmlns:dgm="http://schemas.openxmlformats.org/drawingml/2006/diagram" xmlns:o="urn:schemas-microsoft-com:office:office" xmlns:v="urn:schemas-microsoft-com:vml" xmlns:pvml="urn:schemas-microsoft-com:office:powerpoint" xmlns:com="http://schemas.openxmlformats.org/drawingml/2006/compatibility" xmlns:p14="http://schemas.microsoft.com/office/powerpoint/2010/main" xmlns:p15="http://schemas.microsoft.com/office/powerpoint/2012/main" xmlns:ahyp="http://schemas.microsoft.com/office/drawing/2018/hyperlinkcolor">
+<p:sld xmlns:a="http://schemas.openxmlformats.org/drawingml/2006/main" xmlns:r="http://schemas.openxmlformats.org/officeDocument/2006/relationships" xmlns:p="http://schemas.openxmlformats.org/presentationml/2006/main">
   <p:cSld>
     <p:spTree>
       <p:nvGrpSpPr>
-        <p:cNvPr id="99" name="Shape 99"/>
+        <p:cNvPr id="1" name="Shape 99"/>
         <p:cNvGrpSpPr/>
         <p:nvPr/>
       </p:nvGrpSpPr>
@@ -8097,34 +8163,31 @@
           <a:solidFill>
             <a:schemeClr val="lt2"/>
           </a:solidFill>
-          <a:ln cap="flat" cmpd="sng" w="9525">
+          <a:ln w="9525" cap="flat" cmpd="sng">
             <a:solidFill>
               <a:schemeClr val="dk2"/>
             </a:solidFill>
             <a:prstDash val="solid"/>
             <a:round/>
-            <a:headEnd len="sm" w="sm" type="none"/>
-            <a:tailEnd len="sm" w="sm" type="none"/>
+            <a:headEnd type="none" w="sm" len="sm"/>
+            <a:tailEnd type="none" w="sm" len="sm"/>
           </a:ln>
         </p:spPr>
         <p:txBody>
-          <a:bodyPr anchorCtr="0" anchor="ctr" bIns="91425" lIns="91425" spcFirstLastPara="1" rIns="91425" wrap="square" tIns="91425">
+          <a:bodyPr spcFirstLastPara="1" wrap="square" lIns="91425" tIns="91425" rIns="91425" bIns="91425" anchor="ctr" anchorCtr="0">
             <a:noAutofit/>
           </a:bodyPr>
           <a:lstStyle/>
           <a:p>
-            <a:pPr indent="0" lvl="0" marL="0" rtl="0" algn="l">
-              <a:spcBef>
-                <a:spcPts val="0"/>
-              </a:spcBef>
-              <a:spcAft>
-                <a:spcPts val="0"/>
-              </a:spcAft>
-              <a:buNone/>
-            </a:pPr>
-            <a:r>
-              <a:t/>
-            </a:r>
+            <a:pPr marL="0" lvl="0" indent="0" algn="l" rtl="0">
+              <a:spcBef>
+                <a:spcPts val="0"/>
+              </a:spcBef>
+              <a:spcAft>
+                <a:spcPts val="0"/>
+              </a:spcAft>
+              <a:buNone/>
+            </a:pPr>
             <a:endParaRPr/>
           </a:p>
         </p:txBody>
@@ -8132,7 +8195,9 @@
       <p:sp>
         <p:nvSpPr>
           <p:cNvPr id="101" name="Google Shape;101;p16"/>
-          <p:cNvSpPr txBox="1"/>
+          <p:cNvSpPr txBox="1">
+            <a:spLocks noGrp="1"/>
+          </p:cNvSpPr>
           <p:nvPr>
             <p:ph type="title"/>
           </p:nvPr>
@@ -8147,12 +8212,12 @@
           </a:prstGeom>
         </p:spPr>
         <p:txBody>
-          <a:bodyPr anchorCtr="0" anchor="t" bIns="91425" lIns="91425" spcFirstLastPara="1" rIns="91425" wrap="square" tIns="91425">
+          <a:bodyPr spcFirstLastPara="1" wrap="square" lIns="91425" tIns="91425" rIns="91425" bIns="91425" anchor="t" anchorCtr="0">
             <a:normAutofit fontScale="90000"/>
           </a:bodyPr>
           <a:lstStyle/>
           <a:p>
-            <a:pPr indent="0" lvl="0" marL="0" rtl="0" algn="l">
+            <a:pPr marL="0" lvl="0" indent="0" algn="l" rtl="0">
               <a:spcBef>
                 <a:spcPts val="0"/>
               </a:spcBef>
@@ -8164,11 +8229,7 @@
             </a:pPr>
             <a:r>
               <a:rPr lang="ko" sz="1320"/>
-              <a:t>3</a:t>
-            </a:r>
-            <a:r>
-              <a:rPr lang="ko" sz="1320"/>
-              <a:t>번째 보스 첫번째 전멸기 - 게이지 다운</a:t>
+              <a:t>3번째 보스 첫번째 전멸기 - 게이지 다운</a:t>
             </a:r>
             <a:endParaRPr sz="1320"/>
           </a:p>
@@ -8194,12 +8255,12 @@
           </a:ln>
         </p:spPr>
         <p:txBody>
-          <a:bodyPr anchorCtr="0" anchor="t" bIns="91425" lIns="91425" spcFirstLastPara="1" rIns="91425" wrap="square" tIns="91425">
+          <a:bodyPr spcFirstLastPara="1" wrap="square" lIns="91425" tIns="91425" rIns="91425" bIns="91425" anchor="t" anchorCtr="0">
             <a:spAutoFit/>
           </a:bodyPr>
           <a:lstStyle/>
           <a:p>
-            <a:pPr indent="0" lvl="0" marL="0" rtl="0" algn="l">
+            <a:pPr marL="0" lvl="0" indent="0" algn="l" rtl="0">
               <a:spcBef>
                 <a:spcPts val="0"/>
               </a:spcBef>
@@ -8236,12 +8297,12 @@
           </a:ln>
         </p:spPr>
         <p:txBody>
-          <a:bodyPr anchorCtr="0" anchor="t" bIns="91425" lIns="91425" spcFirstLastPara="1" rIns="91425" wrap="square" tIns="91425">
+          <a:bodyPr spcFirstLastPara="1" wrap="square" lIns="91425" tIns="91425" rIns="91425" bIns="91425" anchor="t" anchorCtr="0">
             <a:spAutoFit/>
           </a:bodyPr>
           <a:lstStyle/>
           <a:p>
-            <a:pPr indent="0" lvl="0" marL="0" rtl="0" algn="l">
+            <a:pPr marL="0" lvl="0" indent="0" algn="l" rtl="0">
               <a:spcBef>
                 <a:spcPts val="0"/>
               </a:spcBef>
@@ -8257,22 +8318,19 @@
             <a:endParaRPr/>
           </a:p>
           <a:p>
-            <a:pPr indent="0" lvl="0" marL="0" rtl="0" algn="l">
-              <a:spcBef>
-                <a:spcPts val="0"/>
-              </a:spcBef>
-              <a:spcAft>
-                <a:spcPts val="0"/>
-              </a:spcAft>
-              <a:buNone/>
-            </a:pPr>
-            <a:r>
-              <a:t/>
-            </a:r>
-            <a:endParaRPr/>
-          </a:p>
-          <a:p>
-            <a:pPr indent="-317500" lvl="0" marL="457200" rtl="0" algn="l">
+            <a:pPr marL="0" lvl="0" indent="0" algn="l" rtl="0">
+              <a:spcBef>
+                <a:spcPts val="0"/>
+              </a:spcBef>
+              <a:spcAft>
+                <a:spcPts val="0"/>
+              </a:spcAft>
+              <a:buNone/>
+            </a:pPr>
+            <a:endParaRPr/>
+          </a:p>
+          <a:p>
+            <a:pPr marL="457200" lvl="0" indent="-317500" algn="l" rtl="0">
               <a:spcBef>
                 <a:spcPts val="0"/>
               </a:spcBef>
@@ -8289,22 +8347,19 @@
             <a:endParaRPr/>
           </a:p>
           <a:p>
-            <a:pPr indent="0" lvl="0" marL="0" rtl="0" algn="l">
-              <a:spcBef>
-                <a:spcPts val="0"/>
-              </a:spcBef>
-              <a:spcAft>
-                <a:spcPts val="0"/>
-              </a:spcAft>
-              <a:buNone/>
-            </a:pPr>
-            <a:r>
-              <a:t/>
-            </a:r>
-            <a:endParaRPr/>
-          </a:p>
-          <a:p>
-            <a:pPr indent="-317500" lvl="0" marL="457200" rtl="0" algn="l">
+            <a:pPr marL="0" lvl="0" indent="0" algn="l" rtl="0">
+              <a:spcBef>
+                <a:spcPts val="0"/>
+              </a:spcBef>
+              <a:spcAft>
+                <a:spcPts val="0"/>
+              </a:spcAft>
+              <a:buNone/>
+            </a:pPr>
+            <a:endParaRPr/>
+          </a:p>
+          <a:p>
+            <a:pPr marL="457200" lvl="0" indent="-317500" algn="l" rtl="0">
               <a:spcBef>
                 <a:spcPts val="0"/>
               </a:spcBef>
@@ -8321,22 +8376,19 @@
             <a:endParaRPr/>
           </a:p>
           <a:p>
-            <a:pPr indent="0" lvl="0" marL="0" rtl="0" algn="l">
-              <a:spcBef>
-                <a:spcPts val="0"/>
-              </a:spcBef>
-              <a:spcAft>
-                <a:spcPts val="0"/>
-              </a:spcAft>
-              <a:buNone/>
-            </a:pPr>
-            <a:r>
-              <a:t/>
-            </a:r>
-            <a:endParaRPr/>
-          </a:p>
-          <a:p>
-            <a:pPr indent="-317500" lvl="0" marL="457200" rtl="0" algn="l">
+            <a:pPr marL="0" lvl="0" indent="0" algn="l" rtl="0">
+              <a:spcBef>
+                <a:spcPts val="0"/>
+              </a:spcBef>
+              <a:spcAft>
+                <a:spcPts val="0"/>
+              </a:spcAft>
+              <a:buNone/>
+            </a:pPr>
+            <a:endParaRPr/>
+          </a:p>
+          <a:p>
+            <a:pPr marL="457200" lvl="0" indent="-317500" algn="l" rtl="0">
               <a:spcBef>
                 <a:spcPts val="0"/>
               </a:spcBef>
@@ -8353,22 +8405,19 @@
             <a:endParaRPr/>
           </a:p>
           <a:p>
-            <a:pPr indent="0" lvl="0" marL="0" rtl="0" algn="l">
-              <a:spcBef>
-                <a:spcPts val="0"/>
-              </a:spcBef>
-              <a:spcAft>
-                <a:spcPts val="0"/>
-              </a:spcAft>
-              <a:buNone/>
-            </a:pPr>
-            <a:r>
-              <a:t/>
-            </a:r>
-            <a:endParaRPr/>
-          </a:p>
-          <a:p>
-            <a:pPr indent="-317500" lvl="0" marL="457200" rtl="0" algn="l">
+            <a:pPr marL="0" lvl="0" indent="0" algn="l" rtl="0">
+              <a:spcBef>
+                <a:spcPts val="0"/>
+              </a:spcBef>
+              <a:spcAft>
+                <a:spcPts val="0"/>
+              </a:spcAft>
+              <a:buNone/>
+            </a:pPr>
+            <a:endParaRPr/>
+          </a:p>
+          <a:p>
+            <a:pPr marL="457200" lvl="0" indent="-317500" algn="l" rtl="0">
               <a:spcBef>
                 <a:spcPts val="0"/>
               </a:spcBef>
@@ -8385,22 +8434,19 @@
             <a:endParaRPr/>
           </a:p>
           <a:p>
-            <a:pPr indent="0" lvl="0" marL="0" rtl="0" algn="l">
-              <a:spcBef>
-                <a:spcPts val="0"/>
-              </a:spcBef>
-              <a:spcAft>
-                <a:spcPts val="0"/>
-              </a:spcAft>
-              <a:buNone/>
-            </a:pPr>
-            <a:r>
-              <a:t/>
-            </a:r>
-            <a:endParaRPr/>
-          </a:p>
-          <a:p>
-            <a:pPr indent="-317500" lvl="0" marL="457200" rtl="0" algn="l">
+            <a:pPr marL="0" lvl="0" indent="0" algn="l" rtl="0">
+              <a:spcBef>
+                <a:spcPts val="0"/>
+              </a:spcBef>
+              <a:spcAft>
+                <a:spcPts val="0"/>
+              </a:spcAft>
+              <a:buNone/>
+            </a:pPr>
+            <a:endParaRPr/>
+          </a:p>
+          <a:p>
+            <a:pPr marL="457200" lvl="0" indent="-317500" algn="l" rtl="0">
               <a:spcBef>
                 <a:spcPts val="0"/>
               </a:spcBef>
@@ -8417,22 +8463,19 @@
             <a:endParaRPr/>
           </a:p>
           <a:p>
-            <a:pPr indent="0" lvl="0" marL="0" rtl="0" algn="l">
-              <a:spcBef>
-                <a:spcPts val="0"/>
-              </a:spcBef>
-              <a:spcAft>
-                <a:spcPts val="0"/>
-              </a:spcAft>
-              <a:buNone/>
-            </a:pPr>
-            <a:r>
-              <a:t/>
-            </a:r>
-            <a:endParaRPr/>
-          </a:p>
-          <a:p>
-            <a:pPr indent="-317500" lvl="0" marL="457200" rtl="0" algn="l">
+            <a:pPr marL="0" lvl="0" indent="0" algn="l" rtl="0">
+              <a:spcBef>
+                <a:spcPts val="0"/>
+              </a:spcBef>
+              <a:spcAft>
+                <a:spcPts val="0"/>
+              </a:spcAft>
+              <a:buNone/>
+            </a:pPr>
+            <a:endParaRPr/>
+          </a:p>
+          <a:p>
+            <a:pPr marL="457200" lvl="0" indent="-317500" algn="l" rtl="0">
               <a:spcBef>
                 <a:spcPts val="0"/>
               </a:spcBef>
@@ -8449,22 +8492,19 @@
             <a:endParaRPr/>
           </a:p>
           <a:p>
-            <a:pPr indent="0" lvl="0" marL="0" rtl="0" algn="l">
-              <a:spcBef>
-                <a:spcPts val="0"/>
-              </a:spcBef>
-              <a:spcAft>
-                <a:spcPts val="0"/>
-              </a:spcAft>
-              <a:buNone/>
-            </a:pPr>
-            <a:r>
-              <a:t/>
-            </a:r>
-            <a:endParaRPr/>
-          </a:p>
-          <a:p>
-            <a:pPr indent="-317500" lvl="0" marL="457200" rtl="0" algn="l">
+            <a:pPr marL="0" lvl="0" indent="0" algn="l" rtl="0">
+              <a:spcBef>
+                <a:spcPts val="0"/>
+              </a:spcBef>
+              <a:spcAft>
+                <a:spcPts val="0"/>
+              </a:spcAft>
+              <a:buNone/>
+            </a:pPr>
+            <a:endParaRPr/>
+          </a:p>
+          <a:p>
+            <a:pPr marL="457200" lvl="0" indent="-317500" algn="l" rtl="0">
               <a:spcBef>
                 <a:spcPts val="0"/>
               </a:spcBef>
@@ -8504,23 +8544,20 @@
           </a:ln>
         </p:spPr>
         <p:txBody>
-          <a:bodyPr anchorCtr="0" anchor="ctr" bIns="91425" lIns="91425" spcFirstLastPara="1" rIns="91425" wrap="square" tIns="91425">
+          <a:bodyPr spcFirstLastPara="1" wrap="square" lIns="91425" tIns="91425" rIns="91425" bIns="91425" anchor="ctr" anchorCtr="0">
             <a:noAutofit/>
           </a:bodyPr>
           <a:lstStyle/>
           <a:p>
-            <a:pPr indent="0" lvl="0" marL="0" rtl="0" algn="ctr">
-              <a:spcBef>
-                <a:spcPts val="0"/>
-              </a:spcBef>
-              <a:spcAft>
-                <a:spcPts val="0"/>
-              </a:spcAft>
-              <a:buNone/>
-            </a:pPr>
-            <a:r>
-              <a:t/>
-            </a:r>
+            <a:pPr marL="0" lvl="0" indent="0" algn="ctr" rtl="0">
+              <a:spcBef>
+                <a:spcPts val="0"/>
+              </a:spcBef>
+              <a:spcAft>
+                <a:spcPts val="0"/>
+              </a:spcAft>
+              <a:buNone/>
+            </a:pPr>
             <a:endParaRPr sz="700"/>
           </a:p>
         </p:txBody>
@@ -8547,23 +8584,20 @@
           </a:ln>
         </p:spPr>
         <p:txBody>
-          <a:bodyPr anchorCtr="0" anchor="ctr" bIns="91425" lIns="91425" spcFirstLastPara="1" rIns="91425" wrap="square" tIns="91425">
+          <a:bodyPr spcFirstLastPara="1" wrap="square" lIns="91425" tIns="91425" rIns="91425" bIns="91425" anchor="ctr" anchorCtr="0">
             <a:noAutofit/>
           </a:bodyPr>
           <a:lstStyle/>
           <a:p>
-            <a:pPr indent="0" lvl="0" marL="0" rtl="0" algn="ctr">
-              <a:spcBef>
-                <a:spcPts val="0"/>
-              </a:spcBef>
-              <a:spcAft>
-                <a:spcPts val="0"/>
-              </a:spcAft>
-              <a:buNone/>
-            </a:pPr>
-            <a:r>
-              <a:t/>
-            </a:r>
+            <a:pPr marL="0" lvl="0" indent="0" algn="ctr" rtl="0">
+              <a:spcBef>
+                <a:spcPts val="0"/>
+              </a:spcBef>
+              <a:spcAft>
+                <a:spcPts val="0"/>
+              </a:spcAft>
+              <a:buNone/>
+            </a:pPr>
             <a:endParaRPr sz="700"/>
           </a:p>
         </p:txBody>
@@ -8590,23 +8624,20 @@
           </a:ln>
         </p:spPr>
         <p:txBody>
-          <a:bodyPr anchorCtr="0" anchor="ctr" bIns="91425" lIns="91425" spcFirstLastPara="1" rIns="91425" wrap="square" tIns="91425">
+          <a:bodyPr spcFirstLastPara="1" wrap="square" lIns="91425" tIns="91425" rIns="91425" bIns="91425" anchor="ctr" anchorCtr="0">
             <a:noAutofit/>
           </a:bodyPr>
           <a:lstStyle/>
           <a:p>
-            <a:pPr indent="0" lvl="0" marL="0" rtl="0" algn="ctr">
-              <a:spcBef>
-                <a:spcPts val="0"/>
-              </a:spcBef>
-              <a:spcAft>
-                <a:spcPts val="0"/>
-              </a:spcAft>
-              <a:buNone/>
-            </a:pPr>
-            <a:r>
-              <a:t/>
-            </a:r>
+            <a:pPr marL="0" lvl="0" indent="0" algn="ctr" rtl="0">
+              <a:spcBef>
+                <a:spcPts val="0"/>
+              </a:spcBef>
+              <a:spcAft>
+                <a:spcPts val="0"/>
+              </a:spcAft>
+              <a:buNone/>
+            </a:pPr>
             <a:endParaRPr sz="700"/>
           </a:p>
         </p:txBody>
@@ -8633,23 +8664,20 @@
           </a:ln>
         </p:spPr>
         <p:txBody>
-          <a:bodyPr anchorCtr="0" anchor="ctr" bIns="91425" lIns="91425" spcFirstLastPara="1" rIns="91425" wrap="square" tIns="91425">
+          <a:bodyPr spcFirstLastPara="1" wrap="square" lIns="91425" tIns="91425" rIns="91425" bIns="91425" anchor="ctr" anchorCtr="0">
             <a:noAutofit/>
           </a:bodyPr>
           <a:lstStyle/>
           <a:p>
-            <a:pPr indent="0" lvl="0" marL="0" rtl="0" algn="ctr">
-              <a:spcBef>
-                <a:spcPts val="0"/>
-              </a:spcBef>
-              <a:spcAft>
-                <a:spcPts val="0"/>
-              </a:spcAft>
-              <a:buNone/>
-            </a:pPr>
-            <a:r>
-              <a:t/>
-            </a:r>
+            <a:pPr marL="0" lvl="0" indent="0" algn="ctr" rtl="0">
+              <a:spcBef>
+                <a:spcPts val="0"/>
+              </a:spcBef>
+              <a:spcAft>
+                <a:spcPts val="0"/>
+              </a:spcAft>
+              <a:buNone/>
+            </a:pPr>
             <a:endParaRPr sz="700"/>
           </a:p>
         </p:txBody>
@@ -8674,12 +8702,12 @@
           </a:ln>
         </p:spPr>
         <p:txBody>
-          <a:bodyPr anchorCtr="0" anchor="t" bIns="91425" lIns="91425" spcFirstLastPara="1" rIns="91425" wrap="square" tIns="91425">
+          <a:bodyPr spcFirstLastPara="1" wrap="square" lIns="91425" tIns="91425" rIns="91425" bIns="91425" anchor="t" anchorCtr="0">
             <a:spAutoFit/>
           </a:bodyPr>
           <a:lstStyle/>
           <a:p>
-            <a:pPr indent="0" lvl="0" marL="0" rtl="0" algn="l">
+            <a:pPr marL="0" lvl="0" indent="0" algn="l" rtl="0">
               <a:spcBef>
                 <a:spcPts val="0"/>
               </a:spcBef>
@@ -8707,7 +8735,7 @@
             </a:endParaRPr>
           </a:p>
           <a:p>
-            <a:pPr indent="0" lvl="0" marL="0" rtl="0" algn="l">
+            <a:pPr marL="0" lvl="0" indent="0" algn="l" rtl="0">
               <a:spcBef>
                 <a:spcPts val="0"/>
               </a:spcBef>
@@ -8754,23 +8782,20 @@
           </a:ln>
         </p:spPr>
         <p:txBody>
-          <a:bodyPr anchorCtr="0" anchor="ctr" bIns="91425" lIns="91425" spcFirstLastPara="1" rIns="91425" wrap="square" tIns="91425">
+          <a:bodyPr spcFirstLastPara="1" wrap="square" lIns="91425" tIns="91425" rIns="91425" bIns="91425" anchor="ctr" anchorCtr="0">
             <a:noAutofit/>
           </a:bodyPr>
           <a:lstStyle/>
           <a:p>
-            <a:pPr indent="0" lvl="0" marL="0" rtl="0" algn="l">
-              <a:spcBef>
-                <a:spcPts val="0"/>
-              </a:spcBef>
-              <a:spcAft>
-                <a:spcPts val="0"/>
-              </a:spcAft>
-              <a:buNone/>
-            </a:pPr>
-            <a:r>
-              <a:t/>
-            </a:r>
+            <a:pPr marL="0" lvl="0" indent="0" algn="l" rtl="0">
+              <a:spcBef>
+                <a:spcPts val="0"/>
+              </a:spcBef>
+              <a:spcAft>
+                <a:spcPts val="0"/>
+              </a:spcAft>
+              <a:buNone/>
+            </a:pPr>
             <a:endParaRPr sz="1000"/>
           </a:p>
         </p:txBody>
@@ -8795,12 +8820,12 @@
           </a:ln>
         </p:spPr>
         <p:txBody>
-          <a:bodyPr anchorCtr="0" anchor="t" bIns="91425" lIns="91425" spcFirstLastPara="1" rIns="91425" wrap="square" tIns="91425">
+          <a:bodyPr spcFirstLastPara="1" wrap="square" lIns="91425" tIns="91425" rIns="91425" bIns="91425" anchor="t" anchorCtr="0">
             <a:spAutoFit/>
           </a:bodyPr>
           <a:lstStyle/>
           <a:p>
-            <a:pPr indent="0" lvl="0" marL="0" rtl="0" algn="l">
+            <a:pPr marL="0" lvl="0" indent="0" algn="l" rtl="0">
               <a:spcBef>
                 <a:spcPts val="0"/>
               </a:spcBef>
@@ -8837,12 +8862,12 @@
           </a:ln>
         </p:spPr>
         <p:txBody>
-          <a:bodyPr anchorCtr="0" anchor="t" bIns="91425" lIns="91425" spcFirstLastPara="1" rIns="91425" wrap="square" tIns="91425">
+          <a:bodyPr spcFirstLastPara="1" wrap="square" lIns="91425" tIns="91425" rIns="91425" bIns="91425" anchor="t" anchorCtr="0">
             <a:spAutoFit/>
           </a:bodyPr>
           <a:lstStyle/>
           <a:p>
-            <a:pPr indent="0" lvl="0" marL="0" rtl="0" algn="l">
+            <a:pPr marL="0" lvl="0" indent="0" algn="l" rtl="0">
               <a:spcBef>
                 <a:spcPts val="0"/>
               </a:spcBef>
@@ -8881,23 +8906,20 @@
           </a:ln>
         </p:spPr>
         <p:txBody>
-          <a:bodyPr anchorCtr="0" anchor="ctr" bIns="91425" lIns="91425" spcFirstLastPara="1" rIns="91425" wrap="square" tIns="91425">
+          <a:bodyPr spcFirstLastPara="1" wrap="square" lIns="91425" tIns="91425" rIns="91425" bIns="91425" anchor="ctr" anchorCtr="0">
             <a:noAutofit/>
           </a:bodyPr>
           <a:lstStyle/>
           <a:p>
-            <a:pPr indent="0" lvl="0" marL="0" rtl="0" algn="ctr">
-              <a:spcBef>
-                <a:spcPts val="0"/>
-              </a:spcBef>
-              <a:spcAft>
-                <a:spcPts val="0"/>
-              </a:spcAft>
-              <a:buNone/>
-            </a:pPr>
-            <a:r>
-              <a:t/>
-            </a:r>
+            <a:pPr marL="0" lvl="0" indent="0" algn="ctr" rtl="0">
+              <a:spcBef>
+                <a:spcPts val="0"/>
+              </a:spcBef>
+              <a:spcAft>
+                <a:spcPts val="0"/>
+              </a:spcAft>
+              <a:buNone/>
+            </a:pPr>
             <a:endParaRPr sz="700"/>
           </a:p>
         </p:txBody>
@@ -8924,23 +8946,20 @@
           </a:ln>
         </p:spPr>
         <p:txBody>
-          <a:bodyPr anchorCtr="0" anchor="ctr" bIns="91425" lIns="91425" spcFirstLastPara="1" rIns="91425" wrap="square" tIns="91425">
+          <a:bodyPr spcFirstLastPara="1" wrap="square" lIns="91425" tIns="91425" rIns="91425" bIns="91425" anchor="ctr" anchorCtr="0">
             <a:noAutofit/>
           </a:bodyPr>
           <a:lstStyle/>
           <a:p>
-            <a:pPr indent="0" lvl="0" marL="0" rtl="0" algn="l">
-              <a:spcBef>
-                <a:spcPts val="0"/>
-              </a:spcBef>
-              <a:spcAft>
-                <a:spcPts val="0"/>
-              </a:spcAft>
-              <a:buNone/>
-            </a:pPr>
-            <a:r>
-              <a:t/>
-            </a:r>
+            <a:pPr marL="0" lvl="0" indent="0" algn="l" rtl="0">
+              <a:spcBef>
+                <a:spcPts val="0"/>
+              </a:spcBef>
+              <a:spcAft>
+                <a:spcPts val="0"/>
+              </a:spcAft>
+              <a:buNone/>
+            </a:pPr>
             <a:endParaRPr/>
           </a:p>
         </p:txBody>
@@ -8965,12 +8984,12 @@
           </a:ln>
         </p:spPr>
         <p:txBody>
-          <a:bodyPr anchorCtr="0" anchor="t" bIns="91425" lIns="91425" spcFirstLastPara="1" rIns="91425" wrap="square" tIns="91425">
+          <a:bodyPr spcFirstLastPara="1" wrap="square" lIns="91425" tIns="91425" rIns="91425" bIns="91425" anchor="t" anchorCtr="0">
             <a:spAutoFit/>
           </a:bodyPr>
           <a:lstStyle/>
           <a:p>
-            <a:pPr indent="0" lvl="0" marL="0" rtl="0" algn="l">
+            <a:pPr marL="0" lvl="0" indent="0" algn="l" rtl="0">
               <a:spcBef>
                 <a:spcPts val="0"/>
               </a:spcBef>
@@ -9004,34 +9023,31 @@
           <a:solidFill>
             <a:schemeClr val="lt2"/>
           </a:solidFill>
-          <a:ln cap="flat" cmpd="sng" w="9525">
+          <a:ln w="9525" cap="flat" cmpd="sng">
             <a:solidFill>
               <a:schemeClr val="dk2"/>
             </a:solidFill>
             <a:prstDash val="solid"/>
             <a:round/>
-            <a:headEnd len="sm" w="sm" type="none"/>
-            <a:tailEnd len="sm" w="sm" type="none"/>
+            <a:headEnd type="none" w="sm" len="sm"/>
+            <a:tailEnd type="none" w="sm" len="sm"/>
           </a:ln>
         </p:spPr>
         <p:txBody>
-          <a:bodyPr anchorCtr="0" anchor="ctr" bIns="91425" lIns="91425" spcFirstLastPara="1" rIns="91425" wrap="square" tIns="91425">
+          <a:bodyPr spcFirstLastPara="1" wrap="square" lIns="91425" tIns="91425" rIns="91425" bIns="91425" anchor="ctr" anchorCtr="0">
             <a:noAutofit/>
           </a:bodyPr>
           <a:lstStyle/>
           <a:p>
-            <a:pPr indent="0" lvl="0" marL="0" rtl="0" algn="l">
-              <a:spcBef>
-                <a:spcPts val="0"/>
-              </a:spcBef>
-              <a:spcAft>
-                <a:spcPts val="0"/>
-              </a:spcAft>
-              <a:buNone/>
-            </a:pPr>
-            <a:r>
-              <a:t/>
-            </a:r>
+            <a:pPr marL="0" lvl="0" indent="0" algn="l" rtl="0">
+              <a:spcBef>
+                <a:spcPts val="0"/>
+              </a:spcBef>
+              <a:spcAft>
+                <a:spcPts val="0"/>
+              </a:spcAft>
+              <a:buNone/>
+            </a:pPr>
             <a:endParaRPr/>
           </a:p>
         </p:txBody>
@@ -9058,23 +9074,20 @@
           </a:ln>
         </p:spPr>
         <p:txBody>
-          <a:bodyPr anchorCtr="0" anchor="ctr" bIns="91425" lIns="91425" spcFirstLastPara="1" rIns="91425" wrap="square" tIns="91425">
+          <a:bodyPr spcFirstLastPara="1" wrap="square" lIns="91425" tIns="91425" rIns="91425" bIns="91425" anchor="ctr" anchorCtr="0">
             <a:noAutofit/>
           </a:bodyPr>
           <a:lstStyle/>
           <a:p>
-            <a:pPr indent="0" lvl="0" marL="0" rtl="0" algn="l">
-              <a:spcBef>
-                <a:spcPts val="0"/>
-              </a:spcBef>
-              <a:spcAft>
-                <a:spcPts val="0"/>
-              </a:spcAft>
-              <a:buNone/>
-            </a:pPr>
-            <a:r>
-              <a:t/>
-            </a:r>
+            <a:pPr marL="0" lvl="0" indent="0" algn="l" rtl="0">
+              <a:spcBef>
+                <a:spcPts val="0"/>
+              </a:spcBef>
+              <a:spcAft>
+                <a:spcPts val="0"/>
+              </a:spcAft>
+              <a:buNone/>
+            </a:pPr>
             <a:endParaRPr sz="1000"/>
           </a:p>
         </p:txBody>
@@ -9101,23 +9114,20 @@
           </a:ln>
         </p:spPr>
         <p:txBody>
-          <a:bodyPr anchorCtr="0" anchor="ctr" bIns="91425" lIns="91425" spcFirstLastPara="1" rIns="91425" wrap="square" tIns="91425">
+          <a:bodyPr spcFirstLastPara="1" wrap="square" lIns="91425" tIns="91425" rIns="91425" bIns="91425" anchor="ctr" anchorCtr="0">
             <a:noAutofit/>
           </a:bodyPr>
           <a:lstStyle/>
           <a:p>
-            <a:pPr indent="0" lvl="0" marL="0" rtl="0" algn="ctr">
-              <a:spcBef>
-                <a:spcPts val="0"/>
-              </a:spcBef>
-              <a:spcAft>
-                <a:spcPts val="0"/>
-              </a:spcAft>
-              <a:buNone/>
-            </a:pPr>
-            <a:r>
-              <a:t/>
-            </a:r>
+            <a:pPr marL="0" lvl="0" indent="0" algn="ctr" rtl="0">
+              <a:spcBef>
+                <a:spcPts val="0"/>
+              </a:spcBef>
+              <a:spcAft>
+                <a:spcPts val="0"/>
+              </a:spcAft>
+              <a:buNone/>
+            </a:pPr>
             <a:endParaRPr sz="700"/>
           </a:p>
         </p:txBody>
@@ -9144,23 +9154,20 @@
           </a:ln>
         </p:spPr>
         <p:txBody>
-          <a:bodyPr anchorCtr="0" anchor="ctr" bIns="91425" lIns="91425" spcFirstLastPara="1" rIns="91425" wrap="square" tIns="91425">
+          <a:bodyPr spcFirstLastPara="1" wrap="square" lIns="91425" tIns="91425" rIns="91425" bIns="91425" anchor="ctr" anchorCtr="0">
             <a:noAutofit/>
           </a:bodyPr>
           <a:lstStyle/>
           <a:p>
-            <a:pPr indent="0" lvl="0" marL="0" rtl="0" algn="ctr">
-              <a:spcBef>
-                <a:spcPts val="0"/>
-              </a:spcBef>
-              <a:spcAft>
-                <a:spcPts val="0"/>
-              </a:spcAft>
-              <a:buNone/>
-            </a:pPr>
-            <a:r>
-              <a:t/>
-            </a:r>
+            <a:pPr marL="0" lvl="0" indent="0" algn="ctr" rtl="0">
+              <a:spcBef>
+                <a:spcPts val="0"/>
+              </a:spcBef>
+              <a:spcAft>
+                <a:spcPts val="0"/>
+              </a:spcAft>
+              <a:buNone/>
+            </a:pPr>
             <a:endParaRPr sz="700"/>
           </a:p>
         </p:txBody>
@@ -9187,23 +9194,20 @@
           </a:ln>
         </p:spPr>
         <p:txBody>
-          <a:bodyPr anchorCtr="0" anchor="ctr" bIns="91425" lIns="91425" spcFirstLastPara="1" rIns="91425" wrap="square" tIns="91425">
+          <a:bodyPr spcFirstLastPara="1" wrap="square" lIns="91425" tIns="91425" rIns="91425" bIns="91425" anchor="ctr" anchorCtr="0">
             <a:noAutofit/>
           </a:bodyPr>
           <a:lstStyle/>
           <a:p>
-            <a:pPr indent="0" lvl="0" marL="0" rtl="0" algn="ctr">
-              <a:spcBef>
-                <a:spcPts val="0"/>
-              </a:spcBef>
-              <a:spcAft>
-                <a:spcPts val="0"/>
-              </a:spcAft>
-              <a:buNone/>
-            </a:pPr>
-            <a:r>
-              <a:t/>
-            </a:r>
+            <a:pPr marL="0" lvl="0" indent="0" algn="ctr" rtl="0">
+              <a:spcBef>
+                <a:spcPts val="0"/>
+              </a:spcBef>
+              <a:spcAft>
+                <a:spcPts val="0"/>
+              </a:spcAft>
+              <a:buNone/>
+            </a:pPr>
             <a:endParaRPr sz="700"/>
           </a:p>
         </p:txBody>
@@ -9230,23 +9234,20 @@
           </a:ln>
         </p:spPr>
         <p:txBody>
-          <a:bodyPr anchorCtr="0" anchor="ctr" bIns="91425" lIns="91425" spcFirstLastPara="1" rIns="91425" wrap="square" tIns="91425">
+          <a:bodyPr spcFirstLastPara="1" wrap="square" lIns="91425" tIns="91425" rIns="91425" bIns="91425" anchor="ctr" anchorCtr="0">
             <a:noAutofit/>
           </a:bodyPr>
           <a:lstStyle/>
           <a:p>
-            <a:pPr indent="0" lvl="0" marL="0" rtl="0" algn="ctr">
-              <a:spcBef>
-                <a:spcPts val="0"/>
-              </a:spcBef>
-              <a:spcAft>
-                <a:spcPts val="0"/>
-              </a:spcAft>
-              <a:buNone/>
-            </a:pPr>
-            <a:r>
-              <a:t/>
-            </a:r>
+            <a:pPr marL="0" lvl="0" indent="0" algn="ctr" rtl="0">
+              <a:spcBef>
+                <a:spcPts val="0"/>
+              </a:spcBef>
+              <a:spcAft>
+                <a:spcPts val="0"/>
+              </a:spcAft>
+              <a:buNone/>
+            </a:pPr>
             <a:endParaRPr sz="700"/>
           </a:p>
         </p:txBody>
@@ -9268,34 +9269,31 @@
           <a:solidFill>
             <a:schemeClr val="lt2"/>
           </a:solidFill>
-          <a:ln cap="flat" cmpd="sng" w="9525">
+          <a:ln w="9525" cap="flat" cmpd="sng">
             <a:solidFill>
               <a:schemeClr val="dk2"/>
             </a:solidFill>
             <a:prstDash val="solid"/>
             <a:round/>
-            <a:headEnd len="sm" w="sm" type="none"/>
-            <a:tailEnd len="sm" w="sm" type="none"/>
+            <a:headEnd type="none" w="sm" len="sm"/>
+            <a:tailEnd type="none" w="sm" len="sm"/>
           </a:ln>
         </p:spPr>
         <p:txBody>
-          <a:bodyPr anchorCtr="0" anchor="ctr" bIns="91425" lIns="91425" spcFirstLastPara="1" rIns="91425" wrap="square" tIns="91425">
+          <a:bodyPr spcFirstLastPara="1" wrap="square" lIns="91425" tIns="91425" rIns="91425" bIns="91425" anchor="ctr" anchorCtr="0">
             <a:noAutofit/>
           </a:bodyPr>
           <a:lstStyle/>
           <a:p>
-            <a:pPr indent="0" lvl="0" marL="0" rtl="0" algn="l">
-              <a:spcBef>
-                <a:spcPts val="0"/>
-              </a:spcBef>
-              <a:spcAft>
-                <a:spcPts val="0"/>
-              </a:spcAft>
-              <a:buNone/>
-            </a:pPr>
-            <a:r>
-              <a:t/>
-            </a:r>
+            <a:pPr marL="0" lvl="0" indent="0" algn="l" rtl="0">
+              <a:spcBef>
+                <a:spcPts val="0"/>
+              </a:spcBef>
+              <a:spcAft>
+                <a:spcPts val="0"/>
+              </a:spcAft>
+              <a:buNone/>
+            </a:pPr>
             <a:endParaRPr/>
           </a:p>
         </p:txBody>
@@ -9317,34 +9315,31 @@
           <a:solidFill>
             <a:srgbClr val="6AA84F"/>
           </a:solidFill>
-          <a:ln cap="flat" cmpd="sng" w="9525">
+          <a:ln w="9525" cap="flat" cmpd="sng">
             <a:solidFill>
               <a:schemeClr val="dk2"/>
             </a:solidFill>
             <a:prstDash val="solid"/>
             <a:round/>
-            <a:headEnd len="sm" w="sm" type="none"/>
-            <a:tailEnd len="sm" w="sm" type="none"/>
+            <a:headEnd type="none" w="sm" len="sm"/>
+            <a:tailEnd type="none" w="sm" len="sm"/>
           </a:ln>
         </p:spPr>
         <p:txBody>
-          <a:bodyPr anchorCtr="0" anchor="ctr" bIns="91425" lIns="91425" spcFirstLastPara="1" rIns="91425" wrap="square" tIns="91425">
+          <a:bodyPr spcFirstLastPara="1" wrap="square" lIns="91425" tIns="91425" rIns="91425" bIns="91425" anchor="ctr" anchorCtr="0">
             <a:noAutofit/>
           </a:bodyPr>
           <a:lstStyle/>
           <a:p>
-            <a:pPr indent="0" lvl="0" marL="0" rtl="0" algn="l">
-              <a:spcBef>
-                <a:spcPts val="0"/>
-              </a:spcBef>
-              <a:spcAft>
-                <a:spcPts val="0"/>
-              </a:spcAft>
-              <a:buNone/>
-            </a:pPr>
-            <a:r>
-              <a:t/>
-            </a:r>
+            <a:pPr marL="0" lvl="0" indent="0" algn="l" rtl="0">
+              <a:spcBef>
+                <a:spcPts val="0"/>
+              </a:spcBef>
+              <a:spcAft>
+                <a:spcPts val="0"/>
+              </a:spcAft>
+              <a:buNone/>
+            </a:pPr>
             <a:endParaRPr/>
           </a:p>
         </p:txBody>
@@ -9371,23 +9366,20 @@
           </a:ln>
         </p:spPr>
         <p:txBody>
-          <a:bodyPr anchorCtr="0" anchor="ctr" bIns="91425" lIns="91425" spcFirstLastPara="1" rIns="91425" wrap="square" tIns="91425">
+          <a:bodyPr spcFirstLastPara="1" wrap="square" lIns="91425" tIns="91425" rIns="91425" bIns="91425" anchor="ctr" anchorCtr="0">
             <a:noAutofit/>
           </a:bodyPr>
           <a:lstStyle/>
           <a:p>
-            <a:pPr indent="0" lvl="0" marL="0" rtl="0" algn="l">
-              <a:spcBef>
-                <a:spcPts val="0"/>
-              </a:spcBef>
-              <a:spcAft>
-                <a:spcPts val="0"/>
-              </a:spcAft>
-              <a:buNone/>
-            </a:pPr>
-            <a:r>
-              <a:t/>
-            </a:r>
+            <a:pPr marL="0" lvl="0" indent="0" algn="l" rtl="0">
+              <a:spcBef>
+                <a:spcPts val="0"/>
+              </a:spcBef>
+              <a:spcAft>
+                <a:spcPts val="0"/>
+              </a:spcAft>
+              <a:buNone/>
+            </a:pPr>
             <a:endParaRPr/>
           </a:p>
         </p:txBody>
@@ -9414,23 +9406,20 @@
           </a:ln>
         </p:spPr>
         <p:txBody>
-          <a:bodyPr anchorCtr="0" anchor="ctr" bIns="91425" lIns="91425" spcFirstLastPara="1" rIns="91425" wrap="square" tIns="91425">
+          <a:bodyPr spcFirstLastPara="1" wrap="square" lIns="91425" tIns="91425" rIns="91425" bIns="91425" anchor="ctr" anchorCtr="0">
             <a:noAutofit/>
           </a:bodyPr>
           <a:lstStyle/>
           <a:p>
-            <a:pPr indent="0" lvl="0" marL="0" rtl="0" algn="l">
-              <a:spcBef>
-                <a:spcPts val="0"/>
-              </a:spcBef>
-              <a:spcAft>
-                <a:spcPts val="0"/>
-              </a:spcAft>
-              <a:buNone/>
-            </a:pPr>
-            <a:r>
-              <a:t/>
-            </a:r>
+            <a:pPr marL="0" lvl="0" indent="0" algn="l" rtl="0">
+              <a:spcBef>
+                <a:spcPts val="0"/>
+              </a:spcBef>
+              <a:spcAft>
+                <a:spcPts val="0"/>
+              </a:spcAft>
+              <a:buNone/>
+            </a:pPr>
             <a:endParaRPr/>
           </a:p>
         </p:txBody>
@@ -9457,23 +9446,20 @@
           </a:ln>
         </p:spPr>
         <p:txBody>
-          <a:bodyPr anchorCtr="0" anchor="ctr" bIns="91425" lIns="91425" spcFirstLastPara="1" rIns="91425" wrap="square" tIns="91425">
+          <a:bodyPr spcFirstLastPara="1" wrap="square" lIns="91425" tIns="91425" rIns="91425" bIns="91425" anchor="ctr" anchorCtr="0">
             <a:noAutofit/>
           </a:bodyPr>
           <a:lstStyle/>
           <a:p>
-            <a:pPr indent="0" lvl="0" marL="0" rtl="0" algn="l">
-              <a:spcBef>
-                <a:spcPts val="0"/>
-              </a:spcBef>
-              <a:spcAft>
-                <a:spcPts val="0"/>
-              </a:spcAft>
-              <a:buNone/>
-            </a:pPr>
-            <a:r>
-              <a:t/>
-            </a:r>
+            <a:pPr marL="0" lvl="0" indent="0" algn="l" rtl="0">
+              <a:spcBef>
+                <a:spcPts val="0"/>
+              </a:spcBef>
+              <a:spcAft>
+                <a:spcPts val="0"/>
+              </a:spcAft>
+              <a:buNone/>
+            </a:pPr>
             <a:endParaRPr sz="1000"/>
           </a:p>
         </p:txBody>
@@ -9500,23 +9486,20 @@
           </a:ln>
         </p:spPr>
         <p:txBody>
-          <a:bodyPr anchorCtr="0" anchor="ctr" bIns="91425" lIns="91425" spcFirstLastPara="1" rIns="91425" wrap="square" tIns="91425">
+          <a:bodyPr spcFirstLastPara="1" wrap="square" lIns="91425" tIns="91425" rIns="91425" bIns="91425" anchor="ctr" anchorCtr="0">
             <a:noAutofit/>
           </a:bodyPr>
           <a:lstStyle/>
           <a:p>
-            <a:pPr indent="0" lvl="0" marL="0" rtl="0" algn="l">
-              <a:spcBef>
-                <a:spcPts val="0"/>
-              </a:spcBef>
-              <a:spcAft>
-                <a:spcPts val="0"/>
-              </a:spcAft>
-              <a:buNone/>
-            </a:pPr>
-            <a:r>
-              <a:t/>
-            </a:r>
+            <a:pPr marL="0" lvl="0" indent="0" algn="l" rtl="0">
+              <a:spcBef>
+                <a:spcPts val="0"/>
+              </a:spcBef>
+              <a:spcAft>
+                <a:spcPts val="0"/>
+              </a:spcAft>
+              <a:buNone/>
+            </a:pPr>
             <a:endParaRPr/>
           </a:p>
         </p:txBody>
@@ -9543,23 +9526,20 @@
           </a:ln>
         </p:spPr>
         <p:txBody>
-          <a:bodyPr anchorCtr="0" anchor="ctr" bIns="91425" lIns="91425" spcFirstLastPara="1" rIns="91425" wrap="square" tIns="91425">
+          <a:bodyPr spcFirstLastPara="1" wrap="square" lIns="91425" tIns="91425" rIns="91425" bIns="91425" anchor="ctr" anchorCtr="0">
             <a:noAutofit/>
           </a:bodyPr>
           <a:lstStyle/>
           <a:p>
-            <a:pPr indent="0" lvl="0" marL="0" rtl="0" algn="l">
-              <a:spcBef>
-                <a:spcPts val="0"/>
-              </a:spcBef>
-              <a:spcAft>
-                <a:spcPts val="0"/>
-              </a:spcAft>
-              <a:buNone/>
-            </a:pPr>
-            <a:r>
-              <a:t/>
-            </a:r>
+            <a:pPr marL="0" lvl="0" indent="0" algn="l" rtl="0">
+              <a:spcBef>
+                <a:spcPts val="0"/>
+              </a:spcBef>
+              <a:spcAft>
+                <a:spcPts val="0"/>
+              </a:spcAft>
+              <a:buNone/>
+            </a:pPr>
             <a:endParaRPr/>
           </a:p>
         </p:txBody>
@@ -9586,23 +9566,20 @@
           </a:ln>
         </p:spPr>
         <p:txBody>
-          <a:bodyPr anchorCtr="0" anchor="ctr" bIns="91425" lIns="91425" spcFirstLastPara="1" rIns="91425" wrap="square" tIns="91425">
+          <a:bodyPr spcFirstLastPara="1" wrap="square" lIns="91425" tIns="91425" rIns="91425" bIns="91425" anchor="ctr" anchorCtr="0">
             <a:noAutofit/>
           </a:bodyPr>
           <a:lstStyle/>
           <a:p>
-            <a:pPr indent="0" lvl="0" marL="0" rtl="0" algn="l">
-              <a:spcBef>
-                <a:spcPts val="0"/>
-              </a:spcBef>
-              <a:spcAft>
-                <a:spcPts val="0"/>
-              </a:spcAft>
-              <a:buNone/>
-            </a:pPr>
-            <a:r>
-              <a:t/>
-            </a:r>
+            <a:pPr marL="0" lvl="0" indent="0" algn="l" rtl="0">
+              <a:spcBef>
+                <a:spcPts val="0"/>
+              </a:spcBef>
+              <a:spcAft>
+                <a:spcPts val="0"/>
+              </a:spcAft>
+              <a:buNone/>
+            </a:pPr>
             <a:endParaRPr/>
           </a:p>
         </p:txBody>
@@ -9629,23 +9606,20 @@
           </a:ln>
         </p:spPr>
         <p:txBody>
-          <a:bodyPr anchorCtr="0" anchor="ctr" bIns="91425" lIns="91425" spcFirstLastPara="1" rIns="91425" wrap="square" tIns="91425">
+          <a:bodyPr spcFirstLastPara="1" wrap="square" lIns="91425" tIns="91425" rIns="91425" bIns="91425" anchor="ctr" anchorCtr="0">
             <a:noAutofit/>
           </a:bodyPr>
           <a:lstStyle/>
           <a:p>
-            <a:pPr indent="0" lvl="0" marL="0" rtl="0" algn="l">
-              <a:spcBef>
-                <a:spcPts val="0"/>
-              </a:spcBef>
-              <a:spcAft>
-                <a:spcPts val="0"/>
-              </a:spcAft>
-              <a:buNone/>
-            </a:pPr>
-            <a:r>
-              <a:t/>
-            </a:r>
+            <a:pPr marL="0" lvl="0" indent="0" algn="l" rtl="0">
+              <a:spcBef>
+                <a:spcPts val="0"/>
+              </a:spcBef>
+              <a:spcAft>
+                <a:spcPts val="0"/>
+              </a:spcAft>
+              <a:buNone/>
+            </a:pPr>
             <a:endParaRPr/>
           </a:p>
         </p:txBody>
@@ -9672,23 +9646,20 @@
           </a:ln>
         </p:spPr>
         <p:txBody>
-          <a:bodyPr anchorCtr="0" anchor="ctr" bIns="91425" lIns="91425" spcFirstLastPara="1" rIns="91425" wrap="square" tIns="91425">
+          <a:bodyPr spcFirstLastPara="1" wrap="square" lIns="91425" tIns="91425" rIns="91425" bIns="91425" anchor="ctr" anchorCtr="0">
             <a:noAutofit/>
           </a:bodyPr>
           <a:lstStyle/>
           <a:p>
-            <a:pPr indent="0" lvl="0" marL="0" rtl="0" algn="l">
-              <a:spcBef>
-                <a:spcPts val="0"/>
-              </a:spcBef>
-              <a:spcAft>
-                <a:spcPts val="0"/>
-              </a:spcAft>
-              <a:buNone/>
-            </a:pPr>
-            <a:r>
-              <a:t/>
-            </a:r>
+            <a:pPr marL="0" lvl="0" indent="0" algn="l" rtl="0">
+              <a:spcBef>
+                <a:spcPts val="0"/>
+              </a:spcBef>
+              <a:spcAft>
+                <a:spcPts val="0"/>
+              </a:spcAft>
+              <a:buNone/>
+            </a:pPr>
             <a:endParaRPr/>
           </a:p>
         </p:txBody>
@@ -9715,23 +9686,20 @@
           </a:ln>
         </p:spPr>
         <p:txBody>
-          <a:bodyPr anchorCtr="0" anchor="ctr" bIns="91425" lIns="91425" spcFirstLastPara="1" rIns="91425" wrap="square" tIns="91425">
+          <a:bodyPr spcFirstLastPara="1" wrap="square" lIns="91425" tIns="91425" rIns="91425" bIns="91425" anchor="ctr" anchorCtr="0">
             <a:noAutofit/>
           </a:bodyPr>
           <a:lstStyle/>
           <a:p>
-            <a:pPr indent="0" lvl="0" marL="0" rtl="0" algn="l">
-              <a:spcBef>
-                <a:spcPts val="0"/>
-              </a:spcBef>
-              <a:spcAft>
-                <a:spcPts val="0"/>
-              </a:spcAft>
-              <a:buNone/>
-            </a:pPr>
-            <a:r>
-              <a:t/>
-            </a:r>
+            <a:pPr marL="0" lvl="0" indent="0" algn="l" rtl="0">
+              <a:spcBef>
+                <a:spcPts val="0"/>
+              </a:spcBef>
+              <a:spcAft>
+                <a:spcPts val="0"/>
+              </a:spcAft>
+              <a:buNone/>
+            </a:pPr>
             <a:endParaRPr/>
           </a:p>
         </p:txBody>
@@ -9758,23 +9726,20 @@
           </a:ln>
         </p:spPr>
         <p:txBody>
-          <a:bodyPr anchorCtr="0" anchor="ctr" bIns="91425" lIns="91425" spcFirstLastPara="1" rIns="91425" wrap="square" tIns="91425">
+          <a:bodyPr spcFirstLastPara="1" wrap="square" lIns="91425" tIns="91425" rIns="91425" bIns="91425" anchor="ctr" anchorCtr="0">
             <a:noAutofit/>
           </a:bodyPr>
           <a:lstStyle/>
           <a:p>
-            <a:pPr indent="0" lvl="0" marL="0" rtl="0" algn="l">
-              <a:spcBef>
-                <a:spcPts val="0"/>
-              </a:spcBef>
-              <a:spcAft>
-                <a:spcPts val="0"/>
-              </a:spcAft>
-              <a:buNone/>
-            </a:pPr>
-            <a:r>
-              <a:t/>
-            </a:r>
+            <a:pPr marL="0" lvl="0" indent="0" algn="l" rtl="0">
+              <a:spcBef>
+                <a:spcPts val="0"/>
+              </a:spcBef>
+              <a:spcAft>
+                <a:spcPts val="0"/>
+              </a:spcAft>
+              <a:buNone/>
+            </a:pPr>
             <a:endParaRPr sz="1000"/>
           </a:p>
         </p:txBody>
@@ -9801,23 +9766,20 @@
           </a:ln>
         </p:spPr>
         <p:txBody>
-          <a:bodyPr anchorCtr="0" anchor="ctr" bIns="91425" lIns="91425" spcFirstLastPara="1" rIns="91425" wrap="square" tIns="91425">
+          <a:bodyPr spcFirstLastPara="1" wrap="square" lIns="91425" tIns="91425" rIns="91425" bIns="91425" anchor="ctr" anchorCtr="0">
             <a:noAutofit/>
           </a:bodyPr>
           <a:lstStyle/>
           <a:p>
-            <a:pPr indent="0" lvl="0" marL="0" rtl="0" algn="ctr">
-              <a:spcBef>
-                <a:spcPts val="0"/>
-              </a:spcBef>
-              <a:spcAft>
-                <a:spcPts val="0"/>
-              </a:spcAft>
-              <a:buNone/>
-            </a:pPr>
-            <a:r>
-              <a:t/>
-            </a:r>
+            <a:pPr marL="0" lvl="0" indent="0" algn="ctr" rtl="0">
+              <a:spcBef>
+                <a:spcPts val="0"/>
+              </a:spcBef>
+              <a:spcAft>
+                <a:spcPts val="0"/>
+              </a:spcAft>
+              <a:buNone/>
+            </a:pPr>
             <a:endParaRPr sz="700"/>
           </a:p>
         </p:txBody>
@@ -9844,23 +9806,20 @@
           </a:ln>
         </p:spPr>
         <p:txBody>
-          <a:bodyPr anchorCtr="0" anchor="ctr" bIns="91425" lIns="91425" spcFirstLastPara="1" rIns="91425" wrap="square" tIns="91425">
+          <a:bodyPr spcFirstLastPara="1" wrap="square" lIns="91425" tIns="91425" rIns="91425" bIns="91425" anchor="ctr" anchorCtr="0">
             <a:noAutofit/>
           </a:bodyPr>
           <a:lstStyle/>
           <a:p>
-            <a:pPr indent="0" lvl="0" marL="0" rtl="0" algn="ctr">
-              <a:spcBef>
-                <a:spcPts val="0"/>
-              </a:spcBef>
-              <a:spcAft>
-                <a:spcPts val="0"/>
-              </a:spcAft>
-              <a:buNone/>
-            </a:pPr>
-            <a:r>
-              <a:t/>
-            </a:r>
+            <a:pPr marL="0" lvl="0" indent="0" algn="ctr" rtl="0">
+              <a:spcBef>
+                <a:spcPts val="0"/>
+              </a:spcBef>
+              <a:spcAft>
+                <a:spcPts val="0"/>
+              </a:spcAft>
+              <a:buNone/>
+            </a:pPr>
             <a:endParaRPr sz="700"/>
           </a:p>
         </p:txBody>
@@ -9887,23 +9846,20 @@
           </a:ln>
         </p:spPr>
         <p:txBody>
-          <a:bodyPr anchorCtr="0" anchor="ctr" bIns="91425" lIns="91425" spcFirstLastPara="1" rIns="91425" wrap="square" tIns="91425">
+          <a:bodyPr spcFirstLastPara="1" wrap="square" lIns="91425" tIns="91425" rIns="91425" bIns="91425" anchor="ctr" anchorCtr="0">
             <a:noAutofit/>
           </a:bodyPr>
           <a:lstStyle/>
           <a:p>
-            <a:pPr indent="0" lvl="0" marL="0" rtl="0" algn="ctr">
-              <a:spcBef>
-                <a:spcPts val="0"/>
-              </a:spcBef>
-              <a:spcAft>
-                <a:spcPts val="0"/>
-              </a:spcAft>
-              <a:buNone/>
-            </a:pPr>
-            <a:r>
-              <a:t/>
-            </a:r>
+            <a:pPr marL="0" lvl="0" indent="0" algn="ctr" rtl="0">
+              <a:spcBef>
+                <a:spcPts val="0"/>
+              </a:spcBef>
+              <a:spcAft>
+                <a:spcPts val="0"/>
+              </a:spcAft>
+              <a:buNone/>
+            </a:pPr>
             <a:endParaRPr sz="700"/>
           </a:p>
         </p:txBody>
@@ -9930,23 +9886,20 @@
           </a:ln>
         </p:spPr>
         <p:txBody>
-          <a:bodyPr anchorCtr="0" anchor="ctr" bIns="91425" lIns="91425" spcFirstLastPara="1" rIns="91425" wrap="square" tIns="91425">
+          <a:bodyPr spcFirstLastPara="1" wrap="square" lIns="91425" tIns="91425" rIns="91425" bIns="91425" anchor="ctr" anchorCtr="0">
             <a:noAutofit/>
           </a:bodyPr>
           <a:lstStyle/>
           <a:p>
-            <a:pPr indent="0" lvl="0" marL="0" rtl="0" algn="ctr">
-              <a:spcBef>
-                <a:spcPts val="0"/>
-              </a:spcBef>
-              <a:spcAft>
-                <a:spcPts val="0"/>
-              </a:spcAft>
-              <a:buNone/>
-            </a:pPr>
-            <a:r>
-              <a:t/>
-            </a:r>
+            <a:pPr marL="0" lvl="0" indent="0" algn="ctr" rtl="0">
+              <a:spcBef>
+                <a:spcPts val="0"/>
+              </a:spcBef>
+              <a:spcAft>
+                <a:spcPts val="0"/>
+              </a:spcAft>
+              <a:buNone/>
+            </a:pPr>
             <a:endParaRPr sz="700"/>
           </a:p>
         </p:txBody>
@@ -9964,8 +9917,8 @@
           </a:xfrm>
           <a:prstGeom prst="pie">
             <a:avLst>
-              <a:gd fmla="val 13474189" name="adj1"/>
-              <a:gd fmla="val 16228005" name="adj2"/>
+              <a:gd name="adj1" fmla="val 13474189"/>
+              <a:gd name="adj2" fmla="val 16228005"/>
             </a:avLst>
           </a:prstGeom>
           <a:solidFill>
@@ -9976,23 +9929,20 @@
           </a:ln>
         </p:spPr>
         <p:txBody>
-          <a:bodyPr anchorCtr="0" anchor="ctr" bIns="91425" lIns="91425" spcFirstLastPara="1" rIns="91425" wrap="square" tIns="91425">
+          <a:bodyPr spcFirstLastPara="1" wrap="square" lIns="91425" tIns="91425" rIns="91425" bIns="91425" anchor="ctr" anchorCtr="0">
             <a:noAutofit/>
           </a:bodyPr>
           <a:lstStyle/>
           <a:p>
-            <a:pPr indent="0" lvl="0" marL="0" rtl="0" algn="l">
-              <a:spcBef>
-                <a:spcPts val="0"/>
-              </a:spcBef>
-              <a:spcAft>
-                <a:spcPts val="0"/>
-              </a:spcAft>
-              <a:buNone/>
-            </a:pPr>
-            <a:r>
-              <a:t/>
-            </a:r>
+            <a:pPr marL="0" lvl="0" indent="0" algn="l" rtl="0">
+              <a:spcBef>
+                <a:spcPts val="0"/>
+              </a:spcBef>
+              <a:spcAft>
+                <a:spcPts val="0"/>
+              </a:spcAft>
+              <a:buNone/>
+            </a:pPr>
             <a:endParaRPr/>
           </a:p>
         </p:txBody>
@@ -10010,8 +9960,8 @@
           </a:xfrm>
           <a:prstGeom prst="pie">
             <a:avLst>
-              <a:gd fmla="val 13474189" name="adj1"/>
-              <a:gd fmla="val 16228005" name="adj2"/>
+              <a:gd name="adj1" fmla="val 13474189"/>
+              <a:gd name="adj2" fmla="val 16228005"/>
             </a:avLst>
           </a:prstGeom>
           <a:solidFill>
@@ -10022,23 +9972,20 @@
           </a:ln>
         </p:spPr>
         <p:txBody>
-          <a:bodyPr anchorCtr="0" anchor="ctr" bIns="91425" lIns="91425" spcFirstLastPara="1" rIns="91425" wrap="square" tIns="91425">
+          <a:bodyPr spcFirstLastPara="1" wrap="square" lIns="91425" tIns="91425" rIns="91425" bIns="91425" anchor="ctr" anchorCtr="0">
             <a:noAutofit/>
           </a:bodyPr>
           <a:lstStyle/>
           <a:p>
-            <a:pPr indent="0" lvl="0" marL="0" rtl="0" algn="l">
-              <a:spcBef>
-                <a:spcPts val="0"/>
-              </a:spcBef>
-              <a:spcAft>
-                <a:spcPts val="0"/>
-              </a:spcAft>
-              <a:buNone/>
-            </a:pPr>
-            <a:r>
-              <a:t/>
-            </a:r>
+            <a:pPr marL="0" lvl="0" indent="0" algn="l" rtl="0">
+              <a:spcBef>
+                <a:spcPts val="0"/>
+              </a:spcBef>
+              <a:spcAft>
+                <a:spcPts val="0"/>
+              </a:spcAft>
+              <a:buNone/>
+            </a:pPr>
             <a:endParaRPr/>
           </a:p>
         </p:txBody>
@@ -10056,8 +10003,8 @@
           </a:xfrm>
           <a:prstGeom prst="pie">
             <a:avLst>
-              <a:gd fmla="val 13474189" name="adj1"/>
-              <a:gd fmla="val 16228005" name="adj2"/>
+              <a:gd name="adj1" fmla="val 13474189"/>
+              <a:gd name="adj2" fmla="val 16228005"/>
             </a:avLst>
           </a:prstGeom>
           <a:solidFill>
@@ -10068,23 +10015,20 @@
           </a:ln>
         </p:spPr>
         <p:txBody>
-          <a:bodyPr anchorCtr="0" anchor="ctr" bIns="91425" lIns="91425" spcFirstLastPara="1" rIns="91425" wrap="square" tIns="91425">
+          <a:bodyPr spcFirstLastPara="1" wrap="square" lIns="91425" tIns="91425" rIns="91425" bIns="91425" anchor="ctr" anchorCtr="0">
             <a:noAutofit/>
           </a:bodyPr>
           <a:lstStyle/>
           <a:p>
-            <a:pPr indent="0" lvl="0" marL="0" rtl="0" algn="l">
-              <a:spcBef>
-                <a:spcPts val="0"/>
-              </a:spcBef>
-              <a:spcAft>
-                <a:spcPts val="0"/>
-              </a:spcAft>
-              <a:buNone/>
-            </a:pPr>
-            <a:r>
-              <a:t/>
-            </a:r>
+            <a:pPr marL="0" lvl="0" indent="0" algn="l" rtl="0">
+              <a:spcBef>
+                <a:spcPts val="0"/>
+              </a:spcBef>
+              <a:spcAft>
+                <a:spcPts val="0"/>
+              </a:spcAft>
+              <a:buNone/>
+            </a:pPr>
             <a:endParaRPr/>
           </a:p>
         </p:txBody>
@@ -10102,8 +10046,8 @@
           </a:xfrm>
           <a:prstGeom prst="pie">
             <a:avLst>
-              <a:gd fmla="val 13474189" name="adj1"/>
-              <a:gd fmla="val 16228005" name="adj2"/>
+              <a:gd name="adj1" fmla="val 13474189"/>
+              <a:gd name="adj2" fmla="val 16228005"/>
             </a:avLst>
           </a:prstGeom>
           <a:solidFill>
@@ -10114,23 +10058,20 @@
           </a:ln>
         </p:spPr>
         <p:txBody>
-          <a:bodyPr anchorCtr="0" anchor="ctr" bIns="91425" lIns="91425" spcFirstLastPara="1" rIns="91425" wrap="square" tIns="91425">
+          <a:bodyPr spcFirstLastPara="1" wrap="square" lIns="91425" tIns="91425" rIns="91425" bIns="91425" anchor="ctr" anchorCtr="0">
             <a:noAutofit/>
           </a:bodyPr>
           <a:lstStyle/>
           <a:p>
-            <a:pPr indent="0" lvl="0" marL="0" rtl="0" algn="l">
-              <a:spcBef>
-                <a:spcPts val="0"/>
-              </a:spcBef>
-              <a:spcAft>
-                <a:spcPts val="0"/>
-              </a:spcAft>
-              <a:buNone/>
-            </a:pPr>
-            <a:r>
-              <a:t/>
-            </a:r>
+            <a:pPr marL="0" lvl="0" indent="0" algn="l" rtl="0">
+              <a:spcBef>
+                <a:spcPts val="0"/>
+              </a:spcBef>
+              <a:spcAft>
+                <a:spcPts val="0"/>
+              </a:spcAft>
+              <a:buNone/>
+            </a:pPr>
             <a:endParaRPr/>
           </a:p>
         </p:txBody>
@@ -10157,23 +10098,20 @@
           </a:ln>
         </p:spPr>
         <p:txBody>
-          <a:bodyPr anchorCtr="0" anchor="ctr" bIns="91425" lIns="91425" spcFirstLastPara="1" rIns="91425" wrap="square" tIns="91425">
+          <a:bodyPr spcFirstLastPara="1" wrap="square" lIns="91425" tIns="91425" rIns="91425" bIns="91425" anchor="ctr" anchorCtr="0">
             <a:noAutofit/>
           </a:bodyPr>
           <a:lstStyle/>
           <a:p>
-            <a:pPr indent="0" lvl="0" marL="0" rtl="0" algn="l">
-              <a:spcBef>
-                <a:spcPts val="0"/>
-              </a:spcBef>
-              <a:spcAft>
-                <a:spcPts val="0"/>
-              </a:spcAft>
-              <a:buNone/>
-            </a:pPr>
-            <a:r>
-              <a:t/>
-            </a:r>
+            <a:pPr marL="0" lvl="0" indent="0" algn="l" rtl="0">
+              <a:spcBef>
+                <a:spcPts val="0"/>
+              </a:spcBef>
+              <a:spcAft>
+                <a:spcPts val="0"/>
+              </a:spcAft>
+              <a:buNone/>
+            </a:pPr>
             <a:endParaRPr sz="1000"/>
           </a:p>
         </p:txBody>
@@ -10200,23 +10138,20 @@
           </a:ln>
         </p:spPr>
         <p:txBody>
-          <a:bodyPr anchorCtr="0" anchor="ctr" bIns="91425" lIns="91425" spcFirstLastPara="1" rIns="91425" wrap="square" tIns="91425">
+          <a:bodyPr spcFirstLastPara="1" wrap="square" lIns="91425" tIns="91425" rIns="91425" bIns="91425" anchor="ctr" anchorCtr="0">
             <a:noAutofit/>
           </a:bodyPr>
           <a:lstStyle/>
           <a:p>
-            <a:pPr indent="0" lvl="0" marL="0" rtl="0" algn="ctr">
-              <a:spcBef>
-                <a:spcPts val="0"/>
-              </a:spcBef>
-              <a:spcAft>
-                <a:spcPts val="0"/>
-              </a:spcAft>
-              <a:buNone/>
-            </a:pPr>
-            <a:r>
-              <a:t/>
-            </a:r>
+            <a:pPr marL="0" lvl="0" indent="0" algn="ctr" rtl="0">
+              <a:spcBef>
+                <a:spcPts val="0"/>
+              </a:spcBef>
+              <a:spcAft>
+                <a:spcPts val="0"/>
+              </a:spcAft>
+              <a:buNone/>
+            </a:pPr>
             <a:endParaRPr sz="700"/>
           </a:p>
         </p:txBody>
@@ -10243,23 +10178,20 @@
           </a:ln>
         </p:spPr>
         <p:txBody>
-          <a:bodyPr anchorCtr="0" anchor="ctr" bIns="91425" lIns="91425" spcFirstLastPara="1" rIns="91425" wrap="square" tIns="91425">
+          <a:bodyPr spcFirstLastPara="1" wrap="square" lIns="91425" tIns="91425" rIns="91425" bIns="91425" anchor="ctr" anchorCtr="0">
             <a:noAutofit/>
           </a:bodyPr>
           <a:lstStyle/>
           <a:p>
-            <a:pPr indent="0" lvl="0" marL="0" rtl="0" algn="ctr">
-              <a:spcBef>
-                <a:spcPts val="0"/>
-              </a:spcBef>
-              <a:spcAft>
-                <a:spcPts val="0"/>
-              </a:spcAft>
-              <a:buNone/>
-            </a:pPr>
-            <a:r>
-              <a:t/>
-            </a:r>
+            <a:pPr marL="0" lvl="0" indent="0" algn="ctr" rtl="0">
+              <a:spcBef>
+                <a:spcPts val="0"/>
+              </a:spcBef>
+              <a:spcAft>
+                <a:spcPts val="0"/>
+              </a:spcAft>
+              <a:buNone/>
+            </a:pPr>
             <a:endParaRPr sz="700"/>
           </a:p>
         </p:txBody>
@@ -10286,23 +10218,20 @@
           </a:ln>
         </p:spPr>
         <p:txBody>
-          <a:bodyPr anchorCtr="0" anchor="ctr" bIns="91425" lIns="91425" spcFirstLastPara="1" rIns="91425" wrap="square" tIns="91425">
+          <a:bodyPr spcFirstLastPara="1" wrap="square" lIns="91425" tIns="91425" rIns="91425" bIns="91425" anchor="ctr" anchorCtr="0">
             <a:noAutofit/>
           </a:bodyPr>
           <a:lstStyle/>
           <a:p>
-            <a:pPr indent="0" lvl="0" marL="0" rtl="0" algn="ctr">
-              <a:spcBef>
-                <a:spcPts val="0"/>
-              </a:spcBef>
-              <a:spcAft>
-                <a:spcPts val="0"/>
-              </a:spcAft>
-              <a:buNone/>
-            </a:pPr>
-            <a:r>
-              <a:t/>
-            </a:r>
+            <a:pPr marL="0" lvl="0" indent="0" algn="ctr" rtl="0">
+              <a:spcBef>
+                <a:spcPts val="0"/>
+              </a:spcBef>
+              <a:spcAft>
+                <a:spcPts val="0"/>
+              </a:spcAft>
+              <a:buNone/>
+            </a:pPr>
             <a:endParaRPr sz="700"/>
           </a:p>
         </p:txBody>
@@ -10329,23 +10258,20 @@
           </a:ln>
         </p:spPr>
         <p:txBody>
-          <a:bodyPr anchorCtr="0" anchor="ctr" bIns="91425" lIns="91425" spcFirstLastPara="1" rIns="91425" wrap="square" tIns="91425">
+          <a:bodyPr spcFirstLastPara="1" wrap="square" lIns="91425" tIns="91425" rIns="91425" bIns="91425" anchor="ctr" anchorCtr="0">
             <a:noAutofit/>
           </a:bodyPr>
           <a:lstStyle/>
           <a:p>
-            <a:pPr indent="0" lvl="0" marL="0" rtl="0" algn="ctr">
-              <a:spcBef>
-                <a:spcPts val="0"/>
-              </a:spcBef>
-              <a:spcAft>
-                <a:spcPts val="0"/>
-              </a:spcAft>
-              <a:buNone/>
-            </a:pPr>
-            <a:r>
-              <a:t/>
-            </a:r>
+            <a:pPr marL="0" lvl="0" indent="0" algn="ctr" rtl="0">
+              <a:spcBef>
+                <a:spcPts val="0"/>
+              </a:spcBef>
+              <a:spcAft>
+                <a:spcPts val="0"/>
+              </a:spcAft>
+              <a:buNone/>
+            </a:pPr>
             <a:endParaRPr sz="700"/>
           </a:p>
         </p:txBody>
@@ -10359,11 +10285,11 @@
 </file>
 
 <file path=ppt/slides/slide5.xml><?xml version="1.0" encoding="utf-8"?>
-<p:sld xmlns:a="http://schemas.openxmlformats.org/drawingml/2006/main" xmlns:r="http://schemas.openxmlformats.org/officeDocument/2006/relationships" xmlns:mc="http://schemas.openxmlformats.org/markup-compatibility/2006" xmlns:mv="urn:schemas-microsoft-com:mac:vml" xmlns:p="http://schemas.openxmlformats.org/presentationml/2006/main" xmlns:c="http://schemas.openxmlformats.org/drawingml/2006/chart" xmlns:dgm="http://schemas.openxmlformats.org/drawingml/2006/diagram" xmlns:o="urn:schemas-microsoft-com:office:office" xmlns:v="urn:schemas-microsoft-com:vml" xmlns:pvml="urn:schemas-microsoft-com:office:powerpoint" xmlns:com="http://schemas.openxmlformats.org/drawingml/2006/compatibility" xmlns:p14="http://schemas.microsoft.com/office/powerpoint/2010/main" xmlns:p15="http://schemas.microsoft.com/office/powerpoint/2012/main" xmlns:ahyp="http://schemas.microsoft.com/office/drawing/2018/hyperlinkcolor">
+<p:sld xmlns:a="http://schemas.openxmlformats.org/drawingml/2006/main" xmlns:r="http://schemas.openxmlformats.org/officeDocument/2006/relationships" xmlns:p="http://schemas.openxmlformats.org/presentationml/2006/main">
   <p:cSld>
     <p:spTree>
       <p:nvGrpSpPr>
-        <p:cNvPr id="149" name="Shape 149"/>
+        <p:cNvPr id="1" name="Shape 149"/>
         <p:cNvGrpSpPr/>
         <p:nvPr/>
       </p:nvGrpSpPr>
@@ -10392,34 +10318,31 @@
           <a:solidFill>
             <a:schemeClr val="lt2"/>
           </a:solidFill>
-          <a:ln cap="flat" cmpd="sng" w="9525">
+          <a:ln w="9525" cap="flat" cmpd="sng">
             <a:solidFill>
               <a:schemeClr val="dk2"/>
             </a:solidFill>
             <a:prstDash val="solid"/>
             <a:round/>
-            <a:headEnd len="sm" w="sm" type="none"/>
-            <a:tailEnd len="sm" w="sm" type="none"/>
+            <a:headEnd type="none" w="sm" len="sm"/>
+            <a:tailEnd type="none" w="sm" len="sm"/>
           </a:ln>
         </p:spPr>
         <p:txBody>
-          <a:bodyPr anchorCtr="0" anchor="ctr" bIns="91425" lIns="91425" spcFirstLastPara="1" rIns="91425" wrap="square" tIns="91425">
+          <a:bodyPr spcFirstLastPara="1" wrap="square" lIns="91425" tIns="91425" rIns="91425" bIns="91425" anchor="ctr" anchorCtr="0">
             <a:noAutofit/>
           </a:bodyPr>
           <a:lstStyle/>
           <a:p>
-            <a:pPr indent="0" lvl="0" marL="0" rtl="0" algn="l">
-              <a:spcBef>
-                <a:spcPts val="0"/>
-              </a:spcBef>
-              <a:spcAft>
-                <a:spcPts val="0"/>
-              </a:spcAft>
-              <a:buNone/>
-            </a:pPr>
-            <a:r>
-              <a:t/>
-            </a:r>
+            <a:pPr marL="0" lvl="0" indent="0" algn="l" rtl="0">
+              <a:spcBef>
+                <a:spcPts val="0"/>
+              </a:spcBef>
+              <a:spcAft>
+                <a:spcPts val="0"/>
+              </a:spcAft>
+              <a:buNone/>
+            </a:pPr>
             <a:endParaRPr/>
           </a:p>
         </p:txBody>
@@ -10427,7 +10350,9 @@
       <p:sp>
         <p:nvSpPr>
           <p:cNvPr id="151" name="Google Shape;151;p17"/>
-          <p:cNvSpPr txBox="1"/>
+          <p:cNvSpPr txBox="1">
+            <a:spLocks noGrp="1"/>
+          </p:cNvSpPr>
           <p:nvPr>
             <p:ph type="title"/>
           </p:nvPr>
@@ -10442,12 +10367,12 @@
           </a:prstGeom>
         </p:spPr>
         <p:txBody>
-          <a:bodyPr anchorCtr="0" anchor="t" bIns="91425" lIns="91425" spcFirstLastPara="1" rIns="91425" wrap="square" tIns="91425">
+          <a:bodyPr spcFirstLastPara="1" wrap="square" lIns="91425" tIns="91425" rIns="91425" bIns="91425" anchor="t" anchorCtr="0">
             <a:normAutofit fontScale="90000"/>
           </a:bodyPr>
           <a:lstStyle/>
           <a:p>
-            <a:pPr indent="0" lvl="0" marL="0" rtl="0" algn="l">
+            <a:pPr marL="0" lvl="0" indent="0" algn="l" rtl="0">
               <a:spcBef>
                 <a:spcPts val="0"/>
               </a:spcBef>
@@ -10485,12 +10410,12 @@
           </a:ln>
         </p:spPr>
         <p:txBody>
-          <a:bodyPr anchorCtr="0" anchor="t" bIns="91425" lIns="91425" spcFirstLastPara="1" rIns="91425" wrap="square" tIns="91425">
+          <a:bodyPr spcFirstLastPara="1" wrap="square" lIns="91425" tIns="91425" rIns="91425" bIns="91425" anchor="t" anchorCtr="0">
             <a:spAutoFit/>
           </a:bodyPr>
           <a:lstStyle/>
           <a:p>
-            <a:pPr indent="0" lvl="0" marL="0" rtl="0" algn="l">
+            <a:pPr marL="0" lvl="0" indent="0" algn="l" rtl="0">
               <a:spcBef>
                 <a:spcPts val="0"/>
               </a:spcBef>
@@ -10527,12 +10452,12 @@
           </a:ln>
         </p:spPr>
         <p:txBody>
-          <a:bodyPr anchorCtr="0" anchor="t" bIns="91425" lIns="91425" spcFirstLastPara="1" rIns="91425" wrap="square" tIns="91425">
+          <a:bodyPr spcFirstLastPara="1" wrap="square" lIns="91425" tIns="91425" rIns="91425" bIns="91425" anchor="t" anchorCtr="0">
             <a:spAutoFit/>
           </a:bodyPr>
           <a:lstStyle/>
           <a:p>
-            <a:pPr indent="0" lvl="0" marL="0" rtl="0" algn="l">
+            <a:pPr marL="0" lvl="0" indent="0" algn="l" rtl="0">
               <a:spcBef>
                 <a:spcPts val="0"/>
               </a:spcBef>
@@ -10548,22 +10473,19 @@
             <a:endParaRPr/>
           </a:p>
           <a:p>
-            <a:pPr indent="0" lvl="0" marL="0" rtl="0" algn="l">
-              <a:spcBef>
-                <a:spcPts val="0"/>
-              </a:spcBef>
-              <a:spcAft>
-                <a:spcPts val="0"/>
-              </a:spcAft>
-              <a:buNone/>
-            </a:pPr>
-            <a:r>
-              <a:t/>
-            </a:r>
-            <a:endParaRPr/>
-          </a:p>
-          <a:p>
-            <a:pPr indent="-317500" lvl="0" marL="457200" rtl="0" algn="l">
+            <a:pPr marL="0" lvl="0" indent="0" algn="l" rtl="0">
+              <a:spcBef>
+                <a:spcPts val="0"/>
+              </a:spcBef>
+              <a:spcAft>
+                <a:spcPts val="0"/>
+              </a:spcAft>
+              <a:buNone/>
+            </a:pPr>
+            <a:endParaRPr/>
+          </a:p>
+          <a:p>
+            <a:pPr marL="457200" lvl="0" indent="-317500" algn="l" rtl="0">
               <a:spcBef>
                 <a:spcPts val="0"/>
               </a:spcBef>
@@ -10580,22 +10502,19 @@
             <a:endParaRPr/>
           </a:p>
           <a:p>
-            <a:pPr indent="0" lvl="0" marL="0" rtl="0" algn="l">
-              <a:spcBef>
-                <a:spcPts val="0"/>
-              </a:spcBef>
-              <a:spcAft>
-                <a:spcPts val="0"/>
-              </a:spcAft>
-              <a:buNone/>
-            </a:pPr>
-            <a:r>
-              <a:t/>
-            </a:r>
-            <a:endParaRPr/>
-          </a:p>
-          <a:p>
-            <a:pPr indent="-317500" lvl="0" marL="457200" rtl="0" algn="l">
+            <a:pPr marL="0" lvl="0" indent="0" algn="l" rtl="0">
+              <a:spcBef>
+                <a:spcPts val="0"/>
+              </a:spcBef>
+              <a:spcAft>
+                <a:spcPts val="0"/>
+              </a:spcAft>
+              <a:buNone/>
+            </a:pPr>
+            <a:endParaRPr/>
+          </a:p>
+          <a:p>
+            <a:pPr marL="457200" lvl="0" indent="-317500" algn="l" rtl="0">
               <a:spcBef>
                 <a:spcPts val="0"/>
               </a:spcBef>
@@ -10612,22 +10531,19 @@
             <a:endParaRPr/>
           </a:p>
           <a:p>
-            <a:pPr indent="0" lvl="0" marL="0" rtl="0" algn="l">
-              <a:spcBef>
-                <a:spcPts val="0"/>
-              </a:spcBef>
-              <a:spcAft>
-                <a:spcPts val="0"/>
-              </a:spcAft>
-              <a:buNone/>
-            </a:pPr>
-            <a:r>
-              <a:t/>
-            </a:r>
-            <a:endParaRPr/>
-          </a:p>
-          <a:p>
-            <a:pPr indent="-317500" lvl="0" marL="457200" rtl="0" algn="l">
+            <a:pPr marL="0" lvl="0" indent="0" algn="l" rtl="0">
+              <a:spcBef>
+                <a:spcPts val="0"/>
+              </a:spcBef>
+              <a:spcAft>
+                <a:spcPts val="0"/>
+              </a:spcAft>
+              <a:buNone/>
+            </a:pPr>
+            <a:endParaRPr/>
+          </a:p>
+          <a:p>
+            <a:pPr marL="457200" lvl="0" indent="-317500" algn="l" rtl="0">
               <a:spcBef>
                 <a:spcPts val="0"/>
               </a:spcBef>
@@ -10644,22 +10560,19 @@
             <a:endParaRPr/>
           </a:p>
           <a:p>
-            <a:pPr indent="0" lvl="0" marL="0" rtl="0" algn="l">
-              <a:spcBef>
-                <a:spcPts val="0"/>
-              </a:spcBef>
-              <a:spcAft>
-                <a:spcPts val="0"/>
-              </a:spcAft>
-              <a:buNone/>
-            </a:pPr>
-            <a:r>
-              <a:t/>
-            </a:r>
-            <a:endParaRPr/>
-          </a:p>
-          <a:p>
-            <a:pPr indent="-317500" lvl="0" marL="457200" rtl="0" algn="l">
+            <a:pPr marL="0" lvl="0" indent="0" algn="l" rtl="0">
+              <a:spcBef>
+                <a:spcPts val="0"/>
+              </a:spcBef>
+              <a:spcAft>
+                <a:spcPts val="0"/>
+              </a:spcAft>
+              <a:buNone/>
+            </a:pPr>
+            <a:endParaRPr/>
+          </a:p>
+          <a:p>
+            <a:pPr marL="457200" lvl="0" indent="-317500" algn="l" rtl="0">
               <a:spcBef>
                 <a:spcPts val="0"/>
               </a:spcBef>
@@ -10676,22 +10589,19 @@
             <a:endParaRPr/>
           </a:p>
           <a:p>
-            <a:pPr indent="0" lvl="0" marL="0" rtl="0" algn="l">
-              <a:spcBef>
-                <a:spcPts val="0"/>
-              </a:spcBef>
-              <a:spcAft>
-                <a:spcPts val="0"/>
-              </a:spcAft>
-              <a:buNone/>
-            </a:pPr>
-            <a:r>
-              <a:t/>
-            </a:r>
-            <a:endParaRPr/>
-          </a:p>
-          <a:p>
-            <a:pPr indent="-317500" lvl="0" marL="457200" rtl="0" algn="l">
+            <a:pPr marL="0" lvl="0" indent="0" algn="l" rtl="0">
+              <a:spcBef>
+                <a:spcPts val="0"/>
+              </a:spcBef>
+              <a:spcAft>
+                <a:spcPts val="0"/>
+              </a:spcAft>
+              <a:buNone/>
+            </a:pPr>
+            <a:endParaRPr/>
+          </a:p>
+          <a:p>
+            <a:pPr marL="457200" lvl="0" indent="-317500" algn="l" rtl="0">
               <a:spcBef>
                 <a:spcPts val="0"/>
               </a:spcBef>
@@ -10708,22 +10618,19 @@
             <a:endParaRPr/>
           </a:p>
           <a:p>
-            <a:pPr indent="0" lvl="0" marL="0" rtl="0" algn="l">
-              <a:spcBef>
-                <a:spcPts val="0"/>
-              </a:spcBef>
-              <a:spcAft>
-                <a:spcPts val="0"/>
-              </a:spcAft>
-              <a:buNone/>
-            </a:pPr>
-            <a:r>
-              <a:t/>
-            </a:r>
-            <a:endParaRPr/>
-          </a:p>
-          <a:p>
-            <a:pPr indent="-317500" lvl="0" marL="457200" rtl="0" algn="l">
+            <a:pPr marL="0" lvl="0" indent="0" algn="l" rtl="0">
+              <a:spcBef>
+                <a:spcPts val="0"/>
+              </a:spcBef>
+              <a:spcAft>
+                <a:spcPts val="0"/>
+              </a:spcAft>
+              <a:buNone/>
+            </a:pPr>
+            <a:endParaRPr/>
+          </a:p>
+          <a:p>
+            <a:pPr marL="457200" lvl="0" indent="-317500" algn="l" rtl="0">
               <a:spcBef>
                 <a:spcPts val="0"/>
               </a:spcBef>
@@ -10740,22 +10647,19 @@
             <a:endParaRPr/>
           </a:p>
           <a:p>
-            <a:pPr indent="0" lvl="0" marL="0" rtl="0" algn="l">
-              <a:spcBef>
-                <a:spcPts val="0"/>
-              </a:spcBef>
-              <a:spcAft>
-                <a:spcPts val="0"/>
-              </a:spcAft>
-              <a:buNone/>
-            </a:pPr>
-            <a:r>
-              <a:t/>
-            </a:r>
-            <a:endParaRPr/>
-          </a:p>
-          <a:p>
-            <a:pPr indent="-317500" lvl="0" marL="457200" rtl="0" algn="l">
+            <a:pPr marL="0" lvl="0" indent="0" algn="l" rtl="0">
+              <a:spcBef>
+                <a:spcPts val="0"/>
+              </a:spcBef>
+              <a:spcAft>
+                <a:spcPts val="0"/>
+              </a:spcAft>
+              <a:buNone/>
+            </a:pPr>
+            <a:endParaRPr/>
+          </a:p>
+          <a:p>
+            <a:pPr marL="457200" lvl="0" indent="-317500" algn="l" rtl="0">
               <a:spcBef>
                 <a:spcPts val="0"/>
               </a:spcBef>
@@ -10795,23 +10699,20 @@
           </a:ln>
         </p:spPr>
         <p:txBody>
-          <a:bodyPr anchorCtr="0" anchor="ctr" bIns="91425" lIns="91425" spcFirstLastPara="1" rIns="91425" wrap="square" tIns="91425">
+          <a:bodyPr spcFirstLastPara="1" wrap="square" lIns="91425" tIns="91425" rIns="91425" bIns="91425" anchor="ctr" anchorCtr="0">
             <a:noAutofit/>
           </a:bodyPr>
           <a:lstStyle/>
           <a:p>
-            <a:pPr indent="0" lvl="0" marL="0" rtl="0" algn="ctr">
-              <a:spcBef>
-                <a:spcPts val="0"/>
-              </a:spcBef>
-              <a:spcAft>
-                <a:spcPts val="0"/>
-              </a:spcAft>
-              <a:buNone/>
-            </a:pPr>
-            <a:r>
-              <a:t/>
-            </a:r>
+            <a:pPr marL="0" lvl="0" indent="0" algn="ctr" rtl="0">
+              <a:spcBef>
+                <a:spcPts val="0"/>
+              </a:spcBef>
+              <a:spcAft>
+                <a:spcPts val="0"/>
+              </a:spcAft>
+              <a:buNone/>
+            </a:pPr>
             <a:endParaRPr sz="700"/>
           </a:p>
         </p:txBody>
@@ -10838,23 +10739,20 @@
           </a:ln>
         </p:spPr>
         <p:txBody>
-          <a:bodyPr anchorCtr="0" anchor="ctr" bIns="91425" lIns="91425" spcFirstLastPara="1" rIns="91425" wrap="square" tIns="91425">
+          <a:bodyPr spcFirstLastPara="1" wrap="square" lIns="91425" tIns="91425" rIns="91425" bIns="91425" anchor="ctr" anchorCtr="0">
             <a:noAutofit/>
           </a:bodyPr>
           <a:lstStyle/>
           <a:p>
-            <a:pPr indent="0" lvl="0" marL="0" rtl="0" algn="ctr">
-              <a:spcBef>
-                <a:spcPts val="0"/>
-              </a:spcBef>
-              <a:spcAft>
-                <a:spcPts val="0"/>
-              </a:spcAft>
-              <a:buNone/>
-            </a:pPr>
-            <a:r>
-              <a:t/>
-            </a:r>
+            <a:pPr marL="0" lvl="0" indent="0" algn="ctr" rtl="0">
+              <a:spcBef>
+                <a:spcPts val="0"/>
+              </a:spcBef>
+              <a:spcAft>
+                <a:spcPts val="0"/>
+              </a:spcAft>
+              <a:buNone/>
+            </a:pPr>
             <a:endParaRPr sz="700"/>
           </a:p>
         </p:txBody>
@@ -10881,23 +10779,20 @@
           </a:ln>
         </p:spPr>
         <p:txBody>
-          <a:bodyPr anchorCtr="0" anchor="ctr" bIns="91425" lIns="91425" spcFirstLastPara="1" rIns="91425" wrap="square" tIns="91425">
+          <a:bodyPr spcFirstLastPara="1" wrap="square" lIns="91425" tIns="91425" rIns="91425" bIns="91425" anchor="ctr" anchorCtr="0">
             <a:noAutofit/>
           </a:bodyPr>
           <a:lstStyle/>
           <a:p>
-            <a:pPr indent="0" lvl="0" marL="0" rtl="0" algn="ctr">
-              <a:spcBef>
-                <a:spcPts val="0"/>
-              </a:spcBef>
-              <a:spcAft>
-                <a:spcPts val="0"/>
-              </a:spcAft>
-              <a:buNone/>
-            </a:pPr>
-            <a:r>
-              <a:t/>
-            </a:r>
+            <a:pPr marL="0" lvl="0" indent="0" algn="ctr" rtl="0">
+              <a:spcBef>
+                <a:spcPts val="0"/>
+              </a:spcBef>
+              <a:spcAft>
+                <a:spcPts val="0"/>
+              </a:spcAft>
+              <a:buNone/>
+            </a:pPr>
             <a:endParaRPr sz="700"/>
           </a:p>
         </p:txBody>
@@ -10924,23 +10819,20 @@
           </a:ln>
         </p:spPr>
         <p:txBody>
-          <a:bodyPr anchorCtr="0" anchor="ctr" bIns="91425" lIns="91425" spcFirstLastPara="1" rIns="91425" wrap="square" tIns="91425">
+          <a:bodyPr spcFirstLastPara="1" wrap="square" lIns="91425" tIns="91425" rIns="91425" bIns="91425" anchor="ctr" anchorCtr="0">
             <a:noAutofit/>
           </a:bodyPr>
           <a:lstStyle/>
           <a:p>
-            <a:pPr indent="0" lvl="0" marL="0" rtl="0" algn="l">
-              <a:spcBef>
-                <a:spcPts val="0"/>
-              </a:spcBef>
-              <a:spcAft>
-                <a:spcPts val="0"/>
-              </a:spcAft>
-              <a:buNone/>
-            </a:pPr>
-            <a:r>
-              <a:t/>
-            </a:r>
+            <a:pPr marL="0" lvl="0" indent="0" algn="l" rtl="0">
+              <a:spcBef>
+                <a:spcPts val="0"/>
+              </a:spcBef>
+              <a:spcAft>
+                <a:spcPts val="0"/>
+              </a:spcAft>
+              <a:buNone/>
+            </a:pPr>
             <a:endParaRPr sz="1000"/>
           </a:p>
         </p:txBody>
@@ -10965,12 +10857,12 @@
           </a:ln>
         </p:spPr>
         <p:txBody>
-          <a:bodyPr anchorCtr="0" anchor="t" bIns="91425" lIns="91425" spcFirstLastPara="1" rIns="91425" wrap="square" tIns="91425">
+          <a:bodyPr spcFirstLastPara="1" wrap="square" lIns="91425" tIns="91425" rIns="91425" bIns="91425" anchor="t" anchorCtr="0">
             <a:spAutoFit/>
           </a:bodyPr>
           <a:lstStyle/>
           <a:p>
-            <a:pPr indent="0" lvl="0" marL="0" rtl="0" algn="l">
+            <a:pPr marL="0" lvl="0" indent="0" algn="l" rtl="0">
               <a:spcBef>
                 <a:spcPts val="0"/>
               </a:spcBef>
@@ -11007,12 +10899,12 @@
           </a:ln>
         </p:spPr>
         <p:txBody>
-          <a:bodyPr anchorCtr="0" anchor="t" bIns="91425" lIns="91425" spcFirstLastPara="1" rIns="91425" wrap="square" tIns="91425">
+          <a:bodyPr spcFirstLastPara="1" wrap="square" lIns="91425" tIns="91425" rIns="91425" bIns="91425" anchor="t" anchorCtr="0">
             <a:spAutoFit/>
           </a:bodyPr>
           <a:lstStyle/>
           <a:p>
-            <a:pPr indent="0" lvl="0" marL="0" rtl="0" algn="l">
+            <a:pPr marL="0" lvl="0" indent="0" algn="l" rtl="0">
               <a:spcBef>
                 <a:spcPts val="0"/>
               </a:spcBef>
@@ -11051,23 +10943,20 @@
           </a:ln>
         </p:spPr>
         <p:txBody>
-          <a:bodyPr anchorCtr="0" anchor="ctr" bIns="91425" lIns="91425" spcFirstLastPara="1" rIns="91425" wrap="square" tIns="91425">
+          <a:bodyPr spcFirstLastPara="1" wrap="square" lIns="91425" tIns="91425" rIns="91425" bIns="91425" anchor="ctr" anchorCtr="0">
             <a:noAutofit/>
           </a:bodyPr>
           <a:lstStyle/>
           <a:p>
-            <a:pPr indent="0" lvl="0" marL="0" rtl="0" algn="ctr">
-              <a:spcBef>
-                <a:spcPts val="0"/>
-              </a:spcBef>
-              <a:spcAft>
-                <a:spcPts val="0"/>
-              </a:spcAft>
-              <a:buNone/>
-            </a:pPr>
-            <a:r>
-              <a:t/>
-            </a:r>
+            <a:pPr marL="0" lvl="0" indent="0" algn="ctr" rtl="0">
+              <a:spcBef>
+                <a:spcPts val="0"/>
+              </a:spcBef>
+              <a:spcAft>
+                <a:spcPts val="0"/>
+              </a:spcAft>
+              <a:buNone/>
+            </a:pPr>
             <a:endParaRPr sz="700"/>
           </a:p>
         </p:txBody>
@@ -11094,23 +10983,20 @@
           </a:ln>
         </p:spPr>
         <p:txBody>
-          <a:bodyPr anchorCtr="0" anchor="ctr" bIns="91425" lIns="91425" spcFirstLastPara="1" rIns="91425" wrap="square" tIns="91425">
+          <a:bodyPr spcFirstLastPara="1" wrap="square" lIns="91425" tIns="91425" rIns="91425" bIns="91425" anchor="ctr" anchorCtr="0">
             <a:noAutofit/>
           </a:bodyPr>
           <a:lstStyle/>
           <a:p>
-            <a:pPr indent="0" lvl="0" marL="0" rtl="0" algn="l">
-              <a:spcBef>
-                <a:spcPts val="0"/>
-              </a:spcBef>
-              <a:spcAft>
-                <a:spcPts val="0"/>
-              </a:spcAft>
-              <a:buNone/>
-            </a:pPr>
-            <a:r>
-              <a:t/>
-            </a:r>
+            <a:pPr marL="0" lvl="0" indent="0" algn="l" rtl="0">
+              <a:spcBef>
+                <a:spcPts val="0"/>
+              </a:spcBef>
+              <a:spcAft>
+                <a:spcPts val="0"/>
+              </a:spcAft>
+              <a:buNone/>
+            </a:pPr>
             <a:endParaRPr/>
           </a:p>
         </p:txBody>
@@ -11135,12 +11021,12 @@
           </a:ln>
         </p:spPr>
         <p:txBody>
-          <a:bodyPr anchorCtr="0" anchor="t" bIns="91425" lIns="91425" spcFirstLastPara="1" rIns="91425" wrap="square" tIns="91425">
+          <a:bodyPr spcFirstLastPara="1" wrap="square" lIns="91425" tIns="91425" rIns="91425" bIns="91425" anchor="t" anchorCtr="0">
             <a:spAutoFit/>
           </a:bodyPr>
           <a:lstStyle/>
           <a:p>
-            <a:pPr indent="0" lvl="0" marL="0" rtl="0" algn="l">
+            <a:pPr marL="0" lvl="0" indent="0" algn="l" rtl="0">
               <a:spcBef>
                 <a:spcPts val="0"/>
               </a:spcBef>
@@ -11179,23 +11065,20 @@
           </a:ln>
         </p:spPr>
         <p:txBody>
-          <a:bodyPr anchorCtr="0" anchor="ctr" bIns="91425" lIns="91425" spcFirstLastPara="1" rIns="91425" wrap="square" tIns="91425">
+          <a:bodyPr spcFirstLastPara="1" wrap="square" lIns="91425" tIns="91425" rIns="91425" bIns="91425" anchor="ctr" anchorCtr="0">
             <a:noAutofit/>
           </a:bodyPr>
           <a:lstStyle/>
           <a:p>
-            <a:pPr indent="0" lvl="0" marL="0" rtl="0" algn="l">
-              <a:spcBef>
-                <a:spcPts val="0"/>
-              </a:spcBef>
-              <a:spcAft>
-                <a:spcPts val="0"/>
-              </a:spcAft>
-              <a:buNone/>
-            </a:pPr>
-            <a:r>
-              <a:t/>
-            </a:r>
+            <a:pPr marL="0" lvl="0" indent="0" algn="l" rtl="0">
+              <a:spcBef>
+                <a:spcPts val="0"/>
+              </a:spcBef>
+              <a:spcAft>
+                <a:spcPts val="0"/>
+              </a:spcAft>
+              <a:buNone/>
+            </a:pPr>
             <a:endParaRPr sz="1000"/>
           </a:p>
         </p:txBody>
@@ -11220,12 +11103,12 @@
           </a:ln>
         </p:spPr>
         <p:txBody>
-          <a:bodyPr anchorCtr="0" anchor="t" bIns="91425" lIns="91425" spcFirstLastPara="1" rIns="91425" wrap="square" tIns="91425">
+          <a:bodyPr spcFirstLastPara="1" wrap="square" lIns="91425" tIns="91425" rIns="91425" bIns="91425" anchor="t" anchorCtr="0">
             <a:spAutoFit/>
           </a:bodyPr>
           <a:lstStyle/>
           <a:p>
-            <a:pPr indent="0" lvl="0" marL="0" rtl="0" algn="l">
+            <a:pPr marL="0" lvl="0" indent="0" algn="l" rtl="0">
               <a:spcBef>
                 <a:spcPts val="0"/>
               </a:spcBef>
@@ -11253,7 +11136,7 @@
             </a:endParaRPr>
           </a:p>
           <a:p>
-            <a:pPr indent="0" lvl="0" marL="0" rtl="0" algn="l">
+            <a:pPr marL="0" lvl="0" indent="0" algn="l" rtl="0">
               <a:spcBef>
                 <a:spcPts val="0"/>
               </a:spcBef>
@@ -11300,23 +11183,20 @@
           </a:ln>
         </p:spPr>
         <p:txBody>
-          <a:bodyPr anchorCtr="0" anchor="ctr" bIns="91425" lIns="91425" spcFirstLastPara="1" rIns="91425" wrap="square" tIns="91425">
+          <a:bodyPr spcFirstLastPara="1" wrap="square" lIns="91425" tIns="91425" rIns="91425" bIns="91425" anchor="ctr" anchorCtr="0">
             <a:noAutofit/>
           </a:bodyPr>
           <a:lstStyle/>
           <a:p>
-            <a:pPr indent="0" lvl="0" marL="0" rtl="0" algn="l">
-              <a:spcBef>
-                <a:spcPts val="0"/>
-              </a:spcBef>
-              <a:spcAft>
-                <a:spcPts val="0"/>
-              </a:spcAft>
-              <a:buNone/>
-            </a:pPr>
-            <a:r>
-              <a:t/>
-            </a:r>
+            <a:pPr marL="0" lvl="0" indent="0" algn="l" rtl="0">
+              <a:spcBef>
+                <a:spcPts val="0"/>
+              </a:spcBef>
+              <a:spcAft>
+                <a:spcPts val="0"/>
+              </a:spcAft>
+              <a:buNone/>
+            </a:pPr>
             <a:endParaRPr/>
           </a:p>
         </p:txBody>
@@ -11341,12 +11221,12 @@
           </a:ln>
         </p:spPr>
         <p:txBody>
-          <a:bodyPr anchorCtr="0" anchor="t" bIns="91425" lIns="91425" spcFirstLastPara="1" rIns="91425" wrap="square" tIns="91425">
+          <a:bodyPr spcFirstLastPara="1" wrap="square" lIns="91425" tIns="91425" rIns="91425" bIns="91425" anchor="t" anchorCtr="0">
             <a:spAutoFit/>
           </a:bodyPr>
           <a:lstStyle/>
           <a:p>
-            <a:pPr indent="0" lvl="0" marL="0" rtl="0" algn="l">
+            <a:pPr marL="0" lvl="0" indent="0" algn="l" rtl="0">
               <a:spcBef>
                 <a:spcPts val="0"/>
               </a:spcBef>
@@ -11357,11 +11237,7 @@
             </a:pPr>
             <a:r>
               <a:rPr lang="ko" sz="600"/>
-              <a:t>정화</a:t>
-            </a:r>
-            <a:r>
-              <a:rPr lang="ko" sz="600"/>
-              <a:t> 구역</a:t>
+              <a:t>정화 구역</a:t>
             </a:r>
             <a:endParaRPr sz="600"/>
           </a:p>
@@ -11389,23 +11265,20 @@
           </a:ln>
         </p:spPr>
         <p:txBody>
-          <a:bodyPr anchorCtr="0" anchor="ctr" bIns="91425" lIns="91425" spcFirstLastPara="1" rIns="91425" wrap="square" tIns="91425">
+          <a:bodyPr spcFirstLastPara="1" wrap="square" lIns="91425" tIns="91425" rIns="91425" bIns="91425" anchor="ctr" anchorCtr="0">
             <a:noAutofit/>
           </a:bodyPr>
           <a:lstStyle/>
           <a:p>
-            <a:pPr indent="0" lvl="0" marL="0" rtl="0" algn="l">
-              <a:spcBef>
-                <a:spcPts val="0"/>
-              </a:spcBef>
-              <a:spcAft>
-                <a:spcPts val="0"/>
-              </a:spcAft>
-              <a:buNone/>
-            </a:pPr>
-            <a:r>
-              <a:t/>
-            </a:r>
+            <a:pPr marL="0" lvl="0" indent="0" algn="l" rtl="0">
+              <a:spcBef>
+                <a:spcPts val="0"/>
+              </a:spcBef>
+              <a:spcAft>
+                <a:spcPts val="0"/>
+              </a:spcAft>
+              <a:buNone/>
+            </a:pPr>
             <a:endParaRPr/>
           </a:p>
         </p:txBody>
@@ -11432,23 +11305,20 @@
           </a:ln>
         </p:spPr>
         <p:txBody>
-          <a:bodyPr anchorCtr="0" anchor="ctr" bIns="91425" lIns="91425" spcFirstLastPara="1" rIns="91425" wrap="square" tIns="91425">
+          <a:bodyPr spcFirstLastPara="1" wrap="square" lIns="91425" tIns="91425" rIns="91425" bIns="91425" anchor="ctr" anchorCtr="0">
             <a:noAutofit/>
           </a:bodyPr>
           <a:lstStyle/>
           <a:p>
-            <a:pPr indent="0" lvl="0" marL="0" rtl="0" algn="l">
-              <a:spcBef>
-                <a:spcPts val="0"/>
-              </a:spcBef>
-              <a:spcAft>
-                <a:spcPts val="0"/>
-              </a:spcAft>
-              <a:buNone/>
-            </a:pPr>
-            <a:r>
-              <a:t/>
-            </a:r>
+            <a:pPr marL="0" lvl="0" indent="0" algn="l" rtl="0">
+              <a:spcBef>
+                <a:spcPts val="0"/>
+              </a:spcBef>
+              <a:spcAft>
+                <a:spcPts val="0"/>
+              </a:spcAft>
+              <a:buNone/>
+            </a:pPr>
             <a:endParaRPr/>
           </a:p>
         </p:txBody>
@@ -11475,23 +11345,20 @@
           </a:ln>
         </p:spPr>
         <p:txBody>
-          <a:bodyPr anchorCtr="0" anchor="ctr" bIns="91425" lIns="91425" spcFirstLastPara="1" rIns="91425" wrap="square" tIns="91425">
+          <a:bodyPr spcFirstLastPara="1" wrap="square" lIns="91425" tIns="91425" rIns="91425" bIns="91425" anchor="ctr" anchorCtr="0">
             <a:noAutofit/>
           </a:bodyPr>
           <a:lstStyle/>
           <a:p>
-            <a:pPr indent="0" lvl="0" marL="0" rtl="0" algn="l">
-              <a:spcBef>
-                <a:spcPts val="0"/>
-              </a:spcBef>
-              <a:spcAft>
-                <a:spcPts val="0"/>
-              </a:spcAft>
-              <a:buNone/>
-            </a:pPr>
-            <a:r>
-              <a:t/>
-            </a:r>
+            <a:pPr marL="0" lvl="0" indent="0" algn="l" rtl="0">
+              <a:spcBef>
+                <a:spcPts val="0"/>
+              </a:spcBef>
+              <a:spcAft>
+                <a:spcPts val="0"/>
+              </a:spcAft>
+              <a:buNone/>
+            </a:pPr>
             <a:endParaRPr/>
           </a:p>
         </p:txBody>
@@ -11518,23 +11385,20 @@
           </a:ln>
         </p:spPr>
         <p:txBody>
-          <a:bodyPr anchorCtr="0" anchor="ctr" bIns="91425" lIns="91425" spcFirstLastPara="1" rIns="91425" wrap="square" tIns="91425">
+          <a:bodyPr spcFirstLastPara="1" wrap="square" lIns="91425" tIns="91425" rIns="91425" bIns="91425" anchor="ctr" anchorCtr="0">
             <a:noAutofit/>
           </a:bodyPr>
           <a:lstStyle/>
           <a:p>
-            <a:pPr indent="0" lvl="0" marL="0" rtl="0" algn="l">
-              <a:spcBef>
-                <a:spcPts val="0"/>
-              </a:spcBef>
-              <a:spcAft>
-                <a:spcPts val="0"/>
-              </a:spcAft>
-              <a:buNone/>
-            </a:pPr>
-            <a:r>
-              <a:t/>
-            </a:r>
+            <a:pPr marL="0" lvl="0" indent="0" algn="l" rtl="0">
+              <a:spcBef>
+                <a:spcPts val="0"/>
+              </a:spcBef>
+              <a:spcAft>
+                <a:spcPts val="0"/>
+              </a:spcAft>
+              <a:buNone/>
+            </a:pPr>
             <a:endParaRPr/>
           </a:p>
         </p:txBody>
@@ -11561,23 +11425,20 @@
           </a:ln>
         </p:spPr>
         <p:txBody>
-          <a:bodyPr anchorCtr="0" anchor="ctr" bIns="91425" lIns="91425" spcFirstLastPara="1" rIns="91425" wrap="square" tIns="91425">
+          <a:bodyPr spcFirstLastPara="1" wrap="square" lIns="91425" tIns="91425" rIns="91425" bIns="91425" anchor="ctr" anchorCtr="0">
             <a:noAutofit/>
           </a:bodyPr>
           <a:lstStyle/>
           <a:p>
-            <a:pPr indent="0" lvl="0" marL="0" rtl="0" algn="l">
-              <a:spcBef>
-                <a:spcPts val="0"/>
-              </a:spcBef>
-              <a:spcAft>
-                <a:spcPts val="0"/>
-              </a:spcAft>
-              <a:buNone/>
-            </a:pPr>
-            <a:r>
-              <a:t/>
-            </a:r>
+            <a:pPr marL="0" lvl="0" indent="0" algn="l" rtl="0">
+              <a:spcBef>
+                <a:spcPts val="0"/>
+              </a:spcBef>
+              <a:spcAft>
+                <a:spcPts val="0"/>
+              </a:spcAft>
+              <a:buNone/>
+            </a:pPr>
             <a:endParaRPr/>
           </a:p>
         </p:txBody>
@@ -11604,23 +11465,20 @@
           </a:ln>
         </p:spPr>
         <p:txBody>
-          <a:bodyPr anchorCtr="0" anchor="ctr" bIns="91425" lIns="91425" spcFirstLastPara="1" rIns="91425" wrap="square" tIns="91425">
+          <a:bodyPr spcFirstLastPara="1" wrap="square" lIns="91425" tIns="91425" rIns="91425" bIns="91425" anchor="ctr" anchorCtr="0">
             <a:noAutofit/>
           </a:bodyPr>
           <a:lstStyle/>
           <a:p>
-            <a:pPr indent="0" lvl="0" marL="0" rtl="0" algn="l">
-              <a:spcBef>
-                <a:spcPts val="0"/>
-              </a:spcBef>
-              <a:spcAft>
-                <a:spcPts val="0"/>
-              </a:spcAft>
-              <a:buNone/>
-            </a:pPr>
-            <a:r>
-              <a:t/>
-            </a:r>
+            <a:pPr marL="0" lvl="0" indent="0" algn="l" rtl="0">
+              <a:spcBef>
+                <a:spcPts val="0"/>
+              </a:spcBef>
+              <a:spcAft>
+                <a:spcPts val="0"/>
+              </a:spcAft>
+              <a:buNone/>
+            </a:pPr>
             <a:endParaRPr/>
           </a:p>
         </p:txBody>
@@ -11647,23 +11505,20 @@
           </a:ln>
         </p:spPr>
         <p:txBody>
-          <a:bodyPr anchorCtr="0" anchor="ctr" bIns="91425" lIns="91425" spcFirstLastPara="1" rIns="91425" wrap="square" tIns="91425">
+          <a:bodyPr spcFirstLastPara="1" wrap="square" lIns="91425" tIns="91425" rIns="91425" bIns="91425" anchor="ctr" anchorCtr="0">
             <a:noAutofit/>
           </a:bodyPr>
           <a:lstStyle/>
           <a:p>
-            <a:pPr indent="0" lvl="0" marL="0" rtl="0" algn="l">
-              <a:spcBef>
-                <a:spcPts val="0"/>
-              </a:spcBef>
-              <a:spcAft>
-                <a:spcPts val="0"/>
-              </a:spcAft>
-              <a:buNone/>
-            </a:pPr>
-            <a:r>
-              <a:t/>
-            </a:r>
+            <a:pPr marL="0" lvl="0" indent="0" algn="l" rtl="0">
+              <a:spcBef>
+                <a:spcPts val="0"/>
+              </a:spcBef>
+              <a:spcAft>
+                <a:spcPts val="0"/>
+              </a:spcAft>
+              <a:buNone/>
+            </a:pPr>
             <a:endParaRPr/>
           </a:p>
         </p:txBody>
@@ -11690,23 +11545,20 @@
           </a:ln>
         </p:spPr>
         <p:txBody>
-          <a:bodyPr anchorCtr="0" anchor="ctr" bIns="91425" lIns="91425" spcFirstLastPara="1" rIns="91425" wrap="square" tIns="91425">
+          <a:bodyPr spcFirstLastPara="1" wrap="square" lIns="91425" tIns="91425" rIns="91425" bIns="91425" anchor="ctr" anchorCtr="0">
             <a:noAutofit/>
           </a:bodyPr>
           <a:lstStyle/>
           <a:p>
-            <a:pPr indent="0" lvl="0" marL="0" rtl="0" algn="ctr">
-              <a:spcBef>
-                <a:spcPts val="0"/>
-              </a:spcBef>
-              <a:spcAft>
-                <a:spcPts val="0"/>
-              </a:spcAft>
-              <a:buNone/>
-            </a:pPr>
-            <a:r>
-              <a:t/>
-            </a:r>
+            <a:pPr marL="0" lvl="0" indent="0" algn="ctr" rtl="0">
+              <a:spcBef>
+                <a:spcPts val="0"/>
+              </a:spcBef>
+              <a:spcAft>
+                <a:spcPts val="0"/>
+              </a:spcAft>
+              <a:buNone/>
+            </a:pPr>
             <a:endParaRPr sz="700"/>
           </a:p>
         </p:txBody>
@@ -11733,23 +11585,20 @@
           </a:ln>
         </p:spPr>
         <p:txBody>
-          <a:bodyPr anchorCtr="0" anchor="ctr" bIns="91425" lIns="91425" spcFirstLastPara="1" rIns="91425" wrap="square" tIns="91425">
+          <a:bodyPr spcFirstLastPara="1" wrap="square" lIns="91425" tIns="91425" rIns="91425" bIns="91425" anchor="ctr" anchorCtr="0">
             <a:noAutofit/>
           </a:bodyPr>
           <a:lstStyle/>
           <a:p>
-            <a:pPr indent="0" lvl="0" marL="0" rtl="0" algn="l">
-              <a:spcBef>
-                <a:spcPts val="0"/>
-              </a:spcBef>
-              <a:spcAft>
-                <a:spcPts val="0"/>
-              </a:spcAft>
-              <a:buNone/>
-            </a:pPr>
-            <a:r>
-              <a:t/>
-            </a:r>
+            <a:pPr marL="0" lvl="0" indent="0" algn="l" rtl="0">
+              <a:spcBef>
+                <a:spcPts val="0"/>
+              </a:spcBef>
+              <a:spcAft>
+                <a:spcPts val="0"/>
+              </a:spcAft>
+              <a:buNone/>
+            </a:pPr>
             <a:endParaRPr/>
           </a:p>
         </p:txBody>
@@ -11776,23 +11625,20 @@
           </a:ln>
         </p:spPr>
         <p:txBody>
-          <a:bodyPr anchorCtr="0" anchor="ctr" bIns="91425" lIns="91425" spcFirstLastPara="1" rIns="91425" wrap="square" tIns="91425">
+          <a:bodyPr spcFirstLastPara="1" wrap="square" lIns="91425" tIns="91425" rIns="91425" bIns="91425" anchor="ctr" anchorCtr="0">
             <a:noAutofit/>
           </a:bodyPr>
           <a:lstStyle/>
           <a:p>
-            <a:pPr indent="0" lvl="0" marL="0" rtl="0" algn="l">
-              <a:spcBef>
-                <a:spcPts val="0"/>
-              </a:spcBef>
-              <a:spcAft>
-                <a:spcPts val="0"/>
-              </a:spcAft>
-              <a:buNone/>
-            </a:pPr>
-            <a:r>
-              <a:t/>
-            </a:r>
+            <a:pPr marL="0" lvl="0" indent="0" algn="l" rtl="0">
+              <a:spcBef>
+                <a:spcPts val="0"/>
+              </a:spcBef>
+              <a:spcAft>
+                <a:spcPts val="0"/>
+              </a:spcAft>
+              <a:buNone/>
+            </a:pPr>
             <a:endParaRPr/>
           </a:p>
         </p:txBody>
@@ -11819,23 +11665,20 @@
           </a:ln>
         </p:spPr>
         <p:txBody>
-          <a:bodyPr anchorCtr="0" anchor="ctr" bIns="91425" lIns="91425" spcFirstLastPara="1" rIns="91425" wrap="square" tIns="91425">
+          <a:bodyPr spcFirstLastPara="1" wrap="square" lIns="91425" tIns="91425" rIns="91425" bIns="91425" anchor="ctr" anchorCtr="0">
             <a:noAutofit/>
           </a:bodyPr>
           <a:lstStyle/>
           <a:p>
-            <a:pPr indent="0" lvl="0" marL="0" rtl="0" algn="l">
-              <a:spcBef>
-                <a:spcPts val="0"/>
-              </a:spcBef>
-              <a:spcAft>
-                <a:spcPts val="0"/>
-              </a:spcAft>
-              <a:buNone/>
-            </a:pPr>
-            <a:r>
-              <a:t/>
-            </a:r>
+            <a:pPr marL="0" lvl="0" indent="0" algn="l" rtl="0">
+              <a:spcBef>
+                <a:spcPts val="0"/>
+              </a:spcBef>
+              <a:spcAft>
+                <a:spcPts val="0"/>
+              </a:spcAft>
+              <a:buNone/>
+            </a:pPr>
             <a:endParaRPr/>
           </a:p>
         </p:txBody>
@@ -11862,23 +11705,20 @@
           </a:ln>
         </p:spPr>
         <p:txBody>
-          <a:bodyPr anchorCtr="0" anchor="ctr" bIns="91425" lIns="91425" spcFirstLastPara="1" rIns="91425" wrap="square" tIns="91425">
+          <a:bodyPr spcFirstLastPara="1" wrap="square" lIns="91425" tIns="91425" rIns="91425" bIns="91425" anchor="ctr" anchorCtr="0">
             <a:noAutofit/>
           </a:bodyPr>
           <a:lstStyle/>
           <a:p>
-            <a:pPr indent="0" lvl="0" marL="0" rtl="0" algn="l">
-              <a:spcBef>
-                <a:spcPts val="0"/>
-              </a:spcBef>
-              <a:spcAft>
-                <a:spcPts val="0"/>
-              </a:spcAft>
-              <a:buNone/>
-            </a:pPr>
-            <a:r>
-              <a:t/>
-            </a:r>
+            <a:pPr marL="0" lvl="0" indent="0" algn="l" rtl="0">
+              <a:spcBef>
+                <a:spcPts val="0"/>
+              </a:spcBef>
+              <a:spcAft>
+                <a:spcPts val="0"/>
+              </a:spcAft>
+              <a:buNone/>
+            </a:pPr>
             <a:endParaRPr/>
           </a:p>
         </p:txBody>
@@ -11905,23 +11745,20 @@
           </a:ln>
         </p:spPr>
         <p:txBody>
-          <a:bodyPr anchorCtr="0" anchor="ctr" bIns="91425" lIns="91425" spcFirstLastPara="1" rIns="91425" wrap="square" tIns="91425">
+          <a:bodyPr spcFirstLastPara="1" wrap="square" lIns="91425" tIns="91425" rIns="91425" bIns="91425" anchor="ctr" anchorCtr="0">
             <a:noAutofit/>
           </a:bodyPr>
           <a:lstStyle/>
           <a:p>
-            <a:pPr indent="0" lvl="0" marL="0" rtl="0" algn="l">
-              <a:spcBef>
-                <a:spcPts val="0"/>
-              </a:spcBef>
-              <a:spcAft>
-                <a:spcPts val="0"/>
-              </a:spcAft>
-              <a:buNone/>
-            </a:pPr>
-            <a:r>
-              <a:t/>
-            </a:r>
+            <a:pPr marL="0" lvl="0" indent="0" algn="l" rtl="0">
+              <a:spcBef>
+                <a:spcPts val="0"/>
+              </a:spcBef>
+              <a:spcAft>
+                <a:spcPts val="0"/>
+              </a:spcAft>
+              <a:buNone/>
+            </a:pPr>
             <a:endParaRPr/>
           </a:p>
         </p:txBody>
@@ -11935,7 +11772,7 @@
 </file>
 
 <file path=ppt/theme/theme1.xml><?xml version="1.0" encoding="utf-8"?>
-<a:theme xmlns:a="http://schemas.openxmlformats.org/drawingml/2006/main" xmlns:r="http://schemas.openxmlformats.org/officeDocument/2006/relationships" name="Simple Light">
+<a:theme xmlns:a="http://schemas.openxmlformats.org/drawingml/2006/main" name="Simple Light">
   <a:themeElements>
     <a:clrScheme name="Simple Light">
       <a:dk1>
@@ -12210,11 +12047,13 @@
       </a:bgFillStyleLst>
     </a:fmtScheme>
   </a:themeElements>
+  <a:objectDefaults/>
+  <a:extraClrSchemeLst/>
 </a:theme>
 </file>
 
 <file path=ppt/theme/theme2.xml><?xml version="1.0" encoding="utf-8"?>
-<a:theme xmlns:a="http://schemas.openxmlformats.org/drawingml/2006/main" xmlns:r="http://schemas.openxmlformats.org/officeDocument/2006/relationships">
+<a:theme xmlns:a="http://schemas.openxmlformats.org/drawingml/2006/main">
   <a:themeElements>
     <a:clrScheme name="Default">
       <a:dk1>
@@ -12489,5 +12328,7 @@
       </a:bgFillStyleLst>
     </a:fmtScheme>
   </a:themeElements>
+  <a:objectDefaults/>
+  <a:extraClrSchemeLst/>
 </a:theme>
 </file>
--- a/Document/보스 기획서.pptx
+++ b/Document/보스 기획서.pptx
@@ -261,7 +261,7 @@
       </p15:sldGuideLst>
     </p:ext>
     <p:ext uri="http://customooxmlschemas.google.com/">
-      <go:slidesCustomData xmlns:go="http://customooxmlschemas.google.com/" xmlns:ahyp="http://schemas.microsoft.com/office/drawing/2018/hyperlinkcolor" xmlns:p15="http://schemas.microsoft.com/office/powerpoint/2012/main" xmlns:p14="http://schemas.microsoft.com/office/powerpoint/2010/main" xmlns:com="http://schemas.openxmlformats.org/drawingml/2006/compatibility" xmlns:pvml="urn:schemas-microsoft-com:office:powerpoint" xmlns:v="urn:schemas-microsoft-com:vml" xmlns:o="urn:schemas-microsoft-com:office:office" xmlns:dgm="http://schemas.openxmlformats.org/drawingml/2006/diagram" xmlns:c="http://schemas.openxmlformats.org/drawingml/2006/chart" xmlns:mv="urn:schemas-microsoft-com:mac:vml" xmlns:mc="http://schemas.openxmlformats.org/markup-compatibility/2006" xmlns="" r:id="rId11" roundtripDataSignature="AMtx7mio5qf2q5nP0q6KqZHj8YM+ItcATg=="/>
+      <go:slidesCustomData xmlns="" xmlns:mc="http://schemas.openxmlformats.org/markup-compatibility/2006" xmlns:mv="urn:schemas-microsoft-com:mac:vml" xmlns:c="http://schemas.openxmlformats.org/drawingml/2006/chart" xmlns:dgm="http://schemas.openxmlformats.org/drawingml/2006/diagram" xmlns:o="urn:schemas-microsoft-com:office:office" xmlns:v="urn:schemas-microsoft-com:vml" xmlns:pvml="urn:schemas-microsoft-com:office:powerpoint" xmlns:com="http://schemas.openxmlformats.org/drawingml/2006/compatibility" xmlns:p14="http://schemas.microsoft.com/office/powerpoint/2010/main" xmlns:p15="http://schemas.microsoft.com/office/powerpoint/2012/main" xmlns:ahyp="http://schemas.microsoft.com/office/drawing/2018/hyperlinkcolor" xmlns:go="http://customooxmlschemas.google.com/" r:id="rId11" roundtripDataSignature="AMtx7mio5qf2q5nP0q6KqZHj8YM+ItcATg=="/>
     </p:ext>
   </p:extLst>
 </p:presentation>
@@ -997,7 +997,7 @@
         </p:nvSpPr>
         <p:spPr>
           <a:xfrm>
-            <a:off x="381300" y="685800"/>
+            <a:off x="381000" y="685800"/>
             <a:ext cx="6096000" cy="3429000"/>
           </a:xfrm>
           <a:custGeom>
@@ -9783,68 +9783,6 @@
       </p:grpSpPr>
       <p:sp>
         <p:nvSpPr>
-          <p:cNvPr id="60" name="Google Shape;60;p2"/>
-          <p:cNvSpPr/>
-          <p:nvPr/>
-        </p:nvSpPr>
-        <p:spPr>
-          <a:xfrm>
-            <a:off x="196600" y="914400"/>
-            <a:ext cx="3314700" cy="3314700"/>
-          </a:xfrm>
-          <a:prstGeom prst="rect">
-            <a:avLst/>
-          </a:prstGeom>
-          <a:solidFill>
-            <a:schemeClr val="lt2"/>
-          </a:solidFill>
-          <a:ln w="9525" cap="flat" cmpd="sng">
-            <a:solidFill>
-              <a:schemeClr val="dk2"/>
-            </a:solidFill>
-            <a:prstDash val="solid"/>
-            <a:round/>
-            <a:headEnd type="none" w="sm" len="sm"/>
-            <a:tailEnd type="none" w="sm" len="sm"/>
-          </a:ln>
-        </p:spPr>
-        <p:txBody>
-          <a:bodyPr spcFirstLastPara="1" wrap="square" lIns="91425" tIns="91425" rIns="91425" bIns="91425" anchor="ctr" anchorCtr="0">
-            <a:noAutofit/>
-          </a:bodyPr>
-          <a:lstStyle/>
-          <a:p>
-            <a:pPr marL="0" marR="0" lvl="0" indent="0" algn="l" rtl="0">
-              <a:lnSpc>
-                <a:spcPct val="100000"/>
-              </a:lnSpc>
-              <a:spcBef>
-                <a:spcPts val="0"/>
-              </a:spcBef>
-              <a:spcAft>
-                <a:spcPts val="0"/>
-              </a:spcAft>
-              <a:buClr>
-                <a:srgbClr val="000000"/>
-              </a:buClr>
-              <a:buSzPts val="1400"/>
-              <a:buFont typeface="Arial"/>
-              <a:buNone/>
-            </a:pPr>
-            <a:endParaRPr sz="1400" b="0" i="0" u="none" strike="noStrike" cap="none">
-              <a:solidFill>
-                <a:srgbClr val="000000"/>
-              </a:solidFill>
-              <a:latin typeface="Arial"/>
-              <a:ea typeface="Arial"/>
-              <a:cs typeface="Arial"/>
-              <a:sym typeface="Arial"/>
-            </a:endParaRPr>
-          </a:p>
-        </p:txBody>
-      </p:sp>
-      <p:sp>
-        <p:nvSpPr>
           <p:cNvPr id="61" name="Google Shape;61;p2"/>
           <p:cNvSpPr txBox="1">
             <a:spLocks noGrp="1"/>
@@ -9890,548 +9828,6 @@
               <a:t>2번째 보스 첫번째 전멸기 - 지역탈출</a:t>
             </a:r>
             <a:endParaRPr sz="1320"/>
-          </a:p>
-        </p:txBody>
-      </p:sp>
-      <p:sp>
-        <p:nvSpPr>
-          <p:cNvPr id="62" name="Google Shape;62;p2"/>
-          <p:cNvSpPr/>
-          <p:nvPr/>
-        </p:nvSpPr>
-        <p:spPr>
-          <a:xfrm>
-            <a:off x="1522450" y="951000"/>
-            <a:ext cx="663000" cy="663000"/>
-          </a:xfrm>
-          <a:prstGeom prst="ellipse">
-            <a:avLst/>
-          </a:prstGeom>
-          <a:solidFill>
-            <a:srgbClr val="E06666"/>
-          </a:solidFill>
-          <a:ln>
-            <a:noFill/>
-          </a:ln>
-        </p:spPr>
-        <p:txBody>
-          <a:bodyPr spcFirstLastPara="1" wrap="square" lIns="91425" tIns="91425" rIns="91425" bIns="91425" anchor="ctr" anchorCtr="0">
-            <a:noAutofit/>
-          </a:bodyPr>
-          <a:lstStyle/>
-          <a:p>
-            <a:pPr marL="0" marR="0" lvl="0" indent="0" algn="l" rtl="0">
-              <a:lnSpc>
-                <a:spcPct val="100000"/>
-              </a:lnSpc>
-              <a:spcBef>
-                <a:spcPts val="0"/>
-              </a:spcBef>
-              <a:spcAft>
-                <a:spcPts val="0"/>
-              </a:spcAft>
-              <a:buClr>
-                <a:srgbClr val="000000"/>
-              </a:buClr>
-              <a:buSzPts val="1000"/>
-              <a:buFont typeface="Arial"/>
-              <a:buNone/>
-            </a:pPr>
-            <a:r>
-              <a:rPr lang="ko" sz="1000" b="0" i="0" u="none" strike="noStrike" cap="none">
-                <a:solidFill>
-                  <a:srgbClr val="000000"/>
-                </a:solidFill>
-                <a:latin typeface="Arial"/>
-                <a:ea typeface="Arial"/>
-                <a:cs typeface="Arial"/>
-                <a:sym typeface="Arial"/>
-              </a:rPr>
-              <a:t>보스</a:t>
-            </a:r>
-            <a:endParaRPr sz="1000" b="0" i="0" u="none" strike="noStrike" cap="none">
-              <a:solidFill>
-                <a:srgbClr val="000000"/>
-              </a:solidFill>
-              <a:latin typeface="Arial"/>
-              <a:ea typeface="Arial"/>
-              <a:cs typeface="Arial"/>
-              <a:sym typeface="Arial"/>
-            </a:endParaRPr>
-          </a:p>
-        </p:txBody>
-      </p:sp>
-      <p:sp>
-        <p:nvSpPr>
-          <p:cNvPr id="63" name="Google Shape;63;p2"/>
-          <p:cNvSpPr txBox="1"/>
-          <p:nvPr/>
-        </p:nvSpPr>
-        <p:spPr>
-          <a:xfrm>
-            <a:off x="196600" y="914400"/>
-            <a:ext cx="822900" cy="400200"/>
-          </a:xfrm>
-          <a:prstGeom prst="rect">
-            <a:avLst/>
-          </a:prstGeom>
-          <a:noFill/>
-          <a:ln>
-            <a:noFill/>
-          </a:ln>
-        </p:spPr>
-        <p:txBody>
-          <a:bodyPr spcFirstLastPara="1" wrap="square" lIns="91425" tIns="91425" rIns="91425" bIns="91425" anchor="t" anchorCtr="0">
-            <a:spAutoFit/>
-          </a:bodyPr>
-          <a:lstStyle/>
-          <a:p>
-            <a:pPr marL="0" marR="0" lvl="0" indent="0" algn="l" rtl="0">
-              <a:lnSpc>
-                <a:spcPct val="100000"/>
-              </a:lnSpc>
-              <a:spcBef>
-                <a:spcPts val="0"/>
-              </a:spcBef>
-              <a:spcAft>
-                <a:spcPts val="0"/>
-              </a:spcAft>
-              <a:buClr>
-                <a:srgbClr val="000000"/>
-              </a:buClr>
-              <a:buSzPts val="1400"/>
-              <a:buFont typeface="Arial"/>
-              <a:buNone/>
-            </a:pPr>
-            <a:r>
-              <a:rPr lang="ko" sz="1400" b="0" i="0" u="none" strike="noStrike" cap="none">
-                <a:solidFill>
-                  <a:srgbClr val="000000"/>
-                </a:solidFill>
-                <a:latin typeface="Arial"/>
-                <a:ea typeface="Arial"/>
-                <a:cs typeface="Arial"/>
-                <a:sym typeface="Arial"/>
-              </a:rPr>
-              <a:t>보스방</a:t>
-            </a:r>
-            <a:endParaRPr sz="1400" b="0" i="0" u="none" strike="noStrike" cap="none">
-              <a:solidFill>
-                <a:srgbClr val="000000"/>
-              </a:solidFill>
-              <a:latin typeface="Arial"/>
-              <a:ea typeface="Arial"/>
-              <a:cs typeface="Arial"/>
-              <a:sym typeface="Arial"/>
-            </a:endParaRPr>
-          </a:p>
-        </p:txBody>
-      </p:sp>
-      <p:sp>
-        <p:nvSpPr>
-          <p:cNvPr id="64" name="Google Shape;64;p2"/>
-          <p:cNvSpPr/>
-          <p:nvPr/>
-        </p:nvSpPr>
-        <p:spPr>
-          <a:xfrm>
-            <a:off x="196600" y="3780900"/>
-            <a:ext cx="3314700" cy="448200"/>
-          </a:xfrm>
-          <a:prstGeom prst="rect">
-            <a:avLst/>
-          </a:prstGeom>
-          <a:solidFill>
-            <a:srgbClr val="4A86E8"/>
-          </a:solidFill>
-          <a:ln>
-            <a:noFill/>
-          </a:ln>
-        </p:spPr>
-        <p:txBody>
-          <a:bodyPr spcFirstLastPara="1" wrap="square" lIns="91425" tIns="91425" rIns="91425" bIns="91425" anchor="ctr" anchorCtr="0">
-            <a:noAutofit/>
-          </a:bodyPr>
-          <a:lstStyle/>
-          <a:p>
-            <a:pPr marL="0" marR="0" lvl="0" indent="0" algn="ctr" rtl="0">
-              <a:lnSpc>
-                <a:spcPct val="100000"/>
-              </a:lnSpc>
-              <a:spcBef>
-                <a:spcPts val="0"/>
-              </a:spcBef>
-              <a:spcAft>
-                <a:spcPts val="0"/>
-              </a:spcAft>
-              <a:buClr>
-                <a:srgbClr val="000000"/>
-              </a:buClr>
-              <a:buSzPts val="1400"/>
-              <a:buFont typeface="Arial"/>
-              <a:buNone/>
-            </a:pPr>
-            <a:r>
-              <a:rPr lang="ko" sz="1400" b="0" i="0" u="none" strike="noStrike" cap="none">
-                <a:solidFill>
-                  <a:srgbClr val="000000"/>
-                </a:solidFill>
-                <a:latin typeface="Arial"/>
-                <a:ea typeface="Arial"/>
-                <a:cs typeface="Arial"/>
-                <a:sym typeface="Arial"/>
-              </a:rPr>
-              <a:t>안전구역</a:t>
-            </a:r>
-            <a:endParaRPr sz="1400" b="0" i="0" u="none" strike="noStrike" cap="none">
-              <a:solidFill>
-                <a:srgbClr val="000000"/>
-              </a:solidFill>
-              <a:latin typeface="Arial"/>
-              <a:ea typeface="Arial"/>
-              <a:cs typeface="Arial"/>
-              <a:sym typeface="Arial"/>
-            </a:endParaRPr>
-          </a:p>
-        </p:txBody>
-      </p:sp>
-      <p:sp>
-        <p:nvSpPr>
-          <p:cNvPr id="65" name="Google Shape;65;p2"/>
-          <p:cNvSpPr/>
-          <p:nvPr/>
-        </p:nvSpPr>
-        <p:spPr>
-          <a:xfrm>
-            <a:off x="1364800" y="1773925"/>
-            <a:ext cx="978300" cy="400200"/>
-          </a:xfrm>
-          <a:prstGeom prst="rect">
-            <a:avLst/>
-          </a:prstGeom>
-          <a:solidFill>
-            <a:srgbClr val="434343"/>
-          </a:solidFill>
-          <a:ln>
-            <a:noFill/>
-          </a:ln>
-        </p:spPr>
-        <p:txBody>
-          <a:bodyPr spcFirstLastPara="1" wrap="square" lIns="91425" tIns="91425" rIns="91425" bIns="91425" anchor="ctr" anchorCtr="0">
-            <a:noAutofit/>
-          </a:bodyPr>
-          <a:lstStyle/>
-          <a:p>
-            <a:pPr marL="0" marR="0" lvl="0" indent="0" algn="ctr" rtl="0">
-              <a:lnSpc>
-                <a:spcPct val="100000"/>
-              </a:lnSpc>
-              <a:spcBef>
-                <a:spcPts val="0"/>
-              </a:spcBef>
-              <a:spcAft>
-                <a:spcPts val="0"/>
-              </a:spcAft>
-              <a:buClr>
-                <a:srgbClr val="000000"/>
-              </a:buClr>
-              <a:buSzPts val="1400"/>
-              <a:buFont typeface="Arial"/>
-              <a:buNone/>
-            </a:pPr>
-            <a:r>
-              <a:rPr lang="ko" sz="1400" b="0" i="0" u="none" strike="noStrike" cap="none">
-                <a:solidFill>
-                  <a:srgbClr val="FFFFFF"/>
-                </a:solidFill>
-                <a:latin typeface="Arial"/>
-                <a:ea typeface="Arial"/>
-                <a:cs typeface="Arial"/>
-                <a:sym typeface="Arial"/>
-              </a:rPr>
-              <a:t>장애물</a:t>
-            </a:r>
-            <a:endParaRPr sz="1400" b="0" i="0" u="none" strike="noStrike" cap="none">
-              <a:solidFill>
-                <a:srgbClr val="FFFFFF"/>
-              </a:solidFill>
-              <a:latin typeface="Arial"/>
-              <a:ea typeface="Arial"/>
-              <a:cs typeface="Arial"/>
-              <a:sym typeface="Arial"/>
-            </a:endParaRPr>
-          </a:p>
-        </p:txBody>
-      </p:sp>
-      <p:sp>
-        <p:nvSpPr>
-          <p:cNvPr id="66" name="Google Shape;66;p2"/>
-          <p:cNvSpPr/>
-          <p:nvPr/>
-        </p:nvSpPr>
-        <p:spPr>
-          <a:xfrm>
-            <a:off x="278200" y="2392675"/>
-            <a:ext cx="978300" cy="400200"/>
-          </a:xfrm>
-          <a:prstGeom prst="rect">
-            <a:avLst/>
-          </a:prstGeom>
-          <a:solidFill>
-            <a:srgbClr val="434343"/>
-          </a:solidFill>
-          <a:ln>
-            <a:noFill/>
-          </a:ln>
-        </p:spPr>
-        <p:txBody>
-          <a:bodyPr spcFirstLastPara="1" wrap="square" lIns="91425" tIns="91425" rIns="91425" bIns="91425" anchor="ctr" anchorCtr="0">
-            <a:noAutofit/>
-          </a:bodyPr>
-          <a:lstStyle/>
-          <a:p>
-            <a:pPr marL="0" marR="0" lvl="0" indent="0" algn="ctr" rtl="0">
-              <a:lnSpc>
-                <a:spcPct val="100000"/>
-              </a:lnSpc>
-              <a:spcBef>
-                <a:spcPts val="0"/>
-              </a:spcBef>
-              <a:spcAft>
-                <a:spcPts val="0"/>
-              </a:spcAft>
-              <a:buClr>
-                <a:srgbClr val="000000"/>
-              </a:buClr>
-              <a:buSzPts val="1400"/>
-              <a:buFont typeface="Arial"/>
-              <a:buNone/>
-            </a:pPr>
-            <a:r>
-              <a:rPr lang="ko" sz="1400" b="0" i="0" u="none" strike="noStrike" cap="none">
-                <a:solidFill>
-                  <a:srgbClr val="FFFFFF"/>
-                </a:solidFill>
-                <a:latin typeface="Arial"/>
-                <a:ea typeface="Arial"/>
-                <a:cs typeface="Arial"/>
-                <a:sym typeface="Arial"/>
-              </a:rPr>
-              <a:t>장애물</a:t>
-            </a:r>
-            <a:endParaRPr sz="1400" b="0" i="0" u="none" strike="noStrike" cap="none">
-              <a:solidFill>
-                <a:srgbClr val="FFFFFF"/>
-              </a:solidFill>
-              <a:latin typeface="Arial"/>
-              <a:ea typeface="Arial"/>
-              <a:cs typeface="Arial"/>
-              <a:sym typeface="Arial"/>
-            </a:endParaRPr>
-          </a:p>
-        </p:txBody>
-      </p:sp>
-      <p:sp>
-        <p:nvSpPr>
-          <p:cNvPr id="67" name="Google Shape;67;p2"/>
-          <p:cNvSpPr/>
-          <p:nvPr/>
-        </p:nvSpPr>
-        <p:spPr>
-          <a:xfrm>
-            <a:off x="645475" y="3086788"/>
-            <a:ext cx="978300" cy="400200"/>
-          </a:xfrm>
-          <a:prstGeom prst="rect">
-            <a:avLst/>
-          </a:prstGeom>
-          <a:solidFill>
-            <a:srgbClr val="434343"/>
-          </a:solidFill>
-          <a:ln>
-            <a:noFill/>
-          </a:ln>
-        </p:spPr>
-        <p:txBody>
-          <a:bodyPr spcFirstLastPara="1" wrap="square" lIns="91425" tIns="91425" rIns="91425" bIns="91425" anchor="ctr" anchorCtr="0">
-            <a:noAutofit/>
-          </a:bodyPr>
-          <a:lstStyle/>
-          <a:p>
-            <a:pPr marL="0" marR="0" lvl="0" indent="0" algn="ctr" rtl="0">
-              <a:lnSpc>
-                <a:spcPct val="100000"/>
-              </a:lnSpc>
-              <a:spcBef>
-                <a:spcPts val="0"/>
-              </a:spcBef>
-              <a:spcAft>
-                <a:spcPts val="0"/>
-              </a:spcAft>
-              <a:buClr>
-                <a:srgbClr val="000000"/>
-              </a:buClr>
-              <a:buSzPts val="1400"/>
-              <a:buFont typeface="Arial"/>
-              <a:buNone/>
-            </a:pPr>
-            <a:r>
-              <a:rPr lang="ko" sz="1400" b="0" i="0" u="none" strike="noStrike" cap="none">
-                <a:solidFill>
-                  <a:srgbClr val="FFFFFF"/>
-                </a:solidFill>
-                <a:latin typeface="Arial"/>
-                <a:ea typeface="Arial"/>
-                <a:cs typeface="Arial"/>
-                <a:sym typeface="Arial"/>
-              </a:rPr>
-              <a:t>장애물</a:t>
-            </a:r>
-            <a:endParaRPr sz="1400" b="0" i="0" u="none" strike="noStrike" cap="none">
-              <a:solidFill>
-                <a:srgbClr val="FFFFFF"/>
-              </a:solidFill>
-              <a:latin typeface="Arial"/>
-              <a:ea typeface="Arial"/>
-              <a:cs typeface="Arial"/>
-              <a:sym typeface="Arial"/>
-            </a:endParaRPr>
-          </a:p>
-        </p:txBody>
-      </p:sp>
-      <p:sp>
-        <p:nvSpPr>
-          <p:cNvPr id="68" name="Google Shape;68;p2"/>
-          <p:cNvSpPr/>
-          <p:nvPr/>
-        </p:nvSpPr>
-        <p:spPr>
-          <a:xfrm>
-            <a:off x="1785425" y="3273575"/>
-            <a:ext cx="978300" cy="400200"/>
-          </a:xfrm>
-          <a:prstGeom prst="rect">
-            <a:avLst/>
-          </a:prstGeom>
-          <a:solidFill>
-            <a:srgbClr val="434343"/>
-          </a:solidFill>
-          <a:ln>
-            <a:noFill/>
-          </a:ln>
-        </p:spPr>
-        <p:txBody>
-          <a:bodyPr spcFirstLastPara="1" wrap="square" lIns="91425" tIns="91425" rIns="91425" bIns="91425" anchor="ctr" anchorCtr="0">
-            <a:noAutofit/>
-          </a:bodyPr>
-          <a:lstStyle/>
-          <a:p>
-            <a:pPr marL="0" marR="0" lvl="0" indent="0" algn="ctr" rtl="0">
-              <a:lnSpc>
-                <a:spcPct val="100000"/>
-              </a:lnSpc>
-              <a:spcBef>
-                <a:spcPts val="0"/>
-              </a:spcBef>
-              <a:spcAft>
-                <a:spcPts val="0"/>
-              </a:spcAft>
-              <a:buClr>
-                <a:srgbClr val="000000"/>
-              </a:buClr>
-              <a:buSzPts val="1400"/>
-              <a:buFont typeface="Arial"/>
-              <a:buNone/>
-            </a:pPr>
-            <a:r>
-              <a:rPr lang="ko" sz="1400" b="0" i="0" u="none" strike="noStrike" cap="none">
-                <a:solidFill>
-                  <a:srgbClr val="FFFFFF"/>
-                </a:solidFill>
-                <a:latin typeface="Arial"/>
-                <a:ea typeface="Arial"/>
-                <a:cs typeface="Arial"/>
-                <a:sym typeface="Arial"/>
-              </a:rPr>
-              <a:t>장애물</a:t>
-            </a:r>
-            <a:endParaRPr sz="1400" b="0" i="0" u="none" strike="noStrike" cap="none">
-              <a:solidFill>
-                <a:srgbClr val="FFFFFF"/>
-              </a:solidFill>
-              <a:latin typeface="Arial"/>
-              <a:ea typeface="Arial"/>
-              <a:cs typeface="Arial"/>
-              <a:sym typeface="Arial"/>
-            </a:endParaRPr>
-          </a:p>
-        </p:txBody>
-      </p:sp>
-      <p:sp>
-        <p:nvSpPr>
-          <p:cNvPr id="69" name="Google Shape;69;p2"/>
-          <p:cNvSpPr/>
-          <p:nvPr/>
-        </p:nvSpPr>
-        <p:spPr>
-          <a:xfrm>
-            <a:off x="2139000" y="2304288"/>
-            <a:ext cx="978300" cy="400200"/>
-          </a:xfrm>
-          <a:prstGeom prst="rect">
-            <a:avLst/>
-          </a:prstGeom>
-          <a:solidFill>
-            <a:srgbClr val="434343"/>
-          </a:solidFill>
-          <a:ln>
-            <a:noFill/>
-          </a:ln>
-        </p:spPr>
-        <p:txBody>
-          <a:bodyPr spcFirstLastPara="1" wrap="square" lIns="91425" tIns="91425" rIns="91425" bIns="91425" anchor="ctr" anchorCtr="0">
-            <a:noAutofit/>
-          </a:bodyPr>
-          <a:lstStyle/>
-          <a:p>
-            <a:pPr marL="0" marR="0" lvl="0" indent="0" algn="ctr" rtl="0">
-              <a:lnSpc>
-                <a:spcPct val="100000"/>
-              </a:lnSpc>
-              <a:spcBef>
-                <a:spcPts val="0"/>
-              </a:spcBef>
-              <a:spcAft>
-                <a:spcPts val="0"/>
-              </a:spcAft>
-              <a:buClr>
-                <a:srgbClr val="000000"/>
-              </a:buClr>
-              <a:buSzPts val="1400"/>
-              <a:buFont typeface="Arial"/>
-              <a:buNone/>
-            </a:pPr>
-            <a:r>
-              <a:rPr lang="ko" sz="1400" b="0" i="0" u="none" strike="noStrike" cap="none">
-                <a:solidFill>
-                  <a:srgbClr val="FFFFFF"/>
-                </a:solidFill>
-                <a:latin typeface="Arial"/>
-                <a:ea typeface="Arial"/>
-                <a:cs typeface="Arial"/>
-                <a:sym typeface="Arial"/>
-              </a:rPr>
-              <a:t>장애물</a:t>
-            </a:r>
-            <a:endParaRPr sz="1400" b="0" i="0" u="none" strike="noStrike" cap="none">
-              <a:solidFill>
-                <a:srgbClr val="FFFFFF"/>
-              </a:solidFill>
-              <a:latin typeface="Arial"/>
-              <a:ea typeface="Arial"/>
-              <a:cs typeface="Arial"/>
-              <a:sym typeface="Arial"/>
-            </a:endParaRPr>
           </a:p>
         </p:txBody>
       </p:sp>
@@ -10979,13 +10375,13 @@
       </p:sp>
       <p:sp>
         <p:nvSpPr>
-          <p:cNvPr id="71" name="Google Shape;71;p2"/>
+          <p:cNvPr id="72" name="Google Shape;72;p2"/>
           <p:cNvSpPr/>
           <p:nvPr/>
         </p:nvSpPr>
         <p:spPr>
           <a:xfrm>
-            <a:off x="937250" y="1314600"/>
+            <a:off x="3792350" y="1624636"/>
             <a:ext cx="261600" cy="261600"/>
           </a:xfrm>
           <a:prstGeom prst="ellipse">
@@ -11033,268 +10429,893 @@
           </a:p>
         </p:txBody>
       </p:sp>
-      <p:sp>
-        <p:nvSpPr>
-          <p:cNvPr id="72" name="Google Shape;72;p2"/>
-          <p:cNvSpPr/>
+      <p:grpSp>
+        <p:nvGrpSpPr>
+          <p:cNvPr id="2" name="그룹 1">
+            <a:extLst>
+              <a:ext uri="{FF2B5EF4-FFF2-40B4-BE49-F238E27FC236}">
+                <a16:creationId xmlns:a16="http://schemas.microsoft.com/office/drawing/2014/main" id="{559A083A-4AAB-A161-CBF6-33E3BF82F286}"/>
+              </a:ext>
+            </a:extLst>
+          </p:cNvPr>
+          <p:cNvGrpSpPr/>
           <p:nvPr/>
-        </p:nvSpPr>
-        <p:spPr>
+        </p:nvGrpSpPr>
+        <p:grpSpPr>
           <a:xfrm>
-            <a:off x="1256500" y="1467000"/>
-            <a:ext cx="261600" cy="261600"/>
+            <a:off x="196600" y="626400"/>
+            <a:ext cx="3314700" cy="3602700"/>
+            <a:chOff x="196600" y="626400"/>
+            <a:chExt cx="3314700" cy="3602700"/>
           </a:xfrm>
-          <a:prstGeom prst="ellipse">
-            <a:avLst/>
-          </a:prstGeom>
-          <a:solidFill>
-            <a:schemeClr val="accent1"/>
-          </a:solidFill>
-          <a:ln>
+        </p:grpSpPr>
+        <p:sp>
+          <p:nvSpPr>
+            <p:cNvPr id="60" name="Google Shape;60;p2"/>
+            <p:cNvSpPr/>
+            <p:nvPr/>
+          </p:nvSpPr>
+          <p:spPr>
+            <a:xfrm>
+              <a:off x="196600" y="914400"/>
+              <a:ext cx="3314700" cy="3314700"/>
+            </a:xfrm>
+            <a:prstGeom prst="rect">
+              <a:avLst/>
+            </a:prstGeom>
+            <a:solidFill>
+              <a:schemeClr val="lt2"/>
+            </a:solidFill>
+            <a:ln w="9525" cap="flat" cmpd="sng">
+              <a:solidFill>
+                <a:schemeClr val="dk2"/>
+              </a:solidFill>
+              <a:prstDash val="solid"/>
+              <a:round/>
+              <a:headEnd type="none" w="sm" len="sm"/>
+              <a:tailEnd type="none" w="sm" len="sm"/>
+            </a:ln>
+          </p:spPr>
+          <p:txBody>
+            <a:bodyPr spcFirstLastPara="1" wrap="square" lIns="91425" tIns="91425" rIns="91425" bIns="91425" anchor="ctr" anchorCtr="0">
+              <a:noAutofit/>
+            </a:bodyPr>
+            <a:lstStyle/>
+            <a:p>
+              <a:pPr marL="0" marR="0" lvl="0" indent="0" algn="l" rtl="0">
+                <a:lnSpc>
+                  <a:spcPct val="100000"/>
+                </a:lnSpc>
+                <a:spcBef>
+                  <a:spcPts val="0"/>
+                </a:spcBef>
+                <a:spcAft>
+                  <a:spcPts val="0"/>
+                </a:spcAft>
+                <a:buClr>
+                  <a:srgbClr val="000000"/>
+                </a:buClr>
+                <a:buSzPts val="1400"/>
+                <a:buFont typeface="Arial"/>
+                <a:buNone/>
+              </a:pPr>
+              <a:endParaRPr sz="1400" b="0" i="0" u="none" strike="noStrike" cap="none">
+                <a:solidFill>
+                  <a:srgbClr val="000000"/>
+                </a:solidFill>
+                <a:latin typeface="Arial"/>
+                <a:ea typeface="Arial"/>
+                <a:cs typeface="Arial"/>
+                <a:sym typeface="Arial"/>
+              </a:endParaRPr>
+            </a:p>
+          </p:txBody>
+        </p:sp>
+        <p:sp>
+          <p:nvSpPr>
+            <p:cNvPr id="62" name="Google Shape;62;p2"/>
+            <p:cNvSpPr/>
+            <p:nvPr/>
+          </p:nvSpPr>
+          <p:spPr>
+            <a:xfrm>
+              <a:off x="1522450" y="951000"/>
+              <a:ext cx="663000" cy="663000"/>
+            </a:xfrm>
+            <a:prstGeom prst="ellipse">
+              <a:avLst/>
+            </a:prstGeom>
+            <a:solidFill>
+              <a:srgbClr val="E06666"/>
+            </a:solidFill>
+            <a:ln>
+              <a:noFill/>
+            </a:ln>
+          </p:spPr>
+          <p:txBody>
+            <a:bodyPr spcFirstLastPara="1" wrap="square" lIns="91425" tIns="91425" rIns="91425" bIns="91425" anchor="ctr" anchorCtr="0">
+              <a:noAutofit/>
+            </a:bodyPr>
+            <a:lstStyle/>
+            <a:p>
+              <a:pPr marL="0" marR="0" lvl="0" indent="0" algn="l" rtl="0">
+                <a:lnSpc>
+                  <a:spcPct val="100000"/>
+                </a:lnSpc>
+                <a:spcBef>
+                  <a:spcPts val="0"/>
+                </a:spcBef>
+                <a:spcAft>
+                  <a:spcPts val="0"/>
+                </a:spcAft>
+                <a:buClr>
+                  <a:srgbClr val="000000"/>
+                </a:buClr>
+                <a:buSzPts val="1000"/>
+                <a:buFont typeface="Arial"/>
+                <a:buNone/>
+              </a:pPr>
+              <a:r>
+                <a:rPr lang="ko" sz="1000" b="0" i="0" u="none" strike="noStrike" cap="none">
+                  <a:solidFill>
+                    <a:srgbClr val="000000"/>
+                  </a:solidFill>
+                  <a:latin typeface="Arial"/>
+                  <a:ea typeface="Arial"/>
+                  <a:cs typeface="Arial"/>
+                  <a:sym typeface="Arial"/>
+                </a:rPr>
+                <a:t>보스</a:t>
+              </a:r>
+              <a:endParaRPr sz="1000" b="0" i="0" u="none" strike="noStrike" cap="none">
+                <a:solidFill>
+                  <a:srgbClr val="000000"/>
+                </a:solidFill>
+                <a:latin typeface="Arial"/>
+                <a:ea typeface="Arial"/>
+                <a:cs typeface="Arial"/>
+                <a:sym typeface="Arial"/>
+              </a:endParaRPr>
+            </a:p>
+          </p:txBody>
+        </p:sp>
+        <p:sp>
+          <p:nvSpPr>
+            <p:cNvPr id="63" name="Google Shape;63;p2"/>
+            <p:cNvSpPr txBox="1"/>
+            <p:nvPr/>
+          </p:nvSpPr>
+          <p:spPr>
+            <a:xfrm>
+              <a:off x="196600" y="914400"/>
+              <a:ext cx="822900" cy="400200"/>
+            </a:xfrm>
+            <a:prstGeom prst="rect">
+              <a:avLst/>
+            </a:prstGeom>
             <a:noFill/>
-          </a:ln>
-        </p:spPr>
-        <p:txBody>
-          <a:bodyPr spcFirstLastPara="1" wrap="square" lIns="91425" tIns="91425" rIns="91425" bIns="91425" anchor="ctr" anchorCtr="0">
-            <a:noAutofit/>
-          </a:bodyPr>
-          <a:lstStyle/>
-          <a:p>
-            <a:pPr marL="0" marR="0" lvl="0" indent="0" algn="ctr" rtl="0">
-              <a:lnSpc>
-                <a:spcPct val="100000"/>
-              </a:lnSpc>
-              <a:spcBef>
-                <a:spcPts val="0"/>
-              </a:spcBef>
-              <a:spcAft>
-                <a:spcPts val="0"/>
-              </a:spcAft>
-              <a:buClr>
-                <a:srgbClr val="000000"/>
-              </a:buClr>
-              <a:buSzPts val="700"/>
-              <a:buFont typeface="Arial"/>
-              <a:buNone/>
-            </a:pPr>
-            <a:endParaRPr sz="700" b="0" i="0" u="none" strike="noStrike" cap="none">
+            <a:ln>
+              <a:noFill/>
+            </a:ln>
+          </p:spPr>
+          <p:txBody>
+            <a:bodyPr spcFirstLastPara="1" wrap="square" lIns="91425" tIns="91425" rIns="91425" bIns="91425" anchor="t" anchorCtr="0">
+              <a:spAutoFit/>
+            </a:bodyPr>
+            <a:lstStyle/>
+            <a:p>
+              <a:pPr marL="0" marR="0" lvl="0" indent="0" algn="l" rtl="0">
+                <a:lnSpc>
+                  <a:spcPct val="100000"/>
+                </a:lnSpc>
+                <a:spcBef>
+                  <a:spcPts val="0"/>
+                </a:spcBef>
+                <a:spcAft>
+                  <a:spcPts val="0"/>
+                </a:spcAft>
+                <a:buClr>
+                  <a:srgbClr val="000000"/>
+                </a:buClr>
+                <a:buSzPts val="1400"/>
+                <a:buFont typeface="Arial"/>
+                <a:buNone/>
+              </a:pPr>
+              <a:r>
+                <a:rPr lang="ko" sz="1400" b="0" i="0" u="none" strike="noStrike" cap="none">
+                  <a:solidFill>
+                    <a:srgbClr val="000000"/>
+                  </a:solidFill>
+                  <a:latin typeface="Arial"/>
+                  <a:ea typeface="Arial"/>
+                  <a:cs typeface="Arial"/>
+                  <a:sym typeface="Arial"/>
+                </a:rPr>
+                <a:t>보스방</a:t>
+              </a:r>
+              <a:endParaRPr sz="1400" b="0" i="0" u="none" strike="noStrike" cap="none">
+                <a:solidFill>
+                  <a:srgbClr val="000000"/>
+                </a:solidFill>
+                <a:latin typeface="Arial"/>
+                <a:ea typeface="Arial"/>
+                <a:cs typeface="Arial"/>
+                <a:sym typeface="Arial"/>
+              </a:endParaRPr>
+            </a:p>
+          </p:txBody>
+        </p:sp>
+        <p:sp>
+          <p:nvSpPr>
+            <p:cNvPr id="64" name="Google Shape;64;p2"/>
+            <p:cNvSpPr/>
+            <p:nvPr/>
+          </p:nvSpPr>
+          <p:spPr>
+            <a:xfrm>
+              <a:off x="196600" y="3780900"/>
+              <a:ext cx="3314700" cy="448200"/>
+            </a:xfrm>
+            <a:prstGeom prst="rect">
+              <a:avLst/>
+            </a:prstGeom>
+            <a:solidFill>
+              <a:srgbClr val="4A86E8"/>
+            </a:solidFill>
+            <a:ln>
+              <a:noFill/>
+            </a:ln>
+          </p:spPr>
+          <p:txBody>
+            <a:bodyPr spcFirstLastPara="1" wrap="square" lIns="91425" tIns="91425" rIns="91425" bIns="91425" anchor="ctr" anchorCtr="0">
+              <a:noAutofit/>
+            </a:bodyPr>
+            <a:lstStyle/>
+            <a:p>
+              <a:pPr marL="0" marR="0" lvl="0" indent="0" algn="ctr" rtl="0">
+                <a:lnSpc>
+                  <a:spcPct val="100000"/>
+                </a:lnSpc>
+                <a:spcBef>
+                  <a:spcPts val="0"/>
+                </a:spcBef>
+                <a:spcAft>
+                  <a:spcPts val="0"/>
+                </a:spcAft>
+                <a:buClr>
+                  <a:srgbClr val="000000"/>
+                </a:buClr>
+                <a:buSzPts val="1400"/>
+                <a:buFont typeface="Arial"/>
+                <a:buNone/>
+              </a:pPr>
+              <a:r>
+                <a:rPr lang="ko" sz="1400" b="0" i="0" u="none" strike="noStrike" cap="none">
+                  <a:solidFill>
+                    <a:srgbClr val="000000"/>
+                  </a:solidFill>
+                  <a:latin typeface="Arial"/>
+                  <a:ea typeface="Arial"/>
+                  <a:cs typeface="Arial"/>
+                  <a:sym typeface="Arial"/>
+                </a:rPr>
+                <a:t>안전구역</a:t>
+              </a:r>
+              <a:endParaRPr sz="1400" b="0" i="0" u="none" strike="noStrike" cap="none">
+                <a:solidFill>
+                  <a:srgbClr val="000000"/>
+                </a:solidFill>
+                <a:latin typeface="Arial"/>
+                <a:ea typeface="Arial"/>
+                <a:cs typeface="Arial"/>
+                <a:sym typeface="Arial"/>
+              </a:endParaRPr>
+            </a:p>
+          </p:txBody>
+        </p:sp>
+        <p:sp>
+          <p:nvSpPr>
+            <p:cNvPr id="65" name="Google Shape;65;p2"/>
+            <p:cNvSpPr/>
+            <p:nvPr/>
+          </p:nvSpPr>
+          <p:spPr>
+            <a:xfrm>
+              <a:off x="1364800" y="1773925"/>
+              <a:ext cx="978300" cy="400200"/>
+            </a:xfrm>
+            <a:prstGeom prst="rect">
+              <a:avLst/>
+            </a:prstGeom>
+            <a:solidFill>
+              <a:srgbClr val="434343"/>
+            </a:solidFill>
+            <a:ln>
+              <a:noFill/>
+            </a:ln>
+          </p:spPr>
+          <p:txBody>
+            <a:bodyPr spcFirstLastPara="1" wrap="square" lIns="91425" tIns="91425" rIns="91425" bIns="91425" anchor="ctr" anchorCtr="0">
+              <a:noAutofit/>
+            </a:bodyPr>
+            <a:lstStyle/>
+            <a:p>
+              <a:pPr marL="0" marR="0" lvl="0" indent="0" algn="ctr" rtl="0">
+                <a:lnSpc>
+                  <a:spcPct val="100000"/>
+                </a:lnSpc>
+                <a:spcBef>
+                  <a:spcPts val="0"/>
+                </a:spcBef>
+                <a:spcAft>
+                  <a:spcPts val="0"/>
+                </a:spcAft>
+                <a:buClr>
+                  <a:srgbClr val="000000"/>
+                </a:buClr>
+                <a:buSzPts val="1400"/>
+                <a:buFont typeface="Arial"/>
+                <a:buNone/>
+              </a:pPr>
+              <a:r>
+                <a:rPr lang="ko" sz="1400" b="0" i="0" u="none" strike="noStrike" cap="none">
+                  <a:solidFill>
+                    <a:srgbClr val="FFFFFF"/>
+                  </a:solidFill>
+                  <a:latin typeface="Arial"/>
+                  <a:ea typeface="Arial"/>
+                  <a:cs typeface="Arial"/>
+                  <a:sym typeface="Arial"/>
+                </a:rPr>
+                <a:t>장애물</a:t>
+              </a:r>
+              <a:endParaRPr sz="1400" b="0" i="0" u="none" strike="noStrike" cap="none">
+                <a:solidFill>
+                  <a:srgbClr val="FFFFFF"/>
+                </a:solidFill>
+                <a:latin typeface="Arial"/>
+                <a:ea typeface="Arial"/>
+                <a:cs typeface="Arial"/>
+                <a:sym typeface="Arial"/>
+              </a:endParaRPr>
+            </a:p>
+          </p:txBody>
+        </p:sp>
+        <p:sp>
+          <p:nvSpPr>
+            <p:cNvPr id="66" name="Google Shape;66;p2"/>
+            <p:cNvSpPr/>
+            <p:nvPr/>
+          </p:nvSpPr>
+          <p:spPr>
+            <a:xfrm>
+              <a:off x="278200" y="2392675"/>
+              <a:ext cx="978300" cy="400200"/>
+            </a:xfrm>
+            <a:prstGeom prst="rect">
+              <a:avLst/>
+            </a:prstGeom>
+            <a:solidFill>
+              <a:srgbClr val="434343"/>
+            </a:solidFill>
+            <a:ln>
+              <a:noFill/>
+            </a:ln>
+          </p:spPr>
+          <p:txBody>
+            <a:bodyPr spcFirstLastPara="1" wrap="square" lIns="91425" tIns="91425" rIns="91425" bIns="91425" anchor="ctr" anchorCtr="0">
+              <a:noAutofit/>
+            </a:bodyPr>
+            <a:lstStyle/>
+            <a:p>
+              <a:pPr marL="0" marR="0" lvl="0" indent="0" algn="ctr" rtl="0">
+                <a:lnSpc>
+                  <a:spcPct val="100000"/>
+                </a:lnSpc>
+                <a:spcBef>
+                  <a:spcPts val="0"/>
+                </a:spcBef>
+                <a:spcAft>
+                  <a:spcPts val="0"/>
+                </a:spcAft>
+                <a:buClr>
+                  <a:srgbClr val="000000"/>
+                </a:buClr>
+                <a:buSzPts val="1400"/>
+                <a:buFont typeface="Arial"/>
+                <a:buNone/>
+              </a:pPr>
+              <a:r>
+                <a:rPr lang="ko" sz="1400" b="0" i="0" u="none" strike="noStrike" cap="none">
+                  <a:solidFill>
+                    <a:srgbClr val="FFFFFF"/>
+                  </a:solidFill>
+                  <a:latin typeface="Arial"/>
+                  <a:ea typeface="Arial"/>
+                  <a:cs typeface="Arial"/>
+                  <a:sym typeface="Arial"/>
+                </a:rPr>
+                <a:t>장애물</a:t>
+              </a:r>
+              <a:endParaRPr sz="1400" b="0" i="0" u="none" strike="noStrike" cap="none">
+                <a:solidFill>
+                  <a:srgbClr val="FFFFFF"/>
+                </a:solidFill>
+                <a:latin typeface="Arial"/>
+                <a:ea typeface="Arial"/>
+                <a:cs typeface="Arial"/>
+                <a:sym typeface="Arial"/>
+              </a:endParaRPr>
+            </a:p>
+          </p:txBody>
+        </p:sp>
+        <p:sp>
+          <p:nvSpPr>
+            <p:cNvPr id="67" name="Google Shape;67;p2"/>
+            <p:cNvSpPr/>
+            <p:nvPr/>
+          </p:nvSpPr>
+          <p:spPr>
+            <a:xfrm>
+              <a:off x="645475" y="3086788"/>
+              <a:ext cx="978300" cy="400200"/>
+            </a:xfrm>
+            <a:prstGeom prst="rect">
+              <a:avLst/>
+            </a:prstGeom>
+            <a:solidFill>
+              <a:srgbClr val="434343"/>
+            </a:solidFill>
+            <a:ln>
+              <a:noFill/>
+            </a:ln>
+          </p:spPr>
+          <p:txBody>
+            <a:bodyPr spcFirstLastPara="1" wrap="square" lIns="91425" tIns="91425" rIns="91425" bIns="91425" anchor="ctr" anchorCtr="0">
+              <a:noAutofit/>
+            </a:bodyPr>
+            <a:lstStyle/>
+            <a:p>
+              <a:pPr marL="0" marR="0" lvl="0" indent="0" algn="ctr" rtl="0">
+                <a:lnSpc>
+                  <a:spcPct val="100000"/>
+                </a:lnSpc>
+                <a:spcBef>
+                  <a:spcPts val="0"/>
+                </a:spcBef>
+                <a:spcAft>
+                  <a:spcPts val="0"/>
+                </a:spcAft>
+                <a:buClr>
+                  <a:srgbClr val="000000"/>
+                </a:buClr>
+                <a:buSzPts val="1400"/>
+                <a:buFont typeface="Arial"/>
+                <a:buNone/>
+              </a:pPr>
+              <a:r>
+                <a:rPr lang="ko" sz="1400" b="0" i="0" u="none" strike="noStrike" cap="none">
+                  <a:solidFill>
+                    <a:srgbClr val="FFFFFF"/>
+                  </a:solidFill>
+                  <a:latin typeface="Arial"/>
+                  <a:ea typeface="Arial"/>
+                  <a:cs typeface="Arial"/>
+                  <a:sym typeface="Arial"/>
+                </a:rPr>
+                <a:t>장애물</a:t>
+              </a:r>
+              <a:endParaRPr sz="1400" b="0" i="0" u="none" strike="noStrike" cap="none">
+                <a:solidFill>
+                  <a:srgbClr val="FFFFFF"/>
+                </a:solidFill>
+                <a:latin typeface="Arial"/>
+                <a:ea typeface="Arial"/>
+                <a:cs typeface="Arial"/>
+                <a:sym typeface="Arial"/>
+              </a:endParaRPr>
+            </a:p>
+          </p:txBody>
+        </p:sp>
+        <p:sp>
+          <p:nvSpPr>
+            <p:cNvPr id="68" name="Google Shape;68;p2"/>
+            <p:cNvSpPr/>
+            <p:nvPr/>
+          </p:nvSpPr>
+          <p:spPr>
+            <a:xfrm>
+              <a:off x="1785425" y="3273575"/>
+              <a:ext cx="978300" cy="400200"/>
+            </a:xfrm>
+            <a:prstGeom prst="rect">
+              <a:avLst/>
+            </a:prstGeom>
+            <a:solidFill>
+              <a:srgbClr val="434343"/>
+            </a:solidFill>
+            <a:ln>
+              <a:noFill/>
+            </a:ln>
+          </p:spPr>
+          <p:txBody>
+            <a:bodyPr spcFirstLastPara="1" wrap="square" lIns="91425" tIns="91425" rIns="91425" bIns="91425" anchor="ctr" anchorCtr="0">
+              <a:noAutofit/>
+            </a:bodyPr>
+            <a:lstStyle/>
+            <a:p>
+              <a:pPr marL="0" marR="0" lvl="0" indent="0" algn="ctr" rtl="0">
+                <a:lnSpc>
+                  <a:spcPct val="100000"/>
+                </a:lnSpc>
+                <a:spcBef>
+                  <a:spcPts val="0"/>
+                </a:spcBef>
+                <a:spcAft>
+                  <a:spcPts val="0"/>
+                </a:spcAft>
+                <a:buClr>
+                  <a:srgbClr val="000000"/>
+                </a:buClr>
+                <a:buSzPts val="1400"/>
+                <a:buFont typeface="Arial"/>
+                <a:buNone/>
+              </a:pPr>
+              <a:r>
+                <a:rPr lang="ko" sz="1400" b="0" i="0" u="none" strike="noStrike" cap="none">
+                  <a:solidFill>
+                    <a:srgbClr val="FFFFFF"/>
+                  </a:solidFill>
+                  <a:latin typeface="Arial"/>
+                  <a:ea typeface="Arial"/>
+                  <a:cs typeface="Arial"/>
+                  <a:sym typeface="Arial"/>
+                </a:rPr>
+                <a:t>장애물</a:t>
+              </a:r>
+              <a:endParaRPr sz="1400" b="0" i="0" u="none" strike="noStrike" cap="none">
+                <a:solidFill>
+                  <a:srgbClr val="FFFFFF"/>
+                </a:solidFill>
+                <a:latin typeface="Arial"/>
+                <a:ea typeface="Arial"/>
+                <a:cs typeface="Arial"/>
+                <a:sym typeface="Arial"/>
+              </a:endParaRPr>
+            </a:p>
+          </p:txBody>
+        </p:sp>
+        <p:sp>
+          <p:nvSpPr>
+            <p:cNvPr id="69" name="Google Shape;69;p2"/>
+            <p:cNvSpPr/>
+            <p:nvPr/>
+          </p:nvSpPr>
+          <p:spPr>
+            <a:xfrm>
+              <a:off x="2139000" y="2304288"/>
+              <a:ext cx="978300" cy="400200"/>
+            </a:xfrm>
+            <a:prstGeom prst="rect">
+              <a:avLst/>
+            </a:prstGeom>
+            <a:solidFill>
+              <a:srgbClr val="434343"/>
+            </a:solidFill>
+            <a:ln>
+              <a:noFill/>
+            </a:ln>
+          </p:spPr>
+          <p:txBody>
+            <a:bodyPr spcFirstLastPara="1" wrap="square" lIns="91425" tIns="91425" rIns="91425" bIns="91425" anchor="ctr" anchorCtr="0">
+              <a:noAutofit/>
+            </a:bodyPr>
+            <a:lstStyle/>
+            <a:p>
+              <a:pPr marL="0" marR="0" lvl="0" indent="0" algn="ctr" rtl="0">
+                <a:lnSpc>
+                  <a:spcPct val="100000"/>
+                </a:lnSpc>
+                <a:spcBef>
+                  <a:spcPts val="0"/>
+                </a:spcBef>
+                <a:spcAft>
+                  <a:spcPts val="0"/>
+                </a:spcAft>
+                <a:buClr>
+                  <a:srgbClr val="000000"/>
+                </a:buClr>
+                <a:buSzPts val="1400"/>
+                <a:buFont typeface="Arial"/>
+                <a:buNone/>
+              </a:pPr>
+              <a:r>
+                <a:rPr lang="ko" sz="1400" b="0" i="0" u="none" strike="noStrike" cap="none">
+                  <a:solidFill>
+                    <a:srgbClr val="FFFFFF"/>
+                  </a:solidFill>
+                  <a:latin typeface="Arial"/>
+                  <a:ea typeface="Arial"/>
+                  <a:cs typeface="Arial"/>
+                  <a:sym typeface="Arial"/>
+                </a:rPr>
+                <a:t>장애물</a:t>
+              </a:r>
+              <a:endParaRPr sz="1400" b="0" i="0" u="none" strike="noStrike" cap="none">
+                <a:solidFill>
+                  <a:srgbClr val="FFFFFF"/>
+                </a:solidFill>
+                <a:latin typeface="Arial"/>
+                <a:ea typeface="Arial"/>
+                <a:cs typeface="Arial"/>
+                <a:sym typeface="Arial"/>
+              </a:endParaRPr>
+            </a:p>
+          </p:txBody>
+        </p:sp>
+        <p:sp>
+          <p:nvSpPr>
+            <p:cNvPr id="71" name="Google Shape;71;p2"/>
+            <p:cNvSpPr/>
+            <p:nvPr/>
+          </p:nvSpPr>
+          <p:spPr>
+            <a:xfrm>
+              <a:off x="937250" y="1314600"/>
+              <a:ext cx="261600" cy="261600"/>
+            </a:xfrm>
+            <a:prstGeom prst="ellipse">
+              <a:avLst/>
+            </a:prstGeom>
+            <a:solidFill>
+              <a:schemeClr val="accent1"/>
+            </a:solidFill>
+            <a:ln>
+              <a:noFill/>
+            </a:ln>
+          </p:spPr>
+          <p:txBody>
+            <a:bodyPr spcFirstLastPara="1" wrap="square" lIns="91425" tIns="91425" rIns="91425" bIns="91425" anchor="ctr" anchorCtr="0">
+              <a:noAutofit/>
+            </a:bodyPr>
+            <a:lstStyle/>
+            <a:p>
+              <a:pPr marL="0" marR="0" lvl="0" indent="0" algn="ctr" rtl="0">
+                <a:lnSpc>
+                  <a:spcPct val="100000"/>
+                </a:lnSpc>
+                <a:spcBef>
+                  <a:spcPts val="0"/>
+                </a:spcBef>
+                <a:spcAft>
+                  <a:spcPts val="0"/>
+                </a:spcAft>
+                <a:buClr>
+                  <a:srgbClr val="000000"/>
+                </a:buClr>
+                <a:buSzPts val="700"/>
+                <a:buFont typeface="Arial"/>
+                <a:buNone/>
+              </a:pPr>
+              <a:endParaRPr sz="700" b="0" i="0" u="none" strike="noStrike" cap="none">
+                <a:solidFill>
+                  <a:srgbClr val="000000"/>
+                </a:solidFill>
+                <a:latin typeface="Arial"/>
+                <a:ea typeface="Arial"/>
+                <a:cs typeface="Arial"/>
+                <a:sym typeface="Arial"/>
+              </a:endParaRPr>
+            </a:p>
+          </p:txBody>
+        </p:sp>
+        <p:sp>
+          <p:nvSpPr>
+            <p:cNvPr id="73" name="Google Shape;73;p2"/>
+            <p:cNvSpPr/>
+            <p:nvPr/>
+          </p:nvSpPr>
+          <p:spPr>
+            <a:xfrm>
+              <a:off x="2185450" y="1473625"/>
+              <a:ext cx="261600" cy="261600"/>
+            </a:xfrm>
+            <a:prstGeom prst="ellipse">
+              <a:avLst/>
+            </a:prstGeom>
+            <a:solidFill>
+              <a:schemeClr val="accent1"/>
+            </a:solidFill>
+            <a:ln>
+              <a:noFill/>
+            </a:ln>
+          </p:spPr>
+          <p:txBody>
+            <a:bodyPr spcFirstLastPara="1" wrap="square" lIns="91425" tIns="91425" rIns="91425" bIns="91425" anchor="ctr" anchorCtr="0">
+              <a:noAutofit/>
+            </a:bodyPr>
+            <a:lstStyle/>
+            <a:p>
+              <a:pPr marL="0" marR="0" lvl="0" indent="0" algn="ctr" rtl="0">
+                <a:lnSpc>
+                  <a:spcPct val="100000"/>
+                </a:lnSpc>
+                <a:spcBef>
+                  <a:spcPts val="0"/>
+                </a:spcBef>
+                <a:spcAft>
+                  <a:spcPts val="0"/>
+                </a:spcAft>
+                <a:buClr>
+                  <a:srgbClr val="000000"/>
+                </a:buClr>
+                <a:buSzPts val="700"/>
+                <a:buFont typeface="Arial"/>
+                <a:buNone/>
+              </a:pPr>
+              <a:endParaRPr sz="700" b="0" i="0" u="none" strike="noStrike" cap="none">
+                <a:solidFill>
+                  <a:srgbClr val="000000"/>
+                </a:solidFill>
+                <a:latin typeface="Arial"/>
+                <a:ea typeface="Arial"/>
+                <a:cs typeface="Arial"/>
+                <a:sym typeface="Arial"/>
+              </a:endParaRPr>
+            </a:p>
+          </p:txBody>
+        </p:sp>
+        <p:sp>
+          <p:nvSpPr>
+            <p:cNvPr id="74" name="Google Shape;74;p2"/>
+            <p:cNvSpPr/>
+            <p:nvPr/>
+          </p:nvSpPr>
+          <p:spPr>
+            <a:xfrm>
+              <a:off x="2569450" y="1352400"/>
+              <a:ext cx="261600" cy="261600"/>
+            </a:xfrm>
+            <a:prstGeom prst="ellipse">
+              <a:avLst/>
+            </a:prstGeom>
+            <a:solidFill>
+              <a:schemeClr val="accent1"/>
+            </a:solidFill>
+            <a:ln>
+              <a:noFill/>
+            </a:ln>
+          </p:spPr>
+          <p:txBody>
+            <a:bodyPr spcFirstLastPara="1" wrap="square" lIns="91425" tIns="91425" rIns="91425" bIns="91425" anchor="ctr" anchorCtr="0">
+              <a:noAutofit/>
+            </a:bodyPr>
+            <a:lstStyle/>
+            <a:p>
+              <a:pPr marL="0" marR="0" lvl="0" indent="0" algn="ctr" rtl="0">
+                <a:lnSpc>
+                  <a:spcPct val="100000"/>
+                </a:lnSpc>
+                <a:spcBef>
+                  <a:spcPts val="0"/>
+                </a:spcBef>
+                <a:spcAft>
+                  <a:spcPts val="0"/>
+                </a:spcAft>
+                <a:buClr>
+                  <a:srgbClr val="000000"/>
+                </a:buClr>
+                <a:buSzPts val="700"/>
+                <a:buFont typeface="Arial"/>
+                <a:buNone/>
+              </a:pPr>
+              <a:endParaRPr sz="700" b="0" i="0" u="none" strike="noStrike" cap="none">
+                <a:solidFill>
+                  <a:srgbClr val="000000"/>
+                </a:solidFill>
+                <a:latin typeface="Arial"/>
+                <a:ea typeface="Arial"/>
+                <a:cs typeface="Arial"/>
+                <a:sym typeface="Arial"/>
+              </a:endParaRPr>
+            </a:p>
+          </p:txBody>
+        </p:sp>
+        <p:cxnSp>
+          <p:nvCxnSpPr>
+            <p:cNvPr id="75" name="Google Shape;75;p2"/>
+            <p:cNvCxnSpPr>
+              <a:stCxn id="74" idx="7"/>
+            </p:cNvCxnSpPr>
+            <p:nvPr/>
+          </p:nvCxnSpPr>
+          <p:spPr>
+            <a:xfrm rot="10800000" flipH="1">
+              <a:off x="2792740" y="850410"/>
+              <a:ext cx="179100" cy="540300"/>
+            </a:xfrm>
+            <a:prstGeom prst="straightConnector1">
+              <a:avLst/>
+            </a:prstGeom>
+            <a:noFill/>
+            <a:ln w="9525" cap="flat" cmpd="sng">
               <a:solidFill>
-                <a:srgbClr val="000000"/>
+                <a:schemeClr val="dk2"/>
               </a:solidFill>
-              <a:latin typeface="Arial"/>
-              <a:ea typeface="Arial"/>
-              <a:cs typeface="Arial"/>
-              <a:sym typeface="Arial"/>
-            </a:endParaRPr>
-          </a:p>
-        </p:txBody>
-      </p:sp>
-      <p:sp>
-        <p:nvSpPr>
-          <p:cNvPr id="73" name="Google Shape;73;p2"/>
-          <p:cNvSpPr/>
-          <p:nvPr/>
-        </p:nvSpPr>
-        <p:spPr>
-          <a:xfrm>
-            <a:off x="2185450" y="1473625"/>
-            <a:ext cx="261600" cy="261600"/>
-          </a:xfrm>
-          <a:prstGeom prst="ellipse">
-            <a:avLst/>
-          </a:prstGeom>
-          <a:solidFill>
-            <a:schemeClr val="accent1"/>
-          </a:solidFill>
-          <a:ln>
+              <a:prstDash val="solid"/>
+              <a:round/>
+              <a:headEnd type="none" w="sm" len="sm"/>
+              <a:tailEnd type="triangle" w="med" len="med"/>
+            </a:ln>
+          </p:spPr>
+        </p:cxnSp>
+        <p:sp>
+          <p:nvSpPr>
+            <p:cNvPr id="76" name="Google Shape;76;p2"/>
+            <p:cNvSpPr txBox="1"/>
+            <p:nvPr/>
+          </p:nvSpPr>
+          <p:spPr>
+            <a:xfrm>
+              <a:off x="2807200" y="626400"/>
+              <a:ext cx="567000" cy="292500"/>
+            </a:xfrm>
+            <a:prstGeom prst="rect">
+              <a:avLst/>
+            </a:prstGeom>
             <a:noFill/>
-          </a:ln>
-        </p:spPr>
-        <p:txBody>
-          <a:bodyPr spcFirstLastPara="1" wrap="square" lIns="91425" tIns="91425" rIns="91425" bIns="91425" anchor="ctr" anchorCtr="0">
-            <a:noAutofit/>
-          </a:bodyPr>
-          <a:lstStyle/>
-          <a:p>
-            <a:pPr marL="0" marR="0" lvl="0" indent="0" algn="ctr" rtl="0">
-              <a:lnSpc>
-                <a:spcPct val="100000"/>
-              </a:lnSpc>
-              <a:spcBef>
-                <a:spcPts val="0"/>
-              </a:spcBef>
-              <a:spcAft>
-                <a:spcPts val="0"/>
-              </a:spcAft>
-              <a:buClr>
-                <a:srgbClr val="000000"/>
-              </a:buClr>
-              <a:buSzPts val="700"/>
-              <a:buFont typeface="Arial"/>
-              <a:buNone/>
-            </a:pPr>
-            <a:endParaRPr sz="700" b="0" i="0" u="none" strike="noStrike" cap="none">
-              <a:solidFill>
-                <a:srgbClr val="000000"/>
-              </a:solidFill>
-              <a:latin typeface="Arial"/>
-              <a:ea typeface="Arial"/>
-              <a:cs typeface="Arial"/>
-              <a:sym typeface="Arial"/>
-            </a:endParaRPr>
-          </a:p>
-        </p:txBody>
-      </p:sp>
-      <p:sp>
-        <p:nvSpPr>
-          <p:cNvPr id="74" name="Google Shape;74;p2"/>
-          <p:cNvSpPr/>
-          <p:nvPr/>
-        </p:nvSpPr>
-        <p:spPr>
-          <a:xfrm>
-            <a:off x="2569450" y="1352400"/>
-            <a:ext cx="261600" cy="261600"/>
-          </a:xfrm>
-          <a:prstGeom prst="ellipse">
-            <a:avLst/>
-          </a:prstGeom>
-          <a:solidFill>
-            <a:schemeClr val="accent1"/>
-          </a:solidFill>
-          <a:ln>
-            <a:noFill/>
-          </a:ln>
-        </p:spPr>
-        <p:txBody>
-          <a:bodyPr spcFirstLastPara="1" wrap="square" lIns="91425" tIns="91425" rIns="91425" bIns="91425" anchor="ctr" anchorCtr="0">
-            <a:noAutofit/>
-          </a:bodyPr>
-          <a:lstStyle/>
-          <a:p>
-            <a:pPr marL="0" marR="0" lvl="0" indent="0" algn="ctr" rtl="0">
-              <a:lnSpc>
-                <a:spcPct val="100000"/>
-              </a:lnSpc>
-              <a:spcBef>
-                <a:spcPts val="0"/>
-              </a:spcBef>
-              <a:spcAft>
-                <a:spcPts val="0"/>
-              </a:spcAft>
-              <a:buClr>
-                <a:srgbClr val="000000"/>
-              </a:buClr>
-              <a:buSzPts val="700"/>
-              <a:buFont typeface="Arial"/>
-              <a:buNone/>
-            </a:pPr>
-            <a:endParaRPr sz="700" b="0" i="0" u="none" strike="noStrike" cap="none">
-              <a:solidFill>
-                <a:srgbClr val="000000"/>
-              </a:solidFill>
-              <a:latin typeface="Arial"/>
-              <a:ea typeface="Arial"/>
-              <a:cs typeface="Arial"/>
-              <a:sym typeface="Arial"/>
-            </a:endParaRPr>
-          </a:p>
-        </p:txBody>
-      </p:sp>
-      <p:cxnSp>
-        <p:nvCxnSpPr>
-          <p:cNvPr id="75" name="Google Shape;75;p2"/>
-          <p:cNvCxnSpPr>
-            <a:stCxn id="74" idx="7"/>
-          </p:cNvCxnSpPr>
-          <p:nvPr/>
-        </p:nvCxnSpPr>
-        <p:spPr>
-          <a:xfrm rot="10800000" flipH="1">
-            <a:off x="2792740" y="850410"/>
-            <a:ext cx="179100" cy="540300"/>
-          </a:xfrm>
-          <a:prstGeom prst="straightConnector1">
-            <a:avLst/>
-          </a:prstGeom>
-          <a:noFill/>
-          <a:ln w="9525" cap="flat" cmpd="sng">
-            <a:solidFill>
-              <a:schemeClr val="dk2"/>
-            </a:solidFill>
-            <a:prstDash val="solid"/>
-            <a:round/>
-            <a:headEnd type="none" w="sm" len="sm"/>
-            <a:tailEnd type="triangle" w="med" len="med"/>
-          </a:ln>
-        </p:spPr>
-      </p:cxnSp>
-      <p:sp>
-        <p:nvSpPr>
-          <p:cNvPr id="76" name="Google Shape;76;p2"/>
-          <p:cNvSpPr txBox="1"/>
-          <p:nvPr/>
-        </p:nvSpPr>
-        <p:spPr>
-          <a:xfrm>
-            <a:off x="2807200" y="626400"/>
-            <a:ext cx="567000" cy="292500"/>
-          </a:xfrm>
-          <a:prstGeom prst="rect">
-            <a:avLst/>
-          </a:prstGeom>
-          <a:noFill/>
-          <a:ln>
-            <a:noFill/>
-          </a:ln>
-        </p:spPr>
-        <p:txBody>
-          <a:bodyPr spcFirstLastPara="1" wrap="square" lIns="91425" tIns="91425" rIns="91425" bIns="91425" anchor="t" anchorCtr="0">
-            <a:spAutoFit/>
-          </a:bodyPr>
-          <a:lstStyle/>
-          <a:p>
-            <a:pPr marL="0" marR="0" lvl="0" indent="0" algn="ctr" rtl="0">
-              <a:lnSpc>
-                <a:spcPct val="100000"/>
-              </a:lnSpc>
-              <a:spcBef>
-                <a:spcPts val="0"/>
-              </a:spcBef>
-              <a:spcAft>
-                <a:spcPts val="0"/>
-              </a:spcAft>
-              <a:buClr>
-                <a:srgbClr val="000000"/>
-              </a:buClr>
-              <a:buSzPts val="700"/>
-              <a:buFont typeface="Arial"/>
-              <a:buNone/>
-            </a:pPr>
-            <a:r>
-              <a:rPr lang="ko" sz="700" b="0" i="0" u="none" strike="noStrike" cap="none">
-                <a:solidFill>
-                  <a:srgbClr val="000000"/>
-                </a:solidFill>
-                <a:latin typeface="Arial"/>
-                <a:ea typeface="Arial"/>
-                <a:cs typeface="Arial"/>
-                <a:sym typeface="Arial"/>
-              </a:rPr>
-              <a:t>플레이어</a:t>
-            </a:r>
-            <a:endParaRPr sz="700" b="0" i="0" u="none" strike="noStrike" cap="none">
-              <a:solidFill>
-                <a:srgbClr val="000000"/>
-              </a:solidFill>
-              <a:latin typeface="Arial"/>
-              <a:ea typeface="Arial"/>
-              <a:cs typeface="Arial"/>
-              <a:sym typeface="Arial"/>
-            </a:endParaRPr>
-          </a:p>
-        </p:txBody>
-      </p:sp>
+            <a:ln>
+              <a:noFill/>
+            </a:ln>
+          </p:spPr>
+          <p:txBody>
+            <a:bodyPr spcFirstLastPara="1" wrap="square" lIns="91425" tIns="91425" rIns="91425" bIns="91425" anchor="t" anchorCtr="0">
+              <a:spAutoFit/>
+            </a:bodyPr>
+            <a:lstStyle/>
+            <a:p>
+              <a:pPr marL="0" marR="0" lvl="0" indent="0" algn="ctr" rtl="0">
+                <a:lnSpc>
+                  <a:spcPct val="100000"/>
+                </a:lnSpc>
+                <a:spcBef>
+                  <a:spcPts val="0"/>
+                </a:spcBef>
+                <a:spcAft>
+                  <a:spcPts val="0"/>
+                </a:spcAft>
+                <a:buClr>
+                  <a:srgbClr val="000000"/>
+                </a:buClr>
+                <a:buSzPts val="700"/>
+                <a:buFont typeface="Arial"/>
+                <a:buNone/>
+              </a:pPr>
+              <a:r>
+                <a:rPr lang="ko" sz="700" b="0" i="0" u="none" strike="noStrike" cap="none">
+                  <a:solidFill>
+                    <a:srgbClr val="000000"/>
+                  </a:solidFill>
+                  <a:latin typeface="Arial"/>
+                  <a:ea typeface="Arial"/>
+                  <a:cs typeface="Arial"/>
+                  <a:sym typeface="Arial"/>
+                </a:rPr>
+                <a:t>플레이어</a:t>
+              </a:r>
+              <a:endParaRPr sz="700" b="0" i="0" u="none" strike="noStrike" cap="none">
+                <a:solidFill>
+                  <a:srgbClr val="000000"/>
+                </a:solidFill>
+                <a:latin typeface="Arial"/>
+                <a:ea typeface="Arial"/>
+                <a:cs typeface="Arial"/>
+                <a:sym typeface="Arial"/>
+              </a:endParaRPr>
+            </a:p>
+          </p:txBody>
+        </p:sp>
+      </p:grpSp>
     </p:spTree>
   </p:cSld>
   <p:clrMapOvr>
